--- a/Presentation1.pptx
+++ b/Presentation1.pptx
@@ -4059,7 +4059,7 @@
         </p:spPr>
         <p:txBody>
           <a:bodyPr>
-            <a:normAutofit fontScale="92500" lnSpcReduction="10000"/>
+            <a:normAutofit fontScale="92500" lnSpcReduction="20000"/>
           </a:bodyPr>
           <a:lstStyle/>
           <a:p>
@@ -4174,7 +4174,27 @@
             </a:r>
             <a:r>
               <a:rPr lang="ru-RU" dirty="0" smtClean="0"/>
-              <a:t>рисует кривую на графике согласно выбранному способу </a:t>
+              <a:t>рисует кривую на </a:t>
+            </a:r>
+            <a:r>
+              <a:rPr lang="ru-RU" dirty="0" smtClean="0"/>
+              <a:t>графике</a:t>
+            </a:r>
+            <a:r>
+              <a:rPr lang="en-US" dirty="0" smtClean="0"/>
+              <a:t> </a:t>
+            </a:r>
+            <a:r>
+              <a:rPr lang="ru-RU" dirty="0" smtClean="0"/>
+              <a:t>и </a:t>
+            </a:r>
+            <a:r>
+              <a:rPr lang="ru-RU" smtClean="0"/>
+              <a:t>ее производную </a:t>
+            </a:r>
+            <a:r>
+              <a:rPr lang="ru-RU" dirty="0" smtClean="0"/>
+              <a:t>согласно выбранному способу </a:t>
             </a:r>
             <a:r>
               <a:rPr lang="en-US" dirty="0" smtClean="0"/>

--- a/Presentation1.pptx
+++ b/Presentation1.pptx
@@ -14,8 +14,13 @@
     <p:sldId id="262" r:id="rId8"/>
     <p:sldId id="261" r:id="rId9"/>
     <p:sldId id="263" r:id="rId10"/>
-    <p:sldId id="266" r:id="rId11"/>
-    <p:sldId id="267" r:id="rId12"/>
+    <p:sldId id="268" r:id="rId11"/>
+    <p:sldId id="270" r:id="rId12"/>
+    <p:sldId id="271" r:id="rId13"/>
+    <p:sldId id="266" r:id="rId14"/>
+    <p:sldId id="267" r:id="rId15"/>
+    <p:sldId id="272" r:id="rId16"/>
+    <p:sldId id="273" r:id="rId17"/>
   </p:sldIdLst>
   <p:sldSz cx="12192000" cy="6858000"/>
   <p:notesSz cx="6858000" cy="9144000"/>
@@ -348,7 +353,7 @@
           <a:p>
             <a:fld id="{1C250A73-6D61-5240-A7AB-D977C66BF462}" type="datetimeFigureOut">
               <a:rPr lang="en-DE" smtClean="0"/>
-              <a:t>06/18/2023</a:t>
+              <a:t>06/22/2023</a:t>
             </a:fld>
             <a:endParaRPr lang="en-DE"/>
           </a:p>
@@ -556,7 +561,7 @@
           <a:p>
             <a:fld id="{1C250A73-6D61-5240-A7AB-D977C66BF462}" type="datetimeFigureOut">
               <a:rPr lang="en-DE" smtClean="0"/>
-              <a:t>06/18/2023</a:t>
+              <a:t>06/22/2023</a:t>
             </a:fld>
             <a:endParaRPr lang="en-DE"/>
           </a:p>
@@ -812,7 +817,7 @@
           <a:p>
             <a:fld id="{1C250A73-6D61-5240-A7AB-D977C66BF462}" type="datetimeFigureOut">
               <a:rPr lang="en-DE" smtClean="0"/>
-              <a:t>06/18/2023</a:t>
+              <a:t>06/22/2023</a:t>
             </a:fld>
             <a:endParaRPr lang="en-DE"/>
           </a:p>
@@ -986,7 +991,7 @@
           <a:p>
             <a:fld id="{1C250A73-6D61-5240-A7AB-D977C66BF462}" type="datetimeFigureOut">
               <a:rPr lang="en-DE" smtClean="0"/>
-              <a:t>06/18/2023</a:t>
+              <a:t>06/22/2023</a:t>
             </a:fld>
             <a:endParaRPr lang="en-DE"/>
           </a:p>
@@ -1329,7 +1334,7 @@
           <a:p>
             <a:fld id="{1C250A73-6D61-5240-A7AB-D977C66BF462}" type="datetimeFigureOut">
               <a:rPr lang="en-DE" smtClean="0"/>
-              <a:t>06/18/2023</a:t>
+              <a:t>06/22/2023</a:t>
             </a:fld>
             <a:endParaRPr lang="en-DE"/>
           </a:p>
@@ -1604,7 +1609,7 @@
           <a:p>
             <a:fld id="{1C250A73-6D61-5240-A7AB-D977C66BF462}" type="datetimeFigureOut">
               <a:rPr lang="en-DE" smtClean="0"/>
-              <a:t>06/18/2023</a:t>
+              <a:t>06/22/2023</a:t>
             </a:fld>
             <a:endParaRPr lang="en-DE"/>
           </a:p>
@@ -1983,7 +1988,7 @@
           <a:p>
             <a:fld id="{1C250A73-6D61-5240-A7AB-D977C66BF462}" type="datetimeFigureOut">
               <a:rPr lang="en-DE" smtClean="0"/>
-              <a:t>06/18/2023</a:t>
+              <a:t>06/22/2023</a:t>
             </a:fld>
             <a:endParaRPr lang="en-DE"/>
           </a:p>
@@ -2101,7 +2106,7 @@
           <a:p>
             <a:fld id="{1C250A73-6D61-5240-A7AB-D977C66BF462}" type="datetimeFigureOut">
               <a:rPr lang="en-DE" smtClean="0"/>
-              <a:t>06/18/2023</a:t>
+              <a:t>06/22/2023</a:t>
             </a:fld>
             <a:endParaRPr lang="en-DE"/>
           </a:p>
@@ -2272,7 +2277,7 @@
           <a:p>
             <a:fld id="{1C250A73-6D61-5240-A7AB-D977C66BF462}" type="datetimeFigureOut">
               <a:rPr lang="en-DE" smtClean="0"/>
-              <a:t>06/18/2023</a:t>
+              <a:t>06/22/2023</a:t>
             </a:fld>
             <a:endParaRPr lang="en-DE"/>
           </a:p>
@@ -2626,7 +2631,7 @@
           <a:p>
             <a:fld id="{1C250A73-6D61-5240-A7AB-D977C66BF462}" type="datetimeFigureOut">
               <a:rPr lang="en-DE" smtClean="0"/>
-              <a:t>06/18/2023</a:t>
+              <a:t>06/22/2023</a:t>
             </a:fld>
             <a:endParaRPr lang="en-DE"/>
           </a:p>
@@ -3008,7 +3013,7 @@
           <a:p>
             <a:fld id="{1C250A73-6D61-5240-A7AB-D977C66BF462}" type="datetimeFigureOut">
               <a:rPr lang="en-DE" smtClean="0"/>
-              <a:t>06/18/2023</a:t>
+              <a:t>06/22/2023</a:t>
             </a:fld>
             <a:endParaRPr lang="en-DE"/>
           </a:p>
@@ -3295,7 +3300,7 @@
           <a:p>
             <a:fld id="{1C250A73-6D61-5240-A7AB-D977C66BF462}" type="datetimeFigureOut">
               <a:rPr lang="en-DE" smtClean="0"/>
-              <a:t>06/18/2023</a:t>
+              <a:t>06/22/2023</a:t>
             </a:fld>
             <a:endParaRPr lang="en-DE"/>
           </a:p>
@@ -4021,6 +4026,5363 @@
       </p:grpSpPr>
       <p:sp>
         <p:nvSpPr>
+          <p:cNvPr id="2" name="Title 1">
+            <a:extLst>
+              <a:ext uri="{FF2B5EF4-FFF2-40B4-BE49-F238E27FC236}">
+                <a16:creationId xmlns:a16="http://schemas.microsoft.com/office/drawing/2014/main" id="{FABCAFCC-6BD7-6128-DD8D-8598AEE6C12E}"/>
+              </a:ext>
+            </a:extLst>
+          </p:cNvPr>
+          <p:cNvSpPr>
+            <a:spLocks noGrp="1"/>
+          </p:cNvSpPr>
+          <p:nvPr>
+            <p:ph type="title"/>
+          </p:nvPr>
+        </p:nvSpPr>
+        <p:spPr>
+          <a:xfrm>
+            <a:off x="1101853" y="259751"/>
+            <a:ext cx="10515600" cy="1325563"/>
+          </a:xfrm>
+        </p:spPr>
+        <p:txBody>
+          <a:bodyPr>
+            <a:normAutofit fontScale="90000"/>
+          </a:bodyPr>
+          <a:lstStyle/>
+          <a:p>
+            <a:r>
+              <a:rPr lang="ru-RU" dirty="0"/>
+              <a:t>Интерполяция экспоненциальными </a:t>
+            </a:r>
+            <a:r>
+              <a:rPr lang="ru-RU" dirty="0" smtClean="0"/>
+              <a:t>сплайнами</a:t>
+            </a:r>
+            <a:r>
+              <a:rPr lang="en-US" dirty="0" smtClean="0"/>
+              <a:t>.</a:t>
+            </a:r>
+            <a:r>
+              <a:rPr lang="ru-RU" dirty="0" smtClean="0"/>
+              <a:t> Методы склеивания</a:t>
+            </a:r>
+            <a:r>
+              <a:rPr lang="en-US" dirty="0" smtClean="0"/>
+              <a:t>.</a:t>
+            </a:r>
+            <a:endParaRPr lang="en-DE" dirty="0"/>
+          </a:p>
+        </p:txBody>
+      </p:sp>
+      <mc:AlternateContent xmlns:mc="http://schemas.openxmlformats.org/markup-compatibility/2006">
+        <mc:Choice xmlns:a14="http://schemas.microsoft.com/office/drawing/2010/main" Requires="a14">
+          <p:sp>
+            <p:nvSpPr>
+              <p:cNvPr id="11" name="Объект 10"/>
+              <p:cNvSpPr>
+                <a:spLocks noGrp="1"/>
+              </p:cNvSpPr>
+              <p:nvPr>
+                <p:ph idx="1"/>
+              </p:nvPr>
+            </p:nvSpPr>
+            <p:spPr>
+              <a:xfrm>
+                <a:off x="1097279" y="1613288"/>
+                <a:ext cx="10045202" cy="4464026"/>
+              </a:xfrm>
+            </p:spPr>
+            <p:txBody>
+              <a:bodyPr>
+                <a:normAutofit/>
+              </a:bodyPr>
+              <a:lstStyle/>
+              <a:p>
+                <a:pPr indent="0" algn="just">
+                  <a:lnSpc>
+                    <a:spcPct val="150000"/>
+                  </a:lnSpc>
+                  <a:buNone/>
+                </a:pPr>
+                <a:r>
+                  <a:rPr lang="ru-RU" sz="1600" dirty="0" smtClean="0">
+                    <a:solidFill>
+                      <a:schemeClr val="tx1"/>
+                    </a:solidFill>
+                    <a:latin typeface="Times New Roman" panose="02020603050405020304" pitchFamily="18" charset="0"/>
+                    <a:cs typeface="Times New Roman" panose="02020603050405020304" pitchFamily="18" charset="0"/>
+                  </a:rPr>
+                  <a:t>Имея набор </a:t>
+                </a:r>
+                <a:r>
+                  <a:rPr lang="ru-RU" sz="1600" dirty="0">
+                    <a:solidFill>
+                      <a:schemeClr val="tx1"/>
+                    </a:solidFill>
+                    <a:latin typeface="Times New Roman" panose="02020603050405020304" pitchFamily="18" charset="0"/>
+                    <a:cs typeface="Times New Roman" panose="02020603050405020304" pitchFamily="18" charset="0"/>
+                  </a:rPr>
+                  <a:t>функций, построенных на тройках </a:t>
+                </a:r>
+                <a:r>
+                  <a:rPr lang="ru-RU" sz="1600" dirty="0" smtClean="0">
+                    <a:solidFill>
+                      <a:schemeClr val="tx1"/>
+                    </a:solidFill>
+                    <a:latin typeface="Times New Roman" panose="02020603050405020304" pitchFamily="18" charset="0"/>
+                    <a:cs typeface="Times New Roman" panose="02020603050405020304" pitchFamily="18" charset="0"/>
+                  </a:rPr>
+                  <a:t>заданных </a:t>
+                </a:r>
+                <a:r>
+                  <a:rPr lang="ru-RU" sz="1600" dirty="0">
+                    <a:solidFill>
+                      <a:schemeClr val="tx1"/>
+                    </a:solidFill>
+                    <a:latin typeface="Times New Roman" panose="02020603050405020304" pitchFamily="18" charset="0"/>
+                    <a:cs typeface="Times New Roman" panose="02020603050405020304" pitchFamily="18" charset="0"/>
+                  </a:rPr>
+                  <a:t>точек (в виде экспоненты, </a:t>
+                </a:r>
+                <a:r>
+                  <a:rPr lang="ru-RU" sz="1600" dirty="0" smtClean="0">
+                    <a:solidFill>
+                      <a:schemeClr val="tx1"/>
+                    </a:solidFill>
+                    <a:latin typeface="Times New Roman" panose="02020603050405020304" pitchFamily="18" charset="0"/>
+                    <a:cs typeface="Times New Roman" panose="02020603050405020304" pitchFamily="18" charset="0"/>
+                  </a:rPr>
+                  <a:t>логарифма </a:t>
+                </a:r>
+                <a:r>
+                  <a:rPr lang="ru-RU" sz="1600" dirty="0">
+                    <a:solidFill>
+                      <a:schemeClr val="tx1"/>
+                    </a:solidFill>
+                    <a:latin typeface="Times New Roman" panose="02020603050405020304" pitchFamily="18" charset="0"/>
+                    <a:cs typeface="Times New Roman" panose="02020603050405020304" pitchFamily="18" charset="0"/>
+                  </a:rPr>
+                  <a:t>или прямой линии), приступаем к их склеиванию следующим образом: пусть на точках </a:t>
+                </a:r>
+                <a:r>
+                  <a:rPr lang="ru-RU" sz="1600" dirty="0" smtClean="0">
+                    <a:solidFill>
+                      <a:schemeClr val="tx1"/>
+                    </a:solidFill>
+                    <a:latin typeface="Times New Roman" panose="02020603050405020304" pitchFamily="18" charset="0"/>
+                    <a:cs typeface="Times New Roman" panose="02020603050405020304" pitchFamily="18" charset="0"/>
+                  </a:rPr>
+                  <a:t>(</a:t>
+                </a:r>
+                <a14:m>
+                  <m:oMath xmlns:m="http://schemas.openxmlformats.org/officeDocument/2006/math">
+                    <m:sSub>
+                      <m:sSubPr>
+                        <m:ctrlPr>
+                          <a:rPr lang="ru-RU" sz="1600" i="1">
+                            <a:solidFill>
+                              <a:schemeClr val="tx1"/>
+                            </a:solidFill>
+                            <a:latin typeface="Cambria Math" panose="02040503050406030204" pitchFamily="18" charset="0"/>
+                            <a:cs typeface="Times New Roman" panose="02020603050405020304" pitchFamily="18" charset="0"/>
+                          </a:rPr>
+                        </m:ctrlPr>
+                      </m:sSubPr>
+                      <m:e>
+                        <m:r>
+                          <a:rPr lang="en-US" sz="1600" i="1">
+                            <a:solidFill>
+                              <a:schemeClr val="tx1"/>
+                            </a:solidFill>
+                            <a:latin typeface="Cambria Math" panose="02040503050406030204" pitchFamily="18" charset="0"/>
+                            <a:cs typeface="Times New Roman" panose="02020603050405020304" pitchFamily="18" charset="0"/>
+                          </a:rPr>
+                          <m:t>𝑥</m:t>
+                        </m:r>
+                      </m:e>
+                      <m:sub>
+                        <m:r>
+                          <a:rPr lang="en-US" sz="1600" b="0" i="1" smtClean="0">
+                            <a:solidFill>
+                              <a:schemeClr val="tx1"/>
+                            </a:solidFill>
+                            <a:latin typeface="Cambria Math" panose="02040503050406030204" pitchFamily="18" charset="0"/>
+                            <a:cs typeface="Times New Roman" panose="02020603050405020304" pitchFamily="18" charset="0"/>
+                          </a:rPr>
+                          <m:t>0</m:t>
+                        </m:r>
+                      </m:sub>
+                    </m:sSub>
+                  </m:oMath>
+                </a14:m>
+                <a:r>
+                  <a:rPr lang="ru-RU" sz="1600" dirty="0" smtClean="0">
+                    <a:solidFill>
+                      <a:schemeClr val="tx1"/>
+                    </a:solidFill>
+                    <a:latin typeface="Times New Roman" panose="02020603050405020304" pitchFamily="18" charset="0"/>
+                    <a:cs typeface="Times New Roman" panose="02020603050405020304" pitchFamily="18" charset="0"/>
+                  </a:rPr>
+                  <a:t>, </a:t>
+                </a:r>
+                <a14:m>
+                  <m:oMath xmlns:m="http://schemas.openxmlformats.org/officeDocument/2006/math">
+                    <m:sSub>
+                      <m:sSubPr>
+                        <m:ctrlPr>
+                          <a:rPr lang="ru-RU" sz="1600" i="1">
+                            <a:solidFill>
+                              <a:schemeClr val="tx1"/>
+                            </a:solidFill>
+                            <a:latin typeface="Cambria Math" panose="02040503050406030204" pitchFamily="18" charset="0"/>
+                            <a:cs typeface="Times New Roman" panose="02020603050405020304" pitchFamily="18" charset="0"/>
+                          </a:rPr>
+                        </m:ctrlPr>
+                      </m:sSubPr>
+                      <m:e>
+                        <m:r>
+                          <a:rPr lang="en-US" sz="1600" b="0" i="1" smtClean="0">
+                            <a:solidFill>
+                              <a:schemeClr val="tx1"/>
+                            </a:solidFill>
+                            <a:latin typeface="Cambria Math" panose="02040503050406030204" pitchFamily="18" charset="0"/>
+                            <a:cs typeface="Times New Roman" panose="02020603050405020304" pitchFamily="18" charset="0"/>
+                          </a:rPr>
+                          <m:t>𝑦</m:t>
+                        </m:r>
+                      </m:e>
+                      <m:sub>
+                        <m:r>
+                          <a:rPr lang="ru-RU" sz="1600" b="0" i="1" smtClean="0">
+                            <a:solidFill>
+                              <a:schemeClr val="tx1"/>
+                            </a:solidFill>
+                            <a:latin typeface="Cambria Math" panose="02040503050406030204" pitchFamily="18" charset="0"/>
+                            <a:cs typeface="Times New Roman" panose="02020603050405020304" pitchFamily="18" charset="0"/>
+                          </a:rPr>
+                          <m:t>0</m:t>
+                        </m:r>
+                      </m:sub>
+                    </m:sSub>
+                  </m:oMath>
+                </a14:m>
+                <a:r>
+                  <a:rPr lang="ru-RU" sz="1600" dirty="0" smtClean="0">
+                    <a:solidFill>
+                      <a:schemeClr val="tx1"/>
+                    </a:solidFill>
+                    <a:latin typeface="Times New Roman" panose="02020603050405020304" pitchFamily="18" charset="0"/>
+                    <a:cs typeface="Times New Roman" panose="02020603050405020304" pitchFamily="18" charset="0"/>
+                  </a:rPr>
+                  <a:t>), (</a:t>
+                </a:r>
+                <a14:m>
+                  <m:oMath xmlns:m="http://schemas.openxmlformats.org/officeDocument/2006/math">
+                    <m:sSub>
+                      <m:sSubPr>
+                        <m:ctrlPr>
+                          <a:rPr lang="ru-RU" sz="1600" i="1">
+                            <a:solidFill>
+                              <a:schemeClr val="tx1"/>
+                            </a:solidFill>
+                            <a:latin typeface="Cambria Math" panose="02040503050406030204" pitchFamily="18" charset="0"/>
+                            <a:cs typeface="Times New Roman" panose="02020603050405020304" pitchFamily="18" charset="0"/>
+                          </a:rPr>
+                        </m:ctrlPr>
+                      </m:sSubPr>
+                      <m:e>
+                        <m:r>
+                          <a:rPr lang="en-US" sz="1600" i="1">
+                            <a:solidFill>
+                              <a:schemeClr val="tx1"/>
+                            </a:solidFill>
+                            <a:latin typeface="Cambria Math" panose="02040503050406030204" pitchFamily="18" charset="0"/>
+                            <a:cs typeface="Times New Roman" panose="02020603050405020304" pitchFamily="18" charset="0"/>
+                          </a:rPr>
+                          <m:t>𝑥</m:t>
+                        </m:r>
+                      </m:e>
+                      <m:sub>
+                        <m:r>
+                          <a:rPr lang="en-US" sz="1600" b="0" i="1" smtClean="0">
+                            <a:solidFill>
+                              <a:schemeClr val="tx1"/>
+                            </a:solidFill>
+                            <a:latin typeface="Cambria Math" panose="02040503050406030204" pitchFamily="18" charset="0"/>
+                            <a:cs typeface="Times New Roman" panose="02020603050405020304" pitchFamily="18" charset="0"/>
+                          </a:rPr>
+                          <m:t>1</m:t>
+                        </m:r>
+                      </m:sub>
+                    </m:sSub>
+                  </m:oMath>
+                </a14:m>
+                <a:r>
+                  <a:rPr lang="ru-RU" sz="1600" dirty="0" smtClean="0">
+                    <a:solidFill>
+                      <a:schemeClr val="tx1"/>
+                    </a:solidFill>
+                    <a:latin typeface="Times New Roman" panose="02020603050405020304" pitchFamily="18" charset="0"/>
+                    <a:cs typeface="Times New Roman" panose="02020603050405020304" pitchFamily="18" charset="0"/>
+                  </a:rPr>
+                  <a:t>, </a:t>
+                </a:r>
+                <a14:m>
+                  <m:oMath xmlns:m="http://schemas.openxmlformats.org/officeDocument/2006/math">
+                    <m:sSub>
+                      <m:sSubPr>
+                        <m:ctrlPr>
+                          <a:rPr lang="ru-RU" sz="1600" i="1">
+                            <a:solidFill>
+                              <a:schemeClr val="tx1"/>
+                            </a:solidFill>
+                            <a:latin typeface="Cambria Math" panose="02040503050406030204" pitchFamily="18" charset="0"/>
+                            <a:cs typeface="Times New Roman" panose="02020603050405020304" pitchFamily="18" charset="0"/>
+                          </a:rPr>
+                        </m:ctrlPr>
+                      </m:sSubPr>
+                      <m:e>
+                        <m:r>
+                          <a:rPr lang="en-US" sz="1600" b="0" i="1" smtClean="0">
+                            <a:solidFill>
+                              <a:schemeClr val="tx1"/>
+                            </a:solidFill>
+                            <a:latin typeface="Cambria Math" panose="02040503050406030204" pitchFamily="18" charset="0"/>
+                            <a:cs typeface="Times New Roman" panose="02020603050405020304" pitchFamily="18" charset="0"/>
+                          </a:rPr>
+                          <m:t>𝑦</m:t>
+                        </m:r>
+                      </m:e>
+                      <m:sub>
+                        <m:r>
+                          <a:rPr lang="en-US" sz="1600" b="0" i="1" smtClean="0">
+                            <a:solidFill>
+                              <a:schemeClr val="tx1"/>
+                            </a:solidFill>
+                            <a:latin typeface="Cambria Math" panose="02040503050406030204" pitchFamily="18" charset="0"/>
+                            <a:cs typeface="Times New Roman" panose="02020603050405020304" pitchFamily="18" charset="0"/>
+                          </a:rPr>
+                          <m:t>1</m:t>
+                        </m:r>
+                      </m:sub>
+                    </m:sSub>
+                  </m:oMath>
+                </a14:m>
+                <a:r>
+                  <a:rPr lang="ru-RU" sz="1600" dirty="0" smtClean="0">
+                    <a:solidFill>
+                      <a:schemeClr val="tx1"/>
+                    </a:solidFill>
+                    <a:latin typeface="Times New Roman" panose="02020603050405020304" pitchFamily="18" charset="0"/>
+                    <a:cs typeface="Times New Roman" panose="02020603050405020304" pitchFamily="18" charset="0"/>
+                  </a:rPr>
+                  <a:t>), (</a:t>
+                </a:r>
+                <a14:m>
+                  <m:oMath xmlns:m="http://schemas.openxmlformats.org/officeDocument/2006/math">
+                    <m:sSub>
+                      <m:sSubPr>
+                        <m:ctrlPr>
+                          <a:rPr lang="ru-RU" sz="1600" i="1">
+                            <a:solidFill>
+                              <a:schemeClr val="tx1"/>
+                            </a:solidFill>
+                            <a:latin typeface="Cambria Math" panose="02040503050406030204" pitchFamily="18" charset="0"/>
+                            <a:cs typeface="Times New Roman" panose="02020603050405020304" pitchFamily="18" charset="0"/>
+                          </a:rPr>
+                        </m:ctrlPr>
+                      </m:sSubPr>
+                      <m:e>
+                        <m:r>
+                          <a:rPr lang="en-US" sz="1600" i="1">
+                            <a:solidFill>
+                              <a:schemeClr val="tx1"/>
+                            </a:solidFill>
+                            <a:latin typeface="Cambria Math" panose="02040503050406030204" pitchFamily="18" charset="0"/>
+                            <a:cs typeface="Times New Roman" panose="02020603050405020304" pitchFamily="18" charset="0"/>
+                          </a:rPr>
+                          <m:t>𝑥</m:t>
+                        </m:r>
+                      </m:e>
+                      <m:sub>
+                        <m:r>
+                          <a:rPr lang="en-US" sz="1600" b="0" i="1" smtClean="0">
+                            <a:solidFill>
+                              <a:schemeClr val="tx1"/>
+                            </a:solidFill>
+                            <a:latin typeface="Cambria Math" panose="02040503050406030204" pitchFamily="18" charset="0"/>
+                            <a:cs typeface="Times New Roman" panose="02020603050405020304" pitchFamily="18" charset="0"/>
+                          </a:rPr>
+                          <m:t>2</m:t>
+                        </m:r>
+                      </m:sub>
+                    </m:sSub>
+                  </m:oMath>
+                </a14:m>
+                <a:r>
+                  <a:rPr lang="ru-RU" sz="1600" dirty="0" smtClean="0">
+                    <a:solidFill>
+                      <a:schemeClr val="tx1"/>
+                    </a:solidFill>
+                    <a:latin typeface="Times New Roman" panose="02020603050405020304" pitchFamily="18" charset="0"/>
+                    <a:cs typeface="Times New Roman" panose="02020603050405020304" pitchFamily="18" charset="0"/>
+                  </a:rPr>
+                  <a:t>, </a:t>
+                </a:r>
+                <a14:m>
+                  <m:oMath xmlns:m="http://schemas.openxmlformats.org/officeDocument/2006/math">
+                    <m:sSub>
+                      <m:sSubPr>
+                        <m:ctrlPr>
+                          <a:rPr lang="ru-RU" sz="1600" i="1">
+                            <a:solidFill>
+                              <a:schemeClr val="tx1"/>
+                            </a:solidFill>
+                            <a:latin typeface="Cambria Math" panose="02040503050406030204" pitchFamily="18" charset="0"/>
+                            <a:cs typeface="Times New Roman" panose="02020603050405020304" pitchFamily="18" charset="0"/>
+                          </a:rPr>
+                        </m:ctrlPr>
+                      </m:sSubPr>
+                      <m:e>
+                        <m:r>
+                          <a:rPr lang="en-US" sz="1600" b="0" i="1" smtClean="0">
+                            <a:solidFill>
+                              <a:schemeClr val="tx1"/>
+                            </a:solidFill>
+                            <a:latin typeface="Cambria Math" panose="02040503050406030204" pitchFamily="18" charset="0"/>
+                            <a:cs typeface="Times New Roman" panose="02020603050405020304" pitchFamily="18" charset="0"/>
+                          </a:rPr>
+                          <m:t>𝑦</m:t>
+                        </m:r>
+                      </m:e>
+                      <m:sub>
+                        <m:r>
+                          <a:rPr lang="en-US" sz="1600" b="0" i="1" smtClean="0">
+                            <a:solidFill>
+                              <a:schemeClr val="tx1"/>
+                            </a:solidFill>
+                            <a:latin typeface="Cambria Math" panose="02040503050406030204" pitchFamily="18" charset="0"/>
+                            <a:cs typeface="Times New Roman" panose="02020603050405020304" pitchFamily="18" charset="0"/>
+                          </a:rPr>
+                          <m:t>2</m:t>
+                        </m:r>
+                      </m:sub>
+                    </m:sSub>
+                  </m:oMath>
+                </a14:m>
+                <a:r>
+                  <a:rPr lang="ru-RU" sz="1600" dirty="0" smtClean="0">
+                    <a:solidFill>
+                      <a:schemeClr val="tx1"/>
+                    </a:solidFill>
+                    <a:latin typeface="Times New Roman" panose="02020603050405020304" pitchFamily="18" charset="0"/>
+                    <a:cs typeface="Times New Roman" panose="02020603050405020304" pitchFamily="18" charset="0"/>
+                  </a:rPr>
+                  <a:t>) </a:t>
+                </a:r>
+                <a:r>
+                  <a:rPr lang="ru-RU" sz="1600" dirty="0">
+                    <a:solidFill>
+                      <a:schemeClr val="tx1"/>
+                    </a:solidFill>
+                    <a:latin typeface="Times New Roman" panose="02020603050405020304" pitchFamily="18" charset="0"/>
+                    <a:cs typeface="Times New Roman" panose="02020603050405020304" pitchFamily="18" charset="0"/>
+                  </a:rPr>
+                  <a:t>построена функция </a:t>
+                </a:r>
+                <a14:m>
+                  <m:oMath xmlns:m="http://schemas.openxmlformats.org/officeDocument/2006/math">
+                    <m:sSub>
+                      <m:sSubPr>
+                        <m:ctrlPr>
+                          <a:rPr lang="ru-RU" sz="1600" i="1">
+                            <a:solidFill>
+                              <a:schemeClr val="tx1"/>
+                            </a:solidFill>
+                            <a:latin typeface="Cambria Math" panose="02040503050406030204" pitchFamily="18" charset="0"/>
+                            <a:cs typeface="Times New Roman" panose="02020603050405020304" pitchFamily="18" charset="0"/>
+                          </a:rPr>
+                        </m:ctrlPr>
+                      </m:sSubPr>
+                      <m:e>
+                        <m:r>
+                          <a:rPr lang="en-US" sz="1600" b="0" i="1" smtClean="0">
+                            <a:solidFill>
+                              <a:schemeClr val="tx1"/>
+                            </a:solidFill>
+                            <a:latin typeface="Cambria Math" panose="02040503050406030204" pitchFamily="18" charset="0"/>
+                            <a:cs typeface="Times New Roman" panose="02020603050405020304" pitchFamily="18" charset="0"/>
+                          </a:rPr>
+                          <m:t>𝐹</m:t>
+                        </m:r>
+                      </m:e>
+                      <m:sub>
+                        <m:r>
+                          <a:rPr lang="en-US" sz="1600" b="0" i="1" smtClean="0">
+                            <a:solidFill>
+                              <a:schemeClr val="tx1"/>
+                            </a:solidFill>
+                            <a:latin typeface="Cambria Math" panose="02040503050406030204" pitchFamily="18" charset="0"/>
+                            <a:cs typeface="Times New Roman" panose="02020603050405020304" pitchFamily="18" charset="0"/>
+                          </a:rPr>
+                          <m:t>1</m:t>
+                        </m:r>
+                      </m:sub>
+                    </m:sSub>
+                  </m:oMath>
+                </a14:m>
+                <a:r>
+                  <a:rPr lang="ru-RU" sz="1600" dirty="0" smtClean="0">
+                    <a:solidFill>
+                      <a:schemeClr val="tx1"/>
+                    </a:solidFill>
+                    <a:latin typeface="Times New Roman" panose="02020603050405020304" pitchFamily="18" charset="0"/>
+                    <a:cs typeface="Times New Roman" panose="02020603050405020304" pitchFamily="18" charset="0"/>
+                  </a:rPr>
+                  <a:t>(x</a:t>
+                </a:r>
+                <a:r>
+                  <a:rPr lang="ru-RU" sz="1600" dirty="0">
+                    <a:solidFill>
+                      <a:schemeClr val="tx1"/>
+                    </a:solidFill>
+                    <a:latin typeface="Times New Roman" panose="02020603050405020304" pitchFamily="18" charset="0"/>
+                    <a:cs typeface="Times New Roman" panose="02020603050405020304" pitchFamily="18" charset="0"/>
+                  </a:rPr>
+                  <a:t>); пусть на </a:t>
+                </a:r>
+                <a:r>
+                  <a:rPr lang="ru-RU" sz="1600" dirty="0">
+                    <a:solidFill>
+                      <a:schemeClr val="tx1"/>
+                    </a:solidFill>
+                    <a:latin typeface="Times New Roman" panose="02020603050405020304" pitchFamily="18" charset="0"/>
+                    <a:cs typeface="Times New Roman" panose="02020603050405020304" pitchFamily="18" charset="0"/>
+                  </a:rPr>
+                  <a:t>(</a:t>
+                </a:r>
+                <a14:m>
+                  <m:oMath xmlns:m="http://schemas.openxmlformats.org/officeDocument/2006/math">
+                    <m:sSub>
+                      <m:sSubPr>
+                        <m:ctrlPr>
+                          <a:rPr lang="ru-RU" sz="1600" i="1">
+                            <a:solidFill>
+                              <a:schemeClr val="tx1"/>
+                            </a:solidFill>
+                            <a:latin typeface="Cambria Math" panose="02040503050406030204" pitchFamily="18" charset="0"/>
+                            <a:cs typeface="Times New Roman" panose="02020603050405020304" pitchFamily="18" charset="0"/>
+                          </a:rPr>
+                        </m:ctrlPr>
+                      </m:sSubPr>
+                      <m:e>
+                        <m:r>
+                          <a:rPr lang="en-US" sz="1600" i="1">
+                            <a:solidFill>
+                              <a:schemeClr val="tx1"/>
+                            </a:solidFill>
+                            <a:latin typeface="Cambria Math" panose="02040503050406030204" pitchFamily="18" charset="0"/>
+                            <a:cs typeface="Times New Roman" panose="02020603050405020304" pitchFamily="18" charset="0"/>
+                          </a:rPr>
+                          <m:t>𝑥</m:t>
+                        </m:r>
+                      </m:e>
+                      <m:sub>
+                        <m:r>
+                          <a:rPr lang="en-US" sz="1600" i="1">
+                            <a:solidFill>
+                              <a:schemeClr val="tx1"/>
+                            </a:solidFill>
+                            <a:latin typeface="Cambria Math" panose="02040503050406030204" pitchFamily="18" charset="0"/>
+                            <a:cs typeface="Times New Roman" panose="02020603050405020304" pitchFamily="18" charset="0"/>
+                          </a:rPr>
+                          <m:t>1</m:t>
+                        </m:r>
+                      </m:sub>
+                    </m:sSub>
+                  </m:oMath>
+                </a14:m>
+                <a:r>
+                  <a:rPr lang="ru-RU" sz="1600" dirty="0">
+                    <a:solidFill>
+                      <a:schemeClr val="tx1"/>
+                    </a:solidFill>
+                    <a:latin typeface="Times New Roman" panose="02020603050405020304" pitchFamily="18" charset="0"/>
+                    <a:cs typeface="Times New Roman" panose="02020603050405020304" pitchFamily="18" charset="0"/>
+                  </a:rPr>
+                  <a:t>, </a:t>
+                </a:r>
+                <a14:m>
+                  <m:oMath xmlns:m="http://schemas.openxmlformats.org/officeDocument/2006/math">
+                    <m:sSub>
+                      <m:sSubPr>
+                        <m:ctrlPr>
+                          <a:rPr lang="ru-RU" sz="1600" i="1">
+                            <a:solidFill>
+                              <a:schemeClr val="tx1"/>
+                            </a:solidFill>
+                            <a:latin typeface="Cambria Math" panose="02040503050406030204" pitchFamily="18" charset="0"/>
+                            <a:cs typeface="Times New Roman" panose="02020603050405020304" pitchFamily="18" charset="0"/>
+                          </a:rPr>
+                        </m:ctrlPr>
+                      </m:sSubPr>
+                      <m:e>
+                        <m:r>
+                          <a:rPr lang="en-US" sz="1600" i="1">
+                            <a:solidFill>
+                              <a:schemeClr val="tx1"/>
+                            </a:solidFill>
+                            <a:latin typeface="Cambria Math" panose="02040503050406030204" pitchFamily="18" charset="0"/>
+                            <a:cs typeface="Times New Roman" panose="02020603050405020304" pitchFamily="18" charset="0"/>
+                          </a:rPr>
+                          <m:t>𝑦</m:t>
+                        </m:r>
+                      </m:e>
+                      <m:sub>
+                        <m:r>
+                          <a:rPr lang="en-US" sz="1600" i="1">
+                            <a:solidFill>
+                              <a:schemeClr val="tx1"/>
+                            </a:solidFill>
+                            <a:latin typeface="Cambria Math" panose="02040503050406030204" pitchFamily="18" charset="0"/>
+                            <a:cs typeface="Times New Roman" panose="02020603050405020304" pitchFamily="18" charset="0"/>
+                          </a:rPr>
+                          <m:t>1</m:t>
+                        </m:r>
+                      </m:sub>
+                    </m:sSub>
+                  </m:oMath>
+                </a14:m>
+                <a:r>
+                  <a:rPr lang="ru-RU" sz="1600" dirty="0">
+                    <a:solidFill>
+                      <a:schemeClr val="tx1"/>
+                    </a:solidFill>
+                    <a:latin typeface="Times New Roman" panose="02020603050405020304" pitchFamily="18" charset="0"/>
+                    <a:cs typeface="Times New Roman" panose="02020603050405020304" pitchFamily="18" charset="0"/>
+                  </a:rPr>
+                  <a:t>), (</a:t>
+                </a:r>
+                <a14:m>
+                  <m:oMath xmlns:m="http://schemas.openxmlformats.org/officeDocument/2006/math">
+                    <m:sSub>
+                      <m:sSubPr>
+                        <m:ctrlPr>
+                          <a:rPr lang="ru-RU" sz="1600" i="1">
+                            <a:solidFill>
+                              <a:schemeClr val="tx1"/>
+                            </a:solidFill>
+                            <a:latin typeface="Cambria Math" panose="02040503050406030204" pitchFamily="18" charset="0"/>
+                            <a:cs typeface="Times New Roman" panose="02020603050405020304" pitchFamily="18" charset="0"/>
+                          </a:rPr>
+                        </m:ctrlPr>
+                      </m:sSubPr>
+                      <m:e>
+                        <m:r>
+                          <a:rPr lang="en-US" sz="1600" i="1">
+                            <a:solidFill>
+                              <a:schemeClr val="tx1"/>
+                            </a:solidFill>
+                            <a:latin typeface="Cambria Math" panose="02040503050406030204" pitchFamily="18" charset="0"/>
+                            <a:cs typeface="Times New Roman" panose="02020603050405020304" pitchFamily="18" charset="0"/>
+                          </a:rPr>
+                          <m:t>𝑥</m:t>
+                        </m:r>
+                      </m:e>
+                      <m:sub>
+                        <m:r>
+                          <a:rPr lang="en-US" sz="1600" i="1">
+                            <a:solidFill>
+                              <a:schemeClr val="tx1"/>
+                            </a:solidFill>
+                            <a:latin typeface="Cambria Math" panose="02040503050406030204" pitchFamily="18" charset="0"/>
+                            <a:cs typeface="Times New Roman" panose="02020603050405020304" pitchFamily="18" charset="0"/>
+                          </a:rPr>
+                          <m:t>2</m:t>
+                        </m:r>
+                      </m:sub>
+                    </m:sSub>
+                  </m:oMath>
+                </a14:m>
+                <a:r>
+                  <a:rPr lang="ru-RU" sz="1600" dirty="0">
+                    <a:solidFill>
+                      <a:schemeClr val="tx1"/>
+                    </a:solidFill>
+                    <a:latin typeface="Times New Roman" panose="02020603050405020304" pitchFamily="18" charset="0"/>
+                    <a:cs typeface="Times New Roman" panose="02020603050405020304" pitchFamily="18" charset="0"/>
+                  </a:rPr>
+                  <a:t>, </a:t>
+                </a:r>
+                <a14:m>
+                  <m:oMath xmlns:m="http://schemas.openxmlformats.org/officeDocument/2006/math">
+                    <m:sSub>
+                      <m:sSubPr>
+                        <m:ctrlPr>
+                          <a:rPr lang="ru-RU" sz="1600" i="1">
+                            <a:solidFill>
+                              <a:schemeClr val="tx1"/>
+                            </a:solidFill>
+                            <a:latin typeface="Cambria Math" panose="02040503050406030204" pitchFamily="18" charset="0"/>
+                            <a:cs typeface="Times New Roman" panose="02020603050405020304" pitchFamily="18" charset="0"/>
+                          </a:rPr>
+                        </m:ctrlPr>
+                      </m:sSubPr>
+                      <m:e>
+                        <m:r>
+                          <a:rPr lang="en-US" sz="1600" i="1">
+                            <a:solidFill>
+                              <a:schemeClr val="tx1"/>
+                            </a:solidFill>
+                            <a:latin typeface="Cambria Math" panose="02040503050406030204" pitchFamily="18" charset="0"/>
+                            <a:cs typeface="Times New Roman" panose="02020603050405020304" pitchFamily="18" charset="0"/>
+                          </a:rPr>
+                          <m:t>𝑦</m:t>
+                        </m:r>
+                      </m:e>
+                      <m:sub>
+                        <m:r>
+                          <a:rPr lang="en-US" sz="1600" i="1">
+                            <a:solidFill>
+                              <a:schemeClr val="tx1"/>
+                            </a:solidFill>
+                            <a:latin typeface="Cambria Math" panose="02040503050406030204" pitchFamily="18" charset="0"/>
+                            <a:cs typeface="Times New Roman" panose="02020603050405020304" pitchFamily="18" charset="0"/>
+                          </a:rPr>
+                          <m:t>2</m:t>
+                        </m:r>
+                      </m:sub>
+                    </m:sSub>
+                  </m:oMath>
+                </a14:m>
+                <a:r>
+                  <a:rPr lang="ru-RU" sz="1600" dirty="0" smtClean="0">
+                    <a:solidFill>
+                      <a:schemeClr val="tx1"/>
+                    </a:solidFill>
+                    <a:latin typeface="Times New Roman" panose="02020603050405020304" pitchFamily="18" charset="0"/>
+                    <a:cs typeface="Times New Roman" panose="02020603050405020304" pitchFamily="18" charset="0"/>
+                  </a:rPr>
+                  <a:t>)</a:t>
+                </a:r>
+                <a:r>
+                  <a:rPr lang="en-US" sz="1600" dirty="0" smtClean="0">
+                    <a:solidFill>
+                      <a:schemeClr val="tx1"/>
+                    </a:solidFill>
+                    <a:latin typeface="Times New Roman" panose="02020603050405020304" pitchFamily="18" charset="0"/>
+                    <a:cs typeface="Times New Roman" panose="02020603050405020304" pitchFamily="18" charset="0"/>
+                  </a:rPr>
+                  <a:t>,</a:t>
+                </a:r>
+                <a14:m>
+                  <m:oMath xmlns:m="http://schemas.openxmlformats.org/officeDocument/2006/math">
+                    <m:r>
+                      <a:rPr lang="ru-RU" sz="1600" i="1" smtClean="0">
+                        <a:solidFill>
+                          <a:schemeClr val="tx1"/>
+                        </a:solidFill>
+                        <a:latin typeface="Cambria Math" panose="02040503050406030204" pitchFamily="18" charset="0"/>
+                        <a:cs typeface="Times New Roman" panose="02020603050405020304" pitchFamily="18" charset="0"/>
+                      </a:rPr>
+                      <m:t> </m:t>
+                    </m:r>
+                  </m:oMath>
+                </a14:m>
+                <a:r>
+                  <a:rPr lang="ru-RU" sz="1600" dirty="0" smtClean="0">
+                    <a:solidFill>
+                      <a:schemeClr val="tx1"/>
+                    </a:solidFill>
+                    <a:latin typeface="Times New Roman" panose="02020603050405020304" pitchFamily="18" charset="0"/>
+                    <a:cs typeface="Times New Roman" panose="02020603050405020304" pitchFamily="18" charset="0"/>
+                  </a:rPr>
+                  <a:t>(</a:t>
+                </a:r>
+                <a14:m>
+                  <m:oMath xmlns:m="http://schemas.openxmlformats.org/officeDocument/2006/math">
+                    <m:sSub>
+                      <m:sSubPr>
+                        <m:ctrlPr>
+                          <a:rPr lang="ru-RU" sz="1600" i="1">
+                            <a:solidFill>
+                              <a:schemeClr val="tx1"/>
+                            </a:solidFill>
+                            <a:latin typeface="Cambria Math" panose="02040503050406030204" pitchFamily="18" charset="0"/>
+                            <a:cs typeface="Times New Roman" panose="02020603050405020304" pitchFamily="18" charset="0"/>
+                          </a:rPr>
+                        </m:ctrlPr>
+                      </m:sSubPr>
+                      <m:e>
+                        <m:r>
+                          <a:rPr lang="en-US" sz="1600" i="1">
+                            <a:solidFill>
+                              <a:schemeClr val="tx1"/>
+                            </a:solidFill>
+                            <a:latin typeface="Cambria Math" panose="02040503050406030204" pitchFamily="18" charset="0"/>
+                            <a:cs typeface="Times New Roman" panose="02020603050405020304" pitchFamily="18" charset="0"/>
+                          </a:rPr>
+                          <m:t>𝑥</m:t>
+                        </m:r>
+                      </m:e>
+                      <m:sub>
+                        <m:r>
+                          <a:rPr lang="en-US" sz="1600" b="0" i="1" smtClean="0">
+                            <a:solidFill>
+                              <a:schemeClr val="tx1"/>
+                            </a:solidFill>
+                            <a:latin typeface="Cambria Math" panose="02040503050406030204" pitchFamily="18" charset="0"/>
+                            <a:cs typeface="Times New Roman" panose="02020603050405020304" pitchFamily="18" charset="0"/>
+                          </a:rPr>
+                          <m:t>3</m:t>
+                        </m:r>
+                      </m:sub>
+                    </m:sSub>
+                  </m:oMath>
+                </a14:m>
+                <a:r>
+                  <a:rPr lang="ru-RU" sz="1600" dirty="0">
+                    <a:solidFill>
+                      <a:schemeClr val="tx1"/>
+                    </a:solidFill>
+                    <a:latin typeface="Times New Roman" panose="02020603050405020304" pitchFamily="18" charset="0"/>
+                    <a:cs typeface="Times New Roman" panose="02020603050405020304" pitchFamily="18" charset="0"/>
+                  </a:rPr>
+                  <a:t>, </a:t>
+                </a:r>
+                <a14:m>
+                  <m:oMath xmlns:m="http://schemas.openxmlformats.org/officeDocument/2006/math">
+                    <m:sSub>
+                      <m:sSubPr>
+                        <m:ctrlPr>
+                          <a:rPr lang="ru-RU" sz="1600" i="1">
+                            <a:solidFill>
+                              <a:schemeClr val="tx1"/>
+                            </a:solidFill>
+                            <a:latin typeface="Cambria Math" panose="02040503050406030204" pitchFamily="18" charset="0"/>
+                            <a:cs typeface="Times New Roman" panose="02020603050405020304" pitchFamily="18" charset="0"/>
+                          </a:rPr>
+                        </m:ctrlPr>
+                      </m:sSubPr>
+                      <m:e>
+                        <m:r>
+                          <a:rPr lang="en-US" sz="1600" i="1">
+                            <a:solidFill>
+                              <a:schemeClr val="tx1"/>
+                            </a:solidFill>
+                            <a:latin typeface="Cambria Math" panose="02040503050406030204" pitchFamily="18" charset="0"/>
+                            <a:cs typeface="Times New Roman" panose="02020603050405020304" pitchFamily="18" charset="0"/>
+                          </a:rPr>
+                          <m:t>𝑦</m:t>
+                        </m:r>
+                      </m:e>
+                      <m:sub>
+                        <m:r>
+                          <a:rPr lang="en-US" sz="1600" b="0" i="1" smtClean="0">
+                            <a:solidFill>
+                              <a:schemeClr val="tx1"/>
+                            </a:solidFill>
+                            <a:latin typeface="Cambria Math" panose="02040503050406030204" pitchFamily="18" charset="0"/>
+                            <a:cs typeface="Times New Roman" panose="02020603050405020304" pitchFamily="18" charset="0"/>
+                          </a:rPr>
+                          <m:t>3</m:t>
+                        </m:r>
+                      </m:sub>
+                    </m:sSub>
+                  </m:oMath>
+                </a14:m>
+                <a:r>
+                  <a:rPr lang="ru-RU" sz="1600" dirty="0" smtClean="0">
+                    <a:solidFill>
+                      <a:schemeClr val="tx1"/>
+                    </a:solidFill>
+                    <a:latin typeface="Times New Roman" panose="02020603050405020304" pitchFamily="18" charset="0"/>
+                    <a:cs typeface="Times New Roman" panose="02020603050405020304" pitchFamily="18" charset="0"/>
+                  </a:rPr>
+                  <a:t>) </a:t>
+                </a:r>
+                <a:r>
+                  <a:rPr lang="ru-RU" sz="1600" dirty="0">
+                    <a:solidFill>
+                      <a:schemeClr val="tx1"/>
+                    </a:solidFill>
+                    <a:latin typeface="Times New Roman" panose="02020603050405020304" pitchFamily="18" charset="0"/>
+                    <a:cs typeface="Times New Roman" panose="02020603050405020304" pitchFamily="18" charset="0"/>
+                  </a:rPr>
+                  <a:t>построена функция </a:t>
+                </a:r>
+                <a14:m>
+                  <m:oMath xmlns:m="http://schemas.openxmlformats.org/officeDocument/2006/math">
+                    <m:sSub>
+                      <m:sSubPr>
+                        <m:ctrlPr>
+                          <a:rPr lang="ru-RU" sz="1600" i="1">
+                            <a:solidFill>
+                              <a:schemeClr val="tx1"/>
+                            </a:solidFill>
+                            <a:latin typeface="Cambria Math" panose="02040503050406030204" pitchFamily="18" charset="0"/>
+                            <a:cs typeface="Times New Roman" panose="02020603050405020304" pitchFamily="18" charset="0"/>
+                          </a:rPr>
+                        </m:ctrlPr>
+                      </m:sSubPr>
+                      <m:e>
+                        <m:r>
+                          <a:rPr lang="en-US" sz="1600" b="0" i="1" smtClean="0">
+                            <a:solidFill>
+                              <a:schemeClr val="tx1"/>
+                            </a:solidFill>
+                            <a:latin typeface="Cambria Math" panose="02040503050406030204" pitchFamily="18" charset="0"/>
+                            <a:cs typeface="Times New Roman" panose="02020603050405020304" pitchFamily="18" charset="0"/>
+                          </a:rPr>
+                          <m:t>𝐹</m:t>
+                        </m:r>
+                      </m:e>
+                      <m:sub>
+                        <m:r>
+                          <a:rPr lang="en-US" sz="1600" b="0" i="1" smtClean="0">
+                            <a:solidFill>
+                              <a:schemeClr val="tx1"/>
+                            </a:solidFill>
+                            <a:latin typeface="Cambria Math" panose="02040503050406030204" pitchFamily="18" charset="0"/>
+                            <a:cs typeface="Times New Roman" panose="02020603050405020304" pitchFamily="18" charset="0"/>
+                          </a:rPr>
+                          <m:t>2</m:t>
+                        </m:r>
+                      </m:sub>
+                    </m:sSub>
+                  </m:oMath>
+                </a14:m>
+                <a:r>
+                  <a:rPr lang="ru-RU" sz="1600" dirty="0" smtClean="0">
+                    <a:solidFill>
+                      <a:schemeClr val="tx1"/>
+                    </a:solidFill>
+                    <a:latin typeface="Times New Roman" panose="02020603050405020304" pitchFamily="18" charset="0"/>
+                    <a:cs typeface="Times New Roman" panose="02020603050405020304" pitchFamily="18" charset="0"/>
+                  </a:rPr>
+                  <a:t>(</a:t>
+                </a:r>
+                <a:r>
+                  <a:rPr lang="ru-RU" sz="1600" dirty="0">
+                    <a:solidFill>
+                      <a:schemeClr val="tx1"/>
+                    </a:solidFill>
+                    <a:latin typeface="Times New Roman" panose="02020603050405020304" pitchFamily="18" charset="0"/>
+                    <a:cs typeface="Times New Roman" panose="02020603050405020304" pitchFamily="18" charset="0"/>
+                  </a:rPr>
+                  <a:t>x</a:t>
+                </a:r>
+                <a:r>
+                  <a:rPr lang="ru-RU" sz="1600" dirty="0" smtClean="0">
+                    <a:solidFill>
+                      <a:schemeClr val="tx1"/>
+                    </a:solidFill>
+                    <a:latin typeface="Times New Roman" panose="02020603050405020304" pitchFamily="18" charset="0"/>
+                    <a:cs typeface="Times New Roman" panose="02020603050405020304" pitchFamily="18" charset="0"/>
+                  </a:rPr>
+                  <a:t>);</a:t>
+                </a:r>
+                <a:r>
+                  <a:rPr lang="en-US" sz="1600" dirty="0" smtClean="0">
+                    <a:solidFill>
+                      <a:schemeClr val="tx1"/>
+                    </a:solidFill>
+                    <a:latin typeface="Times New Roman" panose="02020603050405020304" pitchFamily="18" charset="0"/>
+                    <a:cs typeface="Times New Roman" panose="02020603050405020304" pitchFamily="18" charset="0"/>
+                  </a:rPr>
+                  <a:t> </a:t>
+                </a:r>
+                <a:endParaRPr lang="ru-RU" sz="1600" dirty="0" smtClean="0">
+                  <a:solidFill>
+                    <a:schemeClr val="tx1"/>
+                  </a:solidFill>
+                  <a:latin typeface="Times New Roman" panose="02020603050405020304" pitchFamily="18" charset="0"/>
+                  <a:cs typeface="Times New Roman" panose="02020603050405020304" pitchFamily="18" charset="0"/>
+                </a:endParaRPr>
+              </a:p>
+              <a:p>
+                <a:pPr algn="ctr"/>
+                <a:endParaRPr lang="ru-RU" dirty="0"/>
+              </a:p>
+              <a:p>
+                <a:pPr algn="ctr"/>
+                <a:endParaRPr lang="ru-RU" sz="1400" dirty="0">
+                  <a:solidFill>
+                    <a:schemeClr val="tx1"/>
+                  </a:solidFill>
+                  <a:latin typeface="Times New Roman" panose="02020603050405020304" pitchFamily="18" charset="0"/>
+                  <a:cs typeface="Times New Roman" panose="02020603050405020304" pitchFamily="18" charset="0"/>
+                </a:endParaRPr>
+              </a:p>
+            </p:txBody>
+          </p:sp>
+        </mc:Choice>
+        <mc:Fallback>
+          <p:sp>
+            <p:nvSpPr>
+              <p:cNvPr id="11" name="Объект 10"/>
+              <p:cNvSpPr>
+                <a:spLocks noGrp="1" noRot="1" noChangeAspect="1" noMove="1" noResize="1" noEditPoints="1" noAdjustHandles="1" noChangeArrowheads="1" noChangeShapeType="1" noTextEdit="1"/>
+              </p:cNvSpPr>
+              <p:nvPr>
+                <p:ph idx="1"/>
+              </p:nvPr>
+            </p:nvSpPr>
+            <p:spPr>
+              <a:xfrm>
+                <a:off x="1097279" y="1613288"/>
+                <a:ext cx="10045202" cy="4464026"/>
+              </a:xfrm>
+              <a:blipFill>
+                <a:blip r:embed="rId2"/>
+                <a:stretch>
+                  <a:fillRect l="-303" r="-1214"/>
+                </a:stretch>
+              </a:blipFill>
+            </p:spPr>
+            <p:txBody>
+              <a:bodyPr/>
+              <a:lstStyle/>
+              <a:p>
+                <a:r>
+                  <a:rPr lang="ru-RU">
+                    <a:noFill/>
+                  </a:rPr>
+                  <a:t> </a:t>
+                </a:r>
+              </a:p>
+            </p:txBody>
+          </p:sp>
+        </mc:Fallback>
+      </mc:AlternateContent>
+      <p:grpSp>
+        <p:nvGrpSpPr>
+          <p:cNvPr id="57" name="Группа 56"/>
+          <p:cNvGrpSpPr/>
+          <p:nvPr/>
+        </p:nvGrpSpPr>
+        <p:grpSpPr>
+          <a:xfrm>
+            <a:off x="5548643" y="1017266"/>
+            <a:ext cx="5901130" cy="7718547"/>
+            <a:chOff x="5548643" y="1017266"/>
+            <a:chExt cx="5901130" cy="7718547"/>
+          </a:xfrm>
+        </p:grpSpPr>
+        <mc:AlternateContent xmlns:mc="http://schemas.openxmlformats.org/markup-compatibility/2006">
+          <mc:Choice xmlns:a14="http://schemas.microsoft.com/office/drawing/2010/main" Requires="a14">
+            <p:sp>
+              <p:nvSpPr>
+                <p:cNvPr id="27" name="TextBox 26"/>
+                <p:cNvSpPr txBox="1"/>
+                <p:nvPr/>
+              </p:nvSpPr>
+              <p:spPr>
+                <a:xfrm>
+                  <a:off x="5548643" y="5972651"/>
+                  <a:ext cx="973028" cy="369332"/>
+                </a:xfrm>
+                <a:prstGeom prst="rect">
+                  <a:avLst/>
+                </a:prstGeom>
+                <a:noFill/>
+              </p:spPr>
+              <p:txBody>
+                <a:bodyPr wrap="square" rtlCol="0">
+                  <a:spAutoFit/>
+                </a:bodyPr>
+                <a:lstStyle/>
+                <a:p>
+                  <a:r>
+                    <a:rPr lang="ru-RU" dirty="0">
+                      <a:latin typeface="Times New Roman" panose="02020603050405020304" pitchFamily="18" charset="0"/>
+                      <a:cs typeface="Times New Roman" panose="02020603050405020304" pitchFamily="18" charset="0"/>
+                    </a:rPr>
+                    <a:t>(</a:t>
+                  </a:r>
+                  <a14:m>
+                    <m:oMath xmlns:m="http://schemas.openxmlformats.org/officeDocument/2006/math">
+                      <m:sSub>
+                        <m:sSubPr>
+                          <m:ctrlPr>
+                            <a:rPr lang="ru-RU" i="1">
+                              <a:latin typeface="Cambria Math" panose="02040503050406030204" pitchFamily="18" charset="0"/>
+                              <a:cs typeface="Times New Roman" panose="02020603050405020304" pitchFamily="18" charset="0"/>
+                            </a:rPr>
+                          </m:ctrlPr>
+                        </m:sSubPr>
+                        <m:e>
+                          <m:r>
+                            <a:rPr lang="en-US" i="1">
+                              <a:latin typeface="Cambria Math" panose="02040503050406030204" pitchFamily="18" charset="0"/>
+                              <a:cs typeface="Times New Roman" panose="02020603050405020304" pitchFamily="18" charset="0"/>
+                            </a:rPr>
+                            <m:t>𝑥</m:t>
+                          </m:r>
+                        </m:e>
+                        <m:sub>
+                          <m:r>
+                            <a:rPr lang="en-US" i="1">
+                              <a:latin typeface="Cambria Math" panose="02040503050406030204" pitchFamily="18" charset="0"/>
+                              <a:cs typeface="Times New Roman" panose="02020603050405020304" pitchFamily="18" charset="0"/>
+                            </a:rPr>
+                            <m:t>0</m:t>
+                          </m:r>
+                        </m:sub>
+                      </m:sSub>
+                    </m:oMath>
+                  </a14:m>
+                  <a:r>
+                    <a:rPr lang="ru-RU" dirty="0">
+                      <a:latin typeface="Times New Roman" panose="02020603050405020304" pitchFamily="18" charset="0"/>
+                      <a:cs typeface="Times New Roman" panose="02020603050405020304" pitchFamily="18" charset="0"/>
+                    </a:rPr>
+                    <a:t>, </a:t>
+                  </a:r>
+                  <a14:m>
+                    <m:oMath xmlns:m="http://schemas.openxmlformats.org/officeDocument/2006/math">
+                      <m:sSub>
+                        <m:sSubPr>
+                          <m:ctrlPr>
+                            <a:rPr lang="ru-RU" i="1">
+                              <a:latin typeface="Cambria Math" panose="02040503050406030204" pitchFamily="18" charset="0"/>
+                              <a:cs typeface="Times New Roman" panose="02020603050405020304" pitchFamily="18" charset="0"/>
+                            </a:rPr>
+                          </m:ctrlPr>
+                        </m:sSubPr>
+                        <m:e>
+                          <m:r>
+                            <a:rPr lang="en-US" i="1">
+                              <a:latin typeface="Cambria Math" panose="02040503050406030204" pitchFamily="18" charset="0"/>
+                              <a:cs typeface="Times New Roman" panose="02020603050405020304" pitchFamily="18" charset="0"/>
+                            </a:rPr>
+                            <m:t>𝑦</m:t>
+                          </m:r>
+                        </m:e>
+                        <m:sub>
+                          <m:r>
+                            <a:rPr lang="ru-RU" i="1">
+                              <a:latin typeface="Cambria Math" panose="02040503050406030204" pitchFamily="18" charset="0"/>
+                              <a:cs typeface="Times New Roman" panose="02020603050405020304" pitchFamily="18" charset="0"/>
+                            </a:rPr>
+                            <m:t>0</m:t>
+                          </m:r>
+                        </m:sub>
+                      </m:sSub>
+                    </m:oMath>
+                  </a14:m>
+                  <a:r>
+                    <a:rPr lang="ru-RU" dirty="0" smtClean="0">
+                      <a:latin typeface="Times New Roman" panose="02020603050405020304" pitchFamily="18" charset="0"/>
+                      <a:cs typeface="Times New Roman" panose="02020603050405020304" pitchFamily="18" charset="0"/>
+                    </a:rPr>
+                    <a:t>)</a:t>
+                  </a:r>
+                  <a:endParaRPr lang="ru-RU" dirty="0"/>
+                </a:p>
+              </p:txBody>
+            </p:sp>
+          </mc:Choice>
+          <mc:Fallback>
+            <p:sp>
+              <p:nvSpPr>
+                <p:cNvPr id="27" name="TextBox 26"/>
+                <p:cNvSpPr txBox="1">
+                  <a:spLocks noRot="1" noChangeAspect="1" noMove="1" noResize="1" noEditPoints="1" noAdjustHandles="1" noChangeArrowheads="1" noChangeShapeType="1" noTextEdit="1"/>
+                </p:cNvSpPr>
+                <p:nvPr/>
+              </p:nvSpPr>
+              <p:spPr>
+                <a:xfrm>
+                  <a:off x="5548643" y="5972651"/>
+                  <a:ext cx="973028" cy="369332"/>
+                </a:xfrm>
+                <a:prstGeom prst="rect">
+                  <a:avLst/>
+                </a:prstGeom>
+                <a:blipFill>
+                  <a:blip r:embed="rId3"/>
+                  <a:stretch>
+                    <a:fillRect l="-5000" t="-11667" b="-25000"/>
+                  </a:stretch>
+                </a:blipFill>
+              </p:spPr>
+              <p:txBody>
+                <a:bodyPr/>
+                <a:lstStyle/>
+                <a:p>
+                  <a:r>
+                    <a:rPr lang="ru-RU">
+                      <a:noFill/>
+                    </a:rPr>
+                    <a:t> </a:t>
+                  </a:r>
+                </a:p>
+              </p:txBody>
+            </p:sp>
+          </mc:Fallback>
+        </mc:AlternateContent>
+        <p:sp>
+          <p:nvSpPr>
+            <p:cNvPr id="47" name="Дуга 46"/>
+            <p:cNvSpPr/>
+            <p:nvPr/>
+          </p:nvSpPr>
+          <p:spPr>
+            <a:xfrm rot="16739075">
+              <a:off x="6190996" y="3477036"/>
+              <a:ext cx="5025714" cy="5491840"/>
+            </a:xfrm>
+            <a:prstGeom prst="arc">
+              <a:avLst/>
+            </a:prstGeom>
+            <a:ln>
+              <a:prstDash val="dash"/>
+            </a:ln>
+          </p:spPr>
+          <p:style>
+            <a:lnRef idx="1">
+              <a:schemeClr val="accent1"/>
+            </a:lnRef>
+            <a:fillRef idx="0">
+              <a:schemeClr val="accent1"/>
+            </a:fillRef>
+            <a:effectRef idx="0">
+              <a:schemeClr val="accent1"/>
+            </a:effectRef>
+            <a:fontRef idx="minor">
+              <a:schemeClr val="tx1"/>
+            </a:fontRef>
+          </p:style>
+          <p:txBody>
+            <a:bodyPr rtlCol="0" anchor="ctr"/>
+            <a:lstStyle/>
+            <a:p>
+              <a:pPr algn="ctr"/>
+              <a:endParaRPr lang="ru-RU" dirty="0"/>
+            </a:p>
+          </p:txBody>
+        </p:sp>
+        <p:sp>
+          <p:nvSpPr>
+            <p:cNvPr id="48" name="Дуга 47"/>
+            <p:cNvSpPr/>
+            <p:nvPr/>
+          </p:nvSpPr>
+          <p:spPr>
+            <a:xfrm rot="7169224">
+              <a:off x="6779638" y="834688"/>
+              <a:ext cx="3960637" cy="4325794"/>
+            </a:xfrm>
+            <a:prstGeom prst="arc">
+              <a:avLst>
+                <a:gd name="adj1" fmla="val 14410657"/>
+                <a:gd name="adj2" fmla="val 0"/>
+              </a:avLst>
+            </a:prstGeom>
+            <a:ln>
+              <a:prstDash val="dash"/>
+            </a:ln>
+          </p:spPr>
+          <p:style>
+            <a:lnRef idx="1">
+              <a:schemeClr val="accent1"/>
+            </a:lnRef>
+            <a:fillRef idx="0">
+              <a:schemeClr val="accent1"/>
+            </a:fillRef>
+            <a:effectRef idx="0">
+              <a:schemeClr val="accent1"/>
+            </a:effectRef>
+            <a:fontRef idx="minor">
+              <a:schemeClr val="tx1"/>
+            </a:fontRef>
+          </p:style>
+          <p:txBody>
+            <a:bodyPr rtlCol="0" anchor="ctr"/>
+            <a:lstStyle/>
+            <a:p>
+              <a:pPr algn="ctr"/>
+              <a:endParaRPr lang="ru-RU" dirty="0"/>
+            </a:p>
+          </p:txBody>
+        </p:sp>
+        <p:sp>
+          <p:nvSpPr>
+            <p:cNvPr id="32" name="Полилиния 31"/>
+            <p:cNvSpPr/>
+            <p:nvPr/>
+          </p:nvSpPr>
+          <p:spPr>
+            <a:xfrm>
+              <a:off x="6005445" y="4640532"/>
+              <a:ext cx="1630837" cy="1300899"/>
+            </a:xfrm>
+            <a:custGeom>
+              <a:avLst/>
+              <a:gdLst>
+                <a:gd name="connsiteX0" fmla="*/ 0 w 1178350"/>
+                <a:gd name="connsiteY0" fmla="*/ 1300899 h 1300899"/>
+                <a:gd name="connsiteX1" fmla="*/ 56561 w 1178350"/>
+                <a:gd name="connsiteY1" fmla="*/ 1131216 h 1300899"/>
+                <a:gd name="connsiteX2" fmla="*/ 141402 w 1178350"/>
+                <a:gd name="connsiteY2" fmla="*/ 904973 h 1300899"/>
+                <a:gd name="connsiteX3" fmla="*/ 405352 w 1178350"/>
+                <a:gd name="connsiteY3" fmla="*/ 518474 h 1300899"/>
+                <a:gd name="connsiteX4" fmla="*/ 801278 w 1178350"/>
+                <a:gd name="connsiteY4" fmla="*/ 169682 h 1300899"/>
+                <a:gd name="connsiteX5" fmla="*/ 1178350 w 1178350"/>
+                <a:gd name="connsiteY5" fmla="*/ 0 h 1300899"/>
+                <a:gd name="connsiteX6" fmla="*/ 1178350 w 1178350"/>
+                <a:gd name="connsiteY6" fmla="*/ 0 h 1300899"/>
+              </a:gdLst>
+              <a:ahLst/>
+              <a:cxnLst>
+                <a:cxn ang="0">
+                  <a:pos x="connsiteX0" y="connsiteY0"/>
+                </a:cxn>
+                <a:cxn ang="0">
+                  <a:pos x="connsiteX1" y="connsiteY1"/>
+                </a:cxn>
+                <a:cxn ang="0">
+                  <a:pos x="connsiteX2" y="connsiteY2"/>
+                </a:cxn>
+                <a:cxn ang="0">
+                  <a:pos x="connsiteX3" y="connsiteY3"/>
+                </a:cxn>
+                <a:cxn ang="0">
+                  <a:pos x="connsiteX4" y="connsiteY4"/>
+                </a:cxn>
+                <a:cxn ang="0">
+                  <a:pos x="connsiteX5" y="connsiteY5"/>
+                </a:cxn>
+                <a:cxn ang="0">
+                  <a:pos x="connsiteX6" y="connsiteY6"/>
+                </a:cxn>
+              </a:cxnLst>
+              <a:rect l="l" t="t" r="r" b="b"/>
+              <a:pathLst>
+                <a:path w="1178350" h="1300899">
+                  <a:moveTo>
+                    <a:pt x="0" y="1300899"/>
+                  </a:moveTo>
+                  <a:cubicBezTo>
+                    <a:pt x="16497" y="1249051"/>
+                    <a:pt x="32994" y="1197204"/>
+                    <a:pt x="56561" y="1131216"/>
+                  </a:cubicBezTo>
+                  <a:cubicBezTo>
+                    <a:pt x="80128" y="1065228"/>
+                    <a:pt x="83270" y="1007097"/>
+                    <a:pt x="141402" y="904973"/>
+                  </a:cubicBezTo>
+                  <a:cubicBezTo>
+                    <a:pt x="199534" y="802849"/>
+                    <a:pt x="295373" y="641022"/>
+                    <a:pt x="405352" y="518474"/>
+                  </a:cubicBezTo>
+                  <a:cubicBezTo>
+                    <a:pt x="515331" y="395926"/>
+                    <a:pt x="672445" y="256094"/>
+                    <a:pt x="801278" y="169682"/>
+                  </a:cubicBezTo>
+                  <a:cubicBezTo>
+                    <a:pt x="930111" y="83270"/>
+                    <a:pt x="1178350" y="0"/>
+                    <a:pt x="1178350" y="0"/>
+                  </a:cubicBezTo>
+                  <a:lnTo>
+                    <a:pt x="1178350" y="0"/>
+                  </a:lnTo>
+                </a:path>
+              </a:pathLst>
+            </a:custGeom>
+            <a:noFill/>
+            <a:ln w="57150">
+              <a:solidFill>
+                <a:srgbClr val="0070C0"/>
+              </a:solidFill>
+            </a:ln>
+          </p:spPr>
+          <p:style>
+            <a:lnRef idx="2">
+              <a:schemeClr val="accent1">
+                <a:shade val="50000"/>
+              </a:schemeClr>
+            </a:lnRef>
+            <a:fillRef idx="1">
+              <a:schemeClr val="accent1"/>
+            </a:fillRef>
+            <a:effectRef idx="0">
+              <a:schemeClr val="accent1"/>
+            </a:effectRef>
+            <a:fontRef idx="minor">
+              <a:schemeClr val="lt1"/>
+            </a:fontRef>
+          </p:style>
+          <p:txBody>
+            <a:bodyPr rtlCol="0" anchor="ctr"/>
+            <a:lstStyle/>
+            <a:p>
+              <a:pPr algn="ctr"/>
+              <a:endParaRPr lang="ru-RU"/>
+            </a:p>
+          </p:txBody>
+        </p:sp>
+        <p:sp>
+          <p:nvSpPr>
+            <p:cNvPr id="35" name="Полилиния 34"/>
+            <p:cNvSpPr/>
+            <p:nvPr/>
+          </p:nvSpPr>
+          <p:spPr>
+            <a:xfrm>
+              <a:off x="7636282" y="3755165"/>
+              <a:ext cx="1465312" cy="885367"/>
+            </a:xfrm>
+            <a:custGeom>
+              <a:avLst/>
+              <a:gdLst>
+                <a:gd name="connsiteX0" fmla="*/ 0 w 1465312"/>
+                <a:gd name="connsiteY0" fmla="*/ 885367 h 885367"/>
+                <a:gd name="connsiteX1" fmla="*/ 443059 w 1465312"/>
+                <a:gd name="connsiteY1" fmla="*/ 772246 h 885367"/>
+                <a:gd name="connsiteX2" fmla="*/ 838985 w 1465312"/>
+                <a:gd name="connsiteY2" fmla="*/ 602563 h 885367"/>
+                <a:gd name="connsiteX3" fmla="*/ 1168923 w 1465312"/>
+                <a:gd name="connsiteY3" fmla="*/ 366893 h 885367"/>
+                <a:gd name="connsiteX4" fmla="*/ 1432874 w 1465312"/>
+                <a:gd name="connsiteY4" fmla="*/ 46382 h 885367"/>
+                <a:gd name="connsiteX5" fmla="*/ 1451727 w 1465312"/>
+                <a:gd name="connsiteY5" fmla="*/ 8675 h 885367"/>
+              </a:gdLst>
+              <a:ahLst/>
+              <a:cxnLst>
+                <a:cxn ang="0">
+                  <a:pos x="connsiteX0" y="connsiteY0"/>
+                </a:cxn>
+                <a:cxn ang="0">
+                  <a:pos x="connsiteX1" y="connsiteY1"/>
+                </a:cxn>
+                <a:cxn ang="0">
+                  <a:pos x="connsiteX2" y="connsiteY2"/>
+                </a:cxn>
+                <a:cxn ang="0">
+                  <a:pos x="connsiteX3" y="connsiteY3"/>
+                </a:cxn>
+                <a:cxn ang="0">
+                  <a:pos x="connsiteX4" y="connsiteY4"/>
+                </a:cxn>
+                <a:cxn ang="0">
+                  <a:pos x="connsiteX5" y="connsiteY5"/>
+                </a:cxn>
+              </a:cxnLst>
+              <a:rect l="l" t="t" r="r" b="b"/>
+              <a:pathLst>
+                <a:path w="1465312" h="885367">
+                  <a:moveTo>
+                    <a:pt x="0" y="885367"/>
+                  </a:moveTo>
+                  <a:cubicBezTo>
+                    <a:pt x="151614" y="852373"/>
+                    <a:pt x="303228" y="819380"/>
+                    <a:pt x="443059" y="772246"/>
+                  </a:cubicBezTo>
+                  <a:cubicBezTo>
+                    <a:pt x="582890" y="725112"/>
+                    <a:pt x="718008" y="670122"/>
+                    <a:pt x="838985" y="602563"/>
+                  </a:cubicBezTo>
+                  <a:cubicBezTo>
+                    <a:pt x="959962" y="535004"/>
+                    <a:pt x="1069942" y="459590"/>
+                    <a:pt x="1168923" y="366893"/>
+                  </a:cubicBezTo>
+                  <a:cubicBezTo>
+                    <a:pt x="1267904" y="274196"/>
+                    <a:pt x="1385740" y="106085"/>
+                    <a:pt x="1432874" y="46382"/>
+                  </a:cubicBezTo>
+                  <a:cubicBezTo>
+                    <a:pt x="1480008" y="-13321"/>
+                    <a:pt x="1465867" y="-2323"/>
+                    <a:pt x="1451727" y="8675"/>
+                  </a:cubicBezTo>
+                </a:path>
+              </a:pathLst>
+            </a:custGeom>
+            <a:noFill/>
+            <a:ln w="57150">
+              <a:solidFill>
+                <a:srgbClr val="00B050"/>
+              </a:solidFill>
+            </a:ln>
+          </p:spPr>
+          <p:style>
+            <a:lnRef idx="2">
+              <a:schemeClr val="accent1">
+                <a:shade val="50000"/>
+              </a:schemeClr>
+            </a:lnRef>
+            <a:fillRef idx="1">
+              <a:schemeClr val="accent1"/>
+            </a:fillRef>
+            <a:effectRef idx="0">
+              <a:schemeClr val="accent1"/>
+            </a:effectRef>
+            <a:fontRef idx="minor">
+              <a:schemeClr val="lt1"/>
+            </a:fontRef>
+          </p:style>
+          <p:txBody>
+            <a:bodyPr rtlCol="0" anchor="ctr"/>
+            <a:lstStyle/>
+            <a:p>
+              <a:pPr algn="ctr"/>
+              <a:endParaRPr lang="ru-RU"/>
+            </a:p>
+          </p:txBody>
+        </p:sp>
+        <p:sp>
+          <p:nvSpPr>
+            <p:cNvPr id="39" name="Полилиния 38"/>
+            <p:cNvSpPr/>
+            <p:nvPr/>
+          </p:nvSpPr>
+          <p:spPr>
+            <a:xfrm>
+              <a:off x="9101594" y="2869045"/>
+              <a:ext cx="1739802" cy="886120"/>
+            </a:xfrm>
+            <a:custGeom>
+              <a:avLst/>
+              <a:gdLst>
+                <a:gd name="connsiteX0" fmla="*/ 0 w 1395167"/>
+                <a:gd name="connsiteY0" fmla="*/ 886120 h 886120"/>
+                <a:gd name="connsiteX1" fmla="*/ 150829 w 1395167"/>
+                <a:gd name="connsiteY1" fmla="*/ 659876 h 886120"/>
+                <a:gd name="connsiteX2" fmla="*/ 301658 w 1395167"/>
+                <a:gd name="connsiteY2" fmla="*/ 480767 h 886120"/>
+                <a:gd name="connsiteX3" fmla="*/ 584462 w 1395167"/>
+                <a:gd name="connsiteY3" fmla="*/ 226243 h 886120"/>
+                <a:gd name="connsiteX4" fmla="*/ 876693 w 1395167"/>
+                <a:gd name="connsiteY4" fmla="*/ 75414 h 886120"/>
+                <a:gd name="connsiteX5" fmla="*/ 1272618 w 1395167"/>
+                <a:gd name="connsiteY5" fmla="*/ 18854 h 886120"/>
+                <a:gd name="connsiteX6" fmla="*/ 1395167 w 1395167"/>
+                <a:gd name="connsiteY6" fmla="*/ 0 h 886120"/>
+              </a:gdLst>
+              <a:ahLst/>
+              <a:cxnLst>
+                <a:cxn ang="0">
+                  <a:pos x="connsiteX0" y="connsiteY0"/>
+                </a:cxn>
+                <a:cxn ang="0">
+                  <a:pos x="connsiteX1" y="connsiteY1"/>
+                </a:cxn>
+                <a:cxn ang="0">
+                  <a:pos x="connsiteX2" y="connsiteY2"/>
+                </a:cxn>
+                <a:cxn ang="0">
+                  <a:pos x="connsiteX3" y="connsiteY3"/>
+                </a:cxn>
+                <a:cxn ang="0">
+                  <a:pos x="connsiteX4" y="connsiteY4"/>
+                </a:cxn>
+                <a:cxn ang="0">
+                  <a:pos x="connsiteX5" y="connsiteY5"/>
+                </a:cxn>
+                <a:cxn ang="0">
+                  <a:pos x="connsiteX6" y="connsiteY6"/>
+                </a:cxn>
+              </a:cxnLst>
+              <a:rect l="l" t="t" r="r" b="b"/>
+              <a:pathLst>
+                <a:path w="1395167" h="886120">
+                  <a:moveTo>
+                    <a:pt x="0" y="886120"/>
+                  </a:moveTo>
+                  <a:cubicBezTo>
+                    <a:pt x="50276" y="806777"/>
+                    <a:pt x="100553" y="727435"/>
+                    <a:pt x="150829" y="659876"/>
+                  </a:cubicBezTo>
+                  <a:cubicBezTo>
+                    <a:pt x="201105" y="592317"/>
+                    <a:pt x="229386" y="553039"/>
+                    <a:pt x="301658" y="480767"/>
+                  </a:cubicBezTo>
+                  <a:cubicBezTo>
+                    <a:pt x="373930" y="408495"/>
+                    <a:pt x="488623" y="293802"/>
+                    <a:pt x="584462" y="226243"/>
+                  </a:cubicBezTo>
+                  <a:cubicBezTo>
+                    <a:pt x="680301" y="158684"/>
+                    <a:pt x="762000" y="109979"/>
+                    <a:pt x="876693" y="75414"/>
+                  </a:cubicBezTo>
+                  <a:cubicBezTo>
+                    <a:pt x="991386" y="40849"/>
+                    <a:pt x="1272618" y="18854"/>
+                    <a:pt x="1272618" y="18854"/>
+                  </a:cubicBezTo>
+                  <a:lnTo>
+                    <a:pt x="1395167" y="0"/>
+                  </a:lnTo>
+                </a:path>
+              </a:pathLst>
+            </a:custGeom>
+            <a:noFill/>
+            <a:ln w="57150">
+              <a:solidFill>
+                <a:srgbClr val="0070C0"/>
+              </a:solidFill>
+            </a:ln>
+          </p:spPr>
+          <p:style>
+            <a:lnRef idx="2">
+              <a:schemeClr val="accent1">
+                <a:shade val="50000"/>
+              </a:schemeClr>
+            </a:lnRef>
+            <a:fillRef idx="1">
+              <a:schemeClr val="accent1"/>
+            </a:fillRef>
+            <a:effectRef idx="0">
+              <a:schemeClr val="accent1"/>
+            </a:effectRef>
+            <a:fontRef idx="minor">
+              <a:schemeClr val="lt1"/>
+            </a:fontRef>
+          </p:style>
+          <p:txBody>
+            <a:bodyPr rtlCol="0" anchor="ctr"/>
+            <a:lstStyle/>
+            <a:p>
+              <a:pPr algn="ctr"/>
+              <a:endParaRPr lang="ru-RU"/>
+            </a:p>
+          </p:txBody>
+        </p:sp>
+        <p:sp>
+          <p:nvSpPr>
+            <p:cNvPr id="40" name="Блок-схема: узел 39"/>
+            <p:cNvSpPr/>
+            <p:nvPr/>
+          </p:nvSpPr>
+          <p:spPr>
+            <a:xfrm>
+              <a:off x="9003374" y="3677461"/>
+              <a:ext cx="196440" cy="155408"/>
+            </a:xfrm>
+            <a:prstGeom prst="flowChartConnector">
+              <a:avLst/>
+            </a:prstGeom>
+            <a:solidFill>
+              <a:srgbClr val="FF0000"/>
+            </a:solidFill>
+            <a:ln w="57150">
+              <a:solidFill>
+                <a:srgbClr val="FF0000"/>
+              </a:solidFill>
+            </a:ln>
+          </p:spPr>
+          <p:style>
+            <a:lnRef idx="2">
+              <a:schemeClr val="accent1">
+                <a:shade val="50000"/>
+              </a:schemeClr>
+            </a:lnRef>
+            <a:fillRef idx="1">
+              <a:schemeClr val="accent1"/>
+            </a:fillRef>
+            <a:effectRef idx="0">
+              <a:schemeClr val="accent1"/>
+            </a:effectRef>
+            <a:fontRef idx="minor">
+              <a:schemeClr val="lt1"/>
+            </a:fontRef>
+          </p:style>
+          <p:txBody>
+            <a:bodyPr rtlCol="0" anchor="ctr"/>
+            <a:lstStyle/>
+            <a:p>
+              <a:pPr algn="ctr"/>
+              <a:endParaRPr lang="ru-RU"/>
+            </a:p>
+          </p:txBody>
+        </p:sp>
+        <p:sp>
+          <p:nvSpPr>
+            <p:cNvPr id="41" name="Блок-схема: узел 40"/>
+            <p:cNvSpPr/>
+            <p:nvPr/>
+          </p:nvSpPr>
+          <p:spPr>
+            <a:xfrm>
+              <a:off x="7543809" y="4562828"/>
+              <a:ext cx="196440" cy="155408"/>
+            </a:xfrm>
+            <a:prstGeom prst="flowChartConnector">
+              <a:avLst/>
+            </a:prstGeom>
+            <a:solidFill>
+              <a:srgbClr val="FF0000"/>
+            </a:solidFill>
+            <a:ln w="57150">
+              <a:solidFill>
+                <a:srgbClr val="FF0000"/>
+              </a:solidFill>
+            </a:ln>
+          </p:spPr>
+          <p:style>
+            <a:lnRef idx="2">
+              <a:schemeClr val="accent1">
+                <a:shade val="50000"/>
+              </a:schemeClr>
+            </a:lnRef>
+            <a:fillRef idx="1">
+              <a:schemeClr val="accent1"/>
+            </a:fillRef>
+            <a:effectRef idx="0">
+              <a:schemeClr val="accent1"/>
+            </a:effectRef>
+            <a:fontRef idx="minor">
+              <a:schemeClr val="lt1"/>
+            </a:fontRef>
+          </p:style>
+          <p:txBody>
+            <a:bodyPr rtlCol="0" anchor="ctr"/>
+            <a:lstStyle/>
+            <a:p>
+              <a:pPr algn="ctr"/>
+              <a:endParaRPr lang="ru-RU"/>
+            </a:p>
+          </p:txBody>
+        </p:sp>
+        <p:sp>
+          <p:nvSpPr>
+            <p:cNvPr id="42" name="Блок-схема: узел 41"/>
+            <p:cNvSpPr/>
+            <p:nvPr/>
+          </p:nvSpPr>
+          <p:spPr>
+            <a:xfrm>
+              <a:off x="10743176" y="2808644"/>
+              <a:ext cx="196440" cy="155408"/>
+            </a:xfrm>
+            <a:prstGeom prst="flowChartConnector">
+              <a:avLst/>
+            </a:prstGeom>
+            <a:solidFill>
+              <a:srgbClr val="FF0000"/>
+            </a:solidFill>
+            <a:ln w="57150">
+              <a:solidFill>
+                <a:srgbClr val="FF0000"/>
+              </a:solidFill>
+            </a:ln>
+          </p:spPr>
+          <p:style>
+            <a:lnRef idx="2">
+              <a:schemeClr val="accent1">
+                <a:shade val="50000"/>
+              </a:schemeClr>
+            </a:lnRef>
+            <a:fillRef idx="1">
+              <a:schemeClr val="accent1"/>
+            </a:fillRef>
+            <a:effectRef idx="0">
+              <a:schemeClr val="accent1"/>
+            </a:effectRef>
+            <a:fontRef idx="minor">
+              <a:schemeClr val="lt1"/>
+            </a:fontRef>
+          </p:style>
+          <p:txBody>
+            <a:bodyPr rtlCol="0" anchor="ctr"/>
+            <a:lstStyle/>
+            <a:p>
+              <a:pPr algn="ctr"/>
+              <a:endParaRPr lang="ru-RU"/>
+            </a:p>
+          </p:txBody>
+        </p:sp>
+        <p:sp>
+          <p:nvSpPr>
+            <p:cNvPr id="43" name="Блок-схема: узел 42"/>
+            <p:cNvSpPr/>
+            <p:nvPr/>
+          </p:nvSpPr>
+          <p:spPr>
+            <a:xfrm>
+              <a:off x="5901478" y="5838524"/>
+              <a:ext cx="196440" cy="155408"/>
+            </a:xfrm>
+            <a:prstGeom prst="flowChartConnector">
+              <a:avLst/>
+            </a:prstGeom>
+            <a:solidFill>
+              <a:srgbClr val="FF0000"/>
+            </a:solidFill>
+            <a:ln w="57150">
+              <a:solidFill>
+                <a:srgbClr val="FF0000"/>
+              </a:solidFill>
+            </a:ln>
+          </p:spPr>
+          <p:style>
+            <a:lnRef idx="2">
+              <a:schemeClr val="accent1">
+                <a:shade val="50000"/>
+              </a:schemeClr>
+            </a:lnRef>
+            <a:fillRef idx="1">
+              <a:schemeClr val="accent1"/>
+            </a:fillRef>
+            <a:effectRef idx="0">
+              <a:schemeClr val="accent1"/>
+            </a:effectRef>
+            <a:fontRef idx="minor">
+              <a:schemeClr val="lt1"/>
+            </a:fontRef>
+          </p:style>
+          <p:txBody>
+            <a:bodyPr rtlCol="0" anchor="ctr"/>
+            <a:lstStyle/>
+            <a:p>
+              <a:pPr algn="ctr"/>
+              <a:endParaRPr lang="ru-RU"/>
+            </a:p>
+          </p:txBody>
+        </p:sp>
+        <mc:AlternateContent xmlns:mc="http://schemas.openxmlformats.org/markup-compatibility/2006">
+          <mc:Choice xmlns:a14="http://schemas.microsoft.com/office/drawing/2010/main" Requires="a14">
+            <p:sp>
+              <p:nvSpPr>
+                <p:cNvPr id="44" name="TextBox 43"/>
+                <p:cNvSpPr txBox="1"/>
+                <p:nvPr/>
+              </p:nvSpPr>
+              <p:spPr>
+                <a:xfrm>
+                  <a:off x="7157668" y="4803917"/>
+                  <a:ext cx="973028" cy="369332"/>
+                </a:xfrm>
+                <a:prstGeom prst="rect">
+                  <a:avLst/>
+                </a:prstGeom>
+                <a:noFill/>
+              </p:spPr>
+              <p:txBody>
+                <a:bodyPr wrap="square" rtlCol="0">
+                  <a:spAutoFit/>
+                </a:bodyPr>
+                <a:lstStyle/>
+                <a:p>
+                  <a:r>
+                    <a:rPr lang="ru-RU" dirty="0" smtClean="0">
+                      <a:latin typeface="Times New Roman" panose="02020603050405020304" pitchFamily="18" charset="0"/>
+                      <a:cs typeface="Times New Roman" panose="02020603050405020304" pitchFamily="18" charset="0"/>
+                    </a:rPr>
+                    <a:t>(</a:t>
+                  </a:r>
+                  <a14:m>
+                    <m:oMath xmlns:m="http://schemas.openxmlformats.org/officeDocument/2006/math">
+                      <m:sSub>
+                        <m:sSubPr>
+                          <m:ctrlPr>
+                            <a:rPr lang="ru-RU" i="1">
+                              <a:latin typeface="Cambria Math" panose="02040503050406030204" pitchFamily="18" charset="0"/>
+                              <a:cs typeface="Times New Roman" panose="02020603050405020304" pitchFamily="18" charset="0"/>
+                            </a:rPr>
+                          </m:ctrlPr>
+                        </m:sSubPr>
+                        <m:e>
+                          <m:r>
+                            <a:rPr lang="en-US" i="1">
+                              <a:latin typeface="Cambria Math" panose="02040503050406030204" pitchFamily="18" charset="0"/>
+                              <a:cs typeface="Times New Roman" panose="02020603050405020304" pitchFamily="18" charset="0"/>
+                            </a:rPr>
+                            <m:t>𝑥</m:t>
+                          </m:r>
+                        </m:e>
+                        <m:sub>
+                          <m:r>
+                            <a:rPr lang="en-US" b="0" i="1" smtClean="0">
+                              <a:latin typeface="Cambria Math" panose="02040503050406030204" pitchFamily="18" charset="0"/>
+                              <a:cs typeface="Times New Roman" panose="02020603050405020304" pitchFamily="18" charset="0"/>
+                            </a:rPr>
+                            <m:t>1</m:t>
+                          </m:r>
+                        </m:sub>
+                      </m:sSub>
+                    </m:oMath>
+                  </a14:m>
+                  <a:r>
+                    <a:rPr lang="ru-RU" dirty="0">
+                      <a:latin typeface="Times New Roman" panose="02020603050405020304" pitchFamily="18" charset="0"/>
+                      <a:cs typeface="Times New Roman" panose="02020603050405020304" pitchFamily="18" charset="0"/>
+                    </a:rPr>
+                    <a:t>, </a:t>
+                  </a:r>
+                  <a14:m>
+                    <m:oMath xmlns:m="http://schemas.openxmlformats.org/officeDocument/2006/math">
+                      <m:sSub>
+                        <m:sSubPr>
+                          <m:ctrlPr>
+                            <a:rPr lang="ru-RU" i="1">
+                              <a:latin typeface="Cambria Math" panose="02040503050406030204" pitchFamily="18" charset="0"/>
+                              <a:cs typeface="Times New Roman" panose="02020603050405020304" pitchFamily="18" charset="0"/>
+                            </a:rPr>
+                          </m:ctrlPr>
+                        </m:sSubPr>
+                        <m:e>
+                          <m:r>
+                            <a:rPr lang="en-US" i="1">
+                              <a:latin typeface="Cambria Math" panose="02040503050406030204" pitchFamily="18" charset="0"/>
+                              <a:cs typeface="Times New Roman" panose="02020603050405020304" pitchFamily="18" charset="0"/>
+                            </a:rPr>
+                            <m:t>𝑦</m:t>
+                          </m:r>
+                        </m:e>
+                        <m:sub>
+                          <m:r>
+                            <a:rPr lang="en-US" b="0" i="1" smtClean="0">
+                              <a:latin typeface="Cambria Math" panose="02040503050406030204" pitchFamily="18" charset="0"/>
+                              <a:cs typeface="Times New Roman" panose="02020603050405020304" pitchFamily="18" charset="0"/>
+                            </a:rPr>
+                            <m:t>1</m:t>
+                          </m:r>
+                        </m:sub>
+                      </m:sSub>
+                    </m:oMath>
+                  </a14:m>
+                  <a:r>
+                    <a:rPr lang="ru-RU" dirty="0" smtClean="0">
+                      <a:latin typeface="Times New Roman" panose="02020603050405020304" pitchFamily="18" charset="0"/>
+                      <a:cs typeface="Times New Roman" panose="02020603050405020304" pitchFamily="18" charset="0"/>
+                    </a:rPr>
+                    <a:t>)</a:t>
+                  </a:r>
+                  <a:endParaRPr lang="ru-RU" dirty="0"/>
+                </a:p>
+              </p:txBody>
+            </p:sp>
+          </mc:Choice>
+          <mc:Fallback>
+            <p:sp>
+              <p:nvSpPr>
+                <p:cNvPr id="44" name="TextBox 43"/>
+                <p:cNvSpPr txBox="1">
+                  <a:spLocks noRot="1" noChangeAspect="1" noMove="1" noResize="1" noEditPoints="1" noAdjustHandles="1" noChangeArrowheads="1" noChangeShapeType="1" noTextEdit="1"/>
+                </p:cNvSpPr>
+                <p:nvPr/>
+              </p:nvSpPr>
+              <p:spPr>
+                <a:xfrm>
+                  <a:off x="7157668" y="4803917"/>
+                  <a:ext cx="973028" cy="369332"/>
+                </a:xfrm>
+                <a:prstGeom prst="rect">
+                  <a:avLst/>
+                </a:prstGeom>
+                <a:blipFill>
+                  <a:blip r:embed="rId4"/>
+                  <a:stretch>
+                    <a:fillRect l="-5000" t="-9836" b="-22951"/>
+                  </a:stretch>
+                </a:blipFill>
+              </p:spPr>
+              <p:txBody>
+                <a:bodyPr/>
+                <a:lstStyle/>
+                <a:p>
+                  <a:r>
+                    <a:rPr lang="ru-RU">
+                      <a:noFill/>
+                    </a:rPr>
+                    <a:t> </a:t>
+                  </a:r>
+                </a:p>
+              </p:txBody>
+            </p:sp>
+          </mc:Fallback>
+        </mc:AlternateContent>
+        <mc:AlternateContent xmlns:mc="http://schemas.openxmlformats.org/markup-compatibility/2006">
+          <mc:Choice xmlns:a14="http://schemas.microsoft.com/office/drawing/2010/main" Requires="a14">
+            <p:sp>
+              <p:nvSpPr>
+                <p:cNvPr id="45" name="TextBox 44"/>
+                <p:cNvSpPr txBox="1"/>
+                <p:nvPr/>
+              </p:nvSpPr>
+              <p:spPr>
+                <a:xfrm>
+                  <a:off x="8516860" y="3134104"/>
+                  <a:ext cx="973028" cy="369332"/>
+                </a:xfrm>
+                <a:prstGeom prst="rect">
+                  <a:avLst/>
+                </a:prstGeom>
+                <a:noFill/>
+              </p:spPr>
+              <p:txBody>
+                <a:bodyPr wrap="square" rtlCol="0">
+                  <a:spAutoFit/>
+                </a:bodyPr>
+                <a:lstStyle/>
+                <a:p>
+                  <a:r>
+                    <a:rPr lang="ru-RU" dirty="0" smtClean="0">
+                      <a:latin typeface="Times New Roman" panose="02020603050405020304" pitchFamily="18" charset="0"/>
+                      <a:cs typeface="Times New Roman" panose="02020603050405020304" pitchFamily="18" charset="0"/>
+                    </a:rPr>
+                    <a:t>(</a:t>
+                  </a:r>
+                  <a14:m>
+                    <m:oMath xmlns:m="http://schemas.openxmlformats.org/officeDocument/2006/math">
+                      <m:sSub>
+                        <m:sSubPr>
+                          <m:ctrlPr>
+                            <a:rPr lang="ru-RU" i="1">
+                              <a:latin typeface="Cambria Math" panose="02040503050406030204" pitchFamily="18" charset="0"/>
+                              <a:cs typeface="Times New Roman" panose="02020603050405020304" pitchFamily="18" charset="0"/>
+                            </a:rPr>
+                          </m:ctrlPr>
+                        </m:sSubPr>
+                        <m:e>
+                          <m:r>
+                            <a:rPr lang="en-US" i="1">
+                              <a:latin typeface="Cambria Math" panose="02040503050406030204" pitchFamily="18" charset="0"/>
+                              <a:cs typeface="Times New Roman" panose="02020603050405020304" pitchFamily="18" charset="0"/>
+                            </a:rPr>
+                            <m:t>𝑥</m:t>
+                          </m:r>
+                        </m:e>
+                        <m:sub>
+                          <m:r>
+                            <a:rPr lang="en-US" b="0" i="1" smtClean="0">
+                              <a:latin typeface="Cambria Math" panose="02040503050406030204" pitchFamily="18" charset="0"/>
+                              <a:cs typeface="Times New Roman" panose="02020603050405020304" pitchFamily="18" charset="0"/>
+                            </a:rPr>
+                            <m:t>2</m:t>
+                          </m:r>
+                        </m:sub>
+                      </m:sSub>
+                    </m:oMath>
+                  </a14:m>
+                  <a:r>
+                    <a:rPr lang="ru-RU" dirty="0">
+                      <a:latin typeface="Times New Roman" panose="02020603050405020304" pitchFamily="18" charset="0"/>
+                      <a:cs typeface="Times New Roman" panose="02020603050405020304" pitchFamily="18" charset="0"/>
+                    </a:rPr>
+                    <a:t>, </a:t>
+                  </a:r>
+                  <a14:m>
+                    <m:oMath xmlns:m="http://schemas.openxmlformats.org/officeDocument/2006/math">
+                      <m:sSub>
+                        <m:sSubPr>
+                          <m:ctrlPr>
+                            <a:rPr lang="ru-RU" i="1">
+                              <a:latin typeface="Cambria Math" panose="02040503050406030204" pitchFamily="18" charset="0"/>
+                              <a:cs typeface="Times New Roman" panose="02020603050405020304" pitchFamily="18" charset="0"/>
+                            </a:rPr>
+                          </m:ctrlPr>
+                        </m:sSubPr>
+                        <m:e>
+                          <m:r>
+                            <a:rPr lang="en-US" i="1">
+                              <a:latin typeface="Cambria Math" panose="02040503050406030204" pitchFamily="18" charset="0"/>
+                              <a:cs typeface="Times New Roman" panose="02020603050405020304" pitchFamily="18" charset="0"/>
+                            </a:rPr>
+                            <m:t>𝑦</m:t>
+                          </m:r>
+                        </m:e>
+                        <m:sub>
+                          <m:r>
+                            <a:rPr lang="en-US" b="0" i="1" smtClean="0">
+                              <a:latin typeface="Cambria Math" panose="02040503050406030204" pitchFamily="18" charset="0"/>
+                              <a:cs typeface="Times New Roman" panose="02020603050405020304" pitchFamily="18" charset="0"/>
+                            </a:rPr>
+                            <m:t>2</m:t>
+                          </m:r>
+                        </m:sub>
+                      </m:sSub>
+                    </m:oMath>
+                  </a14:m>
+                  <a:r>
+                    <a:rPr lang="ru-RU" dirty="0" smtClean="0">
+                      <a:latin typeface="Times New Roman" panose="02020603050405020304" pitchFamily="18" charset="0"/>
+                      <a:cs typeface="Times New Roman" panose="02020603050405020304" pitchFamily="18" charset="0"/>
+                    </a:rPr>
+                    <a:t>)</a:t>
+                  </a:r>
+                  <a:endParaRPr lang="ru-RU" dirty="0"/>
+                </a:p>
+              </p:txBody>
+            </p:sp>
+          </mc:Choice>
+          <mc:Fallback>
+            <p:sp>
+              <p:nvSpPr>
+                <p:cNvPr id="45" name="TextBox 44"/>
+                <p:cNvSpPr txBox="1">
+                  <a:spLocks noRot="1" noChangeAspect="1" noMove="1" noResize="1" noEditPoints="1" noAdjustHandles="1" noChangeArrowheads="1" noChangeShapeType="1" noTextEdit="1"/>
+                </p:cNvSpPr>
+                <p:nvPr/>
+              </p:nvSpPr>
+              <p:spPr>
+                <a:xfrm>
+                  <a:off x="8516860" y="3134104"/>
+                  <a:ext cx="973028" cy="369332"/>
+                </a:xfrm>
+                <a:prstGeom prst="rect">
+                  <a:avLst/>
+                </a:prstGeom>
+                <a:blipFill>
+                  <a:blip r:embed="rId5"/>
+                  <a:stretch>
+                    <a:fillRect l="-5000" t="-9836" b="-22951"/>
+                  </a:stretch>
+                </a:blipFill>
+              </p:spPr>
+              <p:txBody>
+                <a:bodyPr/>
+                <a:lstStyle/>
+                <a:p>
+                  <a:r>
+                    <a:rPr lang="ru-RU">
+                      <a:noFill/>
+                    </a:rPr>
+                    <a:t> </a:t>
+                  </a:r>
+                </a:p>
+              </p:txBody>
+            </p:sp>
+          </mc:Fallback>
+        </mc:AlternateContent>
+        <mc:AlternateContent xmlns:mc="http://schemas.openxmlformats.org/markup-compatibility/2006">
+          <mc:Choice xmlns:a14="http://schemas.microsoft.com/office/drawing/2010/main" Requires="a14">
+            <p:sp>
+              <p:nvSpPr>
+                <p:cNvPr id="46" name="TextBox 45"/>
+                <p:cNvSpPr txBox="1"/>
+                <p:nvPr/>
+              </p:nvSpPr>
+              <p:spPr>
+                <a:xfrm>
+                  <a:off x="10354882" y="2419035"/>
+                  <a:ext cx="973028" cy="369332"/>
+                </a:xfrm>
+                <a:prstGeom prst="rect">
+                  <a:avLst/>
+                </a:prstGeom>
+                <a:noFill/>
+              </p:spPr>
+              <p:txBody>
+                <a:bodyPr wrap="square" rtlCol="0">
+                  <a:spAutoFit/>
+                </a:bodyPr>
+                <a:lstStyle/>
+                <a:p>
+                  <a:r>
+                    <a:rPr lang="ru-RU" dirty="0" smtClean="0">
+                      <a:latin typeface="Times New Roman" panose="02020603050405020304" pitchFamily="18" charset="0"/>
+                      <a:cs typeface="Times New Roman" panose="02020603050405020304" pitchFamily="18" charset="0"/>
+                    </a:rPr>
+                    <a:t>(</a:t>
+                  </a:r>
+                  <a14:m>
+                    <m:oMath xmlns:m="http://schemas.openxmlformats.org/officeDocument/2006/math">
+                      <m:sSub>
+                        <m:sSubPr>
+                          <m:ctrlPr>
+                            <a:rPr lang="ru-RU" i="1">
+                              <a:latin typeface="Cambria Math" panose="02040503050406030204" pitchFamily="18" charset="0"/>
+                              <a:cs typeface="Times New Roman" panose="02020603050405020304" pitchFamily="18" charset="0"/>
+                            </a:rPr>
+                          </m:ctrlPr>
+                        </m:sSubPr>
+                        <m:e>
+                          <m:r>
+                            <a:rPr lang="en-US" i="1">
+                              <a:latin typeface="Cambria Math" panose="02040503050406030204" pitchFamily="18" charset="0"/>
+                              <a:cs typeface="Times New Roman" panose="02020603050405020304" pitchFamily="18" charset="0"/>
+                            </a:rPr>
+                            <m:t>𝑥</m:t>
+                          </m:r>
+                        </m:e>
+                        <m:sub>
+                          <m:r>
+                            <a:rPr lang="en-US" b="0" i="1" smtClean="0">
+                              <a:latin typeface="Cambria Math" panose="02040503050406030204" pitchFamily="18" charset="0"/>
+                              <a:cs typeface="Times New Roman" panose="02020603050405020304" pitchFamily="18" charset="0"/>
+                            </a:rPr>
+                            <m:t>3</m:t>
+                          </m:r>
+                        </m:sub>
+                      </m:sSub>
+                    </m:oMath>
+                  </a14:m>
+                  <a:r>
+                    <a:rPr lang="ru-RU" dirty="0">
+                      <a:latin typeface="Times New Roman" panose="02020603050405020304" pitchFamily="18" charset="0"/>
+                      <a:cs typeface="Times New Roman" panose="02020603050405020304" pitchFamily="18" charset="0"/>
+                    </a:rPr>
+                    <a:t>, </a:t>
+                  </a:r>
+                  <a14:m>
+                    <m:oMath xmlns:m="http://schemas.openxmlformats.org/officeDocument/2006/math">
+                      <m:sSub>
+                        <m:sSubPr>
+                          <m:ctrlPr>
+                            <a:rPr lang="ru-RU" i="1">
+                              <a:latin typeface="Cambria Math" panose="02040503050406030204" pitchFamily="18" charset="0"/>
+                              <a:cs typeface="Times New Roman" panose="02020603050405020304" pitchFamily="18" charset="0"/>
+                            </a:rPr>
+                          </m:ctrlPr>
+                        </m:sSubPr>
+                        <m:e>
+                          <m:r>
+                            <a:rPr lang="en-US" i="1">
+                              <a:latin typeface="Cambria Math" panose="02040503050406030204" pitchFamily="18" charset="0"/>
+                              <a:cs typeface="Times New Roman" panose="02020603050405020304" pitchFamily="18" charset="0"/>
+                            </a:rPr>
+                            <m:t>𝑦</m:t>
+                          </m:r>
+                        </m:e>
+                        <m:sub>
+                          <m:r>
+                            <a:rPr lang="en-US" b="0" i="1" smtClean="0">
+                              <a:latin typeface="Cambria Math" panose="02040503050406030204" pitchFamily="18" charset="0"/>
+                              <a:cs typeface="Times New Roman" panose="02020603050405020304" pitchFamily="18" charset="0"/>
+                            </a:rPr>
+                            <m:t>3</m:t>
+                          </m:r>
+                        </m:sub>
+                      </m:sSub>
+                    </m:oMath>
+                  </a14:m>
+                  <a:r>
+                    <a:rPr lang="ru-RU" dirty="0" smtClean="0">
+                      <a:latin typeface="Times New Roman" panose="02020603050405020304" pitchFamily="18" charset="0"/>
+                      <a:cs typeface="Times New Roman" panose="02020603050405020304" pitchFamily="18" charset="0"/>
+                    </a:rPr>
+                    <a:t>)</a:t>
+                  </a:r>
+                  <a:endParaRPr lang="ru-RU" dirty="0"/>
+                </a:p>
+              </p:txBody>
+            </p:sp>
+          </mc:Choice>
+          <mc:Fallback>
+            <p:sp>
+              <p:nvSpPr>
+                <p:cNvPr id="46" name="TextBox 45"/>
+                <p:cNvSpPr txBox="1">
+                  <a:spLocks noRot="1" noChangeAspect="1" noMove="1" noResize="1" noEditPoints="1" noAdjustHandles="1" noChangeArrowheads="1" noChangeShapeType="1" noTextEdit="1"/>
+                </p:cNvSpPr>
+                <p:nvPr/>
+              </p:nvSpPr>
+              <p:spPr>
+                <a:xfrm>
+                  <a:off x="10354882" y="2419035"/>
+                  <a:ext cx="973028" cy="369332"/>
+                </a:xfrm>
+                <a:prstGeom prst="rect">
+                  <a:avLst/>
+                </a:prstGeom>
+                <a:blipFill>
+                  <a:blip r:embed="rId6"/>
+                  <a:stretch>
+                    <a:fillRect l="-5660" t="-11667" b="-25000"/>
+                  </a:stretch>
+                </a:blipFill>
+              </p:spPr>
+              <p:txBody>
+                <a:bodyPr/>
+                <a:lstStyle/>
+                <a:p>
+                  <a:r>
+                    <a:rPr lang="ru-RU">
+                      <a:noFill/>
+                    </a:rPr>
+                    <a:t> </a:t>
+                  </a:r>
+                </a:p>
+              </p:txBody>
+            </p:sp>
+          </mc:Fallback>
+        </mc:AlternateContent>
+        <mc:AlternateContent xmlns:mc="http://schemas.openxmlformats.org/markup-compatibility/2006">
+          <mc:Choice xmlns:a14="http://schemas.microsoft.com/office/drawing/2010/main" Requires="a14">
+            <p:sp>
+              <p:nvSpPr>
+                <p:cNvPr id="49" name="TextBox 48"/>
+                <p:cNvSpPr txBox="1"/>
+                <p:nvPr/>
+              </p:nvSpPr>
+              <p:spPr>
+                <a:xfrm>
+                  <a:off x="10020605" y="4725937"/>
+                  <a:ext cx="677108" cy="369332"/>
+                </a:xfrm>
+                <a:prstGeom prst="rect">
+                  <a:avLst/>
+                </a:prstGeom>
+                <a:noFill/>
+              </p:spPr>
+              <p:txBody>
+                <a:bodyPr wrap="none" rtlCol="0">
+                  <a:spAutoFit/>
+                </a:bodyPr>
+                <a:lstStyle/>
+                <a:p>
+                  <a14:m>
+                    <m:oMath xmlns:m="http://schemas.openxmlformats.org/officeDocument/2006/math">
+                      <m:sSub>
+                        <m:sSubPr>
+                          <m:ctrlPr>
+                            <a:rPr lang="ru-RU" i="1">
+                              <a:latin typeface="Cambria Math" panose="02040503050406030204" pitchFamily="18" charset="0"/>
+                              <a:cs typeface="Times New Roman" panose="02020603050405020304" pitchFamily="18" charset="0"/>
+                            </a:rPr>
+                          </m:ctrlPr>
+                        </m:sSubPr>
+                        <m:e>
+                          <m:r>
+                            <a:rPr lang="en-US" i="1">
+                              <a:latin typeface="Cambria Math" panose="02040503050406030204" pitchFamily="18" charset="0"/>
+                              <a:cs typeface="Times New Roman" panose="02020603050405020304" pitchFamily="18" charset="0"/>
+                            </a:rPr>
+                            <m:t>𝐹</m:t>
+                          </m:r>
+                        </m:e>
+                        <m:sub>
+                          <m:r>
+                            <a:rPr lang="en-US" i="1">
+                              <a:latin typeface="Cambria Math" panose="02040503050406030204" pitchFamily="18" charset="0"/>
+                              <a:cs typeface="Times New Roman" panose="02020603050405020304" pitchFamily="18" charset="0"/>
+                            </a:rPr>
+                            <m:t>2</m:t>
+                          </m:r>
+                        </m:sub>
+                      </m:sSub>
+                    </m:oMath>
+                  </a14:m>
+                  <a:r>
+                    <a:rPr lang="ru-RU" dirty="0">
+                      <a:latin typeface="Times New Roman" panose="02020603050405020304" pitchFamily="18" charset="0"/>
+                      <a:cs typeface="Times New Roman" panose="02020603050405020304" pitchFamily="18" charset="0"/>
+                    </a:rPr>
+                    <a:t>(</a:t>
+                  </a:r>
+                  <a:r>
+                    <a:rPr lang="ru-RU" dirty="0">
+                      <a:latin typeface="Times New Roman" panose="02020603050405020304" pitchFamily="18" charset="0"/>
+                      <a:cs typeface="Times New Roman" panose="02020603050405020304" pitchFamily="18" charset="0"/>
+                    </a:rPr>
+                    <a:t>x</a:t>
+                  </a:r>
+                  <a:r>
+                    <a:rPr lang="ru-RU" dirty="0" smtClean="0">
+                      <a:latin typeface="Times New Roman" panose="02020603050405020304" pitchFamily="18" charset="0"/>
+                      <a:cs typeface="Times New Roman" panose="02020603050405020304" pitchFamily="18" charset="0"/>
+                    </a:rPr>
+                    <a:t>)</a:t>
+                  </a:r>
+                  <a:endParaRPr lang="ru-RU" dirty="0"/>
+                </a:p>
+              </p:txBody>
+            </p:sp>
+          </mc:Choice>
+          <mc:Fallback>
+            <p:sp>
+              <p:nvSpPr>
+                <p:cNvPr id="49" name="TextBox 48"/>
+                <p:cNvSpPr txBox="1">
+                  <a:spLocks noRot="1" noChangeAspect="1" noMove="1" noResize="1" noEditPoints="1" noAdjustHandles="1" noChangeArrowheads="1" noChangeShapeType="1" noTextEdit="1"/>
+                </p:cNvSpPr>
+                <p:nvPr/>
+              </p:nvSpPr>
+              <p:spPr>
+                <a:xfrm>
+                  <a:off x="10020605" y="4725937"/>
+                  <a:ext cx="677108" cy="369332"/>
+                </a:xfrm>
+                <a:prstGeom prst="rect">
+                  <a:avLst/>
+                </a:prstGeom>
+                <a:blipFill>
+                  <a:blip r:embed="rId7"/>
+                  <a:stretch>
+                    <a:fillRect t="-9836" r="-7207" b="-22951"/>
+                  </a:stretch>
+                </a:blipFill>
+              </p:spPr>
+              <p:txBody>
+                <a:bodyPr/>
+                <a:lstStyle/>
+                <a:p>
+                  <a:r>
+                    <a:rPr lang="ru-RU">
+                      <a:noFill/>
+                    </a:rPr>
+                    <a:t> </a:t>
+                  </a:r>
+                </a:p>
+              </p:txBody>
+            </p:sp>
+          </mc:Fallback>
+        </mc:AlternateContent>
+        <mc:AlternateContent xmlns:mc="http://schemas.openxmlformats.org/markup-compatibility/2006">
+          <mc:Choice xmlns:a14="http://schemas.microsoft.com/office/drawing/2010/main" Requires="a14">
+            <p:sp>
+              <p:nvSpPr>
+                <p:cNvPr id="50" name="TextBox 49"/>
+                <p:cNvSpPr txBox="1"/>
+                <p:nvPr/>
+              </p:nvSpPr>
+              <p:spPr>
+                <a:xfrm>
+                  <a:off x="6521671" y="3618635"/>
+                  <a:ext cx="671787" cy="369332"/>
+                </a:xfrm>
+                <a:prstGeom prst="rect">
+                  <a:avLst/>
+                </a:prstGeom>
+                <a:noFill/>
+              </p:spPr>
+              <p:txBody>
+                <a:bodyPr wrap="none" rtlCol="0">
+                  <a:spAutoFit/>
+                </a:bodyPr>
+                <a:lstStyle/>
+                <a:p>
+                  <a14:m>
+                    <m:oMath xmlns:m="http://schemas.openxmlformats.org/officeDocument/2006/math">
+                      <m:sSub>
+                        <m:sSubPr>
+                          <m:ctrlPr>
+                            <a:rPr lang="ru-RU" i="1" smtClean="0">
+                              <a:latin typeface="Cambria Math" panose="02040503050406030204" pitchFamily="18" charset="0"/>
+                              <a:cs typeface="Times New Roman" panose="02020603050405020304" pitchFamily="18" charset="0"/>
+                            </a:rPr>
+                          </m:ctrlPr>
+                        </m:sSubPr>
+                        <m:e>
+                          <m:r>
+                            <a:rPr lang="en-US" i="1">
+                              <a:latin typeface="Cambria Math" panose="02040503050406030204" pitchFamily="18" charset="0"/>
+                              <a:cs typeface="Times New Roman" panose="02020603050405020304" pitchFamily="18" charset="0"/>
+                            </a:rPr>
+                            <m:t>𝐹</m:t>
+                          </m:r>
+                        </m:e>
+                        <m:sub>
+                          <m:r>
+                            <a:rPr lang="en-US" b="0" i="1" smtClean="0">
+                              <a:latin typeface="Cambria Math" panose="02040503050406030204" pitchFamily="18" charset="0"/>
+                              <a:cs typeface="Times New Roman" panose="02020603050405020304" pitchFamily="18" charset="0"/>
+                            </a:rPr>
+                            <m:t>1</m:t>
+                          </m:r>
+                        </m:sub>
+                      </m:sSub>
+                    </m:oMath>
+                  </a14:m>
+                  <a:r>
+                    <a:rPr lang="ru-RU" dirty="0">
+                      <a:latin typeface="Times New Roman" panose="02020603050405020304" pitchFamily="18" charset="0"/>
+                      <a:cs typeface="Times New Roman" panose="02020603050405020304" pitchFamily="18" charset="0"/>
+                    </a:rPr>
+                    <a:t>(</a:t>
+                  </a:r>
+                  <a:r>
+                    <a:rPr lang="ru-RU" dirty="0">
+                      <a:latin typeface="Times New Roman" panose="02020603050405020304" pitchFamily="18" charset="0"/>
+                      <a:cs typeface="Times New Roman" panose="02020603050405020304" pitchFamily="18" charset="0"/>
+                    </a:rPr>
+                    <a:t>x</a:t>
+                  </a:r>
+                  <a:r>
+                    <a:rPr lang="ru-RU" dirty="0" smtClean="0">
+                      <a:latin typeface="Times New Roman" panose="02020603050405020304" pitchFamily="18" charset="0"/>
+                      <a:cs typeface="Times New Roman" panose="02020603050405020304" pitchFamily="18" charset="0"/>
+                    </a:rPr>
+                    <a:t>)</a:t>
+                  </a:r>
+                  <a:endParaRPr lang="ru-RU" dirty="0"/>
+                </a:p>
+              </p:txBody>
+            </p:sp>
+          </mc:Choice>
+          <mc:Fallback>
+            <p:sp>
+              <p:nvSpPr>
+                <p:cNvPr id="50" name="TextBox 49"/>
+                <p:cNvSpPr txBox="1">
+                  <a:spLocks noRot="1" noChangeAspect="1" noMove="1" noResize="1" noEditPoints="1" noAdjustHandles="1" noChangeArrowheads="1" noChangeShapeType="1" noTextEdit="1"/>
+                </p:cNvSpPr>
+                <p:nvPr/>
+              </p:nvSpPr>
+              <p:spPr>
+                <a:xfrm>
+                  <a:off x="6521671" y="3618635"/>
+                  <a:ext cx="671787" cy="369332"/>
+                </a:xfrm>
+                <a:prstGeom prst="rect">
+                  <a:avLst/>
+                </a:prstGeom>
+                <a:blipFill>
+                  <a:blip r:embed="rId8"/>
+                  <a:stretch>
+                    <a:fillRect t="-11667" r="-7273" b="-25000"/>
+                  </a:stretch>
+                </a:blipFill>
+              </p:spPr>
+              <p:txBody>
+                <a:bodyPr/>
+                <a:lstStyle/>
+                <a:p>
+                  <a:r>
+                    <a:rPr lang="ru-RU">
+                      <a:noFill/>
+                    </a:rPr>
+                    <a:t> </a:t>
+                  </a:r>
+                </a:p>
+              </p:txBody>
+            </p:sp>
+          </mc:Fallback>
+        </mc:AlternateContent>
+        <mc:AlternateContent xmlns:mc="http://schemas.openxmlformats.org/markup-compatibility/2006">
+          <mc:Choice xmlns:a14="http://schemas.microsoft.com/office/drawing/2010/main" Requires="a14">
+            <p:sp>
+              <p:nvSpPr>
+                <p:cNvPr id="51" name="TextBox 50"/>
+                <p:cNvSpPr txBox="1"/>
+                <p:nvPr/>
+              </p:nvSpPr>
+              <p:spPr>
+                <a:xfrm>
+                  <a:off x="8032066" y="3891516"/>
+                  <a:ext cx="716350" cy="369332"/>
+                </a:xfrm>
+                <a:prstGeom prst="rect">
+                  <a:avLst/>
+                </a:prstGeom>
+                <a:noFill/>
+              </p:spPr>
+              <p:txBody>
+                <a:bodyPr wrap="none" rtlCol="0">
+                  <a:spAutoFit/>
+                </a:bodyPr>
+                <a:lstStyle/>
+                <a:p>
+                  <a14:m>
+                    <m:oMathPara xmlns:m="http://schemas.openxmlformats.org/officeDocument/2006/math">
+                      <m:oMathParaPr>
+                        <m:jc m:val="centerGroup"/>
+                      </m:oMathParaPr>
+                      <m:oMath xmlns:m="http://schemas.openxmlformats.org/officeDocument/2006/math">
+                        <m:r>
+                          <a:rPr lang="en-US" b="0" i="1" smtClean="0">
+                            <a:latin typeface="Cambria Math" panose="02040503050406030204" pitchFamily="18" charset="0"/>
+                            <a:cs typeface="Times New Roman" panose="02020603050405020304" pitchFamily="18" charset="0"/>
+                          </a:rPr>
+                          <m:t>𝐺</m:t>
+                        </m:r>
+                        <m:r>
+                          <a:rPr lang="en-US" b="0" i="1" smtClean="0">
+                            <a:latin typeface="Cambria Math" panose="02040503050406030204" pitchFamily="18" charset="0"/>
+                            <a:cs typeface="Times New Roman" panose="02020603050405020304" pitchFamily="18" charset="0"/>
+                          </a:rPr>
+                          <m:t>(</m:t>
+                        </m:r>
+                        <m:r>
+                          <a:rPr lang="en-US" b="0" i="1" smtClean="0">
+                            <a:latin typeface="Cambria Math" panose="02040503050406030204" pitchFamily="18" charset="0"/>
+                            <a:cs typeface="Times New Roman" panose="02020603050405020304" pitchFamily="18" charset="0"/>
+                          </a:rPr>
+                          <m:t>𝑥</m:t>
+                        </m:r>
+                        <m:r>
+                          <a:rPr lang="en-US" b="0" i="1" smtClean="0">
+                            <a:latin typeface="Cambria Math" panose="02040503050406030204" pitchFamily="18" charset="0"/>
+                            <a:cs typeface="Times New Roman" panose="02020603050405020304" pitchFamily="18" charset="0"/>
+                          </a:rPr>
+                          <m:t>)</m:t>
+                        </m:r>
+                      </m:oMath>
+                    </m:oMathPara>
+                  </a14:m>
+                  <a:endParaRPr lang="ru-RU" i="1" dirty="0"/>
+                </a:p>
+              </p:txBody>
+            </p:sp>
+          </mc:Choice>
+          <mc:Fallback>
+            <p:sp>
+              <p:nvSpPr>
+                <p:cNvPr id="51" name="TextBox 50"/>
+                <p:cNvSpPr txBox="1">
+                  <a:spLocks noRot="1" noChangeAspect="1" noMove="1" noResize="1" noEditPoints="1" noAdjustHandles="1" noChangeArrowheads="1" noChangeShapeType="1" noTextEdit="1"/>
+                </p:cNvSpPr>
+                <p:nvPr/>
+              </p:nvSpPr>
+              <p:spPr>
+                <a:xfrm>
+                  <a:off x="8032066" y="3891516"/>
+                  <a:ext cx="716350" cy="369332"/>
+                </a:xfrm>
+                <a:prstGeom prst="rect">
+                  <a:avLst/>
+                </a:prstGeom>
+                <a:blipFill>
+                  <a:blip r:embed="rId9"/>
+                  <a:stretch>
+                    <a:fillRect b="-13115"/>
+                  </a:stretch>
+                </a:blipFill>
+              </p:spPr>
+              <p:txBody>
+                <a:bodyPr/>
+                <a:lstStyle/>
+                <a:p>
+                  <a:r>
+                    <a:rPr lang="ru-RU">
+                      <a:noFill/>
+                    </a:rPr>
+                    <a:t> </a:t>
+                  </a:r>
+                </a:p>
+              </p:txBody>
+            </p:sp>
+          </mc:Fallback>
+        </mc:AlternateContent>
+      </p:grpSp>
+      <mc:AlternateContent xmlns:mc="http://schemas.openxmlformats.org/markup-compatibility/2006">
+        <mc:Choice xmlns:a14="http://schemas.microsoft.com/office/drawing/2010/main" Requires="a14">
+          <p:sp>
+            <p:nvSpPr>
+              <p:cNvPr id="52" name="TextBox 51"/>
+              <p:cNvSpPr txBox="1"/>
+              <p:nvPr/>
+            </p:nvSpPr>
+            <p:spPr>
+              <a:xfrm>
+                <a:off x="1097279" y="2628261"/>
+                <a:ext cx="4359431" cy="2805640"/>
+              </a:xfrm>
+              <a:prstGeom prst="rect">
+                <a:avLst/>
+              </a:prstGeom>
+              <a:noFill/>
+            </p:spPr>
+            <p:txBody>
+              <a:bodyPr wrap="square" rtlCol="0">
+                <a:spAutoFit/>
+              </a:bodyPr>
+              <a:lstStyle/>
+              <a:p>
+                <a:endParaRPr lang="en-US" dirty="0" smtClean="0">
+                  <a:cs typeface="Times New Roman" panose="02020603050405020304" pitchFamily="18" charset="0"/>
+                </a:endParaRPr>
+              </a:p>
+              <a:p>
+                <a14:m>
+                  <m:oMathPara xmlns:m="http://schemas.openxmlformats.org/officeDocument/2006/math">
+                    <m:oMathParaPr>
+                      <m:jc m:val="centerGroup"/>
+                    </m:oMathParaPr>
+                    <m:oMath xmlns:m="http://schemas.openxmlformats.org/officeDocument/2006/math">
+                      <m:r>
+                        <a:rPr lang="en-US" b="1" i="1" smtClean="0">
+                          <a:latin typeface="Cambria Math" panose="02040503050406030204" pitchFamily="18" charset="0"/>
+                          <a:cs typeface="Times New Roman" panose="02020603050405020304" pitchFamily="18" charset="0"/>
+                        </a:rPr>
+                        <m:t>𝑮</m:t>
+                      </m:r>
+                      <m:d>
+                        <m:dPr>
+                          <m:ctrlPr>
+                            <a:rPr lang="en-US" b="1" i="1">
+                              <a:latin typeface="Cambria Math" panose="02040503050406030204" pitchFamily="18" charset="0"/>
+                              <a:cs typeface="Times New Roman" panose="02020603050405020304" pitchFamily="18" charset="0"/>
+                            </a:rPr>
+                          </m:ctrlPr>
+                        </m:dPr>
+                        <m:e>
+                          <m:r>
+                            <a:rPr lang="en-US" b="1" i="1">
+                              <a:latin typeface="Cambria Math" panose="02040503050406030204" pitchFamily="18" charset="0"/>
+                              <a:cs typeface="Times New Roman" panose="02020603050405020304" pitchFamily="18" charset="0"/>
+                            </a:rPr>
+                            <m:t>𝒙</m:t>
+                          </m:r>
+                        </m:e>
+                      </m:d>
+                      <m:r>
+                        <a:rPr lang="en-US" b="1" i="1" smtClean="0">
+                          <a:latin typeface="Cambria Math" panose="02040503050406030204" pitchFamily="18" charset="0"/>
+                          <a:cs typeface="Times New Roman" panose="02020603050405020304" pitchFamily="18" charset="0"/>
+                        </a:rPr>
+                        <m:t>= </m:t>
+                      </m:r>
+                      <m:sSub>
+                        <m:sSubPr>
+                          <m:ctrlPr>
+                            <a:rPr lang="en-US" b="1" i="1" smtClean="0">
+                              <a:latin typeface="Cambria Math" panose="02040503050406030204" pitchFamily="18" charset="0"/>
+                              <a:cs typeface="Times New Roman" panose="02020603050405020304" pitchFamily="18" charset="0"/>
+                            </a:rPr>
+                          </m:ctrlPr>
+                        </m:sSubPr>
+                        <m:e>
+                          <m:r>
+                            <a:rPr lang="en-US" b="1" i="1" smtClean="0">
+                              <a:latin typeface="Cambria Math" panose="02040503050406030204" pitchFamily="18" charset="0"/>
+                              <a:cs typeface="Times New Roman" panose="02020603050405020304" pitchFamily="18" charset="0"/>
+                            </a:rPr>
+                            <m:t>𝑼</m:t>
+                          </m:r>
+                        </m:e>
+                        <m:sub>
+                          <m:r>
+                            <a:rPr lang="en-US" b="1" i="1" smtClean="0">
+                              <a:latin typeface="Cambria Math" panose="02040503050406030204" pitchFamily="18" charset="0"/>
+                              <a:cs typeface="Times New Roman" panose="02020603050405020304" pitchFamily="18" charset="0"/>
+                            </a:rPr>
+                            <m:t>𝟏</m:t>
+                          </m:r>
+                        </m:sub>
+                      </m:sSub>
+                      <m:d>
+                        <m:dPr>
+                          <m:ctrlPr>
+                            <a:rPr lang="en-US" b="1" i="1" smtClean="0">
+                              <a:latin typeface="Cambria Math" panose="02040503050406030204" pitchFamily="18" charset="0"/>
+                              <a:cs typeface="Times New Roman" panose="02020603050405020304" pitchFamily="18" charset="0"/>
+                            </a:rPr>
+                          </m:ctrlPr>
+                        </m:dPr>
+                        <m:e>
+                          <m:r>
+                            <a:rPr lang="en-US" b="1" i="1" smtClean="0">
+                              <a:latin typeface="Cambria Math" panose="02040503050406030204" pitchFamily="18" charset="0"/>
+                              <a:cs typeface="Times New Roman" panose="02020603050405020304" pitchFamily="18" charset="0"/>
+                            </a:rPr>
+                            <m:t>𝒙</m:t>
+                          </m:r>
+                        </m:e>
+                      </m:d>
+                      <m:sSub>
+                        <m:sSubPr>
+                          <m:ctrlPr>
+                            <a:rPr lang="en-US" b="1" i="1">
+                              <a:latin typeface="Cambria Math" panose="02040503050406030204" pitchFamily="18" charset="0"/>
+                              <a:cs typeface="Times New Roman" panose="02020603050405020304" pitchFamily="18" charset="0"/>
+                            </a:rPr>
+                          </m:ctrlPr>
+                        </m:sSubPr>
+                        <m:e>
+                          <m:r>
+                            <a:rPr lang="en-US" b="1" i="1" smtClean="0">
+                              <a:latin typeface="Cambria Math" panose="02040503050406030204" pitchFamily="18" charset="0"/>
+                              <a:cs typeface="Times New Roman" panose="02020603050405020304" pitchFamily="18" charset="0"/>
+                            </a:rPr>
+                            <m:t>𝑭</m:t>
+                          </m:r>
+                        </m:e>
+                        <m:sub>
+                          <m:r>
+                            <a:rPr lang="en-US" b="1" i="1">
+                              <a:latin typeface="Cambria Math" panose="02040503050406030204" pitchFamily="18" charset="0"/>
+                              <a:cs typeface="Times New Roman" panose="02020603050405020304" pitchFamily="18" charset="0"/>
+                            </a:rPr>
+                            <m:t>𝟏</m:t>
+                          </m:r>
+                        </m:sub>
+                      </m:sSub>
+                      <m:d>
+                        <m:dPr>
+                          <m:ctrlPr>
+                            <a:rPr lang="en-US" b="1" i="1">
+                              <a:latin typeface="Cambria Math" panose="02040503050406030204" pitchFamily="18" charset="0"/>
+                              <a:cs typeface="Times New Roman" panose="02020603050405020304" pitchFamily="18" charset="0"/>
+                            </a:rPr>
+                          </m:ctrlPr>
+                        </m:dPr>
+                        <m:e>
+                          <m:r>
+                            <a:rPr lang="en-US" b="1" i="1">
+                              <a:latin typeface="Cambria Math" panose="02040503050406030204" pitchFamily="18" charset="0"/>
+                              <a:cs typeface="Times New Roman" panose="02020603050405020304" pitchFamily="18" charset="0"/>
+                            </a:rPr>
+                            <m:t>𝒙</m:t>
+                          </m:r>
+                        </m:e>
+                      </m:d>
+                      <m:r>
+                        <a:rPr lang="en-US" b="1" i="1" smtClean="0">
+                          <a:latin typeface="Cambria Math" panose="02040503050406030204" pitchFamily="18" charset="0"/>
+                          <a:cs typeface="Times New Roman" panose="02020603050405020304" pitchFamily="18" charset="0"/>
+                        </a:rPr>
+                        <m:t>+</m:t>
+                      </m:r>
+                      <m:d>
+                        <m:dPr>
+                          <m:ctrlPr>
+                            <a:rPr lang="en-US" b="1" i="1" smtClean="0">
+                              <a:latin typeface="Cambria Math" panose="02040503050406030204" pitchFamily="18" charset="0"/>
+                              <a:cs typeface="Times New Roman" panose="02020603050405020304" pitchFamily="18" charset="0"/>
+                            </a:rPr>
+                          </m:ctrlPr>
+                        </m:dPr>
+                        <m:e>
+                          <m:r>
+                            <a:rPr lang="en-US" b="1" i="1" smtClean="0">
+                              <a:latin typeface="Cambria Math" panose="02040503050406030204" pitchFamily="18" charset="0"/>
+                              <a:cs typeface="Times New Roman" panose="02020603050405020304" pitchFamily="18" charset="0"/>
+                            </a:rPr>
+                            <m:t>𝟏</m:t>
+                          </m:r>
+                          <m:r>
+                            <a:rPr lang="en-US" b="1" i="1" smtClean="0">
+                              <a:latin typeface="Cambria Math" panose="02040503050406030204" pitchFamily="18" charset="0"/>
+                              <a:cs typeface="Times New Roman" panose="02020603050405020304" pitchFamily="18" charset="0"/>
+                            </a:rPr>
+                            <m:t>−</m:t>
+                          </m:r>
+                          <m:sSub>
+                            <m:sSubPr>
+                              <m:ctrlPr>
+                                <a:rPr lang="en-US" b="1" i="1">
+                                  <a:latin typeface="Cambria Math" panose="02040503050406030204" pitchFamily="18" charset="0"/>
+                                  <a:cs typeface="Times New Roman" panose="02020603050405020304" pitchFamily="18" charset="0"/>
+                                </a:rPr>
+                              </m:ctrlPr>
+                            </m:sSubPr>
+                            <m:e>
+                              <m:r>
+                                <a:rPr lang="en-US" b="1" i="1">
+                                  <a:latin typeface="Cambria Math" panose="02040503050406030204" pitchFamily="18" charset="0"/>
+                                  <a:cs typeface="Times New Roman" panose="02020603050405020304" pitchFamily="18" charset="0"/>
+                                </a:rPr>
+                                <m:t>𝑼</m:t>
+                              </m:r>
+                            </m:e>
+                            <m:sub>
+                              <m:r>
+                                <a:rPr lang="en-US" b="1" i="1">
+                                  <a:latin typeface="Cambria Math" panose="02040503050406030204" pitchFamily="18" charset="0"/>
+                                  <a:cs typeface="Times New Roman" panose="02020603050405020304" pitchFamily="18" charset="0"/>
+                                </a:rPr>
+                                <m:t>𝟏</m:t>
+                              </m:r>
+                            </m:sub>
+                          </m:sSub>
+                          <m:d>
+                            <m:dPr>
+                              <m:ctrlPr>
+                                <a:rPr lang="en-US" b="1" i="1">
+                                  <a:latin typeface="Cambria Math" panose="02040503050406030204" pitchFamily="18" charset="0"/>
+                                  <a:cs typeface="Times New Roman" panose="02020603050405020304" pitchFamily="18" charset="0"/>
+                                </a:rPr>
+                              </m:ctrlPr>
+                            </m:dPr>
+                            <m:e>
+                              <m:r>
+                                <a:rPr lang="en-US" b="1" i="1">
+                                  <a:latin typeface="Cambria Math" panose="02040503050406030204" pitchFamily="18" charset="0"/>
+                                  <a:cs typeface="Times New Roman" panose="02020603050405020304" pitchFamily="18" charset="0"/>
+                                </a:rPr>
+                                <m:t>𝒙</m:t>
+                              </m:r>
+                            </m:e>
+                          </m:d>
+                        </m:e>
+                      </m:d>
+                      <m:sSub>
+                        <m:sSubPr>
+                          <m:ctrlPr>
+                            <a:rPr lang="en-US" b="1" i="1">
+                              <a:latin typeface="Cambria Math" panose="02040503050406030204" pitchFamily="18" charset="0"/>
+                              <a:cs typeface="Times New Roman" panose="02020603050405020304" pitchFamily="18" charset="0"/>
+                            </a:rPr>
+                          </m:ctrlPr>
+                        </m:sSubPr>
+                        <m:e>
+                          <m:r>
+                            <a:rPr lang="en-US" b="1" i="1" smtClean="0">
+                              <a:latin typeface="Cambria Math" panose="02040503050406030204" pitchFamily="18" charset="0"/>
+                              <a:cs typeface="Times New Roman" panose="02020603050405020304" pitchFamily="18" charset="0"/>
+                            </a:rPr>
+                            <m:t>𝑭</m:t>
+                          </m:r>
+                        </m:e>
+                        <m:sub>
+                          <m:r>
+                            <a:rPr lang="en-US" b="1" i="1" smtClean="0">
+                              <a:latin typeface="Cambria Math" panose="02040503050406030204" pitchFamily="18" charset="0"/>
+                              <a:cs typeface="Times New Roman" panose="02020603050405020304" pitchFamily="18" charset="0"/>
+                            </a:rPr>
+                            <m:t>𝟐</m:t>
+                          </m:r>
+                        </m:sub>
+                      </m:sSub>
+                      <m:d>
+                        <m:dPr>
+                          <m:ctrlPr>
+                            <a:rPr lang="en-US" b="1" i="1">
+                              <a:latin typeface="Cambria Math" panose="02040503050406030204" pitchFamily="18" charset="0"/>
+                              <a:cs typeface="Times New Roman" panose="02020603050405020304" pitchFamily="18" charset="0"/>
+                            </a:rPr>
+                          </m:ctrlPr>
+                        </m:dPr>
+                        <m:e>
+                          <m:r>
+                            <a:rPr lang="en-US" b="1" i="1">
+                              <a:latin typeface="Cambria Math" panose="02040503050406030204" pitchFamily="18" charset="0"/>
+                              <a:cs typeface="Times New Roman" panose="02020603050405020304" pitchFamily="18" charset="0"/>
+                            </a:rPr>
+                            <m:t>𝒙</m:t>
+                          </m:r>
+                        </m:e>
+                      </m:d>
+                    </m:oMath>
+                  </m:oMathPara>
+                </a14:m>
+                <a:endParaRPr lang="en-US" b="1" i="1" dirty="0" smtClean="0">
+                  <a:cs typeface="Times New Roman" panose="02020603050405020304" pitchFamily="18" charset="0"/>
+                </a:endParaRPr>
+              </a:p>
+              <a:p>
+                <a:endParaRPr lang="ru-RU" i="1" dirty="0"/>
+              </a:p>
+              <a:p>
+                <a:pPr algn="just">
+                  <a:lnSpc>
+                    <a:spcPct val="150000"/>
+                  </a:lnSpc>
+                </a:pPr>
+                <a:r>
+                  <a:rPr lang="ru-RU" sz="1600" dirty="0" smtClean="0">
+                    <a:solidFill>
+                      <a:schemeClr val="tx1"/>
+                    </a:solidFill>
+                    <a:latin typeface="Times New Roman" panose="02020603050405020304" pitchFamily="18" charset="0"/>
+                    <a:cs typeface="Times New Roman" panose="02020603050405020304" pitchFamily="18" charset="0"/>
+                  </a:rPr>
+                  <a:t>Каждая склеивающая функция </a:t>
+                </a:r>
+                <a14:m>
+                  <m:oMath xmlns:m="http://schemas.openxmlformats.org/officeDocument/2006/math">
+                    <m:sSub>
+                      <m:sSubPr>
+                        <m:ctrlPr>
+                          <a:rPr lang="en-US" sz="1600" i="1">
+                            <a:solidFill>
+                              <a:schemeClr val="tx1"/>
+                            </a:solidFill>
+                            <a:latin typeface="Cambria Math" panose="02040503050406030204" pitchFamily="18" charset="0"/>
+                            <a:cs typeface="Times New Roman" panose="02020603050405020304" pitchFamily="18" charset="0"/>
+                          </a:rPr>
+                        </m:ctrlPr>
+                      </m:sSubPr>
+                      <m:e>
+                        <m:r>
+                          <a:rPr lang="en-US" sz="1600" i="1">
+                            <a:solidFill>
+                              <a:schemeClr val="tx1"/>
+                            </a:solidFill>
+                            <a:latin typeface="Cambria Math" panose="02040503050406030204" pitchFamily="18" charset="0"/>
+                            <a:cs typeface="Times New Roman" panose="02020603050405020304" pitchFamily="18" charset="0"/>
+                          </a:rPr>
+                          <m:t>𝑈</m:t>
+                        </m:r>
+                      </m:e>
+                      <m:sub>
+                        <m:r>
+                          <a:rPr lang="en-US" sz="1600" b="0" i="1" smtClean="0">
+                            <a:solidFill>
+                              <a:schemeClr val="tx1"/>
+                            </a:solidFill>
+                            <a:latin typeface="Cambria Math" panose="02040503050406030204" pitchFamily="18" charset="0"/>
+                            <a:cs typeface="Times New Roman" panose="02020603050405020304" pitchFamily="18" charset="0"/>
+                          </a:rPr>
+                          <m:t>𝑘</m:t>
+                        </m:r>
+                      </m:sub>
+                    </m:sSub>
+                    <m:d>
+                      <m:dPr>
+                        <m:ctrlPr>
+                          <a:rPr lang="en-US" sz="1600" i="1">
+                            <a:solidFill>
+                              <a:schemeClr val="tx1"/>
+                            </a:solidFill>
+                            <a:latin typeface="Cambria Math" panose="02040503050406030204" pitchFamily="18" charset="0"/>
+                            <a:cs typeface="Times New Roman" panose="02020603050405020304" pitchFamily="18" charset="0"/>
+                          </a:rPr>
+                        </m:ctrlPr>
+                      </m:dPr>
+                      <m:e>
+                        <m:r>
+                          <a:rPr lang="en-US" sz="1600" i="1">
+                            <a:solidFill>
+                              <a:schemeClr val="tx1"/>
+                            </a:solidFill>
+                            <a:latin typeface="Cambria Math" panose="02040503050406030204" pitchFamily="18" charset="0"/>
+                            <a:cs typeface="Times New Roman" panose="02020603050405020304" pitchFamily="18" charset="0"/>
+                          </a:rPr>
+                          <m:t>𝑥</m:t>
+                        </m:r>
+                      </m:e>
+                    </m:d>
+                  </m:oMath>
+                </a14:m>
+                <a:r>
+                  <a:rPr lang="ru-RU" sz="1600" dirty="0">
+                    <a:solidFill>
+                      <a:schemeClr val="tx1"/>
+                    </a:solidFill>
+                    <a:latin typeface="Times New Roman" panose="02020603050405020304" pitchFamily="18" charset="0"/>
+                    <a:cs typeface="Times New Roman" panose="02020603050405020304" pitchFamily="18" charset="0"/>
+                  </a:rPr>
+                  <a:t>на своем интервале от </a:t>
+                </a:r>
+                <a14:m>
+                  <m:oMath xmlns:m="http://schemas.openxmlformats.org/officeDocument/2006/math">
+                    <m:sSub>
+                      <m:sSubPr>
+                        <m:ctrlPr>
+                          <a:rPr lang="ru-RU" sz="1600" i="1">
+                            <a:solidFill>
+                              <a:schemeClr val="tx1"/>
+                            </a:solidFill>
+                            <a:latin typeface="Cambria Math" panose="02040503050406030204" pitchFamily="18" charset="0"/>
+                            <a:cs typeface="Times New Roman" panose="02020603050405020304" pitchFamily="18" charset="0"/>
+                          </a:rPr>
+                        </m:ctrlPr>
+                      </m:sSubPr>
+                      <m:e>
+                        <m:r>
+                          <a:rPr lang="en-US" sz="1600" i="1">
+                            <a:solidFill>
+                              <a:schemeClr val="tx1"/>
+                            </a:solidFill>
+                            <a:latin typeface="Cambria Math" panose="02040503050406030204" pitchFamily="18" charset="0"/>
+                            <a:cs typeface="Times New Roman" panose="02020603050405020304" pitchFamily="18" charset="0"/>
+                          </a:rPr>
+                          <m:t>𝑥</m:t>
+                        </m:r>
+                      </m:e>
+                      <m:sub>
+                        <m:r>
+                          <a:rPr lang="en-US" sz="1600" b="0" i="1" smtClean="0">
+                            <a:solidFill>
+                              <a:schemeClr val="tx1"/>
+                            </a:solidFill>
+                            <a:latin typeface="Cambria Math" panose="02040503050406030204" pitchFamily="18" charset="0"/>
+                            <a:cs typeface="Times New Roman" panose="02020603050405020304" pitchFamily="18" charset="0"/>
+                          </a:rPr>
+                          <m:t>𝑘</m:t>
+                        </m:r>
+                      </m:sub>
+                    </m:sSub>
+                    <m:r>
+                      <a:rPr lang="en-US" sz="1600" b="0" i="0" smtClean="0">
+                        <a:solidFill>
+                          <a:schemeClr val="tx1"/>
+                        </a:solidFill>
+                        <a:latin typeface="Cambria Math" panose="02040503050406030204" pitchFamily="18" charset="0"/>
+                        <a:cs typeface="Times New Roman" panose="02020603050405020304" pitchFamily="18" charset="0"/>
+                      </a:rPr>
+                      <m:t> </m:t>
+                    </m:r>
+                  </m:oMath>
+                </a14:m>
+                <a:r>
+                  <a:rPr lang="ru-RU" sz="1600" dirty="0" smtClean="0">
+                    <a:solidFill>
+                      <a:schemeClr val="tx1"/>
+                    </a:solidFill>
+                    <a:latin typeface="Times New Roman" panose="02020603050405020304" pitchFamily="18" charset="0"/>
+                    <a:cs typeface="Times New Roman" panose="02020603050405020304" pitchFamily="18" charset="0"/>
+                  </a:rPr>
+                  <a:t>до </a:t>
+                </a:r>
+                <a14:m>
+                  <m:oMath xmlns:m="http://schemas.openxmlformats.org/officeDocument/2006/math">
+                    <m:sSub>
+                      <m:sSubPr>
+                        <m:ctrlPr>
+                          <a:rPr lang="ru-RU" sz="1600" i="1">
+                            <a:solidFill>
+                              <a:schemeClr val="tx1"/>
+                            </a:solidFill>
+                            <a:latin typeface="Cambria Math" panose="02040503050406030204" pitchFamily="18" charset="0"/>
+                            <a:cs typeface="Times New Roman" panose="02020603050405020304" pitchFamily="18" charset="0"/>
+                          </a:rPr>
+                        </m:ctrlPr>
+                      </m:sSubPr>
+                      <m:e>
+                        <m:r>
+                          <a:rPr lang="en-US" sz="1600" i="1">
+                            <a:solidFill>
+                              <a:schemeClr val="tx1"/>
+                            </a:solidFill>
+                            <a:latin typeface="Cambria Math" panose="02040503050406030204" pitchFamily="18" charset="0"/>
+                            <a:cs typeface="Times New Roman" panose="02020603050405020304" pitchFamily="18" charset="0"/>
+                          </a:rPr>
+                          <m:t>𝑥</m:t>
+                        </m:r>
+                      </m:e>
+                      <m:sub>
+                        <m:r>
+                          <a:rPr lang="en-US" sz="1600" b="0" i="1" smtClean="0">
+                            <a:solidFill>
+                              <a:schemeClr val="tx1"/>
+                            </a:solidFill>
+                            <a:latin typeface="Cambria Math" panose="02040503050406030204" pitchFamily="18" charset="0"/>
+                            <a:cs typeface="Times New Roman" panose="02020603050405020304" pitchFamily="18" charset="0"/>
+                          </a:rPr>
+                          <m:t>𝑘</m:t>
+                        </m:r>
+                        <m:r>
+                          <a:rPr lang="en-US" sz="1600" b="0" i="1" smtClean="0">
+                            <a:solidFill>
+                              <a:schemeClr val="tx1"/>
+                            </a:solidFill>
+                            <a:latin typeface="Cambria Math" panose="02040503050406030204" pitchFamily="18" charset="0"/>
+                            <a:cs typeface="Times New Roman" panose="02020603050405020304" pitchFamily="18" charset="0"/>
+                          </a:rPr>
+                          <m:t>+1</m:t>
+                        </m:r>
+                      </m:sub>
+                    </m:sSub>
+                  </m:oMath>
+                </a14:m>
+                <a:r>
+                  <a:rPr lang="en-US" sz="1600" dirty="0" smtClean="0">
+                    <a:solidFill>
+                      <a:schemeClr val="tx1"/>
+                    </a:solidFill>
+                    <a:latin typeface="Times New Roman" panose="02020603050405020304" pitchFamily="18" charset="0"/>
+                    <a:cs typeface="Times New Roman" panose="02020603050405020304" pitchFamily="18" charset="0"/>
+                  </a:rPr>
+                  <a:t> </a:t>
+                </a:r>
+                <a:r>
+                  <a:rPr lang="ru-RU" sz="1600" dirty="0" smtClean="0">
+                    <a:solidFill>
+                      <a:schemeClr val="tx1"/>
+                    </a:solidFill>
+                    <a:latin typeface="Times New Roman" panose="02020603050405020304" pitchFamily="18" charset="0"/>
+                    <a:cs typeface="Times New Roman" panose="02020603050405020304" pitchFamily="18" charset="0"/>
+                  </a:rPr>
+                  <a:t>должна удовлетворять </a:t>
+                </a:r>
+                <a:r>
+                  <a:rPr lang="ru-RU" sz="1600" dirty="0">
+                    <a:solidFill>
+                      <a:schemeClr val="tx1"/>
+                    </a:solidFill>
+                    <a:latin typeface="Times New Roman" panose="02020603050405020304" pitchFamily="18" charset="0"/>
+                    <a:cs typeface="Times New Roman" panose="02020603050405020304" pitchFamily="18" charset="0"/>
+                  </a:rPr>
+                  <a:t>условию </a:t>
+                </a:r>
+                <a:r>
+                  <a:rPr lang="ru-RU" sz="1600" dirty="0" smtClean="0">
+                    <a:solidFill>
+                      <a:schemeClr val="tx1"/>
+                    </a:solidFill>
+                    <a:latin typeface="Times New Roman" panose="02020603050405020304" pitchFamily="18" charset="0"/>
+                    <a:cs typeface="Times New Roman" panose="02020603050405020304" pitchFamily="18" charset="0"/>
+                  </a:rPr>
+                  <a:t>0 </a:t>
+                </a:r>
+                <a:r>
+                  <a:rPr lang="ru-RU" sz="1600" dirty="0">
+                    <a:solidFill>
+                      <a:schemeClr val="tx1"/>
+                    </a:solidFill>
+                    <a:latin typeface="Times New Roman" panose="02020603050405020304" pitchFamily="18" charset="0"/>
+                    <a:cs typeface="Times New Roman" panose="02020603050405020304" pitchFamily="18" charset="0"/>
+                  </a:rPr>
+                  <a:t>≤ </a:t>
+                </a:r>
+                <a14:m>
+                  <m:oMath xmlns:m="http://schemas.openxmlformats.org/officeDocument/2006/math">
+                    <m:sSub>
+                      <m:sSubPr>
+                        <m:ctrlPr>
+                          <a:rPr lang="en-US" sz="1600" i="1">
+                            <a:solidFill>
+                              <a:schemeClr val="tx1"/>
+                            </a:solidFill>
+                            <a:latin typeface="Cambria Math" panose="02040503050406030204" pitchFamily="18" charset="0"/>
+                            <a:cs typeface="Times New Roman" panose="02020603050405020304" pitchFamily="18" charset="0"/>
+                          </a:rPr>
+                        </m:ctrlPr>
+                      </m:sSubPr>
+                      <m:e>
+                        <m:r>
+                          <a:rPr lang="en-US" sz="1600" i="1">
+                            <a:solidFill>
+                              <a:schemeClr val="tx1"/>
+                            </a:solidFill>
+                            <a:latin typeface="Cambria Math" panose="02040503050406030204" pitchFamily="18" charset="0"/>
+                            <a:cs typeface="Times New Roman" panose="02020603050405020304" pitchFamily="18" charset="0"/>
+                          </a:rPr>
+                          <m:t>𝑈</m:t>
+                        </m:r>
+                      </m:e>
+                      <m:sub>
+                        <m:r>
+                          <a:rPr lang="en-US" sz="1600" i="1">
+                            <a:solidFill>
+                              <a:schemeClr val="tx1"/>
+                            </a:solidFill>
+                            <a:latin typeface="Cambria Math" panose="02040503050406030204" pitchFamily="18" charset="0"/>
+                            <a:cs typeface="Times New Roman" panose="02020603050405020304" pitchFamily="18" charset="0"/>
+                          </a:rPr>
+                          <m:t>𝑘</m:t>
+                        </m:r>
+                      </m:sub>
+                    </m:sSub>
+                    <m:d>
+                      <m:dPr>
+                        <m:ctrlPr>
+                          <a:rPr lang="en-US" sz="1600" i="1">
+                            <a:solidFill>
+                              <a:schemeClr val="tx1"/>
+                            </a:solidFill>
+                            <a:latin typeface="Cambria Math" panose="02040503050406030204" pitchFamily="18" charset="0"/>
+                            <a:cs typeface="Times New Roman" panose="02020603050405020304" pitchFamily="18" charset="0"/>
+                          </a:rPr>
+                        </m:ctrlPr>
+                      </m:dPr>
+                      <m:e>
+                        <m:r>
+                          <a:rPr lang="en-US" sz="1600" i="1">
+                            <a:solidFill>
+                              <a:schemeClr val="tx1"/>
+                            </a:solidFill>
+                            <a:latin typeface="Cambria Math" panose="02040503050406030204" pitchFamily="18" charset="0"/>
+                            <a:cs typeface="Times New Roman" panose="02020603050405020304" pitchFamily="18" charset="0"/>
+                          </a:rPr>
+                          <m:t>𝑥</m:t>
+                        </m:r>
+                      </m:e>
+                    </m:d>
+                  </m:oMath>
+                </a14:m>
+                <a:r>
+                  <a:rPr lang="en-US" sz="1600" dirty="0" smtClean="0">
+                    <a:solidFill>
+                      <a:schemeClr val="tx1"/>
+                    </a:solidFill>
+                    <a:latin typeface="Times New Roman" panose="02020603050405020304" pitchFamily="18" charset="0"/>
+                    <a:cs typeface="Times New Roman" panose="02020603050405020304" pitchFamily="18" charset="0"/>
+                  </a:rPr>
+                  <a:t> </a:t>
+                </a:r>
+                <a:r>
+                  <a:rPr lang="ru-RU" sz="1600" dirty="0" smtClean="0">
+                    <a:solidFill>
+                      <a:schemeClr val="tx1"/>
+                    </a:solidFill>
+                    <a:latin typeface="Times New Roman" panose="02020603050405020304" pitchFamily="18" charset="0"/>
+                    <a:cs typeface="Times New Roman" panose="02020603050405020304" pitchFamily="18" charset="0"/>
+                  </a:rPr>
+                  <a:t>≤</a:t>
+                </a:r>
+                <a:r>
+                  <a:rPr lang="en-US" sz="1600" dirty="0" smtClean="0">
+                    <a:solidFill>
+                      <a:schemeClr val="tx1"/>
+                    </a:solidFill>
+                    <a:latin typeface="Times New Roman" panose="02020603050405020304" pitchFamily="18" charset="0"/>
+                    <a:cs typeface="Times New Roman" panose="02020603050405020304" pitchFamily="18" charset="0"/>
+                  </a:rPr>
+                  <a:t> 1.</a:t>
+                </a:r>
+                <a:r>
+                  <a:rPr lang="ru-RU" sz="1600" dirty="0" smtClean="0">
+                    <a:solidFill>
+                      <a:schemeClr val="tx1"/>
+                    </a:solidFill>
+                    <a:latin typeface="Times New Roman" panose="02020603050405020304" pitchFamily="18" charset="0"/>
+                    <a:cs typeface="Times New Roman" panose="02020603050405020304" pitchFamily="18" charset="0"/>
+                  </a:rPr>
+                  <a:t> </a:t>
+                </a:r>
+                <a:r>
+                  <a:rPr lang="ru-RU" sz="1600" dirty="0">
+                    <a:solidFill>
+                      <a:schemeClr val="tx1"/>
+                    </a:solidFill>
+                    <a:latin typeface="Times New Roman" panose="02020603050405020304" pitchFamily="18" charset="0"/>
+                    <a:cs typeface="Times New Roman" panose="02020603050405020304" pitchFamily="18" charset="0"/>
+                  </a:rPr>
+                  <a:t>Иначе говоря, мы уверены, что истинная функция проходит где-то в зоне между </a:t>
+                </a:r>
+                <a14:m>
+                  <m:oMath xmlns:m="http://schemas.openxmlformats.org/officeDocument/2006/math">
+                    <m:sSub>
+                      <m:sSubPr>
+                        <m:ctrlPr>
+                          <a:rPr lang="en-US" sz="1600" i="1">
+                            <a:solidFill>
+                              <a:schemeClr val="tx1"/>
+                            </a:solidFill>
+                            <a:latin typeface="Cambria Math" panose="02040503050406030204" pitchFamily="18" charset="0"/>
+                            <a:cs typeface="Times New Roman" panose="02020603050405020304" pitchFamily="18" charset="0"/>
+                          </a:rPr>
+                        </m:ctrlPr>
+                      </m:sSubPr>
+                      <m:e>
+                        <m:r>
+                          <a:rPr lang="en-US" sz="1600" b="0" i="1" smtClean="0">
+                            <a:solidFill>
+                              <a:schemeClr val="tx1"/>
+                            </a:solidFill>
+                            <a:latin typeface="Cambria Math" panose="02040503050406030204" pitchFamily="18" charset="0"/>
+                            <a:cs typeface="Times New Roman" panose="02020603050405020304" pitchFamily="18" charset="0"/>
+                          </a:rPr>
+                          <m:t>𝐹</m:t>
+                        </m:r>
+                      </m:e>
+                      <m:sub>
+                        <m:r>
+                          <a:rPr lang="en-US" sz="1600" i="1">
+                            <a:solidFill>
+                              <a:schemeClr val="tx1"/>
+                            </a:solidFill>
+                            <a:latin typeface="Cambria Math" panose="02040503050406030204" pitchFamily="18" charset="0"/>
+                            <a:cs typeface="Times New Roman" panose="02020603050405020304" pitchFamily="18" charset="0"/>
+                          </a:rPr>
+                          <m:t>𝑘</m:t>
+                        </m:r>
+                      </m:sub>
+                    </m:sSub>
+                    <m:d>
+                      <m:dPr>
+                        <m:ctrlPr>
+                          <a:rPr lang="en-US" sz="1600" i="1">
+                            <a:solidFill>
+                              <a:schemeClr val="tx1"/>
+                            </a:solidFill>
+                            <a:latin typeface="Cambria Math" panose="02040503050406030204" pitchFamily="18" charset="0"/>
+                            <a:cs typeface="Times New Roman" panose="02020603050405020304" pitchFamily="18" charset="0"/>
+                          </a:rPr>
+                        </m:ctrlPr>
+                      </m:dPr>
+                      <m:e>
+                        <m:r>
+                          <a:rPr lang="en-US" sz="1600" i="1">
+                            <a:solidFill>
+                              <a:schemeClr val="tx1"/>
+                            </a:solidFill>
+                            <a:latin typeface="Cambria Math" panose="02040503050406030204" pitchFamily="18" charset="0"/>
+                            <a:cs typeface="Times New Roman" panose="02020603050405020304" pitchFamily="18" charset="0"/>
+                          </a:rPr>
+                          <m:t>𝑥</m:t>
+                        </m:r>
+                      </m:e>
+                    </m:d>
+                  </m:oMath>
+                </a14:m>
+                <a:r>
+                  <a:rPr lang="en-US" sz="1600" dirty="0" smtClean="0">
+                    <a:solidFill>
+                      <a:schemeClr val="tx1"/>
+                    </a:solidFill>
+                    <a:latin typeface="Times New Roman" panose="02020603050405020304" pitchFamily="18" charset="0"/>
+                    <a:cs typeface="Times New Roman" panose="02020603050405020304" pitchFamily="18" charset="0"/>
+                  </a:rPr>
+                  <a:t> </a:t>
+                </a:r>
+                <a:r>
+                  <a:rPr lang="ru-RU" sz="1600" dirty="0" smtClean="0">
+                    <a:solidFill>
+                      <a:schemeClr val="tx1"/>
+                    </a:solidFill>
+                    <a:latin typeface="Times New Roman" panose="02020603050405020304" pitchFamily="18" charset="0"/>
+                    <a:cs typeface="Times New Roman" panose="02020603050405020304" pitchFamily="18" charset="0"/>
+                  </a:rPr>
+                  <a:t>и </a:t>
+                </a:r>
+                <a14:m>
+                  <m:oMath xmlns:m="http://schemas.openxmlformats.org/officeDocument/2006/math">
+                    <m:sSub>
+                      <m:sSubPr>
+                        <m:ctrlPr>
+                          <a:rPr lang="en-US" sz="1600" i="1">
+                            <a:solidFill>
+                              <a:schemeClr val="tx1"/>
+                            </a:solidFill>
+                            <a:latin typeface="Cambria Math" panose="02040503050406030204" pitchFamily="18" charset="0"/>
+                            <a:cs typeface="Times New Roman" panose="02020603050405020304" pitchFamily="18" charset="0"/>
+                          </a:rPr>
+                        </m:ctrlPr>
+                      </m:sSubPr>
+                      <m:e>
+                        <m:r>
+                          <a:rPr lang="en-US" sz="1600" b="0" i="1" smtClean="0">
+                            <a:solidFill>
+                              <a:schemeClr val="tx1"/>
+                            </a:solidFill>
+                            <a:latin typeface="Cambria Math" panose="02040503050406030204" pitchFamily="18" charset="0"/>
+                            <a:cs typeface="Times New Roman" panose="02020603050405020304" pitchFamily="18" charset="0"/>
+                          </a:rPr>
+                          <m:t>𝐹</m:t>
+                        </m:r>
+                      </m:e>
+                      <m:sub>
+                        <m:r>
+                          <a:rPr lang="en-US" sz="1600" i="1">
+                            <a:solidFill>
+                              <a:schemeClr val="tx1"/>
+                            </a:solidFill>
+                            <a:latin typeface="Cambria Math" panose="02040503050406030204" pitchFamily="18" charset="0"/>
+                            <a:cs typeface="Times New Roman" panose="02020603050405020304" pitchFamily="18" charset="0"/>
+                          </a:rPr>
+                          <m:t>𝑘</m:t>
+                        </m:r>
+                        <m:r>
+                          <a:rPr lang="en-US" sz="1600" b="0" i="1" smtClean="0">
+                            <a:solidFill>
+                              <a:schemeClr val="tx1"/>
+                            </a:solidFill>
+                            <a:latin typeface="Cambria Math" panose="02040503050406030204" pitchFamily="18" charset="0"/>
+                            <a:cs typeface="Times New Roman" panose="02020603050405020304" pitchFamily="18" charset="0"/>
+                          </a:rPr>
+                          <m:t>+1</m:t>
+                        </m:r>
+                      </m:sub>
+                    </m:sSub>
+                    <m:d>
+                      <m:dPr>
+                        <m:ctrlPr>
+                          <a:rPr lang="en-US" sz="1600" i="1">
+                            <a:solidFill>
+                              <a:schemeClr val="tx1"/>
+                            </a:solidFill>
+                            <a:latin typeface="Cambria Math" panose="02040503050406030204" pitchFamily="18" charset="0"/>
+                            <a:cs typeface="Times New Roman" panose="02020603050405020304" pitchFamily="18" charset="0"/>
+                          </a:rPr>
+                        </m:ctrlPr>
+                      </m:dPr>
+                      <m:e>
+                        <m:r>
+                          <a:rPr lang="en-US" sz="1600" i="1">
+                            <a:solidFill>
+                              <a:schemeClr val="tx1"/>
+                            </a:solidFill>
+                            <a:latin typeface="Cambria Math" panose="02040503050406030204" pitchFamily="18" charset="0"/>
+                            <a:cs typeface="Times New Roman" panose="02020603050405020304" pitchFamily="18" charset="0"/>
+                          </a:rPr>
+                          <m:t>𝑥</m:t>
+                        </m:r>
+                      </m:e>
+                    </m:d>
+                  </m:oMath>
+                </a14:m>
+                <a:r>
+                  <a:rPr lang="en-US" sz="1600" i="1" dirty="0" smtClean="0">
+                    <a:solidFill>
+                      <a:schemeClr val="tx1"/>
+                    </a:solidFill>
+                    <a:latin typeface="Times New Roman" panose="02020603050405020304" pitchFamily="18" charset="0"/>
+                    <a:cs typeface="Times New Roman" panose="02020603050405020304" pitchFamily="18" charset="0"/>
+                  </a:rPr>
+                  <a:t>.</a:t>
+                </a:r>
+                <a:endParaRPr lang="ru-RU" sz="1600" i="1" dirty="0">
+                  <a:solidFill>
+                    <a:schemeClr val="tx1"/>
+                  </a:solidFill>
+                  <a:latin typeface="Times New Roman" panose="02020603050405020304" pitchFamily="18" charset="0"/>
+                  <a:cs typeface="Times New Roman" panose="02020603050405020304" pitchFamily="18" charset="0"/>
+                </a:endParaRPr>
+              </a:p>
+            </p:txBody>
+          </p:sp>
+        </mc:Choice>
+        <mc:Fallback>
+          <p:sp>
+            <p:nvSpPr>
+              <p:cNvPr id="52" name="TextBox 51"/>
+              <p:cNvSpPr txBox="1">
+                <a:spLocks noRot="1" noChangeAspect="1" noMove="1" noResize="1" noEditPoints="1" noAdjustHandles="1" noChangeArrowheads="1" noChangeShapeType="1" noTextEdit="1"/>
+              </p:cNvSpPr>
+              <p:nvPr/>
+            </p:nvSpPr>
+            <p:spPr>
+              <a:xfrm>
+                <a:off x="1097279" y="2628261"/>
+                <a:ext cx="4359431" cy="2805640"/>
+              </a:xfrm>
+              <a:prstGeom prst="rect">
+                <a:avLst/>
+              </a:prstGeom>
+              <a:blipFill>
+                <a:blip r:embed="rId10"/>
+                <a:stretch>
+                  <a:fillRect l="-699" r="-699" b="-435"/>
+                </a:stretch>
+              </a:blipFill>
+            </p:spPr>
+            <p:txBody>
+              <a:bodyPr/>
+              <a:lstStyle/>
+              <a:p>
+                <a:r>
+                  <a:rPr lang="ru-RU">
+                    <a:noFill/>
+                  </a:rPr>
+                  <a:t> </a:t>
+                </a:r>
+              </a:p>
+            </p:txBody>
+          </p:sp>
+        </mc:Fallback>
+      </mc:AlternateContent>
+    </p:spTree>
+    <p:extLst>
+      <p:ext uri="{BB962C8B-B14F-4D97-AF65-F5344CB8AC3E}">
+        <p14:creationId xmlns:p14="http://schemas.microsoft.com/office/powerpoint/2010/main" val="898094065"/>
+      </p:ext>
+    </p:extLst>
+  </p:cSld>
+  <p:clrMapOvr>
+    <a:masterClrMapping/>
+  </p:clrMapOvr>
+  <p:timing>
+    <p:tnLst>
+      <p:par>
+        <p:cTn id="1" dur="indefinite" restart="never" nodeType="tmRoot"/>
+      </p:par>
+    </p:tnLst>
+  </p:timing>
+</p:sld>
+</file>
+
+<file path=ppt/slides/slide11.xml><?xml version="1.0" encoding="utf-8"?>
+<p:sld xmlns:a="http://schemas.openxmlformats.org/drawingml/2006/main" xmlns:r="http://schemas.openxmlformats.org/officeDocument/2006/relationships" xmlns:p="http://schemas.openxmlformats.org/presentationml/2006/main">
+  <p:cSld>
+    <p:spTree>
+      <p:nvGrpSpPr>
+        <p:cNvPr id="1" name=""/>
+        <p:cNvGrpSpPr/>
+        <p:nvPr/>
+      </p:nvGrpSpPr>
+      <p:grpSpPr>
+        <a:xfrm>
+          <a:off x="0" y="0"/>
+          <a:ext cx="0" cy="0"/>
+          <a:chOff x="0" y="0"/>
+          <a:chExt cx="0" cy="0"/>
+        </a:xfrm>
+      </p:grpSpPr>
+      <p:sp>
+        <p:nvSpPr>
+          <p:cNvPr id="2" name="Заголовок 1"/>
+          <p:cNvSpPr>
+            <a:spLocks noGrp="1"/>
+          </p:cNvSpPr>
+          <p:nvPr>
+            <p:ph type="title"/>
+          </p:nvPr>
+        </p:nvSpPr>
+        <p:spPr/>
+        <p:txBody>
+          <a:bodyPr>
+            <a:normAutofit/>
+          </a:bodyPr>
+          <a:lstStyle/>
+          <a:p>
+            <a:r>
+              <a:rPr lang="ru-RU" sz="4300" dirty="0"/>
+              <a:t>Интерполяция экспоненциальными сплайнами</a:t>
+            </a:r>
+            <a:r>
+              <a:rPr lang="en-US" sz="4300"/>
+              <a:t>.</a:t>
+            </a:r>
+            <a:r>
+              <a:rPr lang="ru-RU" sz="4300"/>
+              <a:t> Методы склеивания</a:t>
+            </a:r>
+            <a:r>
+              <a:rPr lang="en-US" sz="4300"/>
+              <a:t>.</a:t>
+            </a:r>
+            <a:endParaRPr lang="ru-RU" sz="4300"/>
+          </a:p>
+        </p:txBody>
+      </p:sp>
+      <mc:AlternateContent xmlns:mc="http://schemas.openxmlformats.org/markup-compatibility/2006">
+        <mc:Choice xmlns:a14="http://schemas.microsoft.com/office/drawing/2010/main" Requires="a14">
+          <p:sp>
+            <p:nvSpPr>
+              <p:cNvPr id="3" name="Объект 2"/>
+              <p:cNvSpPr>
+                <a:spLocks noGrp="1"/>
+              </p:cNvSpPr>
+              <p:nvPr>
+                <p:ph sz="half" idx="1"/>
+              </p:nvPr>
+            </p:nvSpPr>
+            <p:spPr>
+              <a:xfrm>
+                <a:off x="1097280" y="1951348"/>
+                <a:ext cx="4813326" cy="3917746"/>
+              </a:xfrm>
+            </p:spPr>
+            <p:txBody>
+              <a:bodyPr>
+                <a:normAutofit fontScale="25000" lnSpcReduction="20000"/>
+              </a:bodyPr>
+              <a:lstStyle/>
+              <a:p>
+                <a:pPr indent="0" algn="just">
+                  <a:buNone/>
+                </a:pPr>
+                <a:r>
+                  <a:rPr lang="ru-RU" sz="7200" dirty="0" smtClean="0">
+                    <a:solidFill>
+                      <a:schemeClr val="tx1"/>
+                    </a:solidFill>
+                  </a:rPr>
+                  <a:t>Наиболее простым </a:t>
+                </a:r>
+                <a:r>
+                  <a:rPr lang="ru-RU" sz="7200" dirty="0">
+                    <a:solidFill>
+                      <a:schemeClr val="tx1"/>
+                    </a:solidFill>
+                  </a:rPr>
+                  <a:t>вариантом является усреднение</a:t>
+                </a:r>
+                <a:r>
+                  <a:rPr lang="ru-RU" sz="7200" dirty="0">
+                    <a:solidFill>
+                      <a:schemeClr val="tx1"/>
+                    </a:solidFill>
+                  </a:rPr>
+                  <a:t>:</a:t>
+                </a:r>
+              </a:p>
+              <a:p>
+                <a:pPr marL="0" indent="0" algn="ctr"/>
+                <a14:m>
+                  <m:oMath xmlns:m="http://schemas.openxmlformats.org/officeDocument/2006/math">
+                    <m:r>
+                      <a:rPr lang="en-US" sz="9600" i="1">
+                        <a:solidFill>
+                          <a:schemeClr val="tx1"/>
+                        </a:solidFill>
+                        <a:latin typeface="Cambria Math" panose="02040503050406030204" pitchFamily="18" charset="0"/>
+                      </a:rPr>
+                      <m:t>𝐻</m:t>
+                    </m:r>
+                    <m:d>
+                      <m:dPr>
+                        <m:ctrlPr>
+                          <a:rPr lang="ru-RU" sz="9600" i="1">
+                            <a:solidFill>
+                              <a:schemeClr val="tx1"/>
+                            </a:solidFill>
+                            <a:latin typeface="Cambria Math" panose="02040503050406030204" pitchFamily="18" charset="0"/>
+                          </a:rPr>
+                        </m:ctrlPr>
+                      </m:dPr>
+                      <m:e>
+                        <m:r>
+                          <a:rPr lang="en-US" sz="9600" i="1">
+                            <a:solidFill>
+                              <a:schemeClr val="tx1"/>
+                            </a:solidFill>
+                            <a:latin typeface="Cambria Math" panose="02040503050406030204" pitchFamily="18" charset="0"/>
+                          </a:rPr>
+                          <m:t>𝑥</m:t>
+                        </m:r>
+                      </m:e>
+                    </m:d>
+                    <m:r>
+                      <a:rPr lang="en-US" sz="9600" i="1">
+                        <a:solidFill>
+                          <a:schemeClr val="tx1"/>
+                        </a:solidFill>
+                        <a:latin typeface="Cambria Math" panose="02040503050406030204" pitchFamily="18" charset="0"/>
+                      </a:rPr>
+                      <m:t>=</m:t>
+                    </m:r>
+                    <m:f>
+                      <m:fPr>
+                        <m:ctrlPr>
+                          <a:rPr lang="ru-RU" sz="9600" i="1">
+                            <a:solidFill>
+                              <a:schemeClr val="tx1"/>
+                            </a:solidFill>
+                            <a:latin typeface="Cambria Math" panose="02040503050406030204" pitchFamily="18" charset="0"/>
+                          </a:rPr>
+                        </m:ctrlPr>
+                      </m:fPr>
+                      <m:num>
+                        <m:sSub>
+                          <m:sSubPr>
+                            <m:ctrlPr>
+                              <a:rPr lang="ru-RU" sz="9600" i="1">
+                                <a:solidFill>
+                                  <a:schemeClr val="tx1"/>
+                                </a:solidFill>
+                                <a:latin typeface="Cambria Math" panose="02040503050406030204" pitchFamily="18" charset="0"/>
+                              </a:rPr>
+                            </m:ctrlPr>
+                          </m:sSubPr>
+                          <m:e>
+                            <m:r>
+                              <a:rPr lang="ru-RU" sz="9600" i="1">
+                                <a:solidFill>
+                                  <a:schemeClr val="tx1"/>
+                                </a:solidFill>
+                                <a:latin typeface="Cambria Math" panose="02040503050406030204" pitchFamily="18" charset="0"/>
+                              </a:rPr>
+                              <m:t>𝑓</m:t>
+                            </m:r>
+                          </m:e>
+                          <m:sub>
+                            <m:r>
+                              <a:rPr lang="ru-RU" sz="9600" i="1">
+                                <a:solidFill>
+                                  <a:schemeClr val="tx1"/>
+                                </a:solidFill>
+                                <a:latin typeface="Cambria Math" panose="02040503050406030204" pitchFamily="18" charset="0"/>
+                              </a:rPr>
+                              <m:t>𝑖</m:t>
+                            </m:r>
+                          </m:sub>
+                        </m:sSub>
+                        <m:d>
+                          <m:dPr>
+                            <m:ctrlPr>
+                              <a:rPr lang="ru-RU" sz="9600" i="1">
+                                <a:solidFill>
+                                  <a:schemeClr val="tx1"/>
+                                </a:solidFill>
+                                <a:latin typeface="Cambria Math" panose="02040503050406030204" pitchFamily="18" charset="0"/>
+                              </a:rPr>
+                            </m:ctrlPr>
+                          </m:dPr>
+                          <m:e>
+                            <m:r>
+                              <a:rPr lang="ru-RU" sz="9600" i="1">
+                                <a:solidFill>
+                                  <a:schemeClr val="tx1"/>
+                                </a:solidFill>
+                                <a:latin typeface="Cambria Math" panose="02040503050406030204" pitchFamily="18" charset="0"/>
+                              </a:rPr>
+                              <m:t>𝑥</m:t>
+                            </m:r>
+                          </m:e>
+                        </m:d>
+                        <m:r>
+                          <a:rPr lang="ru-RU" sz="9600" i="1">
+                            <a:solidFill>
+                              <a:schemeClr val="tx1"/>
+                            </a:solidFill>
+                            <a:latin typeface="Cambria Math" panose="02040503050406030204" pitchFamily="18" charset="0"/>
+                          </a:rPr>
+                          <m:t>+</m:t>
+                        </m:r>
+                        <m:sSub>
+                          <m:sSubPr>
+                            <m:ctrlPr>
+                              <a:rPr lang="ru-RU" sz="9600" i="1">
+                                <a:solidFill>
+                                  <a:schemeClr val="tx1"/>
+                                </a:solidFill>
+                                <a:latin typeface="Cambria Math" panose="02040503050406030204" pitchFamily="18" charset="0"/>
+                              </a:rPr>
+                            </m:ctrlPr>
+                          </m:sSubPr>
+                          <m:e>
+                            <m:r>
+                              <a:rPr lang="ru-RU" sz="9600" i="1">
+                                <a:solidFill>
+                                  <a:schemeClr val="tx1"/>
+                                </a:solidFill>
+                                <a:latin typeface="Cambria Math" panose="02040503050406030204" pitchFamily="18" charset="0"/>
+                              </a:rPr>
+                              <m:t>𝑓</m:t>
+                            </m:r>
+                          </m:e>
+                          <m:sub>
+                            <m:r>
+                              <a:rPr lang="ru-RU" sz="9600" i="1">
+                                <a:solidFill>
+                                  <a:schemeClr val="tx1"/>
+                                </a:solidFill>
+                                <a:latin typeface="Cambria Math" panose="02040503050406030204" pitchFamily="18" charset="0"/>
+                              </a:rPr>
+                              <m:t>𝑖</m:t>
+                            </m:r>
+                            <m:r>
+                              <a:rPr lang="ru-RU" sz="9600" i="1">
+                                <a:solidFill>
+                                  <a:schemeClr val="tx1"/>
+                                </a:solidFill>
+                                <a:latin typeface="Cambria Math" panose="02040503050406030204" pitchFamily="18" charset="0"/>
+                              </a:rPr>
+                              <m:t>+1</m:t>
+                            </m:r>
+                          </m:sub>
+                        </m:sSub>
+                        <m:d>
+                          <m:dPr>
+                            <m:ctrlPr>
+                              <a:rPr lang="ru-RU" sz="9600" i="1">
+                                <a:solidFill>
+                                  <a:schemeClr val="tx1"/>
+                                </a:solidFill>
+                                <a:latin typeface="Cambria Math" panose="02040503050406030204" pitchFamily="18" charset="0"/>
+                              </a:rPr>
+                            </m:ctrlPr>
+                          </m:dPr>
+                          <m:e>
+                            <m:r>
+                              <a:rPr lang="ru-RU" sz="9600" i="1">
+                                <a:solidFill>
+                                  <a:schemeClr val="tx1"/>
+                                </a:solidFill>
+                                <a:latin typeface="Cambria Math" panose="02040503050406030204" pitchFamily="18" charset="0"/>
+                              </a:rPr>
+                              <m:t>𝑥</m:t>
+                            </m:r>
+                          </m:e>
+                        </m:d>
+                      </m:num>
+                      <m:den>
+                        <m:r>
+                          <a:rPr lang="ru-RU" sz="9600" b="0" i="1" smtClean="0">
+                            <a:solidFill>
+                              <a:schemeClr val="tx1"/>
+                            </a:solidFill>
+                            <a:latin typeface="Cambria Math" panose="02040503050406030204" pitchFamily="18" charset="0"/>
+                          </a:rPr>
+                          <m:t>2</m:t>
+                        </m:r>
+                      </m:den>
+                    </m:f>
+                  </m:oMath>
+                </a14:m>
+                <a:endParaRPr lang="ru-RU" sz="2400" dirty="0" smtClean="0">
+                  <a:solidFill>
+                    <a:schemeClr val="tx1"/>
+                  </a:solidFill>
+                </a:endParaRPr>
+              </a:p>
+              <a:p>
+                <a:pPr marL="0" indent="457200" algn="just">
+                  <a:lnSpc>
+                    <a:spcPct val="170000"/>
+                  </a:lnSpc>
+                  <a:spcBef>
+                    <a:spcPts val="0"/>
+                  </a:spcBef>
+                  <a:spcAft>
+                    <a:spcPts val="0"/>
+                  </a:spcAft>
+                </a:pPr>
+                <a:r>
+                  <a:rPr lang="ru-RU" sz="6400" dirty="0">
+                    <a:solidFill>
+                      <a:schemeClr val="tx1"/>
+                    </a:solidFill>
+                    <a:latin typeface="Times New Roman" panose="02020603050405020304" pitchFamily="18" charset="0"/>
+                    <a:cs typeface="Times New Roman" panose="02020603050405020304" pitchFamily="18" charset="0"/>
+                  </a:rPr>
+                  <a:t>В этом случае гарантируется, что </a:t>
+                </a:r>
+                <a:r>
+                  <a:rPr lang="ru-RU" sz="6400" dirty="0" smtClean="0">
+                    <a:solidFill>
+                      <a:schemeClr val="tx1"/>
+                    </a:solidFill>
+                    <a:latin typeface="Times New Roman" panose="02020603050405020304" pitchFamily="18" charset="0"/>
+                    <a:cs typeface="Times New Roman" panose="02020603050405020304" pitchFamily="18" charset="0"/>
+                  </a:rPr>
+                  <a:t>итоговая </a:t>
+                </a:r>
+                <a:r>
+                  <a:rPr lang="ru-RU" sz="6400" dirty="0">
+                    <a:solidFill>
+                      <a:schemeClr val="tx1"/>
+                    </a:solidFill>
+                    <a:latin typeface="Times New Roman" panose="02020603050405020304" pitchFamily="18" charset="0"/>
+                    <a:cs typeface="Times New Roman" panose="02020603050405020304" pitchFamily="18" charset="0"/>
+                  </a:rPr>
+                  <a:t>функция будет всегда возрастающая (или убывающая). Непрерывность производной не </a:t>
+                </a:r>
+                <a:r>
+                  <a:rPr lang="ru-RU" sz="6400" dirty="0" smtClean="0">
+                    <a:solidFill>
+                      <a:schemeClr val="tx1"/>
+                    </a:solidFill>
+                    <a:latin typeface="Times New Roman" panose="02020603050405020304" pitchFamily="18" charset="0"/>
+                    <a:cs typeface="Times New Roman" panose="02020603050405020304" pitchFamily="18" charset="0"/>
+                  </a:rPr>
+                  <a:t>соблюдается</a:t>
+                </a:r>
+                <a:r>
+                  <a:rPr lang="ru-RU" sz="6400" dirty="0">
+                    <a:solidFill>
+                      <a:schemeClr val="tx1"/>
+                    </a:solidFill>
+                    <a:latin typeface="Times New Roman" panose="02020603050405020304" pitchFamily="18" charset="0"/>
+                    <a:cs typeface="Times New Roman" panose="02020603050405020304" pitchFamily="18" charset="0"/>
+                  </a:rPr>
+                  <a:t>, но существует возможность </a:t>
+                </a:r>
+                <a:r>
+                  <a:rPr lang="ru-RU" sz="6400" dirty="0" smtClean="0">
+                    <a:solidFill>
+                      <a:schemeClr val="tx1"/>
+                    </a:solidFill>
+                    <a:latin typeface="Times New Roman" panose="02020603050405020304" pitchFamily="18" charset="0"/>
+                    <a:cs typeface="Times New Roman" panose="02020603050405020304" pitchFamily="18" charset="0"/>
+                  </a:rPr>
+                  <a:t>регулировать </a:t>
+                </a:r>
+                <a:r>
+                  <a:rPr lang="ru-RU" sz="6400" dirty="0">
+                    <a:solidFill>
+                      <a:schemeClr val="tx1"/>
+                    </a:solidFill>
+                    <a:latin typeface="Times New Roman" panose="02020603050405020304" pitchFamily="18" charset="0"/>
+                    <a:cs typeface="Times New Roman" panose="02020603050405020304" pitchFamily="18" charset="0"/>
+                  </a:rPr>
+                  <a:t>изломы за счет выбора видов функций (экспонента или логарифм) и вариантов их склеивания (по горизонтали или по вертикали) в их комбинированных комбинациях. </a:t>
+                </a:r>
+                <a:endParaRPr lang="ru-RU" sz="6400" dirty="0" smtClean="0">
+                  <a:solidFill>
+                    <a:schemeClr val="tx1"/>
+                  </a:solidFill>
+                  <a:latin typeface="Times New Roman" panose="02020603050405020304" pitchFamily="18" charset="0"/>
+                  <a:cs typeface="Times New Roman" panose="02020603050405020304" pitchFamily="18" charset="0"/>
+                </a:endParaRPr>
+              </a:p>
+            </p:txBody>
+          </p:sp>
+        </mc:Choice>
+        <mc:Fallback>
+          <p:sp>
+            <p:nvSpPr>
+              <p:cNvPr id="3" name="Объект 2"/>
+              <p:cNvSpPr>
+                <a:spLocks noGrp="1" noRot="1" noChangeAspect="1" noMove="1" noResize="1" noEditPoints="1" noAdjustHandles="1" noChangeArrowheads="1" noChangeShapeType="1" noTextEdit="1"/>
+              </p:cNvSpPr>
+              <p:nvPr>
+                <p:ph sz="half" idx="1"/>
+              </p:nvPr>
+            </p:nvSpPr>
+            <p:spPr>
+              <a:xfrm>
+                <a:off x="1097280" y="1951348"/>
+                <a:ext cx="4813326" cy="3917746"/>
+              </a:xfrm>
+              <a:blipFill>
+                <a:blip r:embed="rId2"/>
+                <a:stretch>
+                  <a:fillRect l="-2532" t="-2488" r="-2911"/>
+                </a:stretch>
+              </a:blipFill>
+            </p:spPr>
+            <p:txBody>
+              <a:bodyPr/>
+              <a:lstStyle/>
+              <a:p>
+                <a:r>
+                  <a:rPr lang="ru-RU">
+                    <a:noFill/>
+                  </a:rPr>
+                  <a:t> </a:t>
+                </a:r>
+              </a:p>
+            </p:txBody>
+          </p:sp>
+        </mc:Fallback>
+      </mc:AlternateContent>
+      <p:pic>
+        <p:nvPicPr>
+          <p:cNvPr id="5" name="Picture 7" descr="Chart, line chart&#10;&#10;Description automatically generated"/>
+          <p:cNvPicPr>
+            <a:picLocks noGrp="1"/>
+          </p:cNvPicPr>
+          <p:nvPr>
+            <p:ph sz="half" idx="2"/>
+          </p:nvPr>
+        </p:nvPicPr>
+        <p:blipFill>
+          <a:blip r:embed="rId3"/>
+          <a:stretch>
+            <a:fillRect/>
+          </a:stretch>
+        </p:blipFill>
+        <p:spPr>
+          <a:xfrm>
+            <a:off x="6035040" y="1845734"/>
+            <a:ext cx="5120324" cy="3875723"/>
+          </a:xfrm>
+          <a:prstGeom prst="rect">
+            <a:avLst/>
+          </a:prstGeom>
+        </p:spPr>
+      </p:pic>
+    </p:spTree>
+    <p:extLst>
+      <p:ext uri="{BB962C8B-B14F-4D97-AF65-F5344CB8AC3E}">
+        <p14:creationId xmlns:p14="http://schemas.microsoft.com/office/powerpoint/2010/main" val="3043680471"/>
+      </p:ext>
+    </p:extLst>
+  </p:cSld>
+  <p:clrMapOvr>
+    <a:masterClrMapping/>
+  </p:clrMapOvr>
+</p:sld>
+</file>
+
+<file path=ppt/slides/slide12.xml><?xml version="1.0" encoding="utf-8"?>
+<p:sld xmlns:a="http://schemas.openxmlformats.org/drawingml/2006/main" xmlns:r="http://schemas.openxmlformats.org/officeDocument/2006/relationships" xmlns:p="http://schemas.openxmlformats.org/presentationml/2006/main">
+  <p:cSld>
+    <p:spTree>
+      <p:nvGrpSpPr>
+        <p:cNvPr id="1" name=""/>
+        <p:cNvGrpSpPr/>
+        <p:nvPr/>
+      </p:nvGrpSpPr>
+      <p:grpSpPr>
+        <a:xfrm>
+          <a:off x="0" y="0"/>
+          <a:ext cx="0" cy="0"/>
+          <a:chOff x="0" y="0"/>
+          <a:chExt cx="0" cy="0"/>
+        </a:xfrm>
+      </p:grpSpPr>
+      <p:sp>
+        <p:nvSpPr>
+          <p:cNvPr id="2" name="Заголовок 1"/>
+          <p:cNvSpPr>
+            <a:spLocks noGrp="1"/>
+          </p:cNvSpPr>
+          <p:nvPr>
+            <p:ph type="title"/>
+          </p:nvPr>
+        </p:nvSpPr>
+        <p:spPr/>
+        <p:txBody>
+          <a:bodyPr>
+            <a:normAutofit/>
+          </a:bodyPr>
+          <a:lstStyle/>
+          <a:p>
+            <a:r>
+              <a:rPr lang="ru-RU" sz="4300" dirty="0"/>
+              <a:t>Интерполяция экспоненциальными сплайнами</a:t>
+            </a:r>
+            <a:r>
+              <a:rPr lang="en-US" sz="4300"/>
+              <a:t>.</a:t>
+            </a:r>
+            <a:r>
+              <a:rPr lang="ru-RU" sz="4300"/>
+              <a:t> Методы склеивания</a:t>
+            </a:r>
+            <a:r>
+              <a:rPr lang="en-US" sz="4300"/>
+              <a:t>.</a:t>
+            </a:r>
+            <a:endParaRPr lang="ru-RU" sz="4300"/>
+          </a:p>
+        </p:txBody>
+      </p:sp>
+      <mc:AlternateContent xmlns:mc="http://schemas.openxmlformats.org/markup-compatibility/2006">
+        <mc:Choice xmlns:a14="http://schemas.microsoft.com/office/drawing/2010/main" Requires="a14">
+          <p:sp>
+            <p:nvSpPr>
+              <p:cNvPr id="3" name="Объект 2"/>
+              <p:cNvSpPr>
+                <a:spLocks noGrp="1"/>
+              </p:cNvSpPr>
+              <p:nvPr>
+                <p:ph sz="half" idx="1"/>
+              </p:nvPr>
+            </p:nvSpPr>
+            <p:spPr>
+              <a:xfrm>
+                <a:off x="1097280" y="1951348"/>
+                <a:ext cx="4813326" cy="3917746"/>
+              </a:xfrm>
+            </p:spPr>
+            <p:txBody>
+              <a:bodyPr>
+                <a:normAutofit fontScale="25000" lnSpcReduction="20000"/>
+              </a:bodyPr>
+              <a:lstStyle/>
+              <a:p>
+                <a:pPr indent="0" algn="just">
+                  <a:buNone/>
+                </a:pPr>
+                <a:r>
+                  <a:rPr lang="ru-RU" sz="8000" dirty="0" smtClean="0">
+                    <a:solidFill>
+                      <a:schemeClr val="tx1"/>
+                    </a:solidFill>
+                    <a:latin typeface="Times New Roman" panose="02020603050405020304" pitchFamily="18" charset="0"/>
+                    <a:cs typeface="Times New Roman" panose="02020603050405020304" pitchFamily="18" charset="0"/>
+                  </a:rPr>
+                  <a:t>Наиболее простым </a:t>
+                </a:r>
+                <a:r>
+                  <a:rPr lang="ru-RU" sz="8000" dirty="0">
+                    <a:solidFill>
+                      <a:schemeClr val="tx1"/>
+                    </a:solidFill>
+                    <a:latin typeface="Times New Roman" panose="02020603050405020304" pitchFamily="18" charset="0"/>
+                    <a:cs typeface="Times New Roman" panose="02020603050405020304" pitchFamily="18" charset="0"/>
+                  </a:rPr>
+                  <a:t>вариантом является усреднение</a:t>
+                </a:r>
+                <a:r>
+                  <a:rPr lang="ru-RU" sz="8000" dirty="0" smtClean="0">
+                    <a:solidFill>
+                      <a:schemeClr val="tx1"/>
+                    </a:solidFill>
+                    <a:latin typeface="Times New Roman" panose="02020603050405020304" pitchFamily="18" charset="0"/>
+                    <a:cs typeface="Times New Roman" panose="02020603050405020304" pitchFamily="18" charset="0"/>
+                  </a:rPr>
+                  <a:t>:</a:t>
+                </a:r>
+                <a:endParaRPr lang="ru-RU" sz="4400" dirty="0">
+                  <a:solidFill>
+                    <a:schemeClr val="tx1"/>
+                  </a:solidFill>
+                  <a:latin typeface="Times New Roman" panose="02020603050405020304" pitchFamily="18" charset="0"/>
+                  <a:cs typeface="Times New Roman" panose="02020603050405020304" pitchFamily="18" charset="0"/>
+                </a:endParaRPr>
+              </a:p>
+              <a:p>
+                <a:pPr marL="0" indent="0" algn="ctr"/>
+                <a14:m>
+                  <m:oMath xmlns:m="http://schemas.openxmlformats.org/officeDocument/2006/math">
+                    <m:r>
+                      <a:rPr lang="ru-RU" sz="11200" i="1" smtClean="0">
+                        <a:solidFill>
+                          <a:schemeClr val="tx1"/>
+                        </a:solidFill>
+                      </a:rPr>
+                      <m:t>𝐺</m:t>
+                    </m:r>
+                    <m:d>
+                      <m:dPr>
+                        <m:ctrlPr>
+                          <a:rPr lang="ru-RU" sz="11200" i="1">
+                            <a:solidFill>
+                              <a:schemeClr val="tx1"/>
+                            </a:solidFill>
+                          </a:rPr>
+                        </m:ctrlPr>
+                      </m:dPr>
+                      <m:e>
+                        <m:r>
+                          <a:rPr lang="ru-RU" sz="11200" i="1">
+                            <a:solidFill>
+                              <a:schemeClr val="tx1"/>
+                            </a:solidFill>
+                          </a:rPr>
+                          <m:t>𝑥</m:t>
+                        </m:r>
+                      </m:e>
+                    </m:d>
+                    <m:r>
+                      <a:rPr lang="ru-RU" sz="11200" i="1">
+                        <a:solidFill>
+                          <a:schemeClr val="tx1"/>
+                        </a:solidFill>
+                      </a:rPr>
+                      <m:t>=</m:t>
+                    </m:r>
+                    <m:f>
+                      <m:fPr>
+                        <m:ctrlPr>
+                          <a:rPr lang="ru-RU" sz="11200" i="1">
+                            <a:solidFill>
+                              <a:schemeClr val="tx1"/>
+                            </a:solidFill>
+                          </a:rPr>
+                        </m:ctrlPr>
+                      </m:fPr>
+                      <m:num>
+                        <m:d>
+                          <m:dPr>
+                            <m:ctrlPr>
+                              <a:rPr lang="ru-RU" sz="11200" i="1">
+                                <a:solidFill>
+                                  <a:schemeClr val="tx1"/>
+                                </a:solidFill>
+                              </a:rPr>
+                            </m:ctrlPr>
+                          </m:dPr>
+                          <m:e>
+                            <m:sSub>
+                              <m:sSubPr>
+                                <m:ctrlPr>
+                                  <a:rPr lang="ru-RU" sz="11200" i="1">
+                                    <a:solidFill>
+                                      <a:schemeClr val="tx1"/>
+                                    </a:solidFill>
+                                  </a:rPr>
+                                </m:ctrlPr>
+                              </m:sSubPr>
+                              <m:e>
+                                <m:r>
+                                  <a:rPr lang="ru-RU" sz="11200" i="1">
+                                    <a:solidFill>
+                                      <a:schemeClr val="tx1"/>
+                                    </a:solidFill>
+                                  </a:rPr>
+                                  <m:t>𝑥</m:t>
+                                </m:r>
+                              </m:e>
+                              <m:sub>
+                                <m:r>
+                                  <a:rPr lang="ru-RU" sz="11200" i="1">
+                                    <a:solidFill>
+                                      <a:schemeClr val="tx1"/>
+                                    </a:solidFill>
+                                  </a:rPr>
+                                  <m:t>2</m:t>
+                                </m:r>
+                              </m:sub>
+                            </m:sSub>
+                            <m:r>
+                              <a:rPr lang="ru-RU" sz="11200" i="1">
+                                <a:solidFill>
+                                  <a:schemeClr val="tx1"/>
+                                </a:solidFill>
+                              </a:rPr>
+                              <m:t>−</m:t>
+                            </m:r>
+                            <m:r>
+                              <a:rPr lang="ru-RU" sz="11200" i="1">
+                                <a:solidFill>
+                                  <a:schemeClr val="tx1"/>
+                                </a:solidFill>
+                              </a:rPr>
+                              <m:t>𝑥</m:t>
+                            </m:r>
+                          </m:e>
+                        </m:d>
+                        <m:sSub>
+                          <m:sSubPr>
+                            <m:ctrlPr>
+                              <a:rPr lang="ru-RU" sz="11200" i="1">
+                                <a:solidFill>
+                                  <a:schemeClr val="tx1"/>
+                                </a:solidFill>
+                              </a:rPr>
+                            </m:ctrlPr>
+                          </m:sSubPr>
+                          <m:e>
+                            <m:r>
+                              <a:rPr lang="en-US" sz="11200" i="1">
+                                <a:solidFill>
+                                  <a:schemeClr val="tx1"/>
+                                </a:solidFill>
+                              </a:rPr>
+                              <m:t>𝑓</m:t>
+                            </m:r>
+                          </m:e>
+                          <m:sub>
+                            <m:r>
+                              <a:rPr lang="ru-RU" sz="11200" i="1">
+                                <a:solidFill>
+                                  <a:schemeClr val="tx1"/>
+                                </a:solidFill>
+                              </a:rPr>
+                              <m:t>1</m:t>
+                            </m:r>
+                          </m:sub>
+                        </m:sSub>
+                        <m:d>
+                          <m:dPr>
+                            <m:ctrlPr>
+                              <a:rPr lang="ru-RU" sz="11200" i="1">
+                                <a:solidFill>
+                                  <a:schemeClr val="tx1"/>
+                                </a:solidFill>
+                              </a:rPr>
+                            </m:ctrlPr>
+                          </m:dPr>
+                          <m:e>
+                            <m:r>
+                              <a:rPr lang="ru-RU" sz="11200" i="1">
+                                <a:solidFill>
+                                  <a:schemeClr val="tx1"/>
+                                </a:solidFill>
+                              </a:rPr>
+                              <m:t>𝑥</m:t>
+                            </m:r>
+                          </m:e>
+                        </m:d>
+                        <m:r>
+                          <a:rPr lang="ru-RU" sz="11200" i="1">
+                            <a:solidFill>
+                              <a:schemeClr val="tx1"/>
+                            </a:solidFill>
+                          </a:rPr>
+                          <m:t>+</m:t>
+                        </m:r>
+                        <m:d>
+                          <m:dPr>
+                            <m:ctrlPr>
+                              <a:rPr lang="ru-RU" sz="11200" i="1">
+                                <a:solidFill>
+                                  <a:schemeClr val="tx1"/>
+                                </a:solidFill>
+                              </a:rPr>
+                            </m:ctrlPr>
+                          </m:dPr>
+                          <m:e>
+                            <m:r>
+                              <a:rPr lang="ru-RU" sz="11200" i="1">
+                                <a:solidFill>
+                                  <a:schemeClr val="tx1"/>
+                                </a:solidFill>
+                              </a:rPr>
+                              <m:t>𝑥</m:t>
+                            </m:r>
+                            <m:r>
+                              <a:rPr lang="ru-RU" sz="11200" i="1">
+                                <a:solidFill>
+                                  <a:schemeClr val="tx1"/>
+                                </a:solidFill>
+                              </a:rPr>
+                              <m:t>− </m:t>
+                            </m:r>
+                            <m:sSub>
+                              <m:sSubPr>
+                                <m:ctrlPr>
+                                  <a:rPr lang="ru-RU" sz="11200" i="1">
+                                    <a:solidFill>
+                                      <a:schemeClr val="tx1"/>
+                                    </a:solidFill>
+                                  </a:rPr>
+                                </m:ctrlPr>
+                              </m:sSubPr>
+                              <m:e>
+                                <m:r>
+                                  <a:rPr lang="ru-RU" sz="11200" i="1">
+                                    <a:solidFill>
+                                      <a:schemeClr val="tx1"/>
+                                    </a:solidFill>
+                                  </a:rPr>
+                                  <m:t>𝑥</m:t>
+                                </m:r>
+                              </m:e>
+                              <m:sub>
+                                <m:r>
+                                  <a:rPr lang="ru-RU" sz="11200" i="1">
+                                    <a:solidFill>
+                                      <a:schemeClr val="tx1"/>
+                                    </a:solidFill>
+                                  </a:rPr>
+                                  <m:t>1</m:t>
+                                </m:r>
+                              </m:sub>
+                            </m:sSub>
+                          </m:e>
+                        </m:d>
+                        <m:sSub>
+                          <m:sSubPr>
+                            <m:ctrlPr>
+                              <a:rPr lang="ru-RU" sz="11200" i="1">
+                                <a:solidFill>
+                                  <a:schemeClr val="tx1"/>
+                                </a:solidFill>
+                              </a:rPr>
+                            </m:ctrlPr>
+                          </m:sSubPr>
+                          <m:e>
+                            <m:r>
+                              <a:rPr lang="ru-RU" sz="11200" i="1">
+                                <a:solidFill>
+                                  <a:schemeClr val="tx1"/>
+                                </a:solidFill>
+                              </a:rPr>
+                              <m:t>𝑓</m:t>
+                            </m:r>
+                          </m:e>
+                          <m:sub>
+                            <m:r>
+                              <a:rPr lang="ru-RU" sz="11200" i="1">
+                                <a:solidFill>
+                                  <a:schemeClr val="tx1"/>
+                                </a:solidFill>
+                              </a:rPr>
+                              <m:t>2</m:t>
+                            </m:r>
+                          </m:sub>
+                        </m:sSub>
+                        <m:r>
+                          <a:rPr lang="ru-RU" sz="11200" i="1">
+                            <a:solidFill>
+                              <a:schemeClr val="tx1"/>
+                            </a:solidFill>
+                          </a:rPr>
+                          <m:t>(</m:t>
+                        </m:r>
+                        <m:r>
+                          <a:rPr lang="ru-RU" sz="11200" i="1">
+                            <a:solidFill>
+                              <a:schemeClr val="tx1"/>
+                            </a:solidFill>
+                          </a:rPr>
+                          <m:t>𝑥</m:t>
+                        </m:r>
+                        <m:r>
+                          <a:rPr lang="ru-RU" sz="11200" i="1">
+                            <a:solidFill>
+                              <a:schemeClr val="tx1"/>
+                            </a:solidFill>
+                          </a:rPr>
+                          <m:t>)</m:t>
+                        </m:r>
+                      </m:num>
+                      <m:den>
+                        <m:sSub>
+                          <m:sSubPr>
+                            <m:ctrlPr>
+                              <a:rPr lang="ru-RU" sz="11200" i="1">
+                                <a:solidFill>
+                                  <a:schemeClr val="tx1"/>
+                                </a:solidFill>
+                              </a:rPr>
+                            </m:ctrlPr>
+                          </m:sSubPr>
+                          <m:e>
+                            <m:r>
+                              <a:rPr lang="ru-RU" sz="11200" i="1">
+                                <a:solidFill>
+                                  <a:schemeClr val="tx1"/>
+                                </a:solidFill>
+                              </a:rPr>
+                              <m:t>𝑥</m:t>
+                            </m:r>
+                          </m:e>
+                          <m:sub>
+                            <m:r>
+                              <a:rPr lang="ru-RU" sz="11200" i="1">
+                                <a:solidFill>
+                                  <a:schemeClr val="tx1"/>
+                                </a:solidFill>
+                              </a:rPr>
+                              <m:t>2</m:t>
+                            </m:r>
+                          </m:sub>
+                        </m:sSub>
+                        <m:r>
+                          <a:rPr lang="ru-RU" sz="11200" i="1">
+                            <a:solidFill>
+                              <a:schemeClr val="tx1"/>
+                            </a:solidFill>
+                          </a:rPr>
+                          <m:t>− </m:t>
+                        </m:r>
+                        <m:sSub>
+                          <m:sSubPr>
+                            <m:ctrlPr>
+                              <a:rPr lang="ru-RU" sz="11200" i="1">
+                                <a:solidFill>
+                                  <a:schemeClr val="tx1"/>
+                                </a:solidFill>
+                              </a:rPr>
+                            </m:ctrlPr>
+                          </m:sSubPr>
+                          <m:e>
+                            <m:r>
+                              <a:rPr lang="ru-RU" sz="11200" i="1">
+                                <a:solidFill>
+                                  <a:schemeClr val="tx1"/>
+                                </a:solidFill>
+                              </a:rPr>
+                              <m:t>𝑥</m:t>
+                            </m:r>
+                          </m:e>
+                          <m:sub>
+                            <m:r>
+                              <a:rPr lang="ru-RU" sz="11200" i="1">
+                                <a:solidFill>
+                                  <a:schemeClr val="tx1"/>
+                                </a:solidFill>
+                              </a:rPr>
+                              <m:t>1</m:t>
+                            </m:r>
+                          </m:sub>
+                        </m:sSub>
+                      </m:den>
+                    </m:f>
+                  </m:oMath>
+                </a14:m>
+                <a:endParaRPr lang="en-US" sz="8000" dirty="0" smtClean="0">
+                  <a:solidFill>
+                    <a:schemeClr val="tx1"/>
+                  </a:solidFill>
+                  <a:latin typeface="Times New Roman" panose="02020603050405020304" pitchFamily="18" charset="0"/>
+                  <a:cs typeface="Times New Roman" panose="02020603050405020304" pitchFamily="18" charset="0"/>
+                </a:endParaRPr>
+              </a:p>
+              <a:p>
+                <a:pPr marL="0" indent="0"/>
+                <a:r>
+                  <a:rPr lang="ru-RU" sz="8000" dirty="0">
+                    <a:solidFill>
+                      <a:schemeClr val="tx1"/>
+                    </a:solidFill>
+                    <a:latin typeface="Times New Roman" panose="02020603050405020304" pitchFamily="18" charset="0"/>
+                    <a:cs typeface="Times New Roman" panose="02020603050405020304" pitchFamily="18" charset="0"/>
+                  </a:rPr>
+                  <a:t>В этом варианте первая </a:t>
+                </a:r>
+                <a:r>
+                  <a:rPr lang="ru-RU" sz="8000" dirty="0" smtClean="0">
+                    <a:solidFill>
+                      <a:schemeClr val="tx1"/>
+                    </a:solidFill>
+                    <a:latin typeface="Times New Roman" panose="02020603050405020304" pitchFamily="18" charset="0"/>
+                    <a:cs typeface="Times New Roman" panose="02020603050405020304" pitchFamily="18" charset="0"/>
+                  </a:rPr>
+                  <a:t>производная</a:t>
+                </a:r>
+                <a:r>
+                  <a:rPr lang="en-US" sz="8000" dirty="0">
+                    <a:solidFill>
+                      <a:schemeClr val="tx1"/>
+                    </a:solidFill>
+                    <a:latin typeface="Times New Roman" panose="02020603050405020304" pitchFamily="18" charset="0"/>
+                    <a:cs typeface="Times New Roman" panose="02020603050405020304" pitchFamily="18" charset="0"/>
+                  </a:rPr>
+                  <a:t>:</a:t>
+                </a:r>
+                <a:endParaRPr lang="en-US" sz="9600" dirty="0" smtClean="0">
+                  <a:solidFill>
+                    <a:schemeClr val="tx1"/>
+                  </a:solidFill>
+                  <a:latin typeface="Times New Roman" panose="02020603050405020304" pitchFamily="18" charset="0"/>
+                  <a:cs typeface="Times New Roman" panose="02020603050405020304" pitchFamily="18" charset="0"/>
+                </a:endParaRPr>
+              </a:p>
+              <a:p>
+                <a14:m>
+                  <m:oMath xmlns:m="http://schemas.openxmlformats.org/officeDocument/2006/math">
+                    <m:r>
+                      <a:rPr lang="ru-RU" sz="8000" i="1" smtClean="0">
+                        <a:solidFill>
+                          <a:schemeClr val="tx1"/>
+                        </a:solidFill>
+                      </a:rPr>
+                      <m:t>𝐺</m:t>
+                    </m:r>
+                    <m:r>
+                      <a:rPr lang="en-US" sz="8000" i="1">
+                        <a:solidFill>
+                          <a:schemeClr val="tx1"/>
+                        </a:solidFill>
+                      </a:rPr>
+                      <m:t>′</m:t>
+                    </m:r>
+                    <m:d>
+                      <m:dPr>
+                        <m:ctrlPr>
+                          <a:rPr lang="ru-RU" sz="8000" i="1">
+                            <a:solidFill>
+                              <a:schemeClr val="tx1"/>
+                            </a:solidFill>
+                          </a:rPr>
+                        </m:ctrlPr>
+                      </m:dPr>
+                      <m:e>
+                        <m:r>
+                          <a:rPr lang="ru-RU" sz="8000" i="1">
+                            <a:solidFill>
+                              <a:schemeClr val="tx1"/>
+                            </a:solidFill>
+                          </a:rPr>
+                          <m:t>𝑥</m:t>
+                        </m:r>
+                      </m:e>
+                    </m:d>
+                    <m:r>
+                      <a:rPr lang="ru-RU" sz="8000" i="1">
+                        <a:solidFill>
+                          <a:schemeClr val="tx1"/>
+                        </a:solidFill>
+                      </a:rPr>
+                      <m:t>=</m:t>
+                    </m:r>
+                    <m:f>
+                      <m:fPr>
+                        <m:ctrlPr>
+                          <a:rPr lang="ru-RU" sz="8000" i="1">
+                            <a:solidFill>
+                              <a:schemeClr val="tx1"/>
+                            </a:solidFill>
+                          </a:rPr>
+                        </m:ctrlPr>
+                      </m:fPr>
+                      <m:num>
+                        <m:sSub>
+                          <m:sSubPr>
+                            <m:ctrlPr>
+                              <a:rPr lang="ru-RU" sz="8000" i="1">
+                                <a:solidFill>
+                                  <a:schemeClr val="tx1"/>
+                                </a:solidFill>
+                              </a:rPr>
+                            </m:ctrlPr>
+                          </m:sSubPr>
+                          <m:e>
+                            <m:r>
+                              <a:rPr lang="ru-RU" sz="8000" i="1">
+                                <a:solidFill>
+                                  <a:schemeClr val="tx1"/>
+                                </a:solidFill>
+                              </a:rPr>
+                              <m:t>𝑓</m:t>
+                            </m:r>
+                          </m:e>
+                          <m:sub>
+                            <m:r>
+                              <a:rPr lang="ru-RU" sz="8000" i="1">
+                                <a:solidFill>
+                                  <a:schemeClr val="tx1"/>
+                                </a:solidFill>
+                              </a:rPr>
+                              <m:t>2</m:t>
+                            </m:r>
+                          </m:sub>
+                        </m:sSub>
+                        <m:d>
+                          <m:dPr>
+                            <m:ctrlPr>
+                              <a:rPr lang="ru-RU" sz="8000" i="1">
+                                <a:solidFill>
+                                  <a:schemeClr val="tx1"/>
+                                </a:solidFill>
+                              </a:rPr>
+                            </m:ctrlPr>
+                          </m:dPr>
+                          <m:e>
+                            <m:r>
+                              <a:rPr lang="ru-RU" sz="8000" i="1">
+                                <a:solidFill>
+                                  <a:schemeClr val="tx1"/>
+                                </a:solidFill>
+                              </a:rPr>
+                              <m:t>𝑥</m:t>
+                            </m:r>
+                          </m:e>
+                        </m:d>
+                        <m:r>
+                          <a:rPr lang="ru-RU" sz="8000" i="1">
+                            <a:solidFill>
+                              <a:schemeClr val="tx1"/>
+                            </a:solidFill>
+                          </a:rPr>
+                          <m:t>− </m:t>
+                        </m:r>
+                        <m:sSub>
+                          <m:sSubPr>
+                            <m:ctrlPr>
+                              <a:rPr lang="ru-RU" sz="8000" i="1">
+                                <a:solidFill>
+                                  <a:schemeClr val="tx1"/>
+                                </a:solidFill>
+                              </a:rPr>
+                            </m:ctrlPr>
+                          </m:sSubPr>
+                          <m:e>
+                            <m:r>
+                              <a:rPr lang="ru-RU" sz="8000" i="1">
+                                <a:solidFill>
+                                  <a:schemeClr val="tx1"/>
+                                </a:solidFill>
+                              </a:rPr>
+                              <m:t>𝑓</m:t>
+                            </m:r>
+                          </m:e>
+                          <m:sub>
+                            <m:r>
+                              <a:rPr lang="ru-RU" sz="8000" i="1">
+                                <a:solidFill>
+                                  <a:schemeClr val="tx1"/>
+                                </a:solidFill>
+                              </a:rPr>
+                              <m:t>1</m:t>
+                            </m:r>
+                          </m:sub>
+                        </m:sSub>
+                        <m:r>
+                          <a:rPr lang="ru-RU" sz="8000" i="1">
+                            <a:solidFill>
+                              <a:schemeClr val="tx1"/>
+                            </a:solidFill>
+                          </a:rPr>
+                          <m:t>+</m:t>
+                        </m:r>
+                        <m:d>
+                          <m:dPr>
+                            <m:ctrlPr>
+                              <a:rPr lang="ru-RU" sz="8000" i="1">
+                                <a:solidFill>
+                                  <a:schemeClr val="tx1"/>
+                                </a:solidFill>
+                              </a:rPr>
+                            </m:ctrlPr>
+                          </m:dPr>
+                          <m:e>
+                            <m:sSub>
+                              <m:sSubPr>
+                                <m:ctrlPr>
+                                  <a:rPr lang="ru-RU" sz="8000" i="1">
+                                    <a:solidFill>
+                                      <a:schemeClr val="tx1"/>
+                                    </a:solidFill>
+                                  </a:rPr>
+                                </m:ctrlPr>
+                              </m:sSubPr>
+                              <m:e>
+                                <m:r>
+                                  <a:rPr lang="ru-RU" sz="8000" i="1">
+                                    <a:solidFill>
+                                      <a:schemeClr val="tx1"/>
+                                    </a:solidFill>
+                                  </a:rPr>
+                                  <m:t>𝑥</m:t>
+                                </m:r>
+                              </m:e>
+                              <m:sub>
+                                <m:r>
+                                  <a:rPr lang="ru-RU" sz="8000" i="1">
+                                    <a:solidFill>
+                                      <a:schemeClr val="tx1"/>
+                                    </a:solidFill>
+                                  </a:rPr>
+                                  <m:t>2</m:t>
+                                </m:r>
+                              </m:sub>
+                            </m:sSub>
+                            <m:r>
+                              <a:rPr lang="ru-RU" sz="8000" i="1">
+                                <a:solidFill>
+                                  <a:schemeClr val="tx1"/>
+                                </a:solidFill>
+                              </a:rPr>
+                              <m:t>−</m:t>
+                            </m:r>
+                            <m:r>
+                              <a:rPr lang="ru-RU" sz="8000" i="1">
+                                <a:solidFill>
+                                  <a:schemeClr val="tx1"/>
+                                </a:solidFill>
+                              </a:rPr>
+                              <m:t>𝑥</m:t>
+                            </m:r>
+                          </m:e>
+                        </m:d>
+                        <m:sSub>
+                          <m:sSubPr>
+                            <m:ctrlPr>
+                              <a:rPr lang="ru-RU" sz="8000" i="1">
+                                <a:solidFill>
+                                  <a:schemeClr val="tx1"/>
+                                </a:solidFill>
+                              </a:rPr>
+                            </m:ctrlPr>
+                          </m:sSubPr>
+                          <m:e>
+                            <m:r>
+                              <a:rPr lang="ru-RU" sz="8000" i="1">
+                                <a:solidFill>
+                                  <a:schemeClr val="tx1"/>
+                                </a:solidFill>
+                              </a:rPr>
+                              <m:t>𝑓</m:t>
+                            </m:r>
+                            <m:r>
+                              <a:rPr lang="ru-RU" sz="8000" i="1">
+                                <a:solidFill>
+                                  <a:schemeClr val="tx1"/>
+                                </a:solidFill>
+                              </a:rPr>
+                              <m:t>′</m:t>
+                            </m:r>
+                          </m:e>
+                          <m:sub>
+                            <m:r>
+                              <a:rPr lang="ru-RU" sz="8000" i="1">
+                                <a:solidFill>
+                                  <a:schemeClr val="tx1"/>
+                                </a:solidFill>
+                              </a:rPr>
+                              <m:t>1</m:t>
+                            </m:r>
+                          </m:sub>
+                        </m:sSub>
+                        <m:d>
+                          <m:dPr>
+                            <m:ctrlPr>
+                              <a:rPr lang="ru-RU" sz="8000" i="1">
+                                <a:solidFill>
+                                  <a:schemeClr val="tx1"/>
+                                </a:solidFill>
+                              </a:rPr>
+                            </m:ctrlPr>
+                          </m:dPr>
+                          <m:e>
+                            <m:r>
+                              <a:rPr lang="ru-RU" sz="8000" i="1">
+                                <a:solidFill>
+                                  <a:schemeClr val="tx1"/>
+                                </a:solidFill>
+                              </a:rPr>
+                              <m:t>𝑥</m:t>
+                            </m:r>
+                          </m:e>
+                        </m:d>
+                        <m:r>
+                          <a:rPr lang="ru-RU" sz="8000" i="1">
+                            <a:solidFill>
+                              <a:schemeClr val="tx1"/>
+                            </a:solidFill>
+                          </a:rPr>
+                          <m:t>+</m:t>
+                        </m:r>
+                        <m:d>
+                          <m:dPr>
+                            <m:ctrlPr>
+                              <a:rPr lang="ru-RU" sz="8000" i="1">
+                                <a:solidFill>
+                                  <a:schemeClr val="tx1"/>
+                                </a:solidFill>
+                              </a:rPr>
+                            </m:ctrlPr>
+                          </m:dPr>
+                          <m:e>
+                            <m:r>
+                              <a:rPr lang="ru-RU" sz="8000" i="1">
+                                <a:solidFill>
+                                  <a:schemeClr val="tx1"/>
+                                </a:solidFill>
+                              </a:rPr>
+                              <m:t>𝑥</m:t>
+                            </m:r>
+                            <m:r>
+                              <a:rPr lang="ru-RU" sz="8000" i="1">
+                                <a:solidFill>
+                                  <a:schemeClr val="tx1"/>
+                                </a:solidFill>
+                              </a:rPr>
+                              <m:t>− </m:t>
+                            </m:r>
+                            <m:sSub>
+                              <m:sSubPr>
+                                <m:ctrlPr>
+                                  <a:rPr lang="ru-RU" sz="8000" i="1">
+                                    <a:solidFill>
+                                      <a:schemeClr val="tx1"/>
+                                    </a:solidFill>
+                                  </a:rPr>
+                                </m:ctrlPr>
+                              </m:sSubPr>
+                              <m:e>
+                                <m:r>
+                                  <a:rPr lang="ru-RU" sz="8000" i="1">
+                                    <a:solidFill>
+                                      <a:schemeClr val="tx1"/>
+                                    </a:solidFill>
+                                  </a:rPr>
+                                  <m:t>𝑥</m:t>
+                                </m:r>
+                              </m:e>
+                              <m:sub>
+                                <m:r>
+                                  <a:rPr lang="ru-RU" sz="8000" i="1">
+                                    <a:solidFill>
+                                      <a:schemeClr val="tx1"/>
+                                    </a:solidFill>
+                                  </a:rPr>
+                                  <m:t>1</m:t>
+                                </m:r>
+                              </m:sub>
+                            </m:sSub>
+                          </m:e>
+                        </m:d>
+                        <m:sSub>
+                          <m:sSubPr>
+                            <m:ctrlPr>
+                              <a:rPr lang="ru-RU" sz="8000" i="1">
+                                <a:solidFill>
+                                  <a:schemeClr val="tx1"/>
+                                </a:solidFill>
+                              </a:rPr>
+                            </m:ctrlPr>
+                          </m:sSubPr>
+                          <m:e>
+                            <m:r>
+                              <a:rPr lang="ru-RU" sz="8000" i="1">
+                                <a:solidFill>
+                                  <a:schemeClr val="tx1"/>
+                                </a:solidFill>
+                              </a:rPr>
+                              <m:t>𝑓</m:t>
+                            </m:r>
+                            <m:r>
+                              <a:rPr lang="ru-RU" sz="8000" i="1">
+                                <a:solidFill>
+                                  <a:schemeClr val="tx1"/>
+                                </a:solidFill>
+                              </a:rPr>
+                              <m:t>′</m:t>
+                            </m:r>
+                          </m:e>
+                          <m:sub>
+                            <m:r>
+                              <a:rPr lang="ru-RU" sz="8000" i="1">
+                                <a:solidFill>
+                                  <a:schemeClr val="tx1"/>
+                                </a:solidFill>
+                              </a:rPr>
+                              <m:t>2</m:t>
+                            </m:r>
+                          </m:sub>
+                        </m:sSub>
+                        <m:r>
+                          <a:rPr lang="ru-RU" sz="8000" i="1">
+                            <a:solidFill>
+                              <a:schemeClr val="tx1"/>
+                            </a:solidFill>
+                          </a:rPr>
+                          <m:t>(</m:t>
+                        </m:r>
+                        <m:r>
+                          <a:rPr lang="ru-RU" sz="8000" i="1">
+                            <a:solidFill>
+                              <a:schemeClr val="tx1"/>
+                            </a:solidFill>
+                          </a:rPr>
+                          <m:t>𝑥</m:t>
+                        </m:r>
+                        <m:r>
+                          <a:rPr lang="ru-RU" sz="8000" i="1">
+                            <a:solidFill>
+                              <a:schemeClr val="tx1"/>
+                            </a:solidFill>
+                          </a:rPr>
+                          <m:t>)</m:t>
+                        </m:r>
+                      </m:num>
+                      <m:den>
+                        <m:sSub>
+                          <m:sSubPr>
+                            <m:ctrlPr>
+                              <a:rPr lang="ru-RU" sz="8000" i="1">
+                                <a:solidFill>
+                                  <a:schemeClr val="tx1"/>
+                                </a:solidFill>
+                              </a:rPr>
+                            </m:ctrlPr>
+                          </m:sSubPr>
+                          <m:e>
+                            <m:r>
+                              <a:rPr lang="ru-RU" sz="8000" i="1">
+                                <a:solidFill>
+                                  <a:schemeClr val="tx1"/>
+                                </a:solidFill>
+                              </a:rPr>
+                              <m:t>𝑥</m:t>
+                            </m:r>
+                          </m:e>
+                          <m:sub>
+                            <m:r>
+                              <a:rPr lang="ru-RU" sz="8000" i="1">
+                                <a:solidFill>
+                                  <a:schemeClr val="tx1"/>
+                                </a:solidFill>
+                              </a:rPr>
+                              <m:t>2</m:t>
+                            </m:r>
+                          </m:sub>
+                        </m:sSub>
+                        <m:r>
+                          <a:rPr lang="ru-RU" sz="8000" i="1">
+                            <a:solidFill>
+                              <a:schemeClr val="tx1"/>
+                            </a:solidFill>
+                          </a:rPr>
+                          <m:t>− </m:t>
+                        </m:r>
+                        <m:sSub>
+                          <m:sSubPr>
+                            <m:ctrlPr>
+                              <a:rPr lang="ru-RU" sz="8000" i="1">
+                                <a:solidFill>
+                                  <a:schemeClr val="tx1"/>
+                                </a:solidFill>
+                              </a:rPr>
+                            </m:ctrlPr>
+                          </m:sSubPr>
+                          <m:e>
+                            <m:r>
+                              <a:rPr lang="ru-RU" sz="8000" i="1">
+                                <a:solidFill>
+                                  <a:schemeClr val="tx1"/>
+                                </a:solidFill>
+                              </a:rPr>
+                              <m:t>𝑥</m:t>
+                            </m:r>
+                          </m:e>
+                          <m:sub>
+                            <m:r>
+                              <a:rPr lang="ru-RU" sz="8000" i="1">
+                                <a:solidFill>
+                                  <a:schemeClr val="tx1"/>
+                                </a:solidFill>
+                              </a:rPr>
+                              <m:t>1</m:t>
+                            </m:r>
+                          </m:sub>
+                        </m:sSub>
+                      </m:den>
+                    </m:f>
+                  </m:oMath>
+                </a14:m>
+                <a:endParaRPr lang="ru-RU" sz="7200" dirty="0">
+                  <a:latin typeface="Times New Roman" panose="02020603050405020304" pitchFamily="18" charset="0"/>
+                  <a:cs typeface="Times New Roman" panose="02020603050405020304" pitchFamily="18" charset="0"/>
+                </a:endParaRPr>
+              </a:p>
+              <a:p>
+                <a:r>
+                  <a:rPr lang="ru-RU" sz="8000" dirty="0" smtClean="0">
+                    <a:solidFill>
+                      <a:schemeClr val="tx1"/>
+                    </a:solidFill>
+                    <a:latin typeface="Times New Roman" panose="02020603050405020304" pitchFamily="18" charset="0"/>
+                    <a:cs typeface="Times New Roman" panose="02020603050405020304" pitchFamily="18" charset="0"/>
+                  </a:rPr>
+                  <a:t>обладает свойством непрерывности; при этом </a:t>
+                </a:r>
+                <a14:m>
+                  <m:oMath xmlns:m="http://schemas.openxmlformats.org/officeDocument/2006/math">
+                    <m:r>
+                      <a:rPr lang="ru-RU" sz="8000" i="1">
+                        <a:solidFill>
+                          <a:schemeClr val="tx1"/>
+                        </a:solidFill>
+                      </a:rPr>
+                      <m:t>𝐺</m:t>
+                    </m:r>
+                    <m:r>
+                      <a:rPr lang="ru-RU" sz="8000" i="1">
+                        <a:solidFill>
+                          <a:schemeClr val="tx1"/>
+                        </a:solidFill>
+                      </a:rPr>
+                      <m:t>′</m:t>
+                    </m:r>
+                    <m:d>
+                      <m:dPr>
+                        <m:ctrlPr>
+                          <a:rPr lang="ru-RU" sz="8000" i="1">
+                            <a:solidFill>
+                              <a:schemeClr val="tx1"/>
+                            </a:solidFill>
+                          </a:rPr>
+                        </m:ctrlPr>
+                      </m:dPr>
+                      <m:e>
+                        <m:sSub>
+                          <m:sSubPr>
+                            <m:ctrlPr>
+                              <a:rPr lang="ru-RU" sz="8000" i="1">
+                                <a:solidFill>
+                                  <a:schemeClr val="tx1"/>
+                                </a:solidFill>
+                              </a:rPr>
+                            </m:ctrlPr>
+                          </m:sSubPr>
+                          <m:e>
+                            <m:r>
+                              <a:rPr lang="ru-RU" sz="8000" i="1">
+                                <a:solidFill>
+                                  <a:schemeClr val="tx1"/>
+                                </a:solidFill>
+                              </a:rPr>
+                              <m:t>𝑥</m:t>
+                            </m:r>
+                          </m:e>
+                          <m:sub>
+                            <m:r>
+                              <a:rPr lang="ru-RU" sz="8000" i="1">
+                                <a:solidFill>
+                                  <a:schemeClr val="tx1"/>
+                                </a:solidFill>
+                              </a:rPr>
+                              <m:t>𝑘</m:t>
+                            </m:r>
+                          </m:sub>
+                        </m:sSub>
+                      </m:e>
+                    </m:d>
+                    <m:r>
+                      <a:rPr lang="ru-RU" sz="8000" i="1">
+                        <a:solidFill>
+                          <a:schemeClr val="tx1"/>
+                        </a:solidFill>
+                      </a:rPr>
+                      <m:t> </m:t>
+                    </m:r>
+                  </m:oMath>
+                </a14:m>
+                <a:r>
+                  <a:rPr lang="ru-RU" sz="8000" dirty="0">
+                    <a:solidFill>
+                      <a:schemeClr val="tx1"/>
+                    </a:solidFill>
+                    <a:latin typeface="Times New Roman" panose="02020603050405020304" pitchFamily="18" charset="0"/>
+                    <a:cs typeface="Times New Roman" panose="02020603050405020304" pitchFamily="18" charset="0"/>
+                  </a:rPr>
+                  <a:t>= </a:t>
+                </a:r>
+                <a14:m>
+                  <m:oMath xmlns:m="http://schemas.openxmlformats.org/officeDocument/2006/math">
+                    <m:sSub>
+                      <m:sSubPr>
+                        <m:ctrlPr>
+                          <a:rPr lang="ru-RU" sz="8000" i="1">
+                            <a:solidFill>
+                              <a:schemeClr val="tx1"/>
+                            </a:solidFill>
+                          </a:rPr>
+                        </m:ctrlPr>
+                      </m:sSubPr>
+                      <m:e>
+                        <m:r>
+                          <a:rPr lang="ru-RU" sz="8000" i="1">
+                            <a:solidFill>
+                              <a:schemeClr val="tx1"/>
+                            </a:solidFill>
+                          </a:rPr>
+                          <m:t>𝑓</m:t>
+                        </m:r>
+                        <m:r>
+                          <a:rPr lang="ru-RU" sz="8000" i="1">
+                            <a:solidFill>
+                              <a:schemeClr val="tx1"/>
+                            </a:solidFill>
+                          </a:rPr>
+                          <m:t>′</m:t>
+                        </m:r>
+                      </m:e>
+                      <m:sub>
+                        <m:r>
+                          <a:rPr lang="ru-RU" sz="8000" i="1">
+                            <a:solidFill>
+                              <a:schemeClr val="tx1"/>
+                            </a:solidFill>
+                          </a:rPr>
+                          <m:t>𝑘</m:t>
+                        </m:r>
+                      </m:sub>
+                    </m:sSub>
+                    <m:d>
+                      <m:dPr>
+                        <m:ctrlPr>
+                          <a:rPr lang="ru-RU" sz="8000" i="1">
+                            <a:solidFill>
+                              <a:schemeClr val="tx1"/>
+                            </a:solidFill>
+                          </a:rPr>
+                        </m:ctrlPr>
+                      </m:dPr>
+                      <m:e>
+                        <m:sSub>
+                          <m:sSubPr>
+                            <m:ctrlPr>
+                              <a:rPr lang="ru-RU" sz="8000" i="1">
+                                <a:solidFill>
+                                  <a:schemeClr val="tx1"/>
+                                </a:solidFill>
+                              </a:rPr>
+                            </m:ctrlPr>
+                          </m:sSubPr>
+                          <m:e>
+                            <m:r>
+                              <a:rPr lang="ru-RU" sz="8000" i="1">
+                                <a:solidFill>
+                                  <a:schemeClr val="tx1"/>
+                                </a:solidFill>
+                              </a:rPr>
+                              <m:t>𝑥</m:t>
+                            </m:r>
+                          </m:e>
+                          <m:sub>
+                            <m:r>
+                              <a:rPr lang="ru-RU" sz="8000" i="1">
+                                <a:solidFill>
+                                  <a:schemeClr val="tx1"/>
+                                </a:solidFill>
+                              </a:rPr>
+                              <m:t>𝑘</m:t>
+                            </m:r>
+                          </m:sub>
+                        </m:sSub>
+                      </m:e>
+                    </m:d>
+                  </m:oMath>
+                </a14:m>
+                <a:r>
+                  <a:rPr lang="ru-RU" sz="8000" dirty="0">
+                    <a:solidFill>
+                      <a:schemeClr val="tx1"/>
+                    </a:solidFill>
+                    <a:latin typeface="Times New Roman" panose="02020603050405020304" pitchFamily="18" charset="0"/>
+                    <a:cs typeface="Times New Roman" panose="02020603050405020304" pitchFamily="18" charset="0"/>
+                  </a:rPr>
+                  <a:t>.</a:t>
+                </a:r>
+              </a:p>
+              <a:p>
+                <a:pPr marL="0" indent="0">
+                  <a:buNone/>
+                </a:pPr>
+                <a:endParaRPr lang="ru-RU" sz="2400" dirty="0" smtClean="0">
+                  <a:solidFill>
+                    <a:schemeClr val="tx1"/>
+                  </a:solidFill>
+                </a:endParaRPr>
+              </a:p>
+            </p:txBody>
+          </p:sp>
+        </mc:Choice>
+        <mc:Fallback>
+          <p:sp>
+            <p:nvSpPr>
+              <p:cNvPr id="3" name="Объект 2"/>
+              <p:cNvSpPr>
+                <a:spLocks noGrp="1" noRot="1" noChangeAspect="1" noMove="1" noResize="1" noEditPoints="1" noAdjustHandles="1" noChangeArrowheads="1" noChangeShapeType="1" noTextEdit="1"/>
+              </p:cNvSpPr>
+              <p:nvPr>
+                <p:ph sz="half" idx="1"/>
+              </p:nvPr>
+            </p:nvSpPr>
+            <p:spPr>
+              <a:xfrm>
+                <a:off x="1097280" y="1951348"/>
+                <a:ext cx="4813326" cy="3917746"/>
+              </a:xfrm>
+              <a:blipFill>
+                <a:blip r:embed="rId2"/>
+                <a:stretch>
+                  <a:fillRect l="-1899" t="-2955" r="-3165"/>
+                </a:stretch>
+              </a:blipFill>
+            </p:spPr>
+            <p:txBody>
+              <a:bodyPr/>
+              <a:lstStyle/>
+              <a:p>
+                <a:r>
+                  <a:rPr lang="ru-RU">
+                    <a:noFill/>
+                  </a:rPr>
+                  <a:t> </a:t>
+                </a:r>
+              </a:p>
+            </p:txBody>
+          </p:sp>
+        </mc:Fallback>
+      </mc:AlternateContent>
+      <p:pic>
+        <p:nvPicPr>
+          <p:cNvPr id="6" name="Объект 5"/>
+          <p:cNvPicPr>
+            <a:picLocks noGrp="1"/>
+          </p:cNvPicPr>
+          <p:nvPr>
+            <p:ph sz="half" idx="2"/>
+          </p:nvPr>
+        </p:nvPicPr>
+        <p:blipFill>
+          <a:blip r:embed="rId3"/>
+          <a:stretch>
+            <a:fillRect/>
+          </a:stretch>
+        </p:blipFill>
+        <p:spPr>
+          <a:xfrm>
+            <a:off x="6218555" y="1841056"/>
+            <a:ext cx="4937125" cy="3952624"/>
+          </a:xfrm>
+          <a:prstGeom prst="rect">
+            <a:avLst/>
+          </a:prstGeom>
+        </p:spPr>
+      </p:pic>
+    </p:spTree>
+    <p:extLst>
+      <p:ext uri="{BB962C8B-B14F-4D97-AF65-F5344CB8AC3E}">
+        <p14:creationId xmlns:p14="http://schemas.microsoft.com/office/powerpoint/2010/main" val="4276872351"/>
+      </p:ext>
+    </p:extLst>
+  </p:cSld>
+  <p:clrMapOvr>
+    <a:masterClrMapping/>
+  </p:clrMapOvr>
+</p:sld>
+</file>
+
+<file path=ppt/slides/slide13.xml><?xml version="1.0" encoding="utf-8"?>
+<p:sld xmlns:a="http://schemas.openxmlformats.org/drawingml/2006/main" xmlns:r="http://schemas.openxmlformats.org/officeDocument/2006/relationships" xmlns:p="http://schemas.openxmlformats.org/presentationml/2006/main">
+  <p:cSld>
+    <p:spTree>
+      <p:nvGrpSpPr>
+        <p:cNvPr id="1" name=""/>
+        <p:cNvGrpSpPr/>
+        <p:nvPr/>
+      </p:nvGrpSpPr>
+      <p:grpSpPr>
+        <a:xfrm>
+          <a:off x="0" y="0"/>
+          <a:ext cx="0" cy="0"/>
+          <a:chOff x="0" y="0"/>
+          <a:chExt cx="0" cy="0"/>
+        </a:xfrm>
+      </p:grpSpPr>
+      <p:sp>
+        <p:nvSpPr>
           <p:cNvPr id="2" name="Заголовок 1"/>
           <p:cNvSpPr>
             <a:spLocks noGrp="1"/>
@@ -4041,249 +9403,13 @@
           </a:p>
         </p:txBody>
       </p:sp>
-      <p:sp>
-        <p:nvSpPr>
-          <p:cNvPr id="3" name="Объект 2"/>
-          <p:cNvSpPr>
-            <a:spLocks noGrp="1"/>
-          </p:cNvSpPr>
-          <p:nvPr>
-            <p:ph sz="half" idx="1"/>
-          </p:nvPr>
-        </p:nvSpPr>
-        <p:spPr>
-          <a:xfrm>
-            <a:off x="1097279" y="2032000"/>
-            <a:ext cx="4937760" cy="3837094"/>
-          </a:xfrm>
-        </p:spPr>
-        <p:txBody>
-          <a:bodyPr>
-            <a:normAutofit fontScale="92500" lnSpcReduction="20000"/>
-          </a:bodyPr>
-          <a:lstStyle/>
-          <a:p>
-            <a:pPr indent="450000" algn="just"/>
-            <a:r>
-              <a:rPr lang="ru-RU" dirty="0" smtClean="0"/>
-              <a:t>Первые 2 строки </a:t>
-            </a:r>
-            <a:r>
-              <a:rPr lang="en-US" i="1" dirty="0" smtClean="0"/>
-              <a:t>X</a:t>
-            </a:r>
-            <a:r>
-              <a:rPr lang="en-US" dirty="0" smtClean="0"/>
-              <a:t> </a:t>
-            </a:r>
-            <a:r>
-              <a:rPr lang="ru-RU" dirty="0" smtClean="0"/>
-              <a:t>и </a:t>
-            </a:r>
-            <a:r>
-              <a:rPr lang="en-US" i="1" dirty="0" smtClean="0"/>
-              <a:t>Y</a:t>
-            </a:r>
-            <a:r>
-              <a:rPr lang="ru-RU" dirty="0" smtClean="0"/>
-              <a:t> представляют соответствующие координаты множества точек в размере 10</a:t>
-            </a:r>
-            <a:r>
-              <a:rPr lang="en-US" dirty="0" smtClean="0"/>
-              <a:t>,</a:t>
-            </a:r>
-            <a:r>
-              <a:rPr lang="ru-RU" dirty="0" smtClean="0"/>
-              <a:t> через которые должна проходить сплайн-функция</a:t>
-            </a:r>
-            <a:r>
-              <a:rPr lang="en-US" dirty="0" smtClean="0"/>
-              <a:t>.</a:t>
-            </a:r>
-            <a:endParaRPr lang="ru-RU" dirty="0" smtClean="0"/>
-          </a:p>
-          <a:p>
-            <a:pPr indent="450000" algn="just"/>
-            <a:r>
-              <a:rPr lang="ru-RU" dirty="0" smtClean="0"/>
-              <a:t>Пол</a:t>
-            </a:r>
-            <a:r>
-              <a:rPr lang="ru-RU" dirty="0"/>
-              <a:t>е</a:t>
-            </a:r>
-            <a:r>
-              <a:rPr lang="ru-RU" dirty="0" smtClean="0"/>
-              <a:t> </a:t>
-            </a:r>
-            <a:r>
-              <a:rPr lang="en-US" dirty="0" smtClean="0"/>
-              <a:t>“</a:t>
-            </a:r>
-            <a:r>
-              <a:rPr lang="ru-RU" i="1" dirty="0" smtClean="0"/>
-              <a:t>построить</a:t>
-            </a:r>
-            <a:r>
-              <a:rPr lang="en-US" i="1" dirty="0" smtClean="0"/>
-              <a:t>” </a:t>
-            </a:r>
-            <a:r>
-              <a:rPr lang="ru-RU" i="1" dirty="0" smtClean="0"/>
-              <a:t> </a:t>
-            </a:r>
-            <a:r>
-              <a:rPr lang="ru-RU" dirty="0" smtClean="0"/>
-              <a:t>выводить на график точки</a:t>
-            </a:r>
-            <a:r>
-              <a:rPr lang="en-US" dirty="0" smtClean="0"/>
-              <a:t>, </a:t>
-            </a:r>
-            <a:r>
-              <a:rPr lang="ru-RU" dirty="0" smtClean="0"/>
-              <a:t>введенные в ячейки</a:t>
-            </a:r>
-            <a:r>
-              <a:rPr lang="en-US" dirty="0" smtClean="0"/>
-              <a:t>.</a:t>
-            </a:r>
-            <a:r>
-              <a:rPr lang="ru-RU" dirty="0"/>
-              <a:t> </a:t>
-            </a:r>
-            <a:r>
-              <a:rPr lang="ru-RU" dirty="0" smtClean="0"/>
-              <a:t>Поле </a:t>
-            </a:r>
-            <a:r>
-              <a:rPr lang="en-US" dirty="0" smtClean="0"/>
-              <a:t>“</a:t>
-            </a:r>
-            <a:r>
-              <a:rPr lang="ru-RU" i="1" dirty="0" smtClean="0"/>
-              <a:t>построить сплайн-функцию</a:t>
-            </a:r>
-            <a:r>
-              <a:rPr lang="en-US" i="1" dirty="0" smtClean="0"/>
-              <a:t>”</a:t>
-            </a:r>
-            <a:r>
-              <a:rPr lang="ru-RU" i="1" dirty="0" smtClean="0"/>
-              <a:t> </a:t>
-            </a:r>
-            <a:r>
-              <a:rPr lang="ru-RU" dirty="0" smtClean="0"/>
-              <a:t>рисует кривую на </a:t>
-            </a:r>
-            <a:r>
-              <a:rPr lang="ru-RU" dirty="0" smtClean="0"/>
-              <a:t>графике</a:t>
-            </a:r>
-            <a:r>
-              <a:rPr lang="en-US" dirty="0" smtClean="0"/>
-              <a:t> </a:t>
-            </a:r>
-            <a:r>
-              <a:rPr lang="ru-RU" dirty="0" smtClean="0"/>
-              <a:t>и </a:t>
-            </a:r>
-            <a:r>
-              <a:rPr lang="ru-RU" smtClean="0"/>
-              <a:t>ее производную </a:t>
-            </a:r>
-            <a:r>
-              <a:rPr lang="ru-RU" dirty="0" smtClean="0"/>
-              <a:t>согласно выбранному способу </a:t>
-            </a:r>
-            <a:r>
-              <a:rPr lang="en-US" dirty="0" smtClean="0"/>
-              <a:t>“</a:t>
-            </a:r>
-            <a:r>
-              <a:rPr lang="ru-RU" i="1" dirty="0" smtClean="0"/>
-              <a:t>склеивания</a:t>
-            </a:r>
-            <a:r>
-              <a:rPr lang="en-US" i="1" dirty="0" smtClean="0"/>
-              <a:t>”.</a:t>
-            </a:r>
-          </a:p>
-          <a:p>
-            <a:pPr indent="450000" algn="just"/>
-            <a:r>
-              <a:rPr lang="ru-RU" dirty="0" smtClean="0"/>
-              <a:t>Для возможности автоматического заполнения ячеек действуют исходные данные из </a:t>
-            </a:r>
-            <a:r>
-              <a:rPr lang="en-US" dirty="0" smtClean="0"/>
-              <a:t>“</a:t>
-            </a:r>
-            <a:r>
-              <a:rPr lang="ru-RU" i="1" dirty="0" smtClean="0"/>
-              <a:t>файлов 1</a:t>
-            </a:r>
-            <a:r>
-              <a:rPr lang="en-US" i="1" dirty="0" smtClean="0"/>
-              <a:t>, 2, </a:t>
-            </a:r>
-            <a:r>
-              <a:rPr lang="ru-RU" i="1" dirty="0" smtClean="0"/>
-              <a:t>3</a:t>
-            </a:r>
-            <a:r>
-              <a:rPr lang="en-US" dirty="0" smtClean="0"/>
-              <a:t>”.</a:t>
-            </a:r>
-            <a:endParaRPr lang="ru-RU" dirty="0" smtClean="0"/>
-          </a:p>
-          <a:p>
-            <a:pPr indent="450000" algn="just"/>
-            <a:r>
-              <a:rPr lang="ru-RU" dirty="0" smtClean="0"/>
-              <a:t>Поле </a:t>
-            </a:r>
-            <a:r>
-              <a:rPr lang="en-US" dirty="0" smtClean="0"/>
-              <a:t>“</a:t>
-            </a:r>
-            <a:r>
-              <a:rPr lang="ru-RU" i="1" dirty="0" smtClean="0"/>
-              <a:t>очистить</a:t>
-            </a:r>
-            <a:r>
-              <a:rPr lang="en-US" i="1" dirty="0" smtClean="0"/>
-              <a:t>”</a:t>
-            </a:r>
-            <a:r>
-              <a:rPr lang="ru-RU" i="1" dirty="0" smtClean="0"/>
-              <a:t> </a:t>
-            </a:r>
-            <a:r>
-              <a:rPr lang="ru-RU" dirty="0" smtClean="0"/>
-              <a:t>очищает сам график и заполненные ячейки</a:t>
-            </a:r>
-            <a:r>
-              <a:rPr lang="en-US" dirty="0" smtClean="0"/>
-              <a:t>.</a:t>
-            </a:r>
-            <a:endParaRPr lang="ru-RU" dirty="0" smtClean="0"/>
-          </a:p>
-          <a:p>
-            <a:pPr algn="just"/>
-            <a:endParaRPr lang="ru-RU" dirty="0"/>
-          </a:p>
-        </p:txBody>
-      </p:sp>
       <p:pic>
         <p:nvPicPr>
-          <p:cNvPr id="5" name="Объект 3"/>
+          <p:cNvPr id="6" name="Рисунок 5"/>
           <p:cNvPicPr>
-            <a:picLocks noGrp="1" noChangeAspect="1"/>
+            <a:picLocks noChangeAspect="1"/>
           </p:cNvPicPr>
-          <p:nvPr>
-            <p:ph sz="half" idx="2"/>
-          </p:nvPr>
+          <p:nvPr/>
         </p:nvPicPr>
         <p:blipFill>
           <a:blip r:embed="rId2"/>
@@ -4293,8 +9419,8 @@
         </p:blipFill>
         <p:spPr>
           <a:xfrm>
-            <a:off x="6294137" y="1846263"/>
-            <a:ext cx="4785326" cy="4022725"/>
+            <a:off x="2578792" y="1838960"/>
+            <a:ext cx="6463608" cy="4400666"/>
           </a:xfrm>
           <a:prstGeom prst="rect">
             <a:avLst/>
@@ -4314,7 +9440,7 @@
 </p:sld>
 </file>
 
-<file path=ppt/slides/slide11.xml><?xml version="1.0" encoding="utf-8"?>
+<file path=ppt/slides/slide14.xml><?xml version="1.0" encoding="utf-8"?>
 <p:sld xmlns:a="http://schemas.openxmlformats.org/drawingml/2006/main" xmlns:r="http://schemas.openxmlformats.org/officeDocument/2006/relationships" xmlns:p="http://schemas.openxmlformats.org/presentationml/2006/main">
   <p:cSld>
     <p:spTree>
@@ -4410,6 +9536,378 @@
     <p:extLst>
       <p:ext uri="{BB962C8B-B14F-4D97-AF65-F5344CB8AC3E}">
         <p14:creationId xmlns:p14="http://schemas.microsoft.com/office/powerpoint/2010/main" val="3809737661"/>
+      </p:ext>
+    </p:extLst>
+  </p:cSld>
+  <p:clrMapOvr>
+    <a:masterClrMapping/>
+  </p:clrMapOvr>
+</p:sld>
+</file>
+
+<file path=ppt/slides/slide15.xml><?xml version="1.0" encoding="utf-8"?>
+<p:sld xmlns:a="http://schemas.openxmlformats.org/drawingml/2006/main" xmlns:r="http://schemas.openxmlformats.org/officeDocument/2006/relationships" xmlns:p="http://schemas.openxmlformats.org/presentationml/2006/main">
+  <p:cSld>
+    <p:spTree>
+      <p:nvGrpSpPr>
+        <p:cNvPr id="1" name=""/>
+        <p:cNvGrpSpPr/>
+        <p:nvPr/>
+      </p:nvGrpSpPr>
+      <p:grpSpPr>
+        <a:xfrm>
+          <a:off x="0" y="0"/>
+          <a:ext cx="0" cy="0"/>
+          <a:chOff x="0" y="0"/>
+          <a:chExt cx="0" cy="0"/>
+        </a:xfrm>
+      </p:grpSpPr>
+      <p:sp>
+        <p:nvSpPr>
+          <p:cNvPr id="2" name="Заголовок 1"/>
+          <p:cNvSpPr>
+            <a:spLocks noGrp="1"/>
+          </p:cNvSpPr>
+          <p:nvPr>
+            <p:ph type="title"/>
+          </p:nvPr>
+        </p:nvSpPr>
+        <p:spPr/>
+        <p:txBody>
+          <a:bodyPr>
+            <a:normAutofit/>
+          </a:bodyPr>
+          <a:lstStyle/>
+          <a:p>
+            <a:r>
+              <a:rPr lang="ru-RU" sz="4300" dirty="0"/>
+              <a:t>СРАВНЕНИЕ 2 ВАРИАНТОВ ИНТЕРПОЛЯЦИИ</a:t>
+            </a:r>
+          </a:p>
+        </p:txBody>
+      </p:sp>
+      <mc:AlternateContent xmlns:mc="http://schemas.openxmlformats.org/markup-compatibility/2006">
+        <mc:Choice xmlns:a14="http://schemas.microsoft.com/office/drawing/2010/main" Requires="a14">
+          <p:sp>
+            <p:nvSpPr>
+              <p:cNvPr id="3" name="Объект 2"/>
+              <p:cNvSpPr>
+                <a:spLocks noGrp="1"/>
+              </p:cNvSpPr>
+              <p:nvPr>
+                <p:ph sz="half" idx="1"/>
+              </p:nvPr>
+            </p:nvSpPr>
+            <p:spPr/>
+            <p:txBody>
+              <a:bodyPr>
+                <a:noAutofit/>
+              </a:bodyPr>
+              <a:lstStyle/>
+              <a:p>
+                <a:pPr marL="0" indent="450000" algn="just">
+                  <a:lnSpc>
+                    <a:spcPct val="150000"/>
+                  </a:lnSpc>
+                  <a:spcBef>
+                    <a:spcPts val="0"/>
+                  </a:spcBef>
+                  <a:spcAft>
+                    <a:spcPts val="0"/>
+                  </a:spcAft>
+                </a:pPr>
+                <a:r>
+                  <a:rPr lang="ru-RU" dirty="0" smtClean="0">
+                    <a:solidFill>
+                      <a:schemeClr val="tx1"/>
+                    </a:solidFill>
+                    <a:latin typeface="Times New Roman" panose="02020603050405020304" pitchFamily="18" charset="0"/>
+                    <a:cs typeface="Times New Roman" panose="02020603050405020304" pitchFamily="18" charset="0"/>
+                  </a:rPr>
+                  <a:t>Рассмотрим пример тестовой интерполяции функции </a:t>
+                </a:r>
+                <a14:m>
+                  <m:oMath xmlns:m="http://schemas.openxmlformats.org/officeDocument/2006/math">
+                    <m:r>
+                      <a:rPr lang="ru-RU" i="1">
+                        <a:solidFill>
+                          <a:schemeClr val="tx1"/>
+                        </a:solidFill>
+                      </a:rPr>
+                      <m:t>𝑦</m:t>
+                    </m:r>
+                    <m:r>
+                      <a:rPr lang="ru-RU" i="1">
+                        <a:solidFill>
+                          <a:schemeClr val="tx1"/>
+                        </a:solidFill>
+                      </a:rPr>
+                      <m:t>=</m:t>
+                    </m:r>
+                    <m:rad>
+                      <m:radPr>
+                        <m:degHide m:val="on"/>
+                        <m:ctrlPr>
+                          <a:rPr lang="ru-RU" i="1">
+                            <a:solidFill>
+                              <a:schemeClr val="tx1"/>
+                            </a:solidFill>
+                          </a:rPr>
+                        </m:ctrlPr>
+                      </m:radPr>
+                      <m:deg/>
+                      <m:e>
+                        <m:r>
+                          <a:rPr lang="ru-RU" i="1">
+                            <a:solidFill>
+                              <a:schemeClr val="tx1"/>
+                            </a:solidFill>
+                          </a:rPr>
+                          <m:t>𝑥</m:t>
+                        </m:r>
+                      </m:e>
+                    </m:rad>
+                  </m:oMath>
+                </a14:m>
+                <a:r>
+                  <a:rPr lang="ru-RU" dirty="0">
+                    <a:solidFill>
+                      <a:schemeClr val="tx1"/>
+                    </a:solidFill>
+                    <a:latin typeface="Times New Roman" panose="02020603050405020304" pitchFamily="18" charset="0"/>
+                    <a:cs typeface="Times New Roman" panose="02020603050405020304" pitchFamily="18" charset="0"/>
+                  </a:rPr>
+                  <a:t> на целочисленных точках аргумента. Результаты представлены в табл. 3. Как оказалось, вариант H(x) обеспечивает приближение лучше, чем вариант G(x). Непрерывность производной G'(x) совсем не означает, что она более точно повторяет y'(x).</a:t>
+                </a:r>
+                <a:endParaRPr lang="ru-RU" dirty="0">
+                  <a:solidFill>
+                    <a:schemeClr val="tx1"/>
+                  </a:solidFill>
+                  <a:latin typeface="Times New Roman" panose="02020603050405020304" pitchFamily="18" charset="0"/>
+                  <a:cs typeface="Times New Roman" panose="02020603050405020304" pitchFamily="18" charset="0"/>
+                </a:endParaRPr>
+              </a:p>
+            </p:txBody>
+          </p:sp>
+        </mc:Choice>
+        <mc:Fallback>
+          <p:sp>
+            <p:nvSpPr>
+              <p:cNvPr id="3" name="Объект 2"/>
+              <p:cNvSpPr>
+                <a:spLocks noGrp="1" noRot="1" noChangeAspect="1" noMove="1" noResize="1" noEditPoints="1" noAdjustHandles="1" noChangeArrowheads="1" noChangeShapeType="1" noTextEdit="1"/>
+              </p:cNvSpPr>
+              <p:nvPr>
+                <p:ph sz="half" idx="1"/>
+              </p:nvPr>
+            </p:nvSpPr>
+            <p:spPr>
+              <a:blipFill>
+                <a:blip r:embed="rId2"/>
+                <a:stretch>
+                  <a:fillRect l="-3086" r="-3086"/>
+                </a:stretch>
+              </a:blipFill>
+            </p:spPr>
+            <p:txBody>
+              <a:bodyPr/>
+              <a:lstStyle/>
+              <a:p>
+                <a:r>
+                  <a:rPr lang="ru-RU">
+                    <a:noFill/>
+                  </a:rPr>
+                  <a:t> </a:t>
+                </a:r>
+              </a:p>
+            </p:txBody>
+          </p:sp>
+        </mc:Fallback>
+      </mc:AlternateContent>
+      <p:pic>
+        <p:nvPicPr>
+          <p:cNvPr id="7" name="Объект 6"/>
+          <p:cNvPicPr>
+            <a:picLocks noGrp="1"/>
+          </p:cNvPicPr>
+          <p:nvPr>
+            <p:ph sz="half" idx="2"/>
+          </p:nvPr>
+        </p:nvPicPr>
+        <p:blipFill>
+          <a:blip r:embed="rId3"/>
+          <a:stretch>
+            <a:fillRect/>
+          </a:stretch>
+        </p:blipFill>
+        <p:spPr>
+          <a:xfrm>
+            <a:off x="6277334" y="1846263"/>
+            <a:ext cx="4818932" cy="4022725"/>
+          </a:xfrm>
+          <a:prstGeom prst="rect">
+            <a:avLst/>
+          </a:prstGeom>
+        </p:spPr>
+      </p:pic>
+      <p:sp>
+        <p:nvSpPr>
+          <p:cNvPr id="8" name="Прямоугольник 7"/>
+          <p:cNvSpPr/>
+          <p:nvPr/>
+        </p:nvSpPr>
+        <p:spPr>
+          <a:xfrm>
+            <a:off x="6277334" y="2073897"/>
+            <a:ext cx="4818932" cy="1348033"/>
+          </a:xfrm>
+          <a:prstGeom prst="rect">
+            <a:avLst/>
+          </a:prstGeom>
+          <a:noFill/>
+          <a:ln>
+            <a:solidFill>
+              <a:srgbClr val="FF0000"/>
+            </a:solidFill>
+          </a:ln>
+        </p:spPr>
+        <p:style>
+          <a:lnRef idx="2">
+            <a:schemeClr val="accent1">
+              <a:shade val="50000"/>
+            </a:schemeClr>
+          </a:lnRef>
+          <a:fillRef idx="1">
+            <a:schemeClr val="accent1"/>
+          </a:fillRef>
+          <a:effectRef idx="0">
+            <a:schemeClr val="accent1"/>
+          </a:effectRef>
+          <a:fontRef idx="minor">
+            <a:schemeClr val="lt1"/>
+          </a:fontRef>
+        </p:style>
+        <p:txBody>
+          <a:bodyPr rtlCol="0" anchor="ctr"/>
+          <a:lstStyle/>
+          <a:p>
+            <a:pPr algn="ctr"/>
+            <a:endParaRPr lang="ru-RU">
+              <a:noFill/>
+            </a:endParaRPr>
+          </a:p>
+        </p:txBody>
+      </p:sp>
+    </p:spTree>
+    <p:extLst>
+      <p:ext uri="{BB962C8B-B14F-4D97-AF65-F5344CB8AC3E}">
+        <p14:creationId xmlns:p14="http://schemas.microsoft.com/office/powerpoint/2010/main" val="65413692"/>
+      </p:ext>
+    </p:extLst>
+  </p:cSld>
+  <p:clrMapOvr>
+    <a:masterClrMapping/>
+  </p:clrMapOvr>
+</p:sld>
+</file>
+
+<file path=ppt/slides/slide16.xml><?xml version="1.0" encoding="utf-8"?>
+<p:sld xmlns:a="http://schemas.openxmlformats.org/drawingml/2006/main" xmlns:r="http://schemas.openxmlformats.org/officeDocument/2006/relationships" xmlns:p="http://schemas.openxmlformats.org/presentationml/2006/main">
+  <p:cSld>
+    <p:spTree>
+      <p:nvGrpSpPr>
+        <p:cNvPr id="1" name=""/>
+        <p:cNvGrpSpPr/>
+        <p:nvPr/>
+      </p:nvGrpSpPr>
+      <p:grpSpPr>
+        <a:xfrm>
+          <a:off x="0" y="0"/>
+          <a:ext cx="0" cy="0"/>
+          <a:chOff x="0" y="0"/>
+          <a:chExt cx="0" cy="0"/>
+        </a:xfrm>
+      </p:grpSpPr>
+      <p:sp>
+        <p:nvSpPr>
+          <p:cNvPr id="2" name="Заголовок 1"/>
+          <p:cNvSpPr>
+            <a:spLocks noGrp="1"/>
+          </p:cNvSpPr>
+          <p:nvPr>
+            <p:ph type="title"/>
+          </p:nvPr>
+        </p:nvSpPr>
+        <p:spPr/>
+        <p:txBody>
+          <a:bodyPr>
+            <a:normAutofit/>
+          </a:bodyPr>
+          <a:lstStyle/>
+          <a:p>
+            <a:r>
+              <a:rPr lang="ru-RU" sz="4300" dirty="0"/>
+              <a:t>СРАВНЕНИЕ 2 ВАРИАНТОВ ИНТЕРПОЛЯЦИИ</a:t>
+            </a:r>
+          </a:p>
+        </p:txBody>
+      </p:sp>
+      <p:pic>
+        <p:nvPicPr>
+          <p:cNvPr id="12" name="Объект 11"/>
+          <p:cNvPicPr>
+            <a:picLocks noGrp="1" noChangeAspect="1"/>
+          </p:cNvPicPr>
+          <p:nvPr>
+            <p:ph sz="half" idx="1"/>
+          </p:nvPr>
+        </p:nvPicPr>
+        <p:blipFill>
+          <a:blip r:embed="rId2"/>
+          <a:stretch>
+            <a:fillRect/>
+          </a:stretch>
+        </p:blipFill>
+        <p:spPr>
+          <a:xfrm>
+            <a:off x="6126480" y="1857078"/>
+            <a:ext cx="4938712" cy="4383465"/>
+          </a:xfrm>
+          <a:prstGeom prst="rect">
+            <a:avLst/>
+          </a:prstGeom>
+        </p:spPr>
+      </p:pic>
+      <p:pic>
+        <p:nvPicPr>
+          <p:cNvPr id="15" name="Объект 14"/>
+          <p:cNvPicPr>
+            <a:picLocks noGrp="1" noChangeAspect="1"/>
+          </p:cNvPicPr>
+          <p:nvPr>
+            <p:ph sz="half" idx="1"/>
+          </p:nvPr>
+        </p:nvPicPr>
+        <p:blipFill>
+          <a:blip r:embed="rId3"/>
+          <a:stretch>
+            <a:fillRect/>
+          </a:stretch>
+        </p:blipFill>
+        <p:spPr>
+          <a:xfrm>
+            <a:off x="1189355" y="1857079"/>
+            <a:ext cx="4937125" cy="4487159"/>
+          </a:xfrm>
+          <a:prstGeom prst="rect">
+            <a:avLst/>
+          </a:prstGeom>
+        </p:spPr>
+      </p:pic>
+    </p:spTree>
+    <p:extLst>
+      <p:ext uri="{BB962C8B-B14F-4D97-AF65-F5344CB8AC3E}">
+        <p14:creationId xmlns:p14="http://schemas.microsoft.com/office/powerpoint/2010/main" val="3914442275"/>
       </p:ext>
     </p:extLst>
   </p:cSld>
@@ -14199,8 +19697,8 @@
           </a:p>
         </p:txBody>
       </p:sp>
-      <mc:AlternateContent xmlns:mc="http://schemas.openxmlformats.org/markup-compatibility/2006" xmlns:a14="http://schemas.microsoft.com/office/drawing/2010/main">
-        <mc:Choice Requires="a14">
+      <mc:AlternateContent xmlns:mc="http://schemas.openxmlformats.org/markup-compatibility/2006">
+        <mc:Choice xmlns:a14="http://schemas.microsoft.com/office/drawing/2010/main" Requires="a14">
           <p:sp>
             <p:nvSpPr>
               <p:cNvPr id="3" name="Content Placeholder 2">
@@ -14275,165 +19773,6 @@
                   </a:rPr>
                   <a:t>A</a:t>
                 </a:r>
-                <a:r>
-                  <a:rPr lang="ru-RU" sz="8000" i="1" dirty="0" smtClean="0">
-                    <a:solidFill>
-                      <a:schemeClr val="tx1"/>
-                    </a:solidFill>
-                    <a:latin typeface="Times New Roman" panose="02020603050405020304" pitchFamily="18" charset="0"/>
-                    <a:cs typeface="Times New Roman" panose="02020603050405020304" pitchFamily="18" charset="0"/>
-                  </a:rPr>
-                  <a:t> </a:t>
-                </a:r>
-                <a:r>
-                  <a:rPr lang="ru-RU" sz="8000" dirty="0" smtClean="0">
-                    <a:solidFill>
-                      <a:schemeClr val="tx1"/>
-                    </a:solidFill>
-                    <a:latin typeface="Times New Roman" panose="02020603050405020304" pitchFamily="18" charset="0"/>
-                    <a:cs typeface="Times New Roman" panose="02020603050405020304" pitchFamily="18" charset="0"/>
-                  </a:rPr>
-                  <a:t>минимизации </a:t>
-                </a:r>
-                <a:r>
-                  <a:rPr lang="ru-RU" sz="8000" dirty="0">
-                    <a:solidFill>
-                      <a:schemeClr val="tx1"/>
-                    </a:solidFill>
-                    <a:latin typeface="Times New Roman" panose="02020603050405020304" pitchFamily="18" charset="0"/>
-                    <a:cs typeface="Times New Roman" panose="02020603050405020304" pitchFamily="18" charset="0"/>
-                  </a:rPr>
-                  <a:t>максимальной разности </a:t>
-                </a:r>
-                <a:r>
-                  <a:rPr lang="ru-RU" sz="8000" dirty="0" smtClean="0">
-                    <a:solidFill>
-                      <a:schemeClr val="tx1"/>
-                    </a:solidFill>
-                    <a:latin typeface="Times New Roman" panose="02020603050405020304" pitchFamily="18" charset="0"/>
-                    <a:cs typeface="Times New Roman" panose="02020603050405020304" pitchFamily="18" charset="0"/>
-                  </a:rPr>
-                  <a:t>углов перехода от функции</a:t>
-                </a:r>
-                <a:r>
-                  <a:rPr lang="en-DE" sz="8000" kern="100" dirty="0">
-                    <a:solidFill>
-                      <a:schemeClr val="tx1"/>
-                    </a:solidFill>
-                    <a:latin typeface="Times New Roman" panose="02020603050405020304" pitchFamily="18" charset="0"/>
-                    <a:ea typeface="Calibri" panose="020F0502020204030204" pitchFamily="34" charset="0"/>
-                    <a:cs typeface="Times New Roman" panose="02020603050405020304" pitchFamily="18" charset="0"/>
-                  </a:rPr>
-                  <a:t> </a:t>
-                </a:r>
-                <a14:m>
-                  <m:oMath xmlns:m="http://schemas.openxmlformats.org/officeDocument/2006/math">
-                    <m:r>
-                      <a:rPr lang="en-DE" sz="8000" i="1" kern="100">
-                        <a:solidFill>
-                          <a:schemeClr val="tx1"/>
-                        </a:solidFill>
-                        <a:latin typeface="Cambria Math" panose="02040503050406030204" pitchFamily="18" charset="0"/>
-                        <a:ea typeface="Calibri" panose="020F0502020204030204" pitchFamily="34" charset="0"/>
-                      </a:rPr>
-                      <m:t>𝑓</m:t>
-                    </m:r>
-                    <m:r>
-                      <a:rPr lang="en-DE" sz="8000" i="1" kern="100">
-                        <a:solidFill>
-                          <a:schemeClr val="tx1"/>
-                        </a:solidFill>
-                        <a:latin typeface="Cambria Math" panose="02040503050406030204" pitchFamily="18" charset="0"/>
-                        <a:ea typeface="Calibri" panose="020F0502020204030204" pitchFamily="34" charset="0"/>
-                      </a:rPr>
-                      <m:t>1</m:t>
-                    </m:r>
-                    <m:d>
-                      <m:dPr>
-                        <m:ctrlPr>
-                          <a:rPr lang="en-DE" sz="8000" i="1" kern="100">
-                            <a:solidFill>
-                              <a:schemeClr val="tx1"/>
-                            </a:solidFill>
-                            <a:latin typeface="Cambria Math" panose="02040503050406030204" pitchFamily="18" charset="0"/>
-                            <a:ea typeface="Calibri" panose="020F0502020204030204" pitchFamily="34" charset="0"/>
-                          </a:rPr>
-                        </m:ctrlPr>
-                      </m:dPr>
-                      <m:e>
-                        <m:r>
-                          <a:rPr lang="en-DE" sz="8000" i="1" kern="100">
-                            <a:solidFill>
-                              <a:schemeClr val="tx1"/>
-                            </a:solidFill>
-                            <a:latin typeface="Cambria Math" panose="02040503050406030204" pitchFamily="18" charset="0"/>
-                            <a:ea typeface="Calibri" panose="020F0502020204030204" pitchFamily="34" charset="0"/>
-                          </a:rPr>
-                          <m:t>𝑥</m:t>
-                        </m:r>
-                      </m:e>
-                    </m:d>
-                  </m:oMath>
-                </a14:m>
-                <a:r>
-                  <a:rPr lang="ru-RU" sz="8000" dirty="0" smtClean="0">
-                    <a:solidFill>
-                      <a:schemeClr val="tx1"/>
-                    </a:solidFill>
-                    <a:latin typeface="Times New Roman" panose="02020603050405020304" pitchFamily="18" charset="0"/>
-                    <a:cs typeface="Times New Roman" panose="02020603050405020304" pitchFamily="18" charset="0"/>
-                  </a:rPr>
-                  <a:t> к </a:t>
-                </a:r>
-                <a14:m>
-                  <m:oMath xmlns:m="http://schemas.openxmlformats.org/officeDocument/2006/math">
-                    <m:r>
-                      <a:rPr lang="en-DE" sz="8000" i="1" kern="100">
-                        <a:solidFill>
-                          <a:schemeClr val="tx1"/>
-                        </a:solidFill>
-                        <a:latin typeface="Cambria Math" panose="02040503050406030204" pitchFamily="18" charset="0"/>
-                        <a:ea typeface="Calibri" panose="020F0502020204030204" pitchFamily="34" charset="0"/>
-                      </a:rPr>
-                      <m:t>𝑓</m:t>
-                    </m:r>
-                    <m:r>
-                      <a:rPr lang="ru-RU" sz="8000" b="0" i="1" kern="100" smtClean="0">
-                        <a:solidFill>
-                          <a:schemeClr val="tx1"/>
-                        </a:solidFill>
-                        <a:latin typeface="Cambria Math" panose="02040503050406030204" pitchFamily="18" charset="0"/>
-                        <a:ea typeface="Calibri" panose="020F0502020204030204" pitchFamily="34" charset="0"/>
-                      </a:rPr>
-                      <m:t>2</m:t>
-                    </m:r>
-                    <m:d>
-                      <m:dPr>
-                        <m:ctrlPr>
-                          <a:rPr lang="en-DE" sz="8000" i="1" kern="100">
-                            <a:solidFill>
-                              <a:schemeClr val="tx1"/>
-                            </a:solidFill>
-                            <a:latin typeface="Cambria Math" panose="02040503050406030204" pitchFamily="18" charset="0"/>
-                            <a:ea typeface="Calibri" panose="020F0502020204030204" pitchFamily="34" charset="0"/>
-                          </a:rPr>
-                        </m:ctrlPr>
-                      </m:dPr>
-                      <m:e>
-                        <m:r>
-                          <a:rPr lang="en-DE" sz="8000" i="1" kern="100">
-                            <a:solidFill>
-                              <a:schemeClr val="tx1"/>
-                            </a:solidFill>
-                            <a:latin typeface="Cambria Math" panose="02040503050406030204" pitchFamily="18" charset="0"/>
-                            <a:ea typeface="Calibri" panose="020F0502020204030204" pitchFamily="34" charset="0"/>
-                          </a:rPr>
-                          <m:t>𝑥</m:t>
-                        </m:r>
-                      </m:e>
-                    </m:d>
-                  </m:oMath>
-                </a14:m>
                 <a:r>
                   <a:rPr lang="en-US" sz="8000" dirty="0" smtClean="0">
                     <a:solidFill>
@@ -16790,7 +22129,7 @@
             </p:txBody>
           </p:sp>
         </mc:Choice>
-        <mc:Fallback xmlns="">
+        <mc:Fallback>
           <p:sp>
             <p:nvSpPr>
               <p:cNvPr id="3" name="Content Placeholder 2">

--- a/Presentation1.pptx
+++ b/Presentation1.pptx
@@ -4076,8 +4076,8 @@
           </a:p>
         </p:txBody>
       </p:sp>
-      <mc:AlternateContent xmlns:mc="http://schemas.openxmlformats.org/markup-compatibility/2006">
-        <mc:Choice xmlns:a14="http://schemas.microsoft.com/office/drawing/2010/main" Requires="a14">
+      <mc:AlternateContent xmlns:mc="http://schemas.openxmlformats.org/markup-compatibility/2006" xmlns:a14="http://schemas.microsoft.com/office/drawing/2010/main">
+        <mc:Choice Requires="a14">
           <p:sp>
             <p:nvSpPr>
               <p:cNvPr id="11" name="Объект 10"/>
@@ -4551,17 +4551,7 @@
                     <a:latin typeface="Times New Roman" panose="02020603050405020304" pitchFamily="18" charset="0"/>
                     <a:cs typeface="Times New Roman" panose="02020603050405020304" pitchFamily="18" charset="0"/>
                   </a:rPr>
-                  <a:t>); пусть на </a:t>
-                </a:r>
-                <a:r>
-                  <a:rPr lang="ru-RU" sz="1600" dirty="0">
-                    <a:solidFill>
-                      <a:schemeClr val="tx1"/>
-                    </a:solidFill>
-                    <a:latin typeface="Times New Roman" panose="02020603050405020304" pitchFamily="18" charset="0"/>
-                    <a:cs typeface="Times New Roman" panose="02020603050405020304" pitchFamily="18" charset="0"/>
-                  </a:rPr>
-                  <a:t>(</a:t>
+                  <a:t>); пусть на (</a:t>
                 </a:r>
                 <a14:m>
                   <m:oMath xmlns:m="http://schemas.openxmlformats.org/officeDocument/2006/math">
@@ -5019,7 +5009,7 @@
             </p:txBody>
           </p:sp>
         </mc:Choice>
-        <mc:Fallback>
+        <mc:Fallback xmlns="">
           <p:sp>
             <p:nvSpPr>
               <p:cNvPr id="11" name="Объект 10"/>
@@ -5071,8 +5061,8 @@
             <a:chExt cx="5901130" cy="7718547"/>
           </a:xfrm>
         </p:grpSpPr>
-        <mc:AlternateContent xmlns:mc="http://schemas.openxmlformats.org/markup-compatibility/2006">
-          <mc:Choice xmlns:a14="http://schemas.microsoft.com/office/drawing/2010/main" Requires="a14">
+        <mc:AlternateContent xmlns:mc="http://schemas.openxmlformats.org/markup-compatibility/2006" xmlns:a14="http://schemas.microsoft.com/office/drawing/2010/main">
+          <mc:Choice Requires="a14">
             <p:sp>
               <p:nvSpPr>
                 <p:cNvPr id="27" name="TextBox 26"/>
@@ -5185,7 +5175,7 @@
               </p:txBody>
             </p:sp>
           </mc:Choice>
-          <mc:Fallback>
+          <mc:Fallback xmlns="">
             <p:sp>
               <p:nvSpPr>
                 <p:cNvPr id="27" name="TextBox 26"/>
@@ -5859,8 +5849,8 @@
             </a:p>
           </p:txBody>
         </p:sp>
-        <mc:AlternateContent xmlns:mc="http://schemas.openxmlformats.org/markup-compatibility/2006">
-          <mc:Choice xmlns:a14="http://schemas.microsoft.com/office/drawing/2010/main" Requires="a14">
+        <mc:AlternateContent xmlns:mc="http://schemas.openxmlformats.org/markup-compatibility/2006" xmlns:a14="http://schemas.microsoft.com/office/drawing/2010/main">
+          <mc:Choice Requires="a14">
             <p:sp>
               <p:nvSpPr>
                 <p:cNvPr id="44" name="TextBox 43"/>
@@ -5973,7 +5963,7 @@
               </p:txBody>
             </p:sp>
           </mc:Choice>
-          <mc:Fallback>
+          <mc:Fallback xmlns="">
             <p:sp>
               <p:nvSpPr>
                 <p:cNvPr id="44" name="TextBox 43"/>
@@ -6012,8 +6002,8 @@
             </p:sp>
           </mc:Fallback>
         </mc:AlternateContent>
-        <mc:AlternateContent xmlns:mc="http://schemas.openxmlformats.org/markup-compatibility/2006">
-          <mc:Choice xmlns:a14="http://schemas.microsoft.com/office/drawing/2010/main" Requires="a14">
+        <mc:AlternateContent xmlns:mc="http://schemas.openxmlformats.org/markup-compatibility/2006" xmlns:a14="http://schemas.microsoft.com/office/drawing/2010/main">
+          <mc:Choice Requires="a14">
             <p:sp>
               <p:nvSpPr>
                 <p:cNvPr id="45" name="TextBox 44"/>
@@ -6126,7 +6116,7 @@
               </p:txBody>
             </p:sp>
           </mc:Choice>
-          <mc:Fallback>
+          <mc:Fallback xmlns="">
             <p:sp>
               <p:nvSpPr>
                 <p:cNvPr id="45" name="TextBox 44"/>
@@ -6165,8 +6155,8 @@
             </p:sp>
           </mc:Fallback>
         </mc:AlternateContent>
-        <mc:AlternateContent xmlns:mc="http://schemas.openxmlformats.org/markup-compatibility/2006">
-          <mc:Choice xmlns:a14="http://schemas.microsoft.com/office/drawing/2010/main" Requires="a14">
+        <mc:AlternateContent xmlns:mc="http://schemas.openxmlformats.org/markup-compatibility/2006" xmlns:a14="http://schemas.microsoft.com/office/drawing/2010/main">
+          <mc:Choice Requires="a14">
             <p:sp>
               <p:nvSpPr>
                 <p:cNvPr id="46" name="TextBox 45"/>
@@ -6279,7 +6269,7 @@
               </p:txBody>
             </p:sp>
           </mc:Choice>
-          <mc:Fallback>
+          <mc:Fallback xmlns="">
             <p:sp>
               <p:nvSpPr>
                 <p:cNvPr id="46" name="TextBox 45"/>
@@ -6318,8 +6308,8 @@
             </p:sp>
           </mc:Fallback>
         </mc:AlternateContent>
-        <mc:AlternateContent xmlns:mc="http://schemas.openxmlformats.org/markup-compatibility/2006">
-          <mc:Choice xmlns:a14="http://schemas.microsoft.com/office/drawing/2010/main" Requires="a14">
+        <mc:AlternateContent xmlns:mc="http://schemas.openxmlformats.org/markup-compatibility/2006" xmlns:a14="http://schemas.microsoft.com/office/drawing/2010/main">
+          <mc:Choice Requires="a14">
             <p:sp>
               <p:nvSpPr>
                 <p:cNvPr id="49" name="TextBox 48"/>
@@ -6379,14 +6369,7 @@
                       <a:latin typeface="Times New Roman" panose="02020603050405020304" pitchFamily="18" charset="0"/>
                       <a:cs typeface="Times New Roman" panose="02020603050405020304" pitchFamily="18" charset="0"/>
                     </a:rPr>
-                    <a:t>(</a:t>
-                  </a:r>
-                  <a:r>
-                    <a:rPr lang="ru-RU" dirty="0">
-                      <a:latin typeface="Times New Roman" panose="02020603050405020304" pitchFamily="18" charset="0"/>
-                      <a:cs typeface="Times New Roman" panose="02020603050405020304" pitchFamily="18" charset="0"/>
-                    </a:rPr>
-                    <a:t>x</a:t>
+                    <a:t>(x</a:t>
                   </a:r>
                   <a:r>
                     <a:rPr lang="ru-RU" dirty="0" smtClean="0">
@@ -6400,7 +6383,7 @@
               </p:txBody>
             </p:sp>
           </mc:Choice>
-          <mc:Fallback>
+          <mc:Fallback xmlns="">
             <p:sp>
               <p:nvSpPr>
                 <p:cNvPr id="49" name="TextBox 48"/>
@@ -6439,8 +6422,8 @@
             </p:sp>
           </mc:Fallback>
         </mc:AlternateContent>
-        <mc:AlternateContent xmlns:mc="http://schemas.openxmlformats.org/markup-compatibility/2006">
-          <mc:Choice xmlns:a14="http://schemas.microsoft.com/office/drawing/2010/main" Requires="a14">
+        <mc:AlternateContent xmlns:mc="http://schemas.openxmlformats.org/markup-compatibility/2006" xmlns:a14="http://schemas.microsoft.com/office/drawing/2010/main">
+          <mc:Choice Requires="a14">
             <p:sp>
               <p:nvSpPr>
                 <p:cNvPr id="50" name="TextBox 49"/>
@@ -6500,14 +6483,7 @@
                       <a:latin typeface="Times New Roman" panose="02020603050405020304" pitchFamily="18" charset="0"/>
                       <a:cs typeface="Times New Roman" panose="02020603050405020304" pitchFamily="18" charset="0"/>
                     </a:rPr>
-                    <a:t>(</a:t>
-                  </a:r>
-                  <a:r>
-                    <a:rPr lang="ru-RU" dirty="0">
-                      <a:latin typeface="Times New Roman" panose="02020603050405020304" pitchFamily="18" charset="0"/>
-                      <a:cs typeface="Times New Roman" panose="02020603050405020304" pitchFamily="18" charset="0"/>
-                    </a:rPr>
-                    <a:t>x</a:t>
+                    <a:t>(x</a:t>
                   </a:r>
                   <a:r>
                     <a:rPr lang="ru-RU" dirty="0" smtClean="0">
@@ -6521,7 +6497,7 @@
               </p:txBody>
             </p:sp>
           </mc:Choice>
-          <mc:Fallback>
+          <mc:Fallback xmlns="">
             <p:sp>
               <p:nvSpPr>
                 <p:cNvPr id="50" name="TextBox 49"/>
@@ -6560,8 +6536,8 @@
             </p:sp>
           </mc:Fallback>
         </mc:AlternateContent>
-        <mc:AlternateContent xmlns:mc="http://schemas.openxmlformats.org/markup-compatibility/2006">
-          <mc:Choice xmlns:a14="http://schemas.microsoft.com/office/drawing/2010/main" Requires="a14">
+        <mc:AlternateContent xmlns:mc="http://schemas.openxmlformats.org/markup-compatibility/2006" xmlns:a14="http://schemas.microsoft.com/office/drawing/2010/main">
+          <mc:Choice Requires="a14">
             <p:sp>
               <p:nvSpPr>
                 <p:cNvPr id="51" name="TextBox 50"/>
@@ -6584,6 +6560,7 @@
                 </a:bodyPr>
                 <a:lstStyle/>
                 <a:p>
+                  <a:pPr/>
                   <a14:m>
                     <m:oMathPara xmlns:m="http://schemas.openxmlformats.org/officeDocument/2006/math">
                       <m:oMathParaPr>
@@ -6626,7 +6603,7 @@
               </p:txBody>
             </p:sp>
           </mc:Choice>
-          <mc:Fallback>
+          <mc:Fallback xmlns="">
             <p:sp>
               <p:nvSpPr>
                 <p:cNvPr id="51" name="TextBox 50"/>
@@ -6666,8 +6643,8 @@
           </mc:Fallback>
         </mc:AlternateContent>
       </p:grpSp>
-      <mc:AlternateContent xmlns:mc="http://schemas.openxmlformats.org/markup-compatibility/2006">
-        <mc:Choice xmlns:a14="http://schemas.microsoft.com/office/drawing/2010/main" Requires="a14">
+      <mc:AlternateContent xmlns:mc="http://schemas.openxmlformats.org/markup-compatibility/2006" xmlns:a14="http://schemas.microsoft.com/office/drawing/2010/main">
+        <mc:Choice Requires="a14">
           <p:sp>
             <p:nvSpPr>
               <p:cNvPr id="52" name="TextBox 51"/>
@@ -6695,6 +6672,7 @@
                 </a:endParaRPr>
               </a:p>
               <a:p>
+                <a:pPr/>
                 <a14:m>
                   <m:oMathPara xmlns:m="http://schemas.openxmlformats.org/officeDocument/2006/math">
                     <m:oMathParaPr>
@@ -7518,7 +7496,7 @@
             </p:txBody>
           </p:sp>
         </mc:Choice>
-        <mc:Fallback>
+        <mc:Fallback xmlns="">
           <p:sp>
             <p:nvSpPr>
               <p:cNvPr id="52" name="TextBox 51"/>
@@ -7631,8 +7609,8 @@
           </a:p>
         </p:txBody>
       </p:sp>
-      <mc:AlternateContent xmlns:mc="http://schemas.openxmlformats.org/markup-compatibility/2006">
-        <mc:Choice xmlns:a14="http://schemas.microsoft.com/office/drawing/2010/main" Requires="a14">
+      <mc:AlternateContent xmlns:mc="http://schemas.openxmlformats.org/markup-compatibility/2006" xmlns:a14="http://schemas.microsoft.com/office/drawing/2010/main">
+        <mc:Choice Requires="a14">
           <p:sp>
             <p:nvSpPr>
               <p:cNvPr id="3" name="Объект 2"/>
@@ -7672,15 +7650,7 @@
                       <a:schemeClr val="tx1"/>
                     </a:solidFill>
                   </a:rPr>
-                  <a:t>вариантом является усреднение</a:t>
-                </a:r>
-                <a:r>
-                  <a:rPr lang="ru-RU" sz="7200" dirty="0">
-                    <a:solidFill>
-                      <a:schemeClr val="tx1"/>
-                    </a:solidFill>
-                  </a:rPr>
-                  <a:t>:</a:t>
+                  <a:t>вариантом является усреднение:</a:t>
                 </a:r>
               </a:p>
               <a:p>
@@ -7986,7 +7956,7 @@
             </p:txBody>
           </p:sp>
         </mc:Choice>
-        <mc:Fallback>
+        <mc:Fallback xmlns="">
           <p:sp>
             <p:nvSpPr>
               <p:cNvPr id="3" name="Объект 2"/>
@@ -8117,8 +8087,8 @@
           </a:p>
         </p:txBody>
       </p:sp>
-      <mc:AlternateContent xmlns:mc="http://schemas.openxmlformats.org/markup-compatibility/2006">
-        <mc:Choice xmlns:a14="http://schemas.microsoft.com/office/drawing/2010/main" Requires="a14">
+      <mc:AlternateContent xmlns:mc="http://schemas.openxmlformats.org/markup-compatibility/2006" xmlns:a14="http://schemas.microsoft.com/office/drawing/2010/main">
+        <mc:Choice Requires="a14">
           <p:sp>
             <p:nvSpPr>
               <p:cNvPr id="3" name="Объект 2"/>
@@ -8191,6 +8161,7 @@
                         <a:solidFill>
                           <a:schemeClr val="tx1"/>
                         </a:solidFill>
+                        <a:latin typeface="Cambria Math" panose="02040503050406030204" pitchFamily="18" charset="0"/>
                       </a:rPr>
                       <m:t>𝐺</m:t>
                     </m:r>
@@ -8201,6 +8172,7 @@
                             <a:solidFill>
                               <a:schemeClr val="tx1"/>
                             </a:solidFill>
+                            <a:latin typeface="Cambria Math" panose="02040503050406030204" pitchFamily="18" charset="0"/>
                           </a:rPr>
                         </m:ctrlPr>
                       </m:dPr>
@@ -8210,6 +8182,7 @@
                             <a:solidFill>
                               <a:schemeClr val="tx1"/>
                             </a:solidFill>
+                            <a:latin typeface="Cambria Math" panose="02040503050406030204" pitchFamily="18" charset="0"/>
                           </a:rPr>
                           <m:t>𝑥</m:t>
                         </m:r>
@@ -8220,6 +8193,7 @@
                         <a:solidFill>
                           <a:schemeClr val="tx1"/>
                         </a:solidFill>
+                        <a:latin typeface="Cambria Math" panose="02040503050406030204" pitchFamily="18" charset="0"/>
                       </a:rPr>
                       <m:t>=</m:t>
                     </m:r>
@@ -8230,6 +8204,7 @@
                             <a:solidFill>
                               <a:schemeClr val="tx1"/>
                             </a:solidFill>
+                            <a:latin typeface="Cambria Math" panose="02040503050406030204" pitchFamily="18" charset="0"/>
                           </a:rPr>
                         </m:ctrlPr>
                       </m:fPr>
@@ -8241,6 +8216,7 @@
                                 <a:solidFill>
                                   <a:schemeClr val="tx1"/>
                                 </a:solidFill>
+                                <a:latin typeface="Cambria Math" panose="02040503050406030204" pitchFamily="18" charset="0"/>
                               </a:rPr>
                             </m:ctrlPr>
                           </m:dPr>
@@ -8252,6 +8228,7 @@
                                     <a:solidFill>
                                       <a:schemeClr val="tx1"/>
                                     </a:solidFill>
+                                    <a:latin typeface="Cambria Math" panose="02040503050406030204" pitchFamily="18" charset="0"/>
                                   </a:rPr>
                                 </m:ctrlPr>
                               </m:sSubPr>
@@ -8261,6 +8238,7 @@
                                     <a:solidFill>
                                       <a:schemeClr val="tx1"/>
                                     </a:solidFill>
+                                    <a:latin typeface="Cambria Math" panose="02040503050406030204" pitchFamily="18" charset="0"/>
                                   </a:rPr>
                                   <m:t>𝑥</m:t>
                                 </m:r>
@@ -8271,6 +8249,7 @@
                                     <a:solidFill>
                                       <a:schemeClr val="tx1"/>
                                     </a:solidFill>
+                                    <a:latin typeface="Cambria Math" panose="02040503050406030204" pitchFamily="18" charset="0"/>
                                   </a:rPr>
                                   <m:t>2</m:t>
                                 </m:r>
@@ -8281,6 +8260,7 @@
                                 <a:solidFill>
                                   <a:schemeClr val="tx1"/>
                                 </a:solidFill>
+                                <a:latin typeface="Cambria Math" panose="02040503050406030204" pitchFamily="18" charset="0"/>
                               </a:rPr>
                               <m:t>−</m:t>
                             </m:r>
@@ -8289,6 +8269,7 @@
                                 <a:solidFill>
                                   <a:schemeClr val="tx1"/>
                                 </a:solidFill>
+                                <a:latin typeface="Cambria Math" panose="02040503050406030204" pitchFamily="18" charset="0"/>
                               </a:rPr>
                               <m:t>𝑥</m:t>
                             </m:r>
@@ -8301,6 +8282,7 @@
                                 <a:solidFill>
                                   <a:schemeClr val="tx1"/>
                                 </a:solidFill>
+                                <a:latin typeface="Cambria Math" panose="02040503050406030204" pitchFamily="18" charset="0"/>
                               </a:rPr>
                             </m:ctrlPr>
                           </m:sSubPr>
@@ -8310,6 +8292,7 @@
                                 <a:solidFill>
                                   <a:schemeClr val="tx1"/>
                                 </a:solidFill>
+                                <a:latin typeface="Cambria Math" panose="02040503050406030204" pitchFamily="18" charset="0"/>
                               </a:rPr>
                               <m:t>𝑓</m:t>
                             </m:r>
@@ -8320,6 +8303,7 @@
                                 <a:solidFill>
                                   <a:schemeClr val="tx1"/>
                                 </a:solidFill>
+                                <a:latin typeface="Cambria Math" panose="02040503050406030204" pitchFamily="18" charset="0"/>
                               </a:rPr>
                               <m:t>1</m:t>
                             </m:r>
@@ -8332,6 +8316,7 @@
                                 <a:solidFill>
                                   <a:schemeClr val="tx1"/>
                                 </a:solidFill>
+                                <a:latin typeface="Cambria Math" panose="02040503050406030204" pitchFamily="18" charset="0"/>
                               </a:rPr>
                             </m:ctrlPr>
                           </m:dPr>
@@ -8341,6 +8326,7 @@
                                 <a:solidFill>
                                   <a:schemeClr val="tx1"/>
                                 </a:solidFill>
+                                <a:latin typeface="Cambria Math" panose="02040503050406030204" pitchFamily="18" charset="0"/>
                               </a:rPr>
                               <m:t>𝑥</m:t>
                             </m:r>
@@ -8351,6 +8337,7 @@
                             <a:solidFill>
                               <a:schemeClr val="tx1"/>
                             </a:solidFill>
+                            <a:latin typeface="Cambria Math" panose="02040503050406030204" pitchFamily="18" charset="0"/>
                           </a:rPr>
                           <m:t>+</m:t>
                         </m:r>
@@ -8361,6 +8348,7 @@
                                 <a:solidFill>
                                   <a:schemeClr val="tx1"/>
                                 </a:solidFill>
+                                <a:latin typeface="Cambria Math" panose="02040503050406030204" pitchFamily="18" charset="0"/>
                               </a:rPr>
                             </m:ctrlPr>
                           </m:dPr>
@@ -8370,6 +8358,7 @@
                                 <a:solidFill>
                                   <a:schemeClr val="tx1"/>
                                 </a:solidFill>
+                                <a:latin typeface="Cambria Math" panose="02040503050406030204" pitchFamily="18" charset="0"/>
                               </a:rPr>
                               <m:t>𝑥</m:t>
                             </m:r>
@@ -8378,6 +8367,7 @@
                                 <a:solidFill>
                                   <a:schemeClr val="tx1"/>
                                 </a:solidFill>
+                                <a:latin typeface="Cambria Math" panose="02040503050406030204" pitchFamily="18" charset="0"/>
                               </a:rPr>
                               <m:t>− </m:t>
                             </m:r>
@@ -8388,6 +8378,7 @@
                                     <a:solidFill>
                                       <a:schemeClr val="tx1"/>
                                     </a:solidFill>
+                                    <a:latin typeface="Cambria Math" panose="02040503050406030204" pitchFamily="18" charset="0"/>
                                   </a:rPr>
                                 </m:ctrlPr>
                               </m:sSubPr>
@@ -8397,6 +8388,7 @@
                                     <a:solidFill>
                                       <a:schemeClr val="tx1"/>
                                     </a:solidFill>
+                                    <a:latin typeface="Cambria Math" panose="02040503050406030204" pitchFamily="18" charset="0"/>
                                   </a:rPr>
                                   <m:t>𝑥</m:t>
                                 </m:r>
@@ -8407,6 +8399,7 @@
                                     <a:solidFill>
                                       <a:schemeClr val="tx1"/>
                                     </a:solidFill>
+                                    <a:latin typeface="Cambria Math" panose="02040503050406030204" pitchFamily="18" charset="0"/>
                                   </a:rPr>
                                   <m:t>1</m:t>
                                 </m:r>
@@ -8421,6 +8414,7 @@
                                 <a:solidFill>
                                   <a:schemeClr val="tx1"/>
                                 </a:solidFill>
+                                <a:latin typeface="Cambria Math" panose="02040503050406030204" pitchFamily="18" charset="0"/>
                               </a:rPr>
                             </m:ctrlPr>
                           </m:sSubPr>
@@ -8430,6 +8424,7 @@
                                 <a:solidFill>
                                   <a:schemeClr val="tx1"/>
                                 </a:solidFill>
+                                <a:latin typeface="Cambria Math" panose="02040503050406030204" pitchFamily="18" charset="0"/>
                               </a:rPr>
                               <m:t>𝑓</m:t>
                             </m:r>
@@ -8440,6 +8435,7 @@
                                 <a:solidFill>
                                   <a:schemeClr val="tx1"/>
                                 </a:solidFill>
+                                <a:latin typeface="Cambria Math" panose="02040503050406030204" pitchFamily="18" charset="0"/>
                               </a:rPr>
                               <m:t>2</m:t>
                             </m:r>
@@ -8450,6 +8446,7 @@
                             <a:solidFill>
                               <a:schemeClr val="tx1"/>
                             </a:solidFill>
+                            <a:latin typeface="Cambria Math" panose="02040503050406030204" pitchFamily="18" charset="0"/>
                           </a:rPr>
                           <m:t>(</m:t>
                         </m:r>
@@ -8458,6 +8455,7 @@
                             <a:solidFill>
                               <a:schemeClr val="tx1"/>
                             </a:solidFill>
+                            <a:latin typeface="Cambria Math" panose="02040503050406030204" pitchFamily="18" charset="0"/>
                           </a:rPr>
                           <m:t>𝑥</m:t>
                         </m:r>
@@ -8466,6 +8464,7 @@
                             <a:solidFill>
                               <a:schemeClr val="tx1"/>
                             </a:solidFill>
+                            <a:latin typeface="Cambria Math" panose="02040503050406030204" pitchFamily="18" charset="0"/>
                           </a:rPr>
                           <m:t>)</m:t>
                         </m:r>
@@ -8478,6 +8477,7 @@
                                 <a:solidFill>
                                   <a:schemeClr val="tx1"/>
                                 </a:solidFill>
+                                <a:latin typeface="Cambria Math" panose="02040503050406030204" pitchFamily="18" charset="0"/>
                               </a:rPr>
                             </m:ctrlPr>
                           </m:sSubPr>
@@ -8487,6 +8487,7 @@
                                 <a:solidFill>
                                   <a:schemeClr val="tx1"/>
                                 </a:solidFill>
+                                <a:latin typeface="Cambria Math" panose="02040503050406030204" pitchFamily="18" charset="0"/>
                               </a:rPr>
                               <m:t>𝑥</m:t>
                             </m:r>
@@ -8497,6 +8498,7 @@
                                 <a:solidFill>
                                   <a:schemeClr val="tx1"/>
                                 </a:solidFill>
+                                <a:latin typeface="Cambria Math" panose="02040503050406030204" pitchFamily="18" charset="0"/>
                               </a:rPr>
                               <m:t>2</m:t>
                             </m:r>
@@ -8507,6 +8509,7 @@
                             <a:solidFill>
                               <a:schemeClr val="tx1"/>
                             </a:solidFill>
+                            <a:latin typeface="Cambria Math" panose="02040503050406030204" pitchFamily="18" charset="0"/>
                           </a:rPr>
                           <m:t>− </m:t>
                         </m:r>
@@ -8517,6 +8520,7 @@
                                 <a:solidFill>
                                   <a:schemeClr val="tx1"/>
                                 </a:solidFill>
+                                <a:latin typeface="Cambria Math" panose="02040503050406030204" pitchFamily="18" charset="0"/>
                               </a:rPr>
                             </m:ctrlPr>
                           </m:sSubPr>
@@ -8526,6 +8530,7 @@
                                 <a:solidFill>
                                   <a:schemeClr val="tx1"/>
                                 </a:solidFill>
+                                <a:latin typeface="Cambria Math" panose="02040503050406030204" pitchFamily="18" charset="0"/>
                               </a:rPr>
                               <m:t>𝑥</m:t>
                             </m:r>
@@ -8536,6 +8541,7 @@
                                 <a:solidFill>
                                   <a:schemeClr val="tx1"/>
                                 </a:solidFill>
+                                <a:latin typeface="Cambria Math" panose="02040503050406030204" pitchFamily="18" charset="0"/>
                               </a:rPr>
                               <m:t>1</m:t>
                             </m:r>
@@ -8601,6 +8607,7 @@
                         <a:solidFill>
                           <a:schemeClr val="tx1"/>
                         </a:solidFill>
+                        <a:latin typeface="Cambria Math" panose="02040503050406030204" pitchFamily="18" charset="0"/>
                       </a:rPr>
                       <m:t>𝐺</m:t>
                     </m:r>
@@ -8609,6 +8616,7 @@
                         <a:solidFill>
                           <a:schemeClr val="tx1"/>
                         </a:solidFill>
+                        <a:latin typeface="Cambria Math" panose="02040503050406030204" pitchFamily="18" charset="0"/>
                       </a:rPr>
                       <m:t>′</m:t>
                     </m:r>
@@ -8619,6 +8627,7 @@
                             <a:solidFill>
                               <a:schemeClr val="tx1"/>
                             </a:solidFill>
+                            <a:latin typeface="Cambria Math" panose="02040503050406030204" pitchFamily="18" charset="0"/>
                           </a:rPr>
                         </m:ctrlPr>
                       </m:dPr>
@@ -8628,6 +8637,7 @@
                             <a:solidFill>
                               <a:schemeClr val="tx1"/>
                             </a:solidFill>
+                            <a:latin typeface="Cambria Math" panose="02040503050406030204" pitchFamily="18" charset="0"/>
                           </a:rPr>
                           <m:t>𝑥</m:t>
                         </m:r>
@@ -8638,6 +8648,7 @@
                         <a:solidFill>
                           <a:schemeClr val="tx1"/>
                         </a:solidFill>
+                        <a:latin typeface="Cambria Math" panose="02040503050406030204" pitchFamily="18" charset="0"/>
                       </a:rPr>
                       <m:t>=</m:t>
                     </m:r>
@@ -8648,6 +8659,7 @@
                             <a:solidFill>
                               <a:schemeClr val="tx1"/>
                             </a:solidFill>
+                            <a:latin typeface="Cambria Math" panose="02040503050406030204" pitchFamily="18" charset="0"/>
                           </a:rPr>
                         </m:ctrlPr>
                       </m:fPr>
@@ -8659,6 +8671,7 @@
                                 <a:solidFill>
                                   <a:schemeClr val="tx1"/>
                                 </a:solidFill>
+                                <a:latin typeface="Cambria Math" panose="02040503050406030204" pitchFamily="18" charset="0"/>
                               </a:rPr>
                             </m:ctrlPr>
                           </m:sSubPr>
@@ -8668,6 +8681,7 @@
                                 <a:solidFill>
                                   <a:schemeClr val="tx1"/>
                                 </a:solidFill>
+                                <a:latin typeface="Cambria Math" panose="02040503050406030204" pitchFamily="18" charset="0"/>
                               </a:rPr>
                               <m:t>𝑓</m:t>
                             </m:r>
@@ -8678,6 +8692,7 @@
                                 <a:solidFill>
                                   <a:schemeClr val="tx1"/>
                                 </a:solidFill>
+                                <a:latin typeface="Cambria Math" panose="02040503050406030204" pitchFamily="18" charset="0"/>
                               </a:rPr>
                               <m:t>2</m:t>
                             </m:r>
@@ -8690,6 +8705,7 @@
                                 <a:solidFill>
                                   <a:schemeClr val="tx1"/>
                                 </a:solidFill>
+                                <a:latin typeface="Cambria Math" panose="02040503050406030204" pitchFamily="18" charset="0"/>
                               </a:rPr>
                             </m:ctrlPr>
                           </m:dPr>
@@ -8699,6 +8715,7 @@
                                 <a:solidFill>
                                   <a:schemeClr val="tx1"/>
                                 </a:solidFill>
+                                <a:latin typeface="Cambria Math" panose="02040503050406030204" pitchFamily="18" charset="0"/>
                               </a:rPr>
                               <m:t>𝑥</m:t>
                             </m:r>
@@ -8709,6 +8726,7 @@
                             <a:solidFill>
                               <a:schemeClr val="tx1"/>
                             </a:solidFill>
+                            <a:latin typeface="Cambria Math" panose="02040503050406030204" pitchFamily="18" charset="0"/>
                           </a:rPr>
                           <m:t>− </m:t>
                         </m:r>
@@ -8719,6 +8737,7 @@
                                 <a:solidFill>
                                   <a:schemeClr val="tx1"/>
                                 </a:solidFill>
+                                <a:latin typeface="Cambria Math" panose="02040503050406030204" pitchFamily="18" charset="0"/>
                               </a:rPr>
                             </m:ctrlPr>
                           </m:sSubPr>
@@ -8728,6 +8747,7 @@
                                 <a:solidFill>
                                   <a:schemeClr val="tx1"/>
                                 </a:solidFill>
+                                <a:latin typeface="Cambria Math" panose="02040503050406030204" pitchFamily="18" charset="0"/>
                               </a:rPr>
                               <m:t>𝑓</m:t>
                             </m:r>
@@ -8738,6 +8758,7 @@
                                 <a:solidFill>
                                   <a:schemeClr val="tx1"/>
                                 </a:solidFill>
+                                <a:latin typeface="Cambria Math" panose="02040503050406030204" pitchFamily="18" charset="0"/>
                               </a:rPr>
                               <m:t>1</m:t>
                             </m:r>
@@ -8748,6 +8769,7 @@
                             <a:solidFill>
                               <a:schemeClr val="tx1"/>
                             </a:solidFill>
+                            <a:latin typeface="Cambria Math" panose="02040503050406030204" pitchFamily="18" charset="0"/>
                           </a:rPr>
                           <m:t>+</m:t>
                         </m:r>
@@ -8758,6 +8780,7 @@
                                 <a:solidFill>
                                   <a:schemeClr val="tx1"/>
                                 </a:solidFill>
+                                <a:latin typeface="Cambria Math" panose="02040503050406030204" pitchFamily="18" charset="0"/>
                               </a:rPr>
                             </m:ctrlPr>
                           </m:dPr>
@@ -8769,6 +8792,7 @@
                                     <a:solidFill>
                                       <a:schemeClr val="tx1"/>
                                     </a:solidFill>
+                                    <a:latin typeface="Cambria Math" panose="02040503050406030204" pitchFamily="18" charset="0"/>
                                   </a:rPr>
                                 </m:ctrlPr>
                               </m:sSubPr>
@@ -8778,6 +8802,7 @@
                                     <a:solidFill>
                                       <a:schemeClr val="tx1"/>
                                     </a:solidFill>
+                                    <a:latin typeface="Cambria Math" panose="02040503050406030204" pitchFamily="18" charset="0"/>
                                   </a:rPr>
                                   <m:t>𝑥</m:t>
                                 </m:r>
@@ -8788,6 +8813,7 @@
                                     <a:solidFill>
                                       <a:schemeClr val="tx1"/>
                                     </a:solidFill>
+                                    <a:latin typeface="Cambria Math" panose="02040503050406030204" pitchFamily="18" charset="0"/>
                                   </a:rPr>
                                   <m:t>2</m:t>
                                 </m:r>
@@ -8798,6 +8824,7 @@
                                 <a:solidFill>
                                   <a:schemeClr val="tx1"/>
                                 </a:solidFill>
+                                <a:latin typeface="Cambria Math" panose="02040503050406030204" pitchFamily="18" charset="0"/>
                               </a:rPr>
                               <m:t>−</m:t>
                             </m:r>
@@ -8806,6 +8833,7 @@
                                 <a:solidFill>
                                   <a:schemeClr val="tx1"/>
                                 </a:solidFill>
+                                <a:latin typeface="Cambria Math" panose="02040503050406030204" pitchFamily="18" charset="0"/>
                               </a:rPr>
                               <m:t>𝑥</m:t>
                             </m:r>
@@ -8818,6 +8846,7 @@
                                 <a:solidFill>
                                   <a:schemeClr val="tx1"/>
                                 </a:solidFill>
+                                <a:latin typeface="Cambria Math" panose="02040503050406030204" pitchFamily="18" charset="0"/>
                               </a:rPr>
                             </m:ctrlPr>
                           </m:sSubPr>
@@ -8827,6 +8856,7 @@
                                 <a:solidFill>
                                   <a:schemeClr val="tx1"/>
                                 </a:solidFill>
+                                <a:latin typeface="Cambria Math" panose="02040503050406030204" pitchFamily="18" charset="0"/>
                               </a:rPr>
                               <m:t>𝑓</m:t>
                             </m:r>
@@ -8835,6 +8865,7 @@
                                 <a:solidFill>
                                   <a:schemeClr val="tx1"/>
                                 </a:solidFill>
+                                <a:latin typeface="Cambria Math" panose="02040503050406030204" pitchFamily="18" charset="0"/>
                               </a:rPr>
                               <m:t>′</m:t>
                             </m:r>
@@ -8845,6 +8876,7 @@
                                 <a:solidFill>
                                   <a:schemeClr val="tx1"/>
                                 </a:solidFill>
+                                <a:latin typeface="Cambria Math" panose="02040503050406030204" pitchFamily="18" charset="0"/>
                               </a:rPr>
                               <m:t>1</m:t>
                             </m:r>
@@ -8857,6 +8889,7 @@
                                 <a:solidFill>
                                   <a:schemeClr val="tx1"/>
                                 </a:solidFill>
+                                <a:latin typeface="Cambria Math" panose="02040503050406030204" pitchFamily="18" charset="0"/>
                               </a:rPr>
                             </m:ctrlPr>
                           </m:dPr>
@@ -8866,6 +8899,7 @@
                                 <a:solidFill>
                                   <a:schemeClr val="tx1"/>
                                 </a:solidFill>
+                                <a:latin typeface="Cambria Math" panose="02040503050406030204" pitchFamily="18" charset="0"/>
                               </a:rPr>
                               <m:t>𝑥</m:t>
                             </m:r>
@@ -8876,6 +8910,7 @@
                             <a:solidFill>
                               <a:schemeClr val="tx1"/>
                             </a:solidFill>
+                            <a:latin typeface="Cambria Math" panose="02040503050406030204" pitchFamily="18" charset="0"/>
                           </a:rPr>
                           <m:t>+</m:t>
                         </m:r>
@@ -8886,6 +8921,7 @@
                                 <a:solidFill>
                                   <a:schemeClr val="tx1"/>
                                 </a:solidFill>
+                                <a:latin typeface="Cambria Math" panose="02040503050406030204" pitchFamily="18" charset="0"/>
                               </a:rPr>
                             </m:ctrlPr>
                           </m:dPr>
@@ -8895,6 +8931,7 @@
                                 <a:solidFill>
                                   <a:schemeClr val="tx1"/>
                                 </a:solidFill>
+                                <a:latin typeface="Cambria Math" panose="02040503050406030204" pitchFamily="18" charset="0"/>
                               </a:rPr>
                               <m:t>𝑥</m:t>
                             </m:r>
@@ -8903,6 +8940,7 @@
                                 <a:solidFill>
                                   <a:schemeClr val="tx1"/>
                                 </a:solidFill>
+                                <a:latin typeface="Cambria Math" panose="02040503050406030204" pitchFamily="18" charset="0"/>
                               </a:rPr>
                               <m:t>− </m:t>
                             </m:r>
@@ -8913,6 +8951,7 @@
                                     <a:solidFill>
                                       <a:schemeClr val="tx1"/>
                                     </a:solidFill>
+                                    <a:latin typeface="Cambria Math" panose="02040503050406030204" pitchFamily="18" charset="0"/>
                                   </a:rPr>
                                 </m:ctrlPr>
                               </m:sSubPr>
@@ -8922,6 +8961,7 @@
                                     <a:solidFill>
                                       <a:schemeClr val="tx1"/>
                                     </a:solidFill>
+                                    <a:latin typeface="Cambria Math" panose="02040503050406030204" pitchFamily="18" charset="0"/>
                                   </a:rPr>
                                   <m:t>𝑥</m:t>
                                 </m:r>
@@ -8932,6 +8972,7 @@
                                     <a:solidFill>
                                       <a:schemeClr val="tx1"/>
                                     </a:solidFill>
+                                    <a:latin typeface="Cambria Math" panose="02040503050406030204" pitchFamily="18" charset="0"/>
                                   </a:rPr>
                                   <m:t>1</m:t>
                                 </m:r>
@@ -8946,6 +8987,7 @@
                                 <a:solidFill>
                                   <a:schemeClr val="tx1"/>
                                 </a:solidFill>
+                                <a:latin typeface="Cambria Math" panose="02040503050406030204" pitchFamily="18" charset="0"/>
                               </a:rPr>
                             </m:ctrlPr>
                           </m:sSubPr>
@@ -8955,6 +8997,7 @@
                                 <a:solidFill>
                                   <a:schemeClr val="tx1"/>
                                 </a:solidFill>
+                                <a:latin typeface="Cambria Math" panose="02040503050406030204" pitchFamily="18" charset="0"/>
                               </a:rPr>
                               <m:t>𝑓</m:t>
                             </m:r>
@@ -8963,6 +9006,7 @@
                                 <a:solidFill>
                                   <a:schemeClr val="tx1"/>
                                 </a:solidFill>
+                                <a:latin typeface="Cambria Math" panose="02040503050406030204" pitchFamily="18" charset="0"/>
                               </a:rPr>
                               <m:t>′</m:t>
                             </m:r>
@@ -8973,6 +9017,7 @@
                                 <a:solidFill>
                                   <a:schemeClr val="tx1"/>
                                 </a:solidFill>
+                                <a:latin typeface="Cambria Math" panose="02040503050406030204" pitchFamily="18" charset="0"/>
                               </a:rPr>
                               <m:t>2</m:t>
                             </m:r>
@@ -8983,6 +9028,7 @@
                             <a:solidFill>
                               <a:schemeClr val="tx1"/>
                             </a:solidFill>
+                            <a:latin typeface="Cambria Math" panose="02040503050406030204" pitchFamily="18" charset="0"/>
                           </a:rPr>
                           <m:t>(</m:t>
                         </m:r>
@@ -8991,6 +9037,7 @@
                             <a:solidFill>
                               <a:schemeClr val="tx1"/>
                             </a:solidFill>
+                            <a:latin typeface="Cambria Math" panose="02040503050406030204" pitchFamily="18" charset="0"/>
                           </a:rPr>
                           <m:t>𝑥</m:t>
                         </m:r>
@@ -8999,6 +9046,7 @@
                             <a:solidFill>
                               <a:schemeClr val="tx1"/>
                             </a:solidFill>
+                            <a:latin typeface="Cambria Math" panose="02040503050406030204" pitchFamily="18" charset="0"/>
                           </a:rPr>
                           <m:t>)</m:t>
                         </m:r>
@@ -9011,6 +9059,7 @@
                                 <a:solidFill>
                                   <a:schemeClr val="tx1"/>
                                 </a:solidFill>
+                                <a:latin typeface="Cambria Math" panose="02040503050406030204" pitchFamily="18" charset="0"/>
                               </a:rPr>
                             </m:ctrlPr>
                           </m:sSubPr>
@@ -9020,6 +9069,7 @@
                                 <a:solidFill>
                                   <a:schemeClr val="tx1"/>
                                 </a:solidFill>
+                                <a:latin typeface="Cambria Math" panose="02040503050406030204" pitchFamily="18" charset="0"/>
                               </a:rPr>
                               <m:t>𝑥</m:t>
                             </m:r>
@@ -9030,6 +9080,7 @@
                                 <a:solidFill>
                                   <a:schemeClr val="tx1"/>
                                 </a:solidFill>
+                                <a:latin typeface="Cambria Math" panose="02040503050406030204" pitchFamily="18" charset="0"/>
                               </a:rPr>
                               <m:t>2</m:t>
                             </m:r>
@@ -9040,6 +9091,7 @@
                             <a:solidFill>
                               <a:schemeClr val="tx1"/>
                             </a:solidFill>
+                            <a:latin typeface="Cambria Math" panose="02040503050406030204" pitchFamily="18" charset="0"/>
                           </a:rPr>
                           <m:t>− </m:t>
                         </m:r>
@@ -9050,6 +9102,7 @@
                                 <a:solidFill>
                                   <a:schemeClr val="tx1"/>
                                 </a:solidFill>
+                                <a:latin typeface="Cambria Math" panose="02040503050406030204" pitchFamily="18" charset="0"/>
                               </a:rPr>
                             </m:ctrlPr>
                           </m:sSubPr>
@@ -9059,6 +9112,7 @@
                                 <a:solidFill>
                                   <a:schemeClr val="tx1"/>
                                 </a:solidFill>
+                                <a:latin typeface="Cambria Math" panose="02040503050406030204" pitchFamily="18" charset="0"/>
                               </a:rPr>
                               <m:t>𝑥</m:t>
                             </m:r>
@@ -9069,6 +9123,7 @@
                                 <a:solidFill>
                                   <a:schemeClr val="tx1"/>
                                 </a:solidFill>
+                                <a:latin typeface="Cambria Math" panose="02040503050406030204" pitchFamily="18" charset="0"/>
                               </a:rPr>
                               <m:t>1</m:t>
                             </m:r>
@@ -9101,6 +9156,7 @@
                         <a:solidFill>
                           <a:schemeClr val="tx1"/>
                         </a:solidFill>
+                        <a:latin typeface="Cambria Math" panose="02040503050406030204" pitchFamily="18" charset="0"/>
                       </a:rPr>
                       <m:t>𝐺</m:t>
                     </m:r>
@@ -9109,6 +9165,7 @@
                         <a:solidFill>
                           <a:schemeClr val="tx1"/>
                         </a:solidFill>
+                        <a:latin typeface="Cambria Math" panose="02040503050406030204" pitchFamily="18" charset="0"/>
                       </a:rPr>
                       <m:t>′</m:t>
                     </m:r>
@@ -9119,6 +9176,7 @@
                             <a:solidFill>
                               <a:schemeClr val="tx1"/>
                             </a:solidFill>
+                            <a:latin typeface="Cambria Math" panose="02040503050406030204" pitchFamily="18" charset="0"/>
                           </a:rPr>
                         </m:ctrlPr>
                       </m:dPr>
@@ -9130,6 +9188,7 @@
                                 <a:solidFill>
                                   <a:schemeClr val="tx1"/>
                                 </a:solidFill>
+                                <a:latin typeface="Cambria Math" panose="02040503050406030204" pitchFamily="18" charset="0"/>
                               </a:rPr>
                             </m:ctrlPr>
                           </m:sSubPr>
@@ -9139,6 +9198,7 @@
                                 <a:solidFill>
                                   <a:schemeClr val="tx1"/>
                                 </a:solidFill>
+                                <a:latin typeface="Cambria Math" panose="02040503050406030204" pitchFamily="18" charset="0"/>
                               </a:rPr>
                               <m:t>𝑥</m:t>
                             </m:r>
@@ -9149,6 +9209,7 @@
                                 <a:solidFill>
                                   <a:schemeClr val="tx1"/>
                                 </a:solidFill>
+                                <a:latin typeface="Cambria Math" panose="02040503050406030204" pitchFamily="18" charset="0"/>
                               </a:rPr>
                               <m:t>𝑘</m:t>
                             </m:r>
@@ -9161,6 +9222,7 @@
                         <a:solidFill>
                           <a:schemeClr val="tx1"/>
                         </a:solidFill>
+                        <a:latin typeface="Cambria Math" panose="02040503050406030204" pitchFamily="18" charset="0"/>
                       </a:rPr>
                       <m:t> </m:t>
                     </m:r>
@@ -9185,6 +9247,7 @@
                             <a:solidFill>
                               <a:schemeClr val="tx1"/>
                             </a:solidFill>
+                            <a:latin typeface="Cambria Math" panose="02040503050406030204" pitchFamily="18" charset="0"/>
                           </a:rPr>
                         </m:ctrlPr>
                       </m:sSubPr>
@@ -9194,6 +9257,7 @@
                             <a:solidFill>
                               <a:schemeClr val="tx1"/>
                             </a:solidFill>
+                            <a:latin typeface="Cambria Math" panose="02040503050406030204" pitchFamily="18" charset="0"/>
                           </a:rPr>
                           <m:t>𝑓</m:t>
                         </m:r>
@@ -9202,6 +9266,7 @@
                             <a:solidFill>
                               <a:schemeClr val="tx1"/>
                             </a:solidFill>
+                            <a:latin typeface="Cambria Math" panose="02040503050406030204" pitchFamily="18" charset="0"/>
                           </a:rPr>
                           <m:t>′</m:t>
                         </m:r>
@@ -9212,6 +9277,7 @@
                             <a:solidFill>
                               <a:schemeClr val="tx1"/>
                             </a:solidFill>
+                            <a:latin typeface="Cambria Math" panose="02040503050406030204" pitchFamily="18" charset="0"/>
                           </a:rPr>
                           <m:t>𝑘</m:t>
                         </m:r>
@@ -9224,6 +9290,7 @@
                             <a:solidFill>
                               <a:schemeClr val="tx1"/>
                             </a:solidFill>
+                            <a:latin typeface="Cambria Math" panose="02040503050406030204" pitchFamily="18" charset="0"/>
                           </a:rPr>
                         </m:ctrlPr>
                       </m:dPr>
@@ -9235,6 +9302,7 @@
                                 <a:solidFill>
                                   <a:schemeClr val="tx1"/>
                                 </a:solidFill>
+                                <a:latin typeface="Cambria Math" panose="02040503050406030204" pitchFamily="18" charset="0"/>
                               </a:rPr>
                             </m:ctrlPr>
                           </m:sSubPr>
@@ -9244,6 +9312,7 @@
                                 <a:solidFill>
                                   <a:schemeClr val="tx1"/>
                                 </a:solidFill>
+                                <a:latin typeface="Cambria Math" panose="02040503050406030204" pitchFamily="18" charset="0"/>
                               </a:rPr>
                               <m:t>𝑥</m:t>
                             </m:r>
@@ -9254,6 +9323,7 @@
                                 <a:solidFill>
                                   <a:schemeClr val="tx1"/>
                                 </a:solidFill>
+                                <a:latin typeface="Cambria Math" panose="02040503050406030204" pitchFamily="18" charset="0"/>
                               </a:rPr>
                               <m:t>𝑘</m:t>
                             </m:r>
@@ -9287,7 +9357,7 @@
             </p:txBody>
           </p:sp>
         </mc:Choice>
-        <mc:Fallback>
+        <mc:Fallback xmlns="">
           <p:sp>
             <p:nvSpPr>
               <p:cNvPr id="3" name="Объект 2"/>
@@ -9482,7 +9552,7 @@
       </p:sp>
       <p:pic>
         <p:nvPicPr>
-          <p:cNvPr id="5" name="Объект 4"/>
+          <p:cNvPr id="7" name="Объект 6"/>
           <p:cNvPicPr>
             <a:picLocks noGrp="1" noChangeAspect="1"/>
           </p:cNvPicPr>
@@ -9498,8 +9568,8 @@
         </p:blipFill>
         <p:spPr>
           <a:xfrm>
-            <a:off x="1159069" y="1846263"/>
-            <a:ext cx="4814499" cy="4022725"/>
+            <a:off x="1096963" y="1846263"/>
+            <a:ext cx="4938712" cy="4022726"/>
           </a:xfrm>
           <a:prstGeom prst="rect">
             <a:avLst/>
@@ -9508,7 +9578,7 @@
       </p:pic>
       <p:pic>
         <p:nvPicPr>
-          <p:cNvPr id="6" name="Объект 5"/>
+          <p:cNvPr id="9" name="Объект 8"/>
           <p:cNvPicPr>
             <a:picLocks noGrp="1" noChangeAspect="1"/>
           </p:cNvPicPr>
@@ -9524,8 +9594,8 @@
         </p:blipFill>
         <p:spPr>
           <a:xfrm>
-            <a:off x="6278921" y="1846263"/>
-            <a:ext cx="4815758" cy="4022725"/>
+            <a:off x="6218238" y="1846263"/>
+            <a:ext cx="4937125" cy="4022725"/>
           </a:xfrm>
           <a:prstGeom prst="rect">
             <a:avLst/>
@@ -9633,6 +9703,7 @@
                         <a:solidFill>
                           <a:schemeClr val="tx1"/>
                         </a:solidFill>
+                        <a:latin typeface="Cambria Math" panose="02040503050406030204" pitchFamily="18" charset="0"/>
                       </a:rPr>
                       <m:t>𝑦</m:t>
                     </m:r>
@@ -9641,6 +9712,7 @@
                         <a:solidFill>
                           <a:schemeClr val="tx1"/>
                         </a:solidFill>
+                        <a:latin typeface="Cambria Math" panose="02040503050406030204" pitchFamily="18" charset="0"/>
                       </a:rPr>
                       <m:t>=</m:t>
                     </m:r>
@@ -9652,6 +9724,7 @@
                             <a:solidFill>
                               <a:schemeClr val="tx1"/>
                             </a:solidFill>
+                            <a:latin typeface="Cambria Math" panose="02040503050406030204" pitchFamily="18" charset="0"/>
                           </a:rPr>
                         </m:ctrlPr>
                       </m:radPr>
@@ -9662,6 +9735,7 @@
                             <a:solidFill>
                               <a:schemeClr val="tx1"/>
                             </a:solidFill>
+                            <a:latin typeface="Cambria Math" panose="02040503050406030204" pitchFamily="18" charset="0"/>
                           </a:rPr>
                           <m:t>𝑥</m:t>
                         </m:r>
@@ -9677,15 +9751,28 @@
                     <a:latin typeface="Times New Roman" panose="02020603050405020304" pitchFamily="18" charset="0"/>
                     <a:cs typeface="Times New Roman" panose="02020603050405020304" pitchFamily="18" charset="0"/>
                   </a:rPr>
-                  <a:t> на целочисленных точках аргумента. Результаты представлены в табл. 3. Как оказалось, вариант H(x) обеспечивает приближение лучше, чем вариант G(x). Непрерывность производной G'(x) совсем не означает, что она более точно повторяет y'(x).</a:t>
+                  <a:t> на </a:t>
                 </a:r>
-                <a:endParaRPr lang="ru-RU" dirty="0">
-                  <a:solidFill>
-                    <a:schemeClr val="tx1"/>
-                  </a:solidFill>
-                  <a:latin typeface="Times New Roman" panose="02020603050405020304" pitchFamily="18" charset="0"/>
-                  <a:cs typeface="Times New Roman" panose="02020603050405020304" pitchFamily="18" charset="0"/>
-                </a:endParaRPr>
+                <a:r>
+                  <a:rPr lang="ru-RU" dirty="0" smtClean="0">
+                    <a:solidFill>
+                      <a:schemeClr val="tx1"/>
+                    </a:solidFill>
+                    <a:latin typeface="Times New Roman" panose="02020603050405020304" pitchFamily="18" charset="0"/>
+                    <a:cs typeface="Times New Roman" panose="02020603050405020304" pitchFamily="18" charset="0"/>
+                  </a:rPr>
+                  <a:t>нецелочисленных </a:t>
+                </a:r>
+                <a:r>
+                  <a:rPr lang="ru-RU" dirty="0">
+                    <a:solidFill>
+                      <a:schemeClr val="tx1"/>
+                    </a:solidFill>
+                    <a:latin typeface="Times New Roman" panose="02020603050405020304" pitchFamily="18" charset="0"/>
+                    <a:cs typeface="Times New Roman" panose="02020603050405020304" pitchFamily="18" charset="0"/>
+                  </a:rPr>
+                  <a:t>точках аргумента. Результаты представлены в табл. 3. Как оказалось, вариант H(x) обеспечивает приближение лучше, чем вариант G(x). Непрерывность производной G'(x) совсем не означает, что она более точно повторяет y'(x).</a:t>
+                </a:r>
               </a:p>
             </p:txBody>
           </p:sp>
@@ -9870,8 +9957,8 @@
         </p:blipFill>
         <p:spPr>
           <a:xfrm>
-            <a:off x="6126480" y="1857078"/>
-            <a:ext cx="4938712" cy="4383465"/>
+            <a:off x="3910777" y="1811468"/>
+            <a:ext cx="3999345" cy="4395368"/>
           </a:xfrm>
           <a:prstGeom prst="rect">
             <a:avLst/>
@@ -9896,8 +9983,32 @@
         </p:blipFill>
         <p:spPr>
           <a:xfrm>
-            <a:off x="1189355" y="1857079"/>
-            <a:ext cx="4937125" cy="4487159"/>
+            <a:off x="165937" y="1811468"/>
+            <a:ext cx="3744840" cy="4487159"/>
+          </a:xfrm>
+          <a:prstGeom prst="rect">
+            <a:avLst/>
+          </a:prstGeom>
+        </p:spPr>
+      </p:pic>
+      <p:pic>
+        <p:nvPicPr>
+          <p:cNvPr id="4" name="Рисунок 3"/>
+          <p:cNvPicPr>
+            <a:picLocks noChangeAspect="1"/>
+          </p:cNvPicPr>
+          <p:nvPr/>
+        </p:nvPicPr>
+        <p:blipFill>
+          <a:blip r:embed="rId4"/>
+          <a:stretch>
+            <a:fillRect/>
+          </a:stretch>
+        </p:blipFill>
+        <p:spPr>
+          <a:xfrm>
+            <a:off x="7910122" y="1834566"/>
+            <a:ext cx="3901209" cy="4464061"/>
           </a:xfrm>
           <a:prstGeom prst="rect">
             <a:avLst/>
@@ -15264,8 +15375,8 @@
           </a:p>
         </p:txBody>
       </p:sp>
-      <mc:AlternateContent xmlns:mc="http://schemas.openxmlformats.org/markup-compatibility/2006" xmlns:a14="http://schemas.microsoft.com/office/drawing/2010/main">
-        <mc:Choice Requires="a14">
+      <mc:AlternateContent xmlns:mc="http://schemas.openxmlformats.org/markup-compatibility/2006">
+        <mc:Choice xmlns:a14="http://schemas.microsoft.com/office/drawing/2010/main" Requires="a14">
           <p:sp>
             <p:nvSpPr>
               <p:cNvPr id="3" name="Content Placeholder 2">
@@ -15295,7 +15406,7 @@
               <a:lstStyle/>
               <a:p>
                 <a:r>
-                  <a:rPr lang="ru-RU" sz="6000" dirty="0" smtClean="0">
+                  <a:rPr lang="ru-RU" sz="7200" dirty="0" smtClean="0">
                     <a:solidFill>
                       <a:schemeClr val="tx1"/>
                     </a:solidFill>
@@ -15304,7 +15415,7 @@
                   </a:rPr>
                   <a:t>На каждом сегмента функция является полиномом 3 степени.</a:t>
                 </a:r>
-                <a:endParaRPr lang="en-US" sz="6000" dirty="0" smtClean="0">
+                <a:endParaRPr lang="en-US" sz="7200" dirty="0" smtClean="0">
                   <a:solidFill>
                     <a:schemeClr val="tx1"/>
                   </a:solidFill>
@@ -15881,7 +15992,7 @@
                   <a:buChar char="•"/>
                 </a:pPr>
                 <a:r>
-                  <a:rPr lang="ru-RU" sz="6000" dirty="0">
+                  <a:rPr lang="ru-RU" sz="7200" dirty="0">
                     <a:solidFill>
                       <a:schemeClr val="tx1"/>
                     </a:solidFill>
@@ -15895,7 +16006,7 @@
                     <m:sSub>
                       <m:sSubPr>
                         <m:ctrlPr>
-                          <a:rPr lang="ru-RU" sz="6000" i="1">
+                          <a:rPr lang="ru-RU" sz="7200" i="1">
                             <a:solidFill>
                               <a:schemeClr val="tx1"/>
                             </a:solidFill>
@@ -15905,7 +16016,7 @@
                       </m:sSubPr>
                       <m:e>
                         <m:r>
-                          <a:rPr lang="ru-RU" sz="6000" i="1">
+                          <a:rPr lang="ru-RU" sz="7200" i="1">
                             <a:solidFill>
                               <a:schemeClr val="tx1"/>
                             </a:solidFill>
@@ -15916,7 +16027,7 @@
                       </m:e>
                       <m:sub>
                         <m:r>
-                          <a:rPr lang="ru-RU" sz="6000" i="1">
+                          <a:rPr lang="ru-RU" sz="7200" i="1">
                             <a:solidFill>
                               <a:schemeClr val="tx1"/>
                             </a:solidFill>
@@ -15929,7 +16040,7 @@
                     <m:d>
                       <m:dPr>
                         <m:ctrlPr>
-                          <a:rPr lang="ru-RU" sz="6000" i="1">
+                          <a:rPr lang="ru-RU" sz="7200" i="1">
                             <a:solidFill>
                               <a:schemeClr val="tx1"/>
                             </a:solidFill>
@@ -15941,7 +16052,7 @@
                         <m:sSub>
                           <m:sSubPr>
                             <m:ctrlPr>
-                              <a:rPr lang="ru-RU" sz="6000" i="1">
+                              <a:rPr lang="ru-RU" sz="7200" i="1">
                                 <a:solidFill>
                                   <a:schemeClr val="tx1"/>
                                 </a:solidFill>
@@ -15951,7 +16062,7 @@
                           </m:sSubPr>
                           <m:e>
                             <m:r>
-                              <a:rPr lang="ru-RU" sz="6000" i="1">
+                              <a:rPr lang="ru-RU" sz="7200" i="1">
                                 <a:solidFill>
                                   <a:schemeClr val="tx1"/>
                                 </a:solidFill>
@@ -15962,7 +16073,7 @@
                           </m:e>
                           <m:sub>
                             <m:r>
-                              <a:rPr lang="ru-RU" sz="6000" i="1">
+                              <a:rPr lang="ru-RU" sz="7200" i="1">
                                 <a:solidFill>
                                   <a:schemeClr val="tx1"/>
                                 </a:solidFill>
@@ -15975,7 +16086,7 @@
                       </m:e>
                     </m:d>
                     <m:r>
-                      <a:rPr lang="ru-RU" sz="6000" i="1">
+                      <a:rPr lang="ru-RU" sz="7200" i="1">
                         <a:solidFill>
                           <a:schemeClr val="tx1"/>
                         </a:solidFill>
@@ -15986,7 +16097,7 @@
                     <m:sSub>
                       <m:sSubPr>
                         <m:ctrlPr>
-                          <a:rPr lang="ru-RU" sz="6000" i="1">
+                          <a:rPr lang="ru-RU" sz="7200" i="1">
                             <a:solidFill>
                               <a:schemeClr val="tx1"/>
                             </a:solidFill>
@@ -15996,7 +16107,7 @@
                       </m:sSubPr>
                       <m:e>
                         <m:r>
-                          <a:rPr lang="ru-RU" sz="6000" i="1">
+                          <a:rPr lang="ru-RU" sz="7200" i="1">
                             <a:solidFill>
                               <a:schemeClr val="tx1"/>
                             </a:solidFill>
@@ -16007,7 +16118,7 @@
                       </m:e>
                       <m:sub>
                         <m:r>
-                          <a:rPr lang="ru-RU" sz="6000" i="1">
+                          <a:rPr lang="ru-RU" sz="7200" i="1">
                             <a:solidFill>
                               <a:schemeClr val="tx1"/>
                             </a:solidFill>
@@ -16018,7 +16129,7 @@
                       </m:sub>
                     </m:sSub>
                     <m:r>
-                      <a:rPr lang="ru-RU" sz="6000" i="1">
+                      <a:rPr lang="ru-RU" sz="7200" i="1">
                         <a:solidFill>
                           <a:schemeClr val="tx1"/>
                         </a:solidFill>
@@ -16029,7 +16140,7 @@
                     <m:sSub>
                       <m:sSubPr>
                         <m:ctrlPr>
-                          <a:rPr lang="ru-RU" sz="6000" i="1">
+                          <a:rPr lang="ru-RU" sz="7200" i="1">
                             <a:solidFill>
                               <a:schemeClr val="tx1"/>
                             </a:solidFill>
@@ -16039,7 +16150,7 @@
                       </m:sSubPr>
                       <m:e>
                         <m:r>
-                          <a:rPr lang="ru-RU" sz="6000" i="1">
+                          <a:rPr lang="ru-RU" sz="7200" i="1">
                             <a:solidFill>
                               <a:schemeClr val="tx1"/>
                             </a:solidFill>
@@ -16050,7 +16161,7 @@
                       </m:e>
                       <m:sub>
                         <m:r>
-                          <a:rPr lang="ru-RU" sz="6000" i="1">
+                          <a:rPr lang="ru-RU" sz="7200" i="1">
                             <a:solidFill>
                               <a:schemeClr val="tx1"/>
                             </a:solidFill>
@@ -16063,7 +16174,7 @@
                     <m:d>
                       <m:dPr>
                         <m:ctrlPr>
-                          <a:rPr lang="ru-RU" sz="6000" i="1">
+                          <a:rPr lang="ru-RU" sz="7200" i="1">
                             <a:solidFill>
                               <a:schemeClr val="tx1"/>
                             </a:solidFill>
@@ -16075,7 +16186,7 @@
                         <m:sSub>
                           <m:sSubPr>
                             <m:ctrlPr>
-                              <a:rPr lang="ru-RU" sz="6000" i="1">
+                              <a:rPr lang="ru-RU" sz="7200" i="1">
                                 <a:solidFill>
                                   <a:schemeClr val="tx1"/>
                                 </a:solidFill>
@@ -16085,7 +16196,7 @@
                           </m:sSubPr>
                           <m:e>
                             <m:r>
-                              <a:rPr lang="ru-RU" sz="6000" i="1">
+                              <a:rPr lang="ru-RU" sz="7200" i="1">
                                 <a:solidFill>
                                   <a:schemeClr val="tx1"/>
                                 </a:solidFill>
@@ -16096,7 +16207,7 @@
                           </m:e>
                           <m:sub>
                             <m:r>
-                              <a:rPr lang="ru-RU" sz="6000" i="1">
+                              <a:rPr lang="ru-RU" sz="7200" i="1">
                                 <a:solidFill>
                                   <a:schemeClr val="tx1"/>
                                 </a:solidFill>
@@ -16105,7 +16216,7 @@
                               <m:t>𝑖</m:t>
                             </m:r>
                             <m:r>
-                              <a:rPr lang="ru-RU" sz="6000" i="1">
+                              <a:rPr lang="ru-RU" sz="7200" i="1">
                                 <a:solidFill>
                                   <a:schemeClr val="tx1"/>
                                 </a:solidFill>
@@ -16118,7 +16229,7 @@
                       </m:e>
                     </m:d>
                     <m:r>
-                      <a:rPr lang="ru-RU" sz="6000" i="1">
+                      <a:rPr lang="ru-RU" sz="7200" i="1">
                         <a:solidFill>
                           <a:schemeClr val="tx1"/>
                         </a:solidFill>
@@ -16129,7 +16240,7 @@
                     <m:sSub>
                       <m:sSubPr>
                         <m:ctrlPr>
-                          <a:rPr lang="ru-RU" sz="6000" i="1">
+                          <a:rPr lang="ru-RU" sz="7200" i="1">
                             <a:solidFill>
                               <a:schemeClr val="tx1"/>
                             </a:solidFill>
@@ -16139,7 +16250,7 @@
                       </m:sSubPr>
                       <m:e>
                         <m:r>
-                          <a:rPr lang="ru-RU" sz="6000" i="1">
+                          <a:rPr lang="ru-RU" sz="7200" i="1">
                             <a:solidFill>
                               <a:schemeClr val="tx1"/>
                             </a:solidFill>
@@ -16150,7 +16261,7 @@
                       </m:e>
                       <m:sub>
                         <m:r>
-                          <a:rPr lang="ru-RU" sz="6000" i="1">
+                          <a:rPr lang="ru-RU" sz="7200" i="1">
                             <a:solidFill>
                               <a:schemeClr val="tx1"/>
                             </a:solidFill>
@@ -16159,7 +16270,7 @@
                           <m:t>𝑖</m:t>
                         </m:r>
                         <m:r>
-                          <a:rPr lang="ru-RU" sz="6000" i="1">
+                          <a:rPr lang="ru-RU" sz="7200" i="1">
                             <a:solidFill>
                               <a:schemeClr val="tx1"/>
                             </a:solidFill>
@@ -16170,7 +16281,7 @@
                       </m:sub>
                     </m:sSub>
                     <m:r>
-                      <a:rPr lang="ru-RU" sz="6000" i="1">
+                      <a:rPr lang="ru-RU" sz="7200" i="1">
                         <a:solidFill>
                           <a:schemeClr val="tx1"/>
                         </a:solidFill>
@@ -16180,7 +16291,7 @@
                     </m:r>
                   </m:oMath>
                 </a14:m>
-                <a:endParaRPr lang="ru-RU" sz="6000" dirty="0">
+                <a:endParaRPr lang="ru-RU" sz="7200" dirty="0">
                   <a:solidFill>
                     <a:schemeClr val="tx1"/>
                   </a:solidFill>
@@ -16194,7 +16305,7 @@
                   <a:buChar char="•"/>
                 </a:pPr>
                 <a:r>
-                  <a:rPr lang="ru-RU" sz="6000" dirty="0">
+                  <a:rPr lang="ru-RU" sz="7200" dirty="0">
                     <a:solidFill>
                       <a:schemeClr val="tx1"/>
                     </a:solidFill>
@@ -16208,7 +16319,7 @@
                     <m:sSubSup>
                       <m:sSubSupPr>
                         <m:ctrlPr>
-                          <a:rPr lang="ru-RU" sz="6000" i="1">
+                          <a:rPr lang="ru-RU" sz="7200" i="1">
                             <a:solidFill>
                               <a:schemeClr val="tx1"/>
                             </a:solidFill>
@@ -16218,7 +16329,7 @@
                       </m:sSubSupPr>
                       <m:e>
                         <m:r>
-                          <a:rPr lang="ru-RU" sz="6000" i="1">
+                          <a:rPr lang="ru-RU" sz="7200" i="1">
                             <a:solidFill>
                               <a:schemeClr val="tx1"/>
                             </a:solidFill>
@@ -16229,7 +16340,7 @@
                       </m:e>
                       <m:sub>
                         <m:r>
-                          <a:rPr lang="ru-RU" sz="6000" i="1">
+                          <a:rPr lang="ru-RU" sz="7200" i="1">
                             <a:solidFill>
                               <a:schemeClr val="tx1"/>
                             </a:solidFill>
@@ -16240,7 +16351,7 @@
                       </m:sub>
                       <m:sup>
                         <m:r>
-                          <a:rPr lang="ru-RU" sz="6000" i="1">
+                          <a:rPr lang="ru-RU" sz="7200" i="1">
                             <a:solidFill>
                               <a:schemeClr val="tx1"/>
                             </a:solidFill>
@@ -16253,7 +16364,7 @@
                     <m:d>
                       <m:dPr>
                         <m:ctrlPr>
-                          <a:rPr lang="ru-RU" sz="6000" i="1">
+                          <a:rPr lang="ru-RU" sz="7200" i="1">
                             <a:solidFill>
                               <a:schemeClr val="tx1"/>
                             </a:solidFill>
@@ -16265,7 +16376,7 @@
                         <m:sSub>
                           <m:sSubPr>
                             <m:ctrlPr>
-                              <a:rPr lang="ru-RU" sz="6000" i="1">
+                              <a:rPr lang="ru-RU" sz="7200" i="1">
                                 <a:solidFill>
                                   <a:schemeClr val="tx1"/>
                                 </a:solidFill>
@@ -16275,7 +16386,7 @@
                           </m:sSubPr>
                           <m:e>
                             <m:r>
-                              <a:rPr lang="ru-RU" sz="6000" i="1">
+                              <a:rPr lang="ru-RU" sz="7200" i="1">
                                 <a:solidFill>
                                   <a:schemeClr val="tx1"/>
                                 </a:solidFill>
@@ -16286,7 +16397,7 @@
                           </m:e>
                           <m:sub>
                             <m:r>
-                              <a:rPr lang="ru-RU" sz="6000" i="1">
+                              <a:rPr lang="ru-RU" sz="7200" i="1">
                                 <a:solidFill>
                                   <a:schemeClr val="tx1"/>
                                 </a:solidFill>
@@ -16295,7 +16406,7 @@
                               <m:t>𝑖</m:t>
                             </m:r>
                             <m:r>
-                              <a:rPr lang="ru-RU" sz="6000" i="1">
+                              <a:rPr lang="ru-RU" sz="7200" i="1">
                                 <a:solidFill>
                                   <a:schemeClr val="tx1"/>
                                 </a:solidFill>
@@ -16308,7 +16419,7 @@
                       </m:e>
                     </m:d>
                     <m:r>
-                      <a:rPr lang="ru-RU" sz="6000" i="1">
+                      <a:rPr lang="ru-RU" sz="7200" i="1">
                         <a:solidFill>
                           <a:schemeClr val="tx1"/>
                         </a:solidFill>
@@ -16319,7 +16430,7 @@
                     <m:sSubSup>
                       <m:sSubSupPr>
                         <m:ctrlPr>
-                          <a:rPr lang="ru-RU" sz="6000" i="1">
+                          <a:rPr lang="ru-RU" sz="7200" i="1">
                             <a:solidFill>
                               <a:schemeClr val="tx1"/>
                             </a:solidFill>
@@ -16329,7 +16440,7 @@
                       </m:sSubSupPr>
                       <m:e>
                         <m:r>
-                          <a:rPr lang="ru-RU" sz="6000" i="1">
+                          <a:rPr lang="ru-RU" sz="7200" i="1">
                             <a:solidFill>
                               <a:schemeClr val="tx1"/>
                             </a:solidFill>
@@ -16340,7 +16451,7 @@
                       </m:e>
                       <m:sub>
                         <m:r>
-                          <a:rPr lang="ru-RU" sz="6000" i="1">
+                          <a:rPr lang="ru-RU" sz="7200" i="1">
                             <a:solidFill>
                               <a:schemeClr val="tx1"/>
                             </a:solidFill>
@@ -16349,7 +16460,7 @@
                           <m:t>𝑖</m:t>
                         </m:r>
                         <m:r>
-                          <a:rPr lang="ru-RU" sz="6000" i="1">
+                          <a:rPr lang="ru-RU" sz="7200" i="1">
                             <a:solidFill>
                               <a:schemeClr val="tx1"/>
                             </a:solidFill>
@@ -16360,7 +16471,7 @@
                       </m:sub>
                       <m:sup>
                         <m:r>
-                          <a:rPr lang="ru-RU" sz="6000" i="1">
+                          <a:rPr lang="ru-RU" sz="7200" i="1">
                             <a:solidFill>
                               <a:schemeClr val="tx1"/>
                             </a:solidFill>
@@ -16373,7 +16484,7 @@
                     <m:d>
                       <m:dPr>
                         <m:ctrlPr>
-                          <a:rPr lang="ru-RU" sz="6000" i="1">
+                          <a:rPr lang="ru-RU" sz="7200" i="1">
                             <a:solidFill>
                               <a:schemeClr val="tx1"/>
                             </a:solidFill>
@@ -16385,7 +16496,7 @@
                         <m:sSub>
                           <m:sSubPr>
                             <m:ctrlPr>
-                              <a:rPr lang="ru-RU" sz="6000" i="1">
+                              <a:rPr lang="ru-RU" sz="7200" i="1">
                                 <a:solidFill>
                                   <a:schemeClr val="tx1"/>
                                 </a:solidFill>
@@ -16395,7 +16506,7 @@
                           </m:sSubPr>
                           <m:e>
                             <m:r>
-                              <a:rPr lang="ru-RU" sz="6000" i="1">
+                              <a:rPr lang="ru-RU" sz="7200" i="1">
                                 <a:solidFill>
                                   <a:schemeClr val="tx1"/>
                                 </a:solidFill>
@@ -16406,7 +16517,7 @@
                           </m:e>
                           <m:sub>
                             <m:r>
-                              <a:rPr lang="ru-RU" sz="6000" i="1">
+                              <a:rPr lang="ru-RU" sz="7200" i="1">
                                 <a:solidFill>
                                   <a:schemeClr val="tx1"/>
                                 </a:solidFill>
@@ -16415,7 +16526,7 @@
                               <m:t>𝑖</m:t>
                             </m:r>
                             <m:r>
-                              <a:rPr lang="ru-RU" sz="6000" i="1">
+                              <a:rPr lang="ru-RU" sz="7200" i="1">
                                 <a:solidFill>
                                   <a:schemeClr val="tx1"/>
                                 </a:solidFill>
@@ -16428,7 +16539,7 @@
                       </m:e>
                     </m:d>
                     <m:r>
-                      <a:rPr lang="ru-RU" sz="6000" i="1">
+                      <a:rPr lang="ru-RU" sz="7200" i="1">
                         <a:solidFill>
                           <a:schemeClr val="tx1"/>
                         </a:solidFill>
@@ -16438,7 +16549,7 @@
                     </m:r>
                   </m:oMath>
                 </a14:m>
-                <a:endParaRPr lang="ru-RU" sz="6000" dirty="0">
+                <a:endParaRPr lang="ru-RU" sz="7200" dirty="0">
                   <a:solidFill>
                     <a:schemeClr val="tx1"/>
                   </a:solidFill>
@@ -16447,262 +16558,10 @@
                 </a:endParaRPr>
               </a:p>
               <a:p>
-                <a:pPr>
-                  <a:buFont typeface="Arial" panose="020B0604020202020204" pitchFamily="34" charset="0"/>
-                  <a:buChar char="•"/>
-                </a:pPr>
-                <a:r>
-                  <a:rPr lang="ru-RU" sz="6000" dirty="0">
-                    <a:solidFill>
-                      <a:schemeClr val="tx1"/>
-                    </a:solidFill>
-                    <a:latin typeface="Times New Roman" panose="02020603050405020304" pitchFamily="18" charset="0"/>
-                    <a:cs typeface="Times New Roman" panose="02020603050405020304" pitchFamily="18" charset="0"/>
-                  </a:rPr>
-                  <a:t>Вторые производные полиномов на соседних отрезках должны совпадать в точках пересечения: </a:t>
-                </a:r>
-                <a14:m>
-                  <m:oMath xmlns:m="http://schemas.openxmlformats.org/officeDocument/2006/math">
-                    <m:sSubSup>
-                      <m:sSubSupPr>
-                        <m:ctrlPr>
-                          <a:rPr lang="ru-RU" sz="6000" i="1">
-                            <a:solidFill>
-                              <a:schemeClr val="tx1"/>
-                            </a:solidFill>
-                            <a:latin typeface="Cambria Math" panose="02040503050406030204" pitchFamily="18" charset="0"/>
-                          </a:rPr>
-                        </m:ctrlPr>
-                      </m:sSubSupPr>
-                      <m:e>
-                        <m:r>
-                          <a:rPr lang="ru-RU" sz="6000" i="1">
-                            <a:solidFill>
-                              <a:schemeClr val="tx1"/>
-                            </a:solidFill>
-                            <a:latin typeface="Cambria Math" panose="02040503050406030204" pitchFamily="18" charset="0"/>
-                          </a:rPr>
-                          <m:t>𝑝</m:t>
-                        </m:r>
-                      </m:e>
-                      <m:sub>
-                        <m:r>
-                          <a:rPr lang="ru-RU" sz="6000" i="1">
-                            <a:solidFill>
-                              <a:schemeClr val="tx1"/>
-                            </a:solidFill>
-                            <a:latin typeface="Cambria Math" panose="02040503050406030204" pitchFamily="18" charset="0"/>
-                          </a:rPr>
-                          <m:t>𝑖</m:t>
-                        </m:r>
-                      </m:sub>
-                      <m:sup>
-                        <m:r>
-                          <a:rPr lang="ru-RU" sz="6000" i="1">
-                            <a:solidFill>
-                              <a:schemeClr val="tx1"/>
-                            </a:solidFill>
-                            <a:latin typeface="Cambria Math" panose="02040503050406030204" pitchFamily="18" charset="0"/>
-                          </a:rPr>
-                          <m:t>′′</m:t>
-                        </m:r>
-                      </m:sup>
-                    </m:sSubSup>
-                    <m:d>
-                      <m:dPr>
-                        <m:ctrlPr>
-                          <a:rPr lang="ru-RU" sz="6000" i="1">
-                            <a:solidFill>
-                              <a:schemeClr val="tx1"/>
-                            </a:solidFill>
-                            <a:latin typeface="Cambria Math" panose="02040503050406030204" pitchFamily="18" charset="0"/>
-                          </a:rPr>
-                        </m:ctrlPr>
-                      </m:dPr>
-                      <m:e>
-                        <m:sSub>
-                          <m:sSubPr>
-                            <m:ctrlPr>
-                              <a:rPr lang="ru-RU" sz="6000" i="1">
-                                <a:solidFill>
-                                  <a:schemeClr val="tx1"/>
-                                </a:solidFill>
-                                <a:latin typeface="Cambria Math" panose="02040503050406030204" pitchFamily="18" charset="0"/>
-                              </a:rPr>
-                            </m:ctrlPr>
-                          </m:sSubPr>
-                          <m:e>
-                            <m:r>
-                              <a:rPr lang="ru-RU" sz="6000" i="1">
-                                <a:solidFill>
-                                  <a:schemeClr val="tx1"/>
-                                </a:solidFill>
-                                <a:latin typeface="Cambria Math" panose="02040503050406030204" pitchFamily="18" charset="0"/>
-                              </a:rPr>
-                              <m:t>𝑥</m:t>
-                            </m:r>
-                          </m:e>
-                          <m:sub>
-                            <m:r>
-                              <a:rPr lang="ru-RU" sz="6000" i="1">
-                                <a:solidFill>
-                                  <a:schemeClr val="tx1"/>
-                                </a:solidFill>
-                                <a:latin typeface="Cambria Math" panose="02040503050406030204" pitchFamily="18" charset="0"/>
-                              </a:rPr>
-                              <m:t>𝑖</m:t>
-                            </m:r>
-                            <m:r>
-                              <a:rPr lang="ru-RU" sz="6000" i="1">
-                                <a:solidFill>
-                                  <a:schemeClr val="tx1"/>
-                                </a:solidFill>
-                                <a:latin typeface="Cambria Math" panose="02040503050406030204" pitchFamily="18" charset="0"/>
-                              </a:rPr>
-                              <m:t>+1</m:t>
-                            </m:r>
-                          </m:sub>
-                        </m:sSub>
-                      </m:e>
-                    </m:d>
-                    <m:r>
-                      <a:rPr lang="ru-RU" sz="6000" i="1">
-                        <a:solidFill>
-                          <a:schemeClr val="tx1"/>
-                        </a:solidFill>
-                        <a:latin typeface="Cambria Math" panose="02040503050406030204" pitchFamily="18" charset="0"/>
-                      </a:rPr>
-                      <m:t>= </m:t>
-                    </m:r>
-                    <m:sSubSup>
-                      <m:sSubSupPr>
-                        <m:ctrlPr>
-                          <a:rPr lang="ru-RU" sz="6000" i="1">
-                            <a:solidFill>
-                              <a:schemeClr val="tx1"/>
-                            </a:solidFill>
-                            <a:latin typeface="Cambria Math" panose="02040503050406030204" pitchFamily="18" charset="0"/>
-                          </a:rPr>
-                        </m:ctrlPr>
-                      </m:sSubSupPr>
-                      <m:e>
-                        <m:r>
-                          <a:rPr lang="ru-RU" sz="6000" i="1">
-                            <a:solidFill>
-                              <a:schemeClr val="tx1"/>
-                            </a:solidFill>
-                            <a:latin typeface="Cambria Math" panose="02040503050406030204" pitchFamily="18" charset="0"/>
-                          </a:rPr>
-                          <m:t>𝑝</m:t>
-                        </m:r>
-                      </m:e>
-                      <m:sub>
-                        <m:r>
-                          <a:rPr lang="ru-RU" sz="6000" i="1">
-                            <a:solidFill>
-                              <a:schemeClr val="tx1"/>
-                            </a:solidFill>
-                            <a:latin typeface="Cambria Math" panose="02040503050406030204" pitchFamily="18" charset="0"/>
-                          </a:rPr>
-                          <m:t>𝑖</m:t>
-                        </m:r>
-                        <m:r>
-                          <a:rPr lang="ru-RU" sz="6000" i="1">
-                            <a:solidFill>
-                              <a:schemeClr val="tx1"/>
-                            </a:solidFill>
-                            <a:latin typeface="Cambria Math" panose="02040503050406030204" pitchFamily="18" charset="0"/>
-                          </a:rPr>
-                          <m:t>+1</m:t>
-                        </m:r>
-                      </m:sub>
-                      <m:sup>
-                        <m:r>
-                          <a:rPr lang="ru-RU" sz="6000" i="1">
-                            <a:solidFill>
-                              <a:schemeClr val="tx1"/>
-                            </a:solidFill>
-                            <a:latin typeface="Cambria Math" panose="02040503050406030204" pitchFamily="18" charset="0"/>
-                          </a:rPr>
-                          <m:t>′′</m:t>
-                        </m:r>
-                      </m:sup>
-                    </m:sSubSup>
-                    <m:d>
-                      <m:dPr>
-                        <m:ctrlPr>
-                          <a:rPr lang="ru-RU" sz="6000" i="1">
-                            <a:solidFill>
-                              <a:schemeClr val="tx1"/>
-                            </a:solidFill>
-                            <a:latin typeface="Cambria Math" panose="02040503050406030204" pitchFamily="18" charset="0"/>
-                          </a:rPr>
-                        </m:ctrlPr>
-                      </m:dPr>
-                      <m:e>
-                        <m:sSub>
-                          <m:sSubPr>
-                            <m:ctrlPr>
-                              <a:rPr lang="ru-RU" sz="6000" i="1">
-                                <a:solidFill>
-                                  <a:schemeClr val="tx1"/>
-                                </a:solidFill>
-                                <a:latin typeface="Cambria Math" panose="02040503050406030204" pitchFamily="18" charset="0"/>
-                              </a:rPr>
-                            </m:ctrlPr>
-                          </m:sSubPr>
-                          <m:e>
-                            <m:r>
-                              <a:rPr lang="ru-RU" sz="6000" i="1">
-                                <a:solidFill>
-                                  <a:schemeClr val="tx1"/>
-                                </a:solidFill>
-                                <a:latin typeface="Cambria Math" panose="02040503050406030204" pitchFamily="18" charset="0"/>
-                              </a:rPr>
-                              <m:t>𝑥</m:t>
-                            </m:r>
-                          </m:e>
-                          <m:sub>
-                            <m:r>
-                              <a:rPr lang="ru-RU" sz="6000" i="1">
-                                <a:solidFill>
-                                  <a:schemeClr val="tx1"/>
-                                </a:solidFill>
-                                <a:latin typeface="Cambria Math" panose="02040503050406030204" pitchFamily="18" charset="0"/>
-                              </a:rPr>
-                              <m:t>𝑖</m:t>
-                            </m:r>
-                            <m:r>
-                              <a:rPr lang="ru-RU" sz="6000" i="1">
-                                <a:solidFill>
-                                  <a:schemeClr val="tx1"/>
-                                </a:solidFill>
-                                <a:latin typeface="Cambria Math" panose="02040503050406030204" pitchFamily="18" charset="0"/>
-                              </a:rPr>
-                              <m:t>+1</m:t>
-                            </m:r>
-                          </m:sub>
-                        </m:sSub>
-                      </m:e>
-                    </m:d>
-                  </m:oMath>
-                </a14:m>
-                <a:r>
-                  <a:rPr lang="ru-RU" sz="6000" dirty="0">
-                    <a:solidFill>
-                      <a:schemeClr val="tx1"/>
-                    </a:solidFill>
-                    <a:latin typeface="Times New Roman" panose="02020603050405020304" pitchFamily="18" charset="0"/>
-                    <a:cs typeface="Times New Roman" panose="02020603050405020304" pitchFamily="18" charset="0"/>
-                  </a:rPr>
-                  <a:t>.</a:t>
-                </a:r>
-              </a:p>
-              <a:p>
                 <a:pPr marL="0" indent="0">
                   <a:buNone/>
                 </a:pPr>
-                <a:endParaRPr lang="ru-RU" sz="6000" b="1" kern="100" dirty="0" smtClean="0">
+                <a:endParaRPr lang="ru-RU" sz="7200" b="1" kern="100" dirty="0" smtClean="0">
                   <a:solidFill>
                     <a:schemeClr val="tx1"/>
                   </a:solidFill>
@@ -16725,7 +16584,7 @@
                   <a:buNone/>
                 </a:pPr>
                 <a:r>
-                  <a:rPr lang="ru-RU" sz="6000" b="1" kern="100" dirty="0" smtClean="0">
+                  <a:rPr lang="ru-RU" sz="7200" b="1" kern="100" dirty="0" smtClean="0">
                     <a:solidFill>
                       <a:schemeClr val="tx1"/>
                     </a:solidFill>
@@ -16736,7 +16595,7 @@
                   <a:t>Плюсы</a:t>
                 </a:r>
                 <a:r>
-                  <a:rPr lang="en-US" sz="6000" b="1" kern="100" dirty="0">
+                  <a:rPr lang="en-US" sz="7200" b="1" kern="100" dirty="0">
                     <a:solidFill>
                       <a:schemeClr val="tx1"/>
                     </a:solidFill>
@@ -16761,7 +16620,7 @@
                   <a:buNone/>
                 </a:pPr>
                 <a:r>
-                  <a:rPr lang="ru-RU" sz="6000" kern="100" dirty="0">
+                  <a:rPr lang="ru-RU" sz="7200" kern="100" dirty="0">
                     <a:solidFill>
                       <a:schemeClr val="tx1"/>
                     </a:solidFill>
@@ -16772,7 +16631,7 @@
                   </a:rPr>
                   <a:t>Функция является дважды дифференцируемой</a:t>
                 </a:r>
-                <a:endParaRPr lang="ru-RU" sz="6000" kern="100" dirty="0">
+                <a:endParaRPr lang="ru-RU" sz="7200" kern="100" dirty="0">
                   <a:solidFill>
                     <a:schemeClr val="tx1"/>
                   </a:solidFill>
@@ -16795,7 +16654,7 @@
                   <a:buNone/>
                 </a:pPr>
                 <a:r>
-                  <a:rPr lang="ru-RU" sz="6000" b="1" kern="100" dirty="0">
+                  <a:rPr lang="ru-RU" sz="7200" b="1" kern="100" dirty="0">
                     <a:solidFill>
                       <a:schemeClr val="tx1"/>
                     </a:solidFill>
@@ -16806,7 +16665,7 @@
                   <a:t>Минусы</a:t>
                 </a:r>
                 <a:r>
-                  <a:rPr lang="en-US" sz="6000" b="1" kern="100" dirty="0">
+                  <a:rPr lang="en-US" sz="7200" b="1" kern="100" dirty="0">
                     <a:solidFill>
                       <a:schemeClr val="tx1"/>
                     </a:solidFill>
@@ -16816,7 +16675,7 @@
                   </a:rPr>
                   <a:t>:</a:t>
                 </a:r>
-                <a:endParaRPr lang="ru-RU" sz="6000" b="1" kern="100" dirty="0">
+                <a:endParaRPr lang="ru-RU" sz="7200" b="1" kern="100" dirty="0">
                   <a:solidFill>
                     <a:schemeClr val="tx1"/>
                   </a:solidFill>
@@ -16839,7 +16698,7 @@
                   <a:buNone/>
                 </a:pPr>
                 <a:r>
-                  <a:rPr lang="ru-RU" sz="6000" kern="100" dirty="0">
+                  <a:rPr lang="ru-RU" sz="7200" kern="100" dirty="0">
                     <a:solidFill>
                       <a:schemeClr val="tx1"/>
                     </a:solidFill>
@@ -16860,7 +16719,7 @@
             </p:txBody>
           </p:sp>
         </mc:Choice>
-        <mc:Fallback xmlns="">
+        <mc:Fallback>
           <p:sp>
             <p:nvSpPr>
               <p:cNvPr id="3" name="Content Placeholder 2">
@@ -16885,7 +16744,7 @@
               <a:blipFill>
                 <a:blip r:embed="rId2"/>
                 <a:stretch>
-                  <a:fillRect l="-2257" t="-1818" r="-1425" b="-909"/>
+                  <a:fillRect l="-2850" t="-2727" r="-1781" b="-3182"/>
                 </a:stretch>
               </a:blipFill>
             </p:spPr>
@@ -19810,7 +19669,7 @@
                       <m:sSub>
                         <m:sSubPr>
                           <m:ctrlPr>
-                            <a:rPr lang="ru-RU" sz="8000" i="1">
+                            <a:rPr lang="ru-RU" sz="8000" i="1" smtClean="0">
                               <a:solidFill>
                                 <a:schemeClr val="tx1"/>
                               </a:solidFill>
@@ -21561,7 +21420,7 @@
                     <a:latin typeface="Times New Roman" panose="02020603050405020304" pitchFamily="18" charset="0"/>
                     <a:cs typeface="Times New Roman" panose="02020603050405020304" pitchFamily="18" charset="0"/>
                   </a:rPr>
-                  <a:t>находим по формулам</a:t>
+                  <a:t>находятся исходя из системы уравнений</a:t>
                 </a:r>
                 <a:r>
                   <a:rPr lang="en-US" sz="8000" dirty="0" smtClean="0">
@@ -21582,13 +21441,25 @@
                 </a:endParaRPr>
               </a:p>
               <a:p>
-                <a:pPr marL="0" indent="0">
+                <a:pPr marL="0" indent="0" algn="ctr">
                   <a:lnSpc>
-                    <a:spcPct val="150000"/>
+                    <a:spcPct val="100000"/>
                   </a:lnSpc>
                   <a:spcBef>
                     <a:spcPts val="0"/>
                   </a:spcBef>
+                  <a:buNone/>
+                </a:pPr>
+                <a:endParaRPr lang="ru-RU" sz="8000" dirty="0">
+                  <a:latin typeface="Times New Roman" panose="02020603050405020304" pitchFamily="18" charset="0"/>
+                  <a:cs typeface="Times New Roman" panose="02020603050405020304" pitchFamily="18" charset="0"/>
+                </a:endParaRPr>
+              </a:p>
+              <a:p>
+                <a:pPr marL="0" indent="457200" algn="ctr">
+                  <a:lnSpc>
+                    <a:spcPct val="100000"/>
+                  </a:lnSpc>
                   <a:buNone/>
                 </a:pPr>
                 <a14:m>
@@ -21597,522 +21468,325 @@
                       <m:jc m:val="centerGroup"/>
                     </m:oMathParaPr>
                     <m:oMath xmlns:m="http://schemas.openxmlformats.org/officeDocument/2006/math">
-                      <m:r>
-                        <a:rPr lang="ru-RU" sz="8000" i="1">
-                          <a:solidFill>
-                            <a:schemeClr val="tx1"/>
-                          </a:solidFill>
-                          <a:latin typeface="Cambria Math" panose="02040503050406030204" pitchFamily="18" charset="0"/>
-                        </a:rPr>
-                        <m:t>𝐵</m:t>
-                      </m:r>
-                      <m:r>
-                        <a:rPr lang="ru-RU" sz="8000" i="1">
-                          <a:solidFill>
-                            <a:schemeClr val="tx1"/>
-                          </a:solidFill>
-                          <a:latin typeface="Cambria Math" panose="02040503050406030204" pitchFamily="18" charset="0"/>
-                        </a:rPr>
-                        <m:t>=</m:t>
-                      </m:r>
                       <m:d>
                         <m:dPr>
+                          <m:begChr m:val="{"/>
+                          <m:endChr m:val=""/>
                           <m:ctrlPr>
-                            <a:rPr lang="ru-RU" sz="8000" i="1">
+                            <a:rPr lang="ru-RU" sz="9600" i="1" smtClean="0">
                               <a:solidFill>
                                 <a:schemeClr val="tx1"/>
                               </a:solidFill>
-                              <a:latin typeface="Cambria Math" panose="02040503050406030204" pitchFamily="18" charset="0"/>
                             </a:rPr>
                           </m:ctrlPr>
                         </m:dPr>
                         <m:e>
-                          <m:sSub>
-                            <m:sSubPr>
+                          <m:eqArr>
+                            <m:eqArrPr>
                               <m:ctrlPr>
-                                <a:rPr lang="ru-RU" sz="8000" i="1">
+                                <a:rPr lang="ru-RU" sz="9600" i="1" smtClean="0">
                                   <a:solidFill>
                                     <a:schemeClr val="tx1"/>
                                   </a:solidFill>
-                                  <a:latin typeface="Cambria Math" panose="02040503050406030204" pitchFamily="18" charset="0"/>
                                 </a:rPr>
                               </m:ctrlPr>
-                            </m:sSubPr>
+                            </m:eqArrPr>
                             <m:e>
-                              <m:r>
-                                <a:rPr lang="ru-RU" sz="8000" i="1">
-                                  <a:solidFill>
-                                    <a:schemeClr val="tx1"/>
-                                  </a:solidFill>
-                                  <a:latin typeface="Cambria Math" panose="02040503050406030204" pitchFamily="18" charset="0"/>
-                                </a:rPr>
-                                <m:t>𝑦</m:t>
-                              </m:r>
-                            </m:e>
-                            <m:sub>
-                              <m:r>
-                                <a:rPr lang="ru-RU" sz="8000" i="1">
-                                  <a:solidFill>
-                                    <a:schemeClr val="tx1"/>
-                                  </a:solidFill>
-                                  <a:latin typeface="Cambria Math" panose="02040503050406030204" pitchFamily="18" charset="0"/>
-                                </a:rPr>
-                                <m:t>1</m:t>
-                              </m:r>
-                            </m:sub>
-                          </m:sSub>
-                          <m:r>
-                            <a:rPr lang="ru-RU" sz="8000" i="1">
-                              <a:solidFill>
-                                <a:schemeClr val="tx1"/>
-                              </a:solidFill>
-                              <a:latin typeface="Cambria Math" panose="02040503050406030204" pitchFamily="18" charset="0"/>
-                            </a:rPr>
-                            <m:t>−</m:t>
-                          </m:r>
-                          <m:r>
-                            <a:rPr lang="ru-RU" sz="8000" i="1">
-                              <a:solidFill>
-                                <a:schemeClr val="tx1"/>
-                              </a:solidFill>
-                              <a:latin typeface="Cambria Math" panose="02040503050406030204" pitchFamily="18" charset="0"/>
-                            </a:rPr>
-                            <m:t>𝐶</m:t>
-                          </m:r>
-                        </m:e>
-                      </m:d>
-                      <m:func>
-                        <m:funcPr>
-                          <m:ctrlPr>
-                            <a:rPr lang="ru-RU" sz="8000" i="1">
-                              <a:solidFill>
-                                <a:schemeClr val="tx1"/>
-                              </a:solidFill>
-                              <a:latin typeface="Cambria Math" panose="02040503050406030204" pitchFamily="18" charset="0"/>
-                            </a:rPr>
-                          </m:ctrlPr>
-                        </m:funcPr>
-                        <m:fName>
-                          <m:r>
-                            <m:rPr>
-                              <m:sty m:val="p"/>
-                            </m:rPr>
-                            <a:rPr lang="ru-RU" sz="8000">
-                              <a:solidFill>
-                                <a:schemeClr val="tx1"/>
-                              </a:solidFill>
-                              <a:latin typeface="Cambria Math" panose="02040503050406030204" pitchFamily="18" charset="0"/>
-                            </a:rPr>
-                            <m:t>exp</m:t>
-                          </m:r>
-                        </m:fName>
-                        <m:e>
-                          <m:d>
-                            <m:dPr>
-                              <m:ctrlPr>
-                                <a:rPr lang="ru-RU" sz="8000" i="1">
-                                  <a:solidFill>
-                                    <a:schemeClr val="tx1"/>
-                                  </a:solidFill>
-                                  <a:latin typeface="Cambria Math" panose="02040503050406030204" pitchFamily="18" charset="0"/>
-                                </a:rPr>
-                              </m:ctrlPr>
-                            </m:dPr>
-                            <m:e>
-                              <m:r>
-                                <a:rPr lang="ru-RU" sz="8000" i="1">
-                                  <a:solidFill>
-                                    <a:schemeClr val="tx1"/>
-                                  </a:solidFill>
-                                  <a:latin typeface="Cambria Math" panose="02040503050406030204" pitchFamily="18" charset="0"/>
-                                </a:rPr>
-                                <m:t>−</m:t>
-                              </m:r>
-                              <m:r>
-                                <a:rPr lang="ru-RU" sz="8000" i="1">
-                                  <a:solidFill>
-                                    <a:schemeClr val="tx1"/>
-                                  </a:solidFill>
-                                  <a:latin typeface="Cambria Math" panose="02040503050406030204" pitchFamily="18" charset="0"/>
-                                </a:rPr>
-                                <m:t>𝐴</m:t>
-                              </m:r>
                               <m:sSub>
                                 <m:sSubPr>
                                   <m:ctrlPr>
-                                    <a:rPr lang="ru-RU" sz="8000" i="1">
+                                    <a:rPr lang="ru-RU" sz="9600" i="1">
                                       <a:solidFill>
                                         <a:schemeClr val="tx1"/>
                                       </a:solidFill>
-                                      <a:latin typeface="Cambria Math" panose="02040503050406030204" pitchFamily="18" charset="0"/>
                                     </a:rPr>
                                   </m:ctrlPr>
                                 </m:sSubPr>
                                 <m:e>
                                   <m:r>
-                                    <a:rPr lang="ru-RU" sz="8000" i="1">
+                                    <a:rPr lang="ru-RU" sz="9600" b="0" i="1">
                                       <a:solidFill>
                                         <a:schemeClr val="tx1"/>
                                       </a:solidFill>
-                                      <a:latin typeface="Cambria Math" panose="02040503050406030204" pitchFamily="18" charset="0"/>
                                     </a:rPr>
-                                    <m:t>𝑥</m:t>
+                                    <m:t>𝑦</m:t>
                                   </m:r>
                                 </m:e>
                                 <m:sub>
                                   <m:r>
-                                    <a:rPr lang="ru-RU" sz="8000" i="1">
+                                    <a:rPr lang="ru-RU" sz="9600" b="0" i="1">
                                       <a:solidFill>
                                         <a:schemeClr val="tx1"/>
                                       </a:solidFill>
-                                      <a:latin typeface="Cambria Math" panose="02040503050406030204" pitchFamily="18" charset="0"/>
                                     </a:rPr>
                                     <m:t>1</m:t>
                                   </m:r>
                                 </m:sub>
                               </m:sSub>
+                              <m:r>
+                                <a:rPr lang="ru-RU" sz="9600" b="0" i="1">
+                                  <a:solidFill>
+                                    <a:schemeClr val="tx1"/>
+                                  </a:solidFill>
+                                </a:rPr>
+                                <m:t>=</m:t>
+                              </m:r>
+                              <m:r>
+                                <a:rPr lang="ru-RU" sz="9600" b="0" i="1">
+                                  <a:solidFill>
+                                    <a:schemeClr val="tx1"/>
+                                  </a:solidFill>
+                                </a:rPr>
+                                <m:t>𝐶</m:t>
+                              </m:r>
+                              <m:r>
+                                <a:rPr lang="ru-RU" sz="9600" b="0" i="1">
+                                  <a:solidFill>
+                                    <a:schemeClr val="tx1"/>
+                                  </a:solidFill>
+                                </a:rPr>
+                                <m:t>+</m:t>
+                              </m:r>
+                              <m:r>
+                                <a:rPr lang="ru-RU" sz="9600" b="0" i="1">
+                                  <a:solidFill>
+                                    <a:schemeClr val="tx1"/>
+                                  </a:solidFill>
+                                </a:rPr>
+                                <m:t>𝐵</m:t>
+                              </m:r>
+                              <m:func>
+                                <m:funcPr>
+                                  <m:ctrlPr>
+                                    <a:rPr lang="ru-RU" sz="9600" i="1">
+                                      <a:solidFill>
+                                        <a:schemeClr val="tx1"/>
+                                      </a:solidFill>
+                                    </a:rPr>
+                                  </m:ctrlPr>
+                                </m:funcPr>
+                                <m:fName>
+                                  <m:r>
+                                    <a:rPr lang="ru-RU" sz="9600" b="0" i="1">
+                                      <a:solidFill>
+                                        <a:schemeClr val="tx1"/>
+                                      </a:solidFill>
+                                    </a:rPr>
+                                    <m:t>𝑒𝑥𝑝</m:t>
+                                  </m:r>
+                                </m:fName>
+                                <m:e>
+                                  <m:d>
+                                    <m:dPr>
+                                      <m:ctrlPr>
+                                        <a:rPr lang="ru-RU" sz="9600" i="1">
+                                          <a:solidFill>
+                                            <a:schemeClr val="tx1"/>
+                                          </a:solidFill>
+                                        </a:rPr>
+                                      </m:ctrlPr>
+                                    </m:dPr>
+                                    <m:e>
+                                      <m:r>
+                                        <a:rPr lang="ru-RU" sz="9600" b="0" i="1">
+                                          <a:solidFill>
+                                            <a:schemeClr val="tx1"/>
+                                          </a:solidFill>
+                                        </a:rPr>
+                                        <m:t>𝐴</m:t>
+                                      </m:r>
+                                      <m:sSub>
+                                        <m:sSubPr>
+                                          <m:ctrlPr>
+                                            <a:rPr lang="ru-RU" sz="9600" i="1">
+                                              <a:solidFill>
+                                                <a:schemeClr val="tx1"/>
+                                              </a:solidFill>
+                                            </a:rPr>
+                                          </m:ctrlPr>
+                                        </m:sSubPr>
+                                        <m:e>
+                                          <m:r>
+                                            <a:rPr lang="ru-RU" sz="9600" b="0" i="1">
+                                              <a:solidFill>
+                                                <a:schemeClr val="tx1"/>
+                                              </a:solidFill>
+                                            </a:rPr>
+                                            <m:t>𝑥</m:t>
+                                          </m:r>
+                                        </m:e>
+                                        <m:sub>
+                                          <m:r>
+                                            <a:rPr lang="ru-RU" sz="9600" b="0" i="1">
+                                              <a:solidFill>
+                                                <a:schemeClr val="tx1"/>
+                                              </a:solidFill>
+                                            </a:rPr>
+                                            <m:t>1</m:t>
+                                          </m:r>
+                                        </m:sub>
+                                      </m:sSub>
+                                    </m:e>
+                                  </m:d>
+                                </m:e>
+                              </m:func>
                             </m:e>
-                          </m:d>
+                            <m:e>
+                              <m:sSub>
+                                <m:sSubPr>
+                                  <m:ctrlPr>
+                                    <a:rPr lang="ru-RU" sz="9600" i="1">
+                                      <a:solidFill>
+                                        <a:schemeClr val="tx1"/>
+                                      </a:solidFill>
+                                    </a:rPr>
+                                  </m:ctrlPr>
+                                </m:sSubPr>
+                                <m:e>
+                                  <m:r>
+                                    <a:rPr lang="ru-RU" sz="9600" b="0" i="1">
+                                      <a:solidFill>
+                                        <a:schemeClr val="tx1"/>
+                                      </a:solidFill>
+                                    </a:rPr>
+                                    <m:t>𝑦</m:t>
+                                  </m:r>
+                                </m:e>
+                                <m:sub>
+                                  <m:r>
+                                    <a:rPr lang="ru-RU" sz="9600" b="0" i="1">
+                                      <a:solidFill>
+                                        <a:schemeClr val="tx1"/>
+                                      </a:solidFill>
+                                    </a:rPr>
+                                    <m:t>2</m:t>
+                                  </m:r>
+                                </m:sub>
+                              </m:sSub>
+                              <m:r>
+                                <a:rPr lang="ru-RU" sz="9600" b="0" i="1">
+                                  <a:solidFill>
+                                    <a:schemeClr val="tx1"/>
+                                  </a:solidFill>
+                                </a:rPr>
+                                <m:t>=</m:t>
+                              </m:r>
+                              <m:r>
+                                <a:rPr lang="ru-RU" sz="9600" b="0" i="1">
+                                  <a:solidFill>
+                                    <a:schemeClr val="tx1"/>
+                                  </a:solidFill>
+                                </a:rPr>
+                                <m:t>𝐶</m:t>
+                              </m:r>
+                              <m:r>
+                                <a:rPr lang="ru-RU" sz="9600" b="0" i="1">
+                                  <a:solidFill>
+                                    <a:schemeClr val="tx1"/>
+                                  </a:solidFill>
+                                </a:rPr>
+                                <m:t>+</m:t>
+                              </m:r>
+                              <m:r>
+                                <a:rPr lang="ru-RU" sz="9600" b="0" i="1">
+                                  <a:solidFill>
+                                    <a:schemeClr val="tx1"/>
+                                  </a:solidFill>
+                                </a:rPr>
+                                <m:t>𝐵</m:t>
+                              </m:r>
+                              <m:func>
+                                <m:funcPr>
+                                  <m:ctrlPr>
+                                    <a:rPr lang="ru-RU" sz="9600" i="1">
+                                      <a:solidFill>
+                                        <a:schemeClr val="tx1"/>
+                                      </a:solidFill>
+                                    </a:rPr>
+                                  </m:ctrlPr>
+                                </m:funcPr>
+                                <m:fName>
+                                  <m:r>
+                                    <a:rPr lang="ru-RU" sz="9600" b="0" i="1">
+                                      <a:solidFill>
+                                        <a:schemeClr val="tx1"/>
+                                      </a:solidFill>
+                                    </a:rPr>
+                                    <m:t>𝑒𝑥𝑝</m:t>
+                                  </m:r>
+                                </m:fName>
+                                <m:e>
+                                  <m:d>
+                                    <m:dPr>
+                                      <m:ctrlPr>
+                                        <a:rPr lang="ru-RU" sz="9600" i="1">
+                                          <a:solidFill>
+                                            <a:schemeClr val="tx1"/>
+                                          </a:solidFill>
+                                        </a:rPr>
+                                      </m:ctrlPr>
+                                    </m:dPr>
+                                    <m:e>
+                                      <m:r>
+                                        <a:rPr lang="ru-RU" sz="9600" b="0" i="1">
+                                          <a:solidFill>
+                                            <a:schemeClr val="tx1"/>
+                                          </a:solidFill>
+                                        </a:rPr>
+                                        <m:t>𝐴</m:t>
+                                      </m:r>
+                                      <m:sSub>
+                                        <m:sSubPr>
+                                          <m:ctrlPr>
+                                            <a:rPr lang="ru-RU" sz="9600" i="1">
+                                              <a:solidFill>
+                                                <a:schemeClr val="tx1"/>
+                                              </a:solidFill>
+                                            </a:rPr>
+                                          </m:ctrlPr>
+                                        </m:sSubPr>
+                                        <m:e>
+                                          <m:r>
+                                            <a:rPr lang="ru-RU" sz="9600" b="0" i="1">
+                                              <a:solidFill>
+                                                <a:schemeClr val="tx1"/>
+                                              </a:solidFill>
+                                            </a:rPr>
+                                            <m:t>𝑥</m:t>
+                                          </m:r>
+                                        </m:e>
+                                        <m:sub>
+                                          <m:r>
+                                            <a:rPr lang="ru-RU" sz="9600" b="0" i="1">
+                                              <a:solidFill>
+                                                <a:schemeClr val="tx1"/>
+                                              </a:solidFill>
+                                            </a:rPr>
+                                            <m:t>2</m:t>
+                                          </m:r>
+                                        </m:sub>
+                                      </m:sSub>
+                                    </m:e>
+                                  </m:d>
+                                </m:e>
+                              </m:func>
+                            </m:e>
+                          </m:eqArr>
                         </m:e>
-                      </m:func>
-                      <m:r>
-                        <a:rPr lang="en-US" sz="8000" i="1">
-                          <a:solidFill>
-                            <a:schemeClr val="tx1"/>
-                          </a:solidFill>
-                          <a:latin typeface="Cambria Math" panose="02040503050406030204" pitchFamily="18" charset="0"/>
-                        </a:rPr>
-                        <m:t>.</m:t>
-                      </m:r>
+                      </m:d>
                     </m:oMath>
                   </m:oMathPara>
                 </a14:m>
-                <a:endParaRPr lang="ru-RU" sz="8000" i="1" kern="100" dirty="0" smtClean="0">
-                  <a:solidFill>
-                    <a:schemeClr val="tx1"/>
-                  </a:solidFill>
-                  <a:latin typeface="Times New Roman" panose="02020603050405020304" pitchFamily="18" charset="0"/>
-                  <a:ea typeface="Calibri" panose="020F0502020204030204" pitchFamily="34" charset="0"/>
-                  <a:cs typeface="Times New Roman" panose="02020603050405020304" pitchFamily="18" charset="0"/>
-                </a:endParaRPr>
+                <a:endParaRPr lang="ru-RU" sz="9600" dirty="0"/>
               </a:p>
               <a:p>
-                <a:pPr marL="0" indent="0">
-                  <a:lnSpc>
-                    <a:spcPct val="100000"/>
-                  </a:lnSpc>
-                  <a:spcBef>
-                    <a:spcPts val="0"/>
-                  </a:spcBef>
-                  <a:buNone/>
-                </a:pPr>
-                <a14:m>
-                  <m:oMathPara xmlns:m="http://schemas.openxmlformats.org/officeDocument/2006/math">
-                    <m:oMathParaPr>
-                      <m:jc m:val="centerGroup"/>
-                    </m:oMathParaPr>
-                    <m:oMath xmlns:m="http://schemas.openxmlformats.org/officeDocument/2006/math">
-                      <m:r>
-                        <a:rPr lang="ru-RU" sz="8000" i="1">
-                          <a:solidFill>
-                            <a:schemeClr val="tx1"/>
-                          </a:solidFill>
-                          <a:latin typeface="Cambria Math" panose="02040503050406030204" pitchFamily="18" charset="0"/>
-                        </a:rPr>
-                        <m:t>𝐶</m:t>
-                      </m:r>
-                      <m:r>
-                        <a:rPr lang="ru-RU" sz="8000" i="1">
-                          <a:solidFill>
-                            <a:schemeClr val="tx1"/>
-                          </a:solidFill>
-                          <a:latin typeface="Cambria Math" panose="02040503050406030204" pitchFamily="18" charset="0"/>
-                        </a:rPr>
-                        <m:t>=</m:t>
-                      </m:r>
-                      <m:f>
-                        <m:fPr>
-                          <m:ctrlPr>
-                            <a:rPr lang="ru-RU" sz="8000" i="1">
-                              <a:solidFill>
-                                <a:schemeClr val="tx1"/>
-                              </a:solidFill>
-                              <a:latin typeface="Cambria Math" panose="02040503050406030204" pitchFamily="18" charset="0"/>
-                            </a:rPr>
-                          </m:ctrlPr>
-                        </m:fPr>
-                        <m:num>
-                          <m:sSubSup>
-                            <m:sSubSupPr>
-                              <m:ctrlPr>
-                                <a:rPr lang="ru-RU" sz="8000" i="1">
-                                  <a:solidFill>
-                                    <a:schemeClr val="tx1"/>
-                                  </a:solidFill>
-                                  <a:latin typeface="Cambria Math" panose="02040503050406030204" pitchFamily="18" charset="0"/>
-                                </a:rPr>
-                              </m:ctrlPr>
-                            </m:sSubSupPr>
-                            <m:e>
-                              <m:r>
-                                <a:rPr lang="ru-RU" sz="8000" i="1">
-                                  <a:solidFill>
-                                    <a:schemeClr val="tx1"/>
-                                  </a:solidFill>
-                                  <a:latin typeface="Cambria Math" panose="02040503050406030204" pitchFamily="18" charset="0"/>
-                                </a:rPr>
-                                <m:t>𝑦</m:t>
-                              </m:r>
-                            </m:e>
-                            <m:sub>
-                              <m:r>
-                                <a:rPr lang="ru-RU" sz="8000" i="1">
-                                  <a:solidFill>
-                                    <a:schemeClr val="tx1"/>
-                                  </a:solidFill>
-                                  <a:latin typeface="Cambria Math" panose="02040503050406030204" pitchFamily="18" charset="0"/>
-                                </a:rPr>
-                                <m:t>2</m:t>
-                              </m:r>
-                            </m:sub>
-                            <m:sup>
-                              <m:r>
-                                <a:rPr lang="ru-RU" sz="8000" i="1">
-                                  <a:solidFill>
-                                    <a:schemeClr val="tx1"/>
-                                  </a:solidFill>
-                                  <a:latin typeface="Cambria Math" panose="02040503050406030204" pitchFamily="18" charset="0"/>
-                                </a:rPr>
-                                <m:t>2</m:t>
-                              </m:r>
-                            </m:sup>
-                          </m:sSubSup>
-                          <m:r>
-                            <a:rPr lang="ru-RU" sz="8000" i="1">
-                              <a:solidFill>
-                                <a:schemeClr val="tx1"/>
-                              </a:solidFill>
-                              <a:latin typeface="Cambria Math" panose="02040503050406030204" pitchFamily="18" charset="0"/>
-                            </a:rPr>
-                            <m:t>−</m:t>
-                          </m:r>
-                          <m:sSub>
-                            <m:sSubPr>
-                              <m:ctrlPr>
-                                <a:rPr lang="ru-RU" sz="8000" i="1">
-                                  <a:solidFill>
-                                    <a:schemeClr val="tx1"/>
-                                  </a:solidFill>
-                                  <a:latin typeface="Cambria Math" panose="02040503050406030204" pitchFamily="18" charset="0"/>
-                                </a:rPr>
-                              </m:ctrlPr>
-                            </m:sSubPr>
-                            <m:e>
-                              <m:r>
-                                <a:rPr lang="ru-RU" sz="8000" i="1">
-                                  <a:solidFill>
-                                    <a:schemeClr val="tx1"/>
-                                  </a:solidFill>
-                                  <a:latin typeface="Cambria Math" panose="02040503050406030204" pitchFamily="18" charset="0"/>
-                                </a:rPr>
-                                <m:t>𝑦</m:t>
-                              </m:r>
-                            </m:e>
-                            <m:sub>
-                              <m:r>
-                                <a:rPr lang="ru-RU" sz="8000" i="1">
-                                  <a:solidFill>
-                                    <a:schemeClr val="tx1"/>
-                                  </a:solidFill>
-                                  <a:latin typeface="Cambria Math" panose="02040503050406030204" pitchFamily="18" charset="0"/>
-                                </a:rPr>
-                                <m:t>1</m:t>
-                              </m:r>
-                            </m:sub>
-                          </m:sSub>
-                          <m:sSub>
-                            <m:sSubPr>
-                              <m:ctrlPr>
-                                <a:rPr lang="ru-RU" sz="8000" i="1">
-                                  <a:solidFill>
-                                    <a:schemeClr val="tx1"/>
-                                  </a:solidFill>
-                                  <a:latin typeface="Cambria Math" panose="02040503050406030204" pitchFamily="18" charset="0"/>
-                                </a:rPr>
-                              </m:ctrlPr>
-                            </m:sSubPr>
-                            <m:e>
-                              <m:r>
-                                <a:rPr lang="ru-RU" sz="8000" i="1">
-                                  <a:solidFill>
-                                    <a:schemeClr val="tx1"/>
-                                  </a:solidFill>
-                                  <a:latin typeface="Cambria Math" panose="02040503050406030204" pitchFamily="18" charset="0"/>
-                                </a:rPr>
-                                <m:t>𝑦</m:t>
-                              </m:r>
-                            </m:e>
-                            <m:sub>
-                              <m:r>
-                                <a:rPr lang="ru-RU" sz="8000" i="1">
-                                  <a:solidFill>
-                                    <a:schemeClr val="tx1"/>
-                                  </a:solidFill>
-                                  <a:latin typeface="Cambria Math" panose="02040503050406030204" pitchFamily="18" charset="0"/>
-                                </a:rPr>
-                                <m:t>3</m:t>
-                              </m:r>
-                            </m:sub>
-                          </m:sSub>
-                        </m:num>
-                        <m:den>
-                          <m:r>
-                            <a:rPr lang="ru-RU" sz="8000" i="1">
-                              <a:solidFill>
-                                <a:schemeClr val="tx1"/>
-                              </a:solidFill>
-                              <a:latin typeface="Cambria Math" panose="02040503050406030204" pitchFamily="18" charset="0"/>
-                            </a:rPr>
-                            <m:t>2</m:t>
-                          </m:r>
-                          <m:sSub>
-                            <m:sSubPr>
-                              <m:ctrlPr>
-                                <a:rPr lang="ru-RU" sz="8000" i="1">
-                                  <a:solidFill>
-                                    <a:schemeClr val="tx1"/>
-                                  </a:solidFill>
-                                  <a:latin typeface="Cambria Math" panose="02040503050406030204" pitchFamily="18" charset="0"/>
-                                </a:rPr>
-                              </m:ctrlPr>
-                            </m:sSubPr>
-                            <m:e>
-                              <m:r>
-                                <a:rPr lang="ru-RU" sz="8000" i="1">
-                                  <a:solidFill>
-                                    <a:schemeClr val="tx1"/>
-                                  </a:solidFill>
-                                  <a:latin typeface="Cambria Math" panose="02040503050406030204" pitchFamily="18" charset="0"/>
-                                </a:rPr>
-                                <m:t>𝑦</m:t>
-                              </m:r>
-                            </m:e>
-                            <m:sub>
-                              <m:r>
-                                <a:rPr lang="ru-RU" sz="8000" i="1">
-                                  <a:solidFill>
-                                    <a:schemeClr val="tx1"/>
-                                  </a:solidFill>
-                                  <a:latin typeface="Cambria Math" panose="02040503050406030204" pitchFamily="18" charset="0"/>
-                                </a:rPr>
-                                <m:t>2</m:t>
-                              </m:r>
-                            </m:sub>
-                          </m:sSub>
-                          <m:r>
-                            <a:rPr lang="ru-RU" sz="8000" i="1">
-                              <a:solidFill>
-                                <a:schemeClr val="tx1"/>
-                              </a:solidFill>
-                              <a:latin typeface="Cambria Math" panose="02040503050406030204" pitchFamily="18" charset="0"/>
-                            </a:rPr>
-                            <m:t>−</m:t>
-                          </m:r>
-                          <m:sSub>
-                            <m:sSubPr>
-                              <m:ctrlPr>
-                                <a:rPr lang="ru-RU" sz="8000" i="1">
-                                  <a:solidFill>
-                                    <a:schemeClr val="tx1"/>
-                                  </a:solidFill>
-                                  <a:latin typeface="Cambria Math" panose="02040503050406030204" pitchFamily="18" charset="0"/>
-                                </a:rPr>
-                              </m:ctrlPr>
-                            </m:sSubPr>
-                            <m:e>
-                              <m:r>
-                                <a:rPr lang="ru-RU" sz="8000" i="1">
-                                  <a:solidFill>
-                                    <a:schemeClr val="tx1"/>
-                                  </a:solidFill>
-                                  <a:latin typeface="Cambria Math" panose="02040503050406030204" pitchFamily="18" charset="0"/>
-                                </a:rPr>
-                                <m:t>𝑦</m:t>
-                              </m:r>
-                            </m:e>
-                            <m:sub>
-                              <m:r>
-                                <a:rPr lang="ru-RU" sz="8000" i="1">
-                                  <a:solidFill>
-                                    <a:schemeClr val="tx1"/>
-                                  </a:solidFill>
-                                  <a:latin typeface="Cambria Math" panose="02040503050406030204" pitchFamily="18" charset="0"/>
-                                </a:rPr>
-                                <m:t>1</m:t>
-                              </m:r>
-                            </m:sub>
-                          </m:sSub>
-                          <m:r>
-                            <a:rPr lang="ru-RU" sz="8000" i="1">
-                              <a:solidFill>
-                                <a:schemeClr val="tx1"/>
-                              </a:solidFill>
-                              <a:latin typeface="Cambria Math" panose="02040503050406030204" pitchFamily="18" charset="0"/>
-                            </a:rPr>
-                            <m:t>−</m:t>
-                          </m:r>
-                          <m:sSub>
-                            <m:sSubPr>
-                              <m:ctrlPr>
-                                <a:rPr lang="ru-RU" sz="8000" i="1">
-                                  <a:solidFill>
-                                    <a:schemeClr val="tx1"/>
-                                  </a:solidFill>
-                                  <a:latin typeface="Cambria Math" panose="02040503050406030204" pitchFamily="18" charset="0"/>
-                                </a:rPr>
-                              </m:ctrlPr>
-                            </m:sSubPr>
-                            <m:e>
-                              <m:r>
-                                <a:rPr lang="ru-RU" sz="8000" i="1">
-                                  <a:solidFill>
-                                    <a:schemeClr val="tx1"/>
-                                  </a:solidFill>
-                                  <a:latin typeface="Cambria Math" panose="02040503050406030204" pitchFamily="18" charset="0"/>
-                                </a:rPr>
-                                <m:t>𝑦</m:t>
-                              </m:r>
-                            </m:e>
-                            <m:sub>
-                              <m:r>
-                                <a:rPr lang="ru-RU" sz="8000" i="1">
-                                  <a:solidFill>
-                                    <a:schemeClr val="tx1"/>
-                                  </a:solidFill>
-                                  <a:latin typeface="Cambria Math" panose="02040503050406030204" pitchFamily="18" charset="0"/>
-                                </a:rPr>
-                                <m:t>3</m:t>
-                              </m:r>
-                            </m:sub>
-                          </m:sSub>
-                        </m:den>
-                      </m:f>
-                    </m:oMath>
-                  </m:oMathPara>
-                </a14:m>
-                <a:endParaRPr lang="ru-RU" sz="8000" dirty="0">
-                  <a:latin typeface="Times New Roman" panose="02020603050405020304" pitchFamily="18" charset="0"/>
-                  <a:cs typeface="Times New Roman" panose="02020603050405020304" pitchFamily="18" charset="0"/>
-                </a:endParaRPr>
-              </a:p>
-              <a:p>
-                <a:pPr marL="0" indent="457200" algn="just">
+                <a:pPr marL="0" indent="457200" algn="ctr">
                   <a:lnSpc>
                     <a:spcPct val="100000"/>
                   </a:lnSpc>
                   <a:buNone/>
                 </a:pPr>
-                <a:endParaRPr lang="ru-RU" sz="1400" i="1" kern="100" dirty="0">
+                <a:endParaRPr lang="ru-RU" sz="8000" i="1" kern="100" dirty="0">
                   <a:latin typeface="Times New Roman" panose="02020603050405020304" pitchFamily="18" charset="0"/>
                   <a:ea typeface="Calibri" panose="020F0502020204030204" pitchFamily="34" charset="0"/>
                 </a:endParaRPr>

--- a/Presentation1.pptx
+++ b/Presentation1.pptx
@@ -1,9 +1,12 @@
 
 <file path=ppt/presentation.xml><?xml version="1.0" encoding="utf-8"?>
-<p:presentation xmlns:a="http://schemas.openxmlformats.org/drawingml/2006/main" xmlns:r="http://schemas.openxmlformats.org/officeDocument/2006/relationships" xmlns:p="http://schemas.openxmlformats.org/presentationml/2006/main" saveSubsetFonts="1" autoCompressPictures="0">
+<p:presentation xmlns:a="http://schemas.openxmlformats.org/drawingml/2006/main" xmlns:r="http://schemas.openxmlformats.org/officeDocument/2006/relationships" xmlns:p="http://schemas.openxmlformats.org/presentationml/2006/main" showSpecialPlsOnTitleSld="0" saveSubsetFonts="1" autoCompressPictures="0">
   <p:sldMasterIdLst>
     <p:sldMasterId id="2147483677" r:id="rId1"/>
   </p:sldMasterIdLst>
+  <p:notesMasterIdLst>
+    <p:notesMasterId r:id="rId18"/>
+  </p:notesMasterIdLst>
   <p:sldIdLst>
     <p:sldId id="256" r:id="rId2"/>
     <p:sldId id="264" r:id="rId3"/>
@@ -125,6 +128,440 @@
     </p:ext>
   </p:extLst>
 </p:presentation>
+</file>
+
+<file path=ppt/notesMasters/notesMaster1.xml><?xml version="1.0" encoding="utf-8"?>
+<p:notesMaster xmlns:a="http://schemas.openxmlformats.org/drawingml/2006/main" xmlns:r="http://schemas.openxmlformats.org/officeDocument/2006/relationships" xmlns:p="http://schemas.openxmlformats.org/presentationml/2006/main">
+  <p:cSld>
+    <p:bg>
+      <p:bgRef idx="1001">
+        <a:schemeClr val="bg1"/>
+      </p:bgRef>
+    </p:bg>
+    <p:spTree>
+      <p:nvGrpSpPr>
+        <p:cNvPr id="1" name=""/>
+        <p:cNvGrpSpPr/>
+        <p:nvPr/>
+      </p:nvGrpSpPr>
+      <p:grpSpPr>
+        <a:xfrm>
+          <a:off x="0" y="0"/>
+          <a:ext cx="0" cy="0"/>
+          <a:chOff x="0" y="0"/>
+          <a:chExt cx="0" cy="0"/>
+        </a:xfrm>
+      </p:grpSpPr>
+      <p:sp>
+        <p:nvSpPr>
+          <p:cNvPr id="2" name="Верхний колонтитул 1"/>
+          <p:cNvSpPr>
+            <a:spLocks noGrp="1"/>
+          </p:cNvSpPr>
+          <p:nvPr>
+            <p:ph type="hdr" sz="quarter"/>
+          </p:nvPr>
+        </p:nvSpPr>
+        <p:spPr>
+          <a:xfrm>
+            <a:off x="0" y="0"/>
+            <a:ext cx="2971800" cy="458788"/>
+          </a:xfrm>
+          <a:prstGeom prst="rect">
+            <a:avLst/>
+          </a:prstGeom>
+        </p:spPr>
+        <p:txBody>
+          <a:bodyPr vert="horz" lIns="91440" tIns="45720" rIns="91440" bIns="45720" rtlCol="0"/>
+          <a:lstStyle>
+            <a:lvl1pPr algn="l">
+              <a:defRPr sz="1200"/>
+            </a:lvl1pPr>
+          </a:lstStyle>
+          <a:p>
+            <a:endParaRPr lang="ru-RU"/>
+          </a:p>
+        </p:txBody>
+      </p:sp>
+      <p:sp>
+        <p:nvSpPr>
+          <p:cNvPr id="3" name="Дата 2"/>
+          <p:cNvSpPr>
+            <a:spLocks noGrp="1"/>
+          </p:cNvSpPr>
+          <p:nvPr>
+            <p:ph type="dt" idx="1"/>
+          </p:nvPr>
+        </p:nvSpPr>
+        <p:spPr>
+          <a:xfrm>
+            <a:off x="3884613" y="0"/>
+            <a:ext cx="2971800" cy="458788"/>
+          </a:xfrm>
+          <a:prstGeom prst="rect">
+            <a:avLst/>
+          </a:prstGeom>
+        </p:spPr>
+        <p:txBody>
+          <a:bodyPr vert="horz" lIns="91440" tIns="45720" rIns="91440" bIns="45720" rtlCol="0"/>
+          <a:lstStyle>
+            <a:lvl1pPr algn="r">
+              <a:defRPr sz="1200"/>
+            </a:lvl1pPr>
+          </a:lstStyle>
+          <a:p>
+            <a:fld id="{48FDC474-BEB3-47D7-A5FC-F116F5C804E7}" type="datetimeFigureOut">
+              <a:rPr lang="ru-RU" smtClean="0"/>
+              <a:t>24.06.2023</a:t>
+            </a:fld>
+            <a:endParaRPr lang="ru-RU"/>
+          </a:p>
+        </p:txBody>
+      </p:sp>
+      <p:sp>
+        <p:nvSpPr>
+          <p:cNvPr id="4" name="Образ слайда 3"/>
+          <p:cNvSpPr>
+            <a:spLocks noGrp="1" noRot="1" noChangeAspect="1"/>
+          </p:cNvSpPr>
+          <p:nvPr>
+            <p:ph type="sldImg" idx="2"/>
+          </p:nvPr>
+        </p:nvSpPr>
+        <p:spPr>
+          <a:xfrm>
+            <a:off x="685800" y="1143000"/>
+            <a:ext cx="5486400" cy="3086100"/>
+          </a:xfrm>
+          <a:prstGeom prst="rect">
+            <a:avLst/>
+          </a:prstGeom>
+          <a:noFill/>
+          <a:ln w="12700">
+            <a:solidFill>
+              <a:prstClr val="black"/>
+            </a:solidFill>
+          </a:ln>
+        </p:spPr>
+        <p:txBody>
+          <a:bodyPr vert="horz" lIns="91440" tIns="45720" rIns="91440" bIns="45720" rtlCol="0" anchor="ctr"/>
+          <a:lstStyle/>
+          <a:p>
+            <a:endParaRPr lang="ru-RU"/>
+          </a:p>
+        </p:txBody>
+      </p:sp>
+      <p:sp>
+        <p:nvSpPr>
+          <p:cNvPr id="5" name="Заметки 4"/>
+          <p:cNvSpPr>
+            <a:spLocks noGrp="1"/>
+          </p:cNvSpPr>
+          <p:nvPr>
+            <p:ph type="body" sz="quarter" idx="3"/>
+          </p:nvPr>
+        </p:nvSpPr>
+        <p:spPr>
+          <a:xfrm>
+            <a:off x="685800" y="4400550"/>
+            <a:ext cx="5486400" cy="3600450"/>
+          </a:xfrm>
+          <a:prstGeom prst="rect">
+            <a:avLst/>
+          </a:prstGeom>
+        </p:spPr>
+        <p:txBody>
+          <a:bodyPr vert="horz" lIns="91440" tIns="45720" rIns="91440" bIns="45720" rtlCol="0"/>
+          <a:lstStyle/>
+          <a:p>
+            <a:pPr lvl="0"/>
+            <a:r>
+              <a:rPr lang="ru-RU" smtClean="0"/>
+              <a:t>Образец текста</a:t>
+            </a:r>
+          </a:p>
+          <a:p>
+            <a:pPr lvl="1"/>
+            <a:r>
+              <a:rPr lang="ru-RU" smtClean="0"/>
+              <a:t>Второй уровень</a:t>
+            </a:r>
+          </a:p>
+          <a:p>
+            <a:pPr lvl="2"/>
+            <a:r>
+              <a:rPr lang="ru-RU" smtClean="0"/>
+              <a:t>Третий уровень</a:t>
+            </a:r>
+          </a:p>
+          <a:p>
+            <a:pPr lvl="3"/>
+            <a:r>
+              <a:rPr lang="ru-RU" smtClean="0"/>
+              <a:t>Четвертый уровень</a:t>
+            </a:r>
+          </a:p>
+          <a:p>
+            <a:pPr lvl="4"/>
+            <a:r>
+              <a:rPr lang="ru-RU" smtClean="0"/>
+              <a:t>Пятый уровень</a:t>
+            </a:r>
+            <a:endParaRPr lang="ru-RU"/>
+          </a:p>
+        </p:txBody>
+      </p:sp>
+      <p:sp>
+        <p:nvSpPr>
+          <p:cNvPr id="6" name="Нижний колонтитул 5"/>
+          <p:cNvSpPr>
+            <a:spLocks noGrp="1"/>
+          </p:cNvSpPr>
+          <p:nvPr>
+            <p:ph type="ftr" sz="quarter" idx="4"/>
+          </p:nvPr>
+        </p:nvSpPr>
+        <p:spPr>
+          <a:xfrm>
+            <a:off x="0" y="8685213"/>
+            <a:ext cx="2971800" cy="458787"/>
+          </a:xfrm>
+          <a:prstGeom prst="rect">
+            <a:avLst/>
+          </a:prstGeom>
+        </p:spPr>
+        <p:txBody>
+          <a:bodyPr vert="horz" lIns="91440" tIns="45720" rIns="91440" bIns="45720" rtlCol="0" anchor="b"/>
+          <a:lstStyle>
+            <a:lvl1pPr algn="l">
+              <a:defRPr sz="1200"/>
+            </a:lvl1pPr>
+          </a:lstStyle>
+          <a:p>
+            <a:endParaRPr lang="ru-RU"/>
+          </a:p>
+        </p:txBody>
+      </p:sp>
+      <p:sp>
+        <p:nvSpPr>
+          <p:cNvPr id="7" name="Номер слайда 6"/>
+          <p:cNvSpPr>
+            <a:spLocks noGrp="1"/>
+          </p:cNvSpPr>
+          <p:nvPr>
+            <p:ph type="sldNum" sz="quarter" idx="5"/>
+          </p:nvPr>
+        </p:nvSpPr>
+        <p:spPr>
+          <a:xfrm>
+            <a:off x="3884613" y="8685213"/>
+            <a:ext cx="2971800" cy="458787"/>
+          </a:xfrm>
+          <a:prstGeom prst="rect">
+            <a:avLst/>
+          </a:prstGeom>
+        </p:spPr>
+        <p:txBody>
+          <a:bodyPr vert="horz" lIns="91440" tIns="45720" rIns="91440" bIns="45720" rtlCol="0" anchor="b"/>
+          <a:lstStyle>
+            <a:lvl1pPr algn="r">
+              <a:defRPr sz="1200"/>
+            </a:lvl1pPr>
+          </a:lstStyle>
+          <a:p>
+            <a:fld id="{3F6CDEE4-23D7-4A28-9B34-B091860FF925}" type="slidenum">
+              <a:rPr lang="ru-RU" smtClean="0"/>
+              <a:t>‹#›</a:t>
+            </a:fld>
+            <a:endParaRPr lang="ru-RU"/>
+          </a:p>
+        </p:txBody>
+      </p:sp>
+    </p:spTree>
+    <p:extLst>
+      <p:ext uri="{BB962C8B-B14F-4D97-AF65-F5344CB8AC3E}">
+        <p14:creationId xmlns:p14="http://schemas.microsoft.com/office/powerpoint/2010/main" val="2781751639"/>
+      </p:ext>
+    </p:extLst>
+  </p:cSld>
+  <p:clrMap bg1="lt1" tx1="dk1" bg2="lt2" tx2="dk2" accent1="accent1" accent2="accent2" accent3="accent3" accent4="accent4" accent5="accent5" accent6="accent6" hlink="hlink" folHlink="folHlink"/>
+  <p:notesStyle>
+    <a:lvl1pPr marL="0" algn="l" defTabSz="914400" rtl="0" eaLnBrk="1" latinLnBrk="0" hangingPunct="1">
+      <a:defRPr sz="1200" kern="1200">
+        <a:solidFill>
+          <a:schemeClr val="tx1"/>
+        </a:solidFill>
+        <a:latin typeface="+mn-lt"/>
+        <a:ea typeface="+mn-ea"/>
+        <a:cs typeface="+mn-cs"/>
+      </a:defRPr>
+    </a:lvl1pPr>
+    <a:lvl2pPr marL="457200" algn="l" defTabSz="914400" rtl="0" eaLnBrk="1" latinLnBrk="0" hangingPunct="1">
+      <a:defRPr sz="1200" kern="1200">
+        <a:solidFill>
+          <a:schemeClr val="tx1"/>
+        </a:solidFill>
+        <a:latin typeface="+mn-lt"/>
+        <a:ea typeface="+mn-ea"/>
+        <a:cs typeface="+mn-cs"/>
+      </a:defRPr>
+    </a:lvl2pPr>
+    <a:lvl3pPr marL="914400" algn="l" defTabSz="914400" rtl="0" eaLnBrk="1" latinLnBrk="0" hangingPunct="1">
+      <a:defRPr sz="1200" kern="1200">
+        <a:solidFill>
+          <a:schemeClr val="tx1"/>
+        </a:solidFill>
+        <a:latin typeface="+mn-lt"/>
+        <a:ea typeface="+mn-ea"/>
+        <a:cs typeface="+mn-cs"/>
+      </a:defRPr>
+    </a:lvl3pPr>
+    <a:lvl4pPr marL="1371600" algn="l" defTabSz="914400" rtl="0" eaLnBrk="1" latinLnBrk="0" hangingPunct="1">
+      <a:defRPr sz="1200" kern="1200">
+        <a:solidFill>
+          <a:schemeClr val="tx1"/>
+        </a:solidFill>
+        <a:latin typeface="+mn-lt"/>
+        <a:ea typeface="+mn-ea"/>
+        <a:cs typeface="+mn-cs"/>
+      </a:defRPr>
+    </a:lvl4pPr>
+    <a:lvl5pPr marL="1828800" algn="l" defTabSz="914400" rtl="0" eaLnBrk="1" latinLnBrk="0" hangingPunct="1">
+      <a:defRPr sz="1200" kern="1200">
+        <a:solidFill>
+          <a:schemeClr val="tx1"/>
+        </a:solidFill>
+        <a:latin typeface="+mn-lt"/>
+        <a:ea typeface="+mn-ea"/>
+        <a:cs typeface="+mn-cs"/>
+      </a:defRPr>
+    </a:lvl5pPr>
+    <a:lvl6pPr marL="2286000" algn="l" defTabSz="914400" rtl="0" eaLnBrk="1" latinLnBrk="0" hangingPunct="1">
+      <a:defRPr sz="1200" kern="1200">
+        <a:solidFill>
+          <a:schemeClr val="tx1"/>
+        </a:solidFill>
+        <a:latin typeface="+mn-lt"/>
+        <a:ea typeface="+mn-ea"/>
+        <a:cs typeface="+mn-cs"/>
+      </a:defRPr>
+    </a:lvl6pPr>
+    <a:lvl7pPr marL="2743200" algn="l" defTabSz="914400" rtl="0" eaLnBrk="1" latinLnBrk="0" hangingPunct="1">
+      <a:defRPr sz="1200" kern="1200">
+        <a:solidFill>
+          <a:schemeClr val="tx1"/>
+        </a:solidFill>
+        <a:latin typeface="+mn-lt"/>
+        <a:ea typeface="+mn-ea"/>
+        <a:cs typeface="+mn-cs"/>
+      </a:defRPr>
+    </a:lvl7pPr>
+    <a:lvl8pPr marL="3200400" algn="l" defTabSz="914400" rtl="0" eaLnBrk="1" latinLnBrk="0" hangingPunct="1">
+      <a:defRPr sz="1200" kern="1200">
+        <a:solidFill>
+          <a:schemeClr val="tx1"/>
+        </a:solidFill>
+        <a:latin typeface="+mn-lt"/>
+        <a:ea typeface="+mn-ea"/>
+        <a:cs typeface="+mn-cs"/>
+      </a:defRPr>
+    </a:lvl8pPr>
+    <a:lvl9pPr marL="3657600" algn="l" defTabSz="914400" rtl="0" eaLnBrk="1" latinLnBrk="0" hangingPunct="1">
+      <a:defRPr sz="1200" kern="1200">
+        <a:solidFill>
+          <a:schemeClr val="tx1"/>
+        </a:solidFill>
+        <a:latin typeface="+mn-lt"/>
+        <a:ea typeface="+mn-ea"/>
+        <a:cs typeface="+mn-cs"/>
+      </a:defRPr>
+    </a:lvl9pPr>
+  </p:notesStyle>
+</p:notesMaster>
+</file>
+
+<file path=ppt/notesSlides/notesSlide1.xml><?xml version="1.0" encoding="utf-8"?>
+<p:notes xmlns:a="http://schemas.openxmlformats.org/drawingml/2006/main" xmlns:r="http://schemas.openxmlformats.org/officeDocument/2006/relationships" xmlns:p="http://schemas.openxmlformats.org/presentationml/2006/main">
+  <p:cSld>
+    <p:spTree>
+      <p:nvGrpSpPr>
+        <p:cNvPr id="1" name=""/>
+        <p:cNvGrpSpPr/>
+        <p:nvPr/>
+      </p:nvGrpSpPr>
+      <p:grpSpPr>
+        <a:xfrm>
+          <a:off x="0" y="0"/>
+          <a:ext cx="0" cy="0"/>
+          <a:chOff x="0" y="0"/>
+          <a:chExt cx="0" cy="0"/>
+        </a:xfrm>
+      </p:grpSpPr>
+      <p:sp>
+        <p:nvSpPr>
+          <p:cNvPr id="2" name="Образ слайда 1"/>
+          <p:cNvSpPr>
+            <a:spLocks noGrp="1" noRot="1" noChangeAspect="1"/>
+          </p:cNvSpPr>
+          <p:nvPr>
+            <p:ph type="sldImg"/>
+          </p:nvPr>
+        </p:nvSpPr>
+        <p:spPr/>
+      </p:sp>
+      <p:sp>
+        <p:nvSpPr>
+          <p:cNvPr id="3" name="Заметки 2"/>
+          <p:cNvSpPr>
+            <a:spLocks noGrp="1"/>
+          </p:cNvSpPr>
+          <p:nvPr>
+            <p:ph type="body" idx="1"/>
+          </p:nvPr>
+        </p:nvSpPr>
+        <p:spPr/>
+        <p:txBody>
+          <a:bodyPr/>
+          <a:lstStyle/>
+          <a:p>
+            <a:endParaRPr lang="ru-RU" dirty="0"/>
+          </a:p>
+        </p:txBody>
+      </p:sp>
+      <p:sp>
+        <p:nvSpPr>
+          <p:cNvPr id="4" name="Номер слайда 3"/>
+          <p:cNvSpPr>
+            <a:spLocks noGrp="1"/>
+          </p:cNvSpPr>
+          <p:nvPr>
+            <p:ph type="sldNum" sz="quarter" idx="10"/>
+          </p:nvPr>
+        </p:nvSpPr>
+        <p:spPr/>
+        <p:txBody>
+          <a:bodyPr/>
+          <a:lstStyle/>
+          <a:p>
+            <a:fld id="{3F6CDEE4-23D7-4A28-9B34-B091860FF925}" type="slidenum">
+              <a:rPr lang="ru-RU" smtClean="0"/>
+              <a:t>16</a:t>
+            </a:fld>
+            <a:endParaRPr lang="ru-RU"/>
+          </a:p>
+        </p:txBody>
+      </p:sp>
+    </p:spTree>
+    <p:extLst>
+      <p:ext uri="{BB962C8B-B14F-4D97-AF65-F5344CB8AC3E}">
+        <p14:creationId xmlns:p14="http://schemas.microsoft.com/office/powerpoint/2010/main" val="3496123467"/>
+      </p:ext>
+    </p:extLst>
+  </p:cSld>
+  <p:clrMapOvr>
+    <a:masterClrMapping/>
+  </p:clrMapOvr>
+</p:notes>
 </file>
 
 <file path=ppt/slideLayouts/slideLayout1.xml><?xml version="1.0" encoding="utf-8"?>
@@ -351,9 +788,9 @@
           <a:bodyPr/>
           <a:lstStyle/>
           <a:p>
-            <a:fld id="{1C250A73-6D61-5240-A7AB-D977C66BF462}" type="datetimeFigureOut">
-              <a:rPr lang="en-DE" smtClean="0"/>
-              <a:t>06/22/2023</a:t>
+            <a:fld id="{FF20E2B0-AC2C-4190-BEDE-FE8AB192C1B3}" type="datetime1">
+              <a:rPr lang="LID4096" smtClean="0"/>
+              <a:t>06/24/2023</a:t>
             </a:fld>
             <a:endParaRPr lang="en-DE"/>
           </a:p>
@@ -559,9 +996,9 @@
           <a:bodyPr/>
           <a:lstStyle/>
           <a:p>
-            <a:fld id="{1C250A73-6D61-5240-A7AB-D977C66BF462}" type="datetimeFigureOut">
-              <a:rPr lang="en-DE" smtClean="0"/>
-              <a:t>06/22/2023</a:t>
+            <a:fld id="{6C54477D-4FB6-437D-AE76-4274AE28B912}" type="datetime1">
+              <a:rPr lang="LID4096" smtClean="0"/>
+              <a:t>06/24/2023</a:t>
             </a:fld>
             <a:endParaRPr lang="en-DE"/>
           </a:p>
@@ -815,9 +1252,9 @@
           <a:bodyPr/>
           <a:lstStyle/>
           <a:p>
-            <a:fld id="{1C250A73-6D61-5240-A7AB-D977C66BF462}" type="datetimeFigureOut">
-              <a:rPr lang="en-DE" smtClean="0"/>
-              <a:t>06/22/2023</a:t>
+            <a:fld id="{BD571972-320F-48ED-B7EC-1AC4C8BDB7AB}" type="datetime1">
+              <a:rPr lang="LID4096" smtClean="0"/>
+              <a:t>06/24/2023</a:t>
             </a:fld>
             <a:endParaRPr lang="en-DE"/>
           </a:p>
@@ -989,9 +1426,9 @@
           <a:bodyPr/>
           <a:lstStyle/>
           <a:p>
-            <a:fld id="{1C250A73-6D61-5240-A7AB-D977C66BF462}" type="datetimeFigureOut">
-              <a:rPr lang="en-DE" smtClean="0"/>
-              <a:t>06/22/2023</a:t>
+            <a:fld id="{00980FD9-9F77-4119-A3BB-F072C7237E8D}" type="datetime1">
+              <a:rPr lang="LID4096" smtClean="0"/>
+              <a:t>06/24/2023</a:t>
             </a:fld>
             <a:endParaRPr lang="en-DE"/>
           </a:p>
@@ -1332,9 +1769,9 @@
           <a:bodyPr/>
           <a:lstStyle/>
           <a:p>
-            <a:fld id="{1C250A73-6D61-5240-A7AB-D977C66BF462}" type="datetimeFigureOut">
-              <a:rPr lang="en-DE" smtClean="0"/>
-              <a:t>06/22/2023</a:t>
+            <a:fld id="{8E3EAA02-2084-421C-9B3D-5E0A17F2F8D6}" type="datetime1">
+              <a:rPr lang="LID4096" smtClean="0"/>
+              <a:t>06/24/2023</a:t>
             </a:fld>
             <a:endParaRPr lang="en-DE"/>
           </a:p>
@@ -1607,9 +2044,9 @@
           <a:bodyPr/>
           <a:lstStyle/>
           <a:p>
-            <a:fld id="{1C250A73-6D61-5240-A7AB-D977C66BF462}" type="datetimeFigureOut">
-              <a:rPr lang="en-DE" smtClean="0"/>
-              <a:t>06/22/2023</a:t>
+            <a:fld id="{EFCEED9A-5A9A-4F2B-A26A-A4ACA12E8952}" type="datetime1">
+              <a:rPr lang="LID4096" smtClean="0"/>
+              <a:t>06/24/2023</a:t>
             </a:fld>
             <a:endParaRPr lang="en-DE"/>
           </a:p>
@@ -1986,9 +2423,9 @@
           <a:bodyPr/>
           <a:lstStyle/>
           <a:p>
-            <a:fld id="{1C250A73-6D61-5240-A7AB-D977C66BF462}" type="datetimeFigureOut">
-              <a:rPr lang="en-DE" smtClean="0"/>
-              <a:t>06/22/2023</a:t>
+            <a:fld id="{4778B1DA-5F7E-4A9B-9CCB-A65237A30B75}" type="datetime1">
+              <a:rPr lang="LID4096" smtClean="0"/>
+              <a:t>06/24/2023</a:t>
             </a:fld>
             <a:endParaRPr lang="en-DE"/>
           </a:p>
@@ -2104,9 +2541,9 @@
           <a:bodyPr/>
           <a:lstStyle/>
           <a:p>
-            <a:fld id="{1C250A73-6D61-5240-A7AB-D977C66BF462}" type="datetimeFigureOut">
-              <a:rPr lang="en-DE" smtClean="0"/>
-              <a:t>06/22/2023</a:t>
+            <a:fld id="{65C9A343-2867-43AE-98F6-98D8BE09380D}" type="datetime1">
+              <a:rPr lang="LID4096" smtClean="0"/>
+              <a:t>06/24/2023</a:t>
             </a:fld>
             <a:endParaRPr lang="en-DE"/>
           </a:p>
@@ -2275,9 +2712,9 @@
           <a:bodyPr/>
           <a:lstStyle/>
           <a:p>
-            <a:fld id="{1C250A73-6D61-5240-A7AB-D977C66BF462}" type="datetimeFigureOut">
-              <a:rPr lang="en-DE" smtClean="0"/>
-              <a:t>06/22/2023</a:t>
+            <a:fld id="{B67122FB-ACDE-438F-94A1-062C4F73B68F}" type="datetime1">
+              <a:rPr lang="LID4096" smtClean="0"/>
+              <a:t>06/24/2023</a:t>
             </a:fld>
             <a:endParaRPr lang="en-DE"/>
           </a:p>
@@ -2629,9 +3066,9 @@
             </a:lvl1pPr>
           </a:lstStyle>
           <a:p>
-            <a:fld id="{1C250A73-6D61-5240-A7AB-D977C66BF462}" type="datetimeFigureOut">
-              <a:rPr lang="en-DE" smtClean="0"/>
-              <a:t>06/22/2023</a:t>
+            <a:fld id="{91D72DBD-752F-43A4-9648-332496B18607}" type="datetime1">
+              <a:rPr lang="LID4096" smtClean="0"/>
+              <a:t>06/24/2023</a:t>
             </a:fld>
             <a:endParaRPr lang="en-DE"/>
           </a:p>
@@ -3011,9 +3448,9 @@
           <a:bodyPr/>
           <a:lstStyle/>
           <a:p>
-            <a:fld id="{1C250A73-6D61-5240-A7AB-D977C66BF462}" type="datetimeFigureOut">
-              <a:rPr lang="en-DE" smtClean="0"/>
-              <a:t>06/22/2023</a:t>
+            <a:fld id="{A78AC674-C400-4DF8-B0F6-DAE06DCCE608}" type="datetime1">
+              <a:rPr lang="LID4096" smtClean="0"/>
+              <a:t>06/24/2023</a:t>
             </a:fld>
             <a:endParaRPr lang="en-DE"/>
           </a:p>
@@ -3298,9 +3735,9 @@
             </a:lvl1pPr>
           </a:lstStyle>
           <a:p>
-            <a:fld id="{1C250A73-6D61-5240-A7AB-D977C66BF462}" type="datetimeFigureOut">
-              <a:rPr lang="en-DE" smtClean="0"/>
-              <a:t>06/22/2023</a:t>
+            <a:fld id="{04CBC18C-3A0D-4243-BB14-FA50D0D86E1A}" type="datetime1">
+              <a:rPr lang="LID4096" smtClean="0"/>
+              <a:t>06/24/2023</a:t>
             </a:fld>
             <a:endParaRPr lang="en-DE"/>
           </a:p>
@@ -3439,6 +3876,7 @@
     <p:sldLayoutId id="2147483687" r:id="rId10"/>
     <p:sldLayoutId id="2147483688" r:id="rId11"/>
   </p:sldLayoutIdLst>
+  <p:hf hdr="0" ftr="0" dt="0"/>
   <p:txStyles>
     <p:titleStyle>
       <a:lvl1pPr algn="l" defTabSz="914400" rtl="0" eaLnBrk="1" latinLnBrk="0" hangingPunct="1">
@@ -4010,6 +4448,11 @@
 <file path=ppt/slides/slide10.xml><?xml version="1.0" encoding="utf-8"?>
 <p:sld xmlns:a="http://schemas.openxmlformats.org/drawingml/2006/main" xmlns:r="http://schemas.openxmlformats.org/officeDocument/2006/relationships" xmlns:p="http://schemas.openxmlformats.org/presentationml/2006/main">
   <p:cSld>
+    <p:bg>
+      <p:bgRef idx="1001">
+        <a:schemeClr val="bg1"/>
+      </p:bgRef>
+    </p:bg>
     <p:spTree>
       <p:nvGrpSpPr>
         <p:cNvPr id="1" name=""/>
@@ -5026,7 +5469,7 @@
                 <a:ext cx="10045202" cy="4464026"/>
               </a:xfrm>
               <a:blipFill>
-                <a:blip r:embed="rId2"/>
+                <a:blip r:embed="rId3"/>
                 <a:stretch>
                   <a:fillRect l="-303" r="-1214"/>
                 </a:stretch>
@@ -5047,6 +5490,36 @@
           </p:sp>
         </mc:Fallback>
       </mc:AlternateContent>
+      <p:sp>
+        <p:nvSpPr>
+          <p:cNvPr id="3" name="Номер слайда 2"/>
+          <p:cNvSpPr>
+            <a:spLocks noGrp="1"/>
+          </p:cNvSpPr>
+          <p:nvPr>
+            <p:ph type="sldNum" sz="quarter" idx="12"/>
+          </p:nvPr>
+        </p:nvSpPr>
+        <p:spPr/>
+        <p:txBody>
+          <a:bodyPr vert="horz" lIns="91440" tIns="45720" rIns="91440" bIns="45720" rtlCol="0" anchor="ctr"/>
+          <a:lstStyle/>
+          <a:p>
+            <a:fld id="{F1C6814A-4C77-7646-A55A-4DDE602EF31E}" type="slidenum">
+              <a:rPr lang="en-DE" sz="2000">
+                <a:latin typeface="Times New Roman" panose="02020603050405020304" pitchFamily="18" charset="0"/>
+                <a:cs typeface="Times New Roman" panose="02020603050405020304" pitchFamily="18" charset="0"/>
+              </a:rPr>
+              <a:pPr/>
+              <a:t>10</a:t>
+            </a:fld>
+            <a:endParaRPr lang="en-DE" sz="2000" dirty="0">
+              <a:latin typeface="Times New Roman" panose="02020603050405020304" pitchFamily="18" charset="0"/>
+              <a:cs typeface="Times New Roman" panose="02020603050405020304" pitchFamily="18" charset="0"/>
+            </a:endParaRPr>
+          </a:p>
+        </p:txBody>
+      </p:sp>
       <p:grpSp>
         <p:nvGrpSpPr>
           <p:cNvPr id="57" name="Группа 56"/>
@@ -5193,7 +5666,7 @@
                   <a:avLst/>
                 </a:prstGeom>
                 <a:blipFill>
-                  <a:blip r:embed="rId3"/>
+                  <a:blip r:embed="rId4"/>
                   <a:stretch>
                     <a:fillRect l="-5000" t="-11667" b="-25000"/>
                   </a:stretch>
@@ -5981,7 +6454,7 @@
                   <a:avLst/>
                 </a:prstGeom>
                 <a:blipFill>
-                  <a:blip r:embed="rId4"/>
+                  <a:blip r:embed="rId5"/>
                   <a:stretch>
                     <a:fillRect l="-5000" t="-9836" b="-22951"/>
                   </a:stretch>
@@ -6134,7 +6607,7 @@
                   <a:avLst/>
                 </a:prstGeom>
                 <a:blipFill>
-                  <a:blip r:embed="rId5"/>
+                  <a:blip r:embed="rId6"/>
                   <a:stretch>
                     <a:fillRect l="-5000" t="-9836" b="-22951"/>
                   </a:stretch>
@@ -6287,7 +6760,7 @@
                   <a:avLst/>
                 </a:prstGeom>
                 <a:blipFill>
-                  <a:blip r:embed="rId6"/>
+                  <a:blip r:embed="rId7"/>
                   <a:stretch>
                     <a:fillRect l="-5660" t="-11667" b="-25000"/>
                   </a:stretch>
@@ -6401,7 +6874,7 @@
                   <a:avLst/>
                 </a:prstGeom>
                 <a:blipFill>
-                  <a:blip r:embed="rId7"/>
+                  <a:blip r:embed="rId8"/>
                   <a:stretch>
                     <a:fillRect t="-9836" r="-7207" b="-22951"/>
                   </a:stretch>
@@ -6515,7 +6988,7 @@
                   <a:avLst/>
                 </a:prstGeom>
                 <a:blipFill>
-                  <a:blip r:embed="rId8"/>
+                  <a:blip r:embed="rId9"/>
                   <a:stretch>
                     <a:fillRect t="-11667" r="-7273" b="-25000"/>
                   </a:stretch>
@@ -6621,7 +7094,7 @@
                   <a:avLst/>
                 </a:prstGeom>
                 <a:blipFill>
-                  <a:blip r:embed="rId9"/>
+                  <a:blip r:embed="rId10"/>
                   <a:stretch>
                     <a:fillRect b="-13115"/>
                   </a:stretch>
@@ -7514,7 +7987,7 @@
                 <a:avLst/>
               </a:prstGeom>
               <a:blipFill>
-                <a:blip r:embed="rId10"/>
+                <a:blip r:embed="rId11"/>
                 <a:stretch>
                   <a:fillRect l="-699" r="-699" b="-435"/>
                 </a:stretch>
@@ -7543,7 +8016,7 @@
     </p:extLst>
   </p:cSld>
   <p:clrMapOvr>
-    <a:masterClrMapping/>
+    <a:overrideClrMapping bg1="lt1" tx1="dk1" bg2="lt2" tx2="dk2" accent1="accent1" accent2="accent2" accent3="accent3" accent4="accent4" accent5="accent5" accent6="accent6" hlink="hlink" folHlink="folHlink"/>
   </p:clrMapOvr>
   <p:timing>
     <p:tnLst>
@@ -8020,6 +8493,36 @@
           </a:prstGeom>
         </p:spPr>
       </p:pic>
+      <p:sp>
+        <p:nvSpPr>
+          <p:cNvPr id="4" name="Номер слайда 3"/>
+          <p:cNvSpPr>
+            <a:spLocks noGrp="1"/>
+          </p:cNvSpPr>
+          <p:nvPr>
+            <p:ph type="sldNum" sz="quarter" idx="12"/>
+          </p:nvPr>
+        </p:nvSpPr>
+        <p:spPr/>
+        <p:txBody>
+          <a:bodyPr vert="horz" lIns="91440" tIns="45720" rIns="91440" bIns="45720" rtlCol="0" anchor="ctr"/>
+          <a:lstStyle/>
+          <a:p>
+            <a:fld id="{F1C6814A-4C77-7646-A55A-4DDE602EF31E}" type="slidenum">
+              <a:rPr lang="en-DE" sz="2000">
+                <a:latin typeface="Times New Roman" panose="02020603050405020304" pitchFamily="18" charset="0"/>
+                <a:cs typeface="Times New Roman" panose="02020603050405020304" pitchFamily="18" charset="0"/>
+              </a:rPr>
+              <a:pPr/>
+              <a:t>11</a:t>
+            </a:fld>
+            <a:endParaRPr lang="en-DE" sz="2000">
+              <a:latin typeface="Times New Roman" panose="02020603050405020304" pitchFamily="18" charset="0"/>
+              <a:cs typeface="Times New Roman" panose="02020603050405020304" pitchFamily="18" charset="0"/>
+            </a:endParaRPr>
+          </a:p>
+        </p:txBody>
+      </p:sp>
     </p:spTree>
     <p:extLst>
       <p:ext uri="{BB962C8B-B14F-4D97-AF65-F5344CB8AC3E}">
@@ -8030,6 +8533,13 @@
   <p:clrMapOvr>
     <a:masterClrMapping/>
   </p:clrMapOvr>
+  <p:timing>
+    <p:tnLst>
+      <p:par>
+        <p:cTn id="1" dur="indefinite" restart="never" nodeType="tmRoot"/>
+      </p:par>
+    </p:tnLst>
+  </p:timing>
 </p:sld>
 </file>
 
@@ -9421,6 +9931,36 @@
           </a:prstGeom>
         </p:spPr>
       </p:pic>
+      <p:sp>
+        <p:nvSpPr>
+          <p:cNvPr id="4" name="Номер слайда 3"/>
+          <p:cNvSpPr>
+            <a:spLocks noGrp="1"/>
+          </p:cNvSpPr>
+          <p:nvPr>
+            <p:ph type="sldNum" sz="quarter" idx="12"/>
+          </p:nvPr>
+        </p:nvSpPr>
+        <p:spPr/>
+        <p:txBody>
+          <a:bodyPr vert="horz" lIns="91440" tIns="45720" rIns="91440" bIns="45720" rtlCol="0" anchor="ctr"/>
+          <a:lstStyle/>
+          <a:p>
+            <a:fld id="{F1C6814A-4C77-7646-A55A-4DDE602EF31E}" type="slidenum">
+              <a:rPr lang="en-DE" sz="2000">
+                <a:latin typeface="Times New Roman" panose="02020603050405020304" pitchFamily="18" charset="0"/>
+                <a:cs typeface="Times New Roman" panose="02020603050405020304" pitchFamily="18" charset="0"/>
+              </a:rPr>
+              <a:pPr/>
+              <a:t>12</a:t>
+            </a:fld>
+            <a:endParaRPr lang="en-DE" sz="2000">
+              <a:latin typeface="Times New Roman" panose="02020603050405020304" pitchFamily="18" charset="0"/>
+              <a:cs typeface="Times New Roman" panose="02020603050405020304" pitchFamily="18" charset="0"/>
+            </a:endParaRPr>
+          </a:p>
+        </p:txBody>
+      </p:sp>
     </p:spTree>
     <p:extLst>
       <p:ext uri="{BB962C8B-B14F-4D97-AF65-F5344CB8AC3E}">
@@ -9431,6 +9971,13 @@
   <p:clrMapOvr>
     <a:masterClrMapping/>
   </p:clrMapOvr>
+  <p:timing>
+    <p:tnLst>
+      <p:par>
+        <p:cTn id="1" dur="indefinite" restart="never" nodeType="tmRoot"/>
+      </p:par>
+    </p:tnLst>
+  </p:timing>
 </p:sld>
 </file>
 
@@ -9473,9 +10020,39 @@
           </a:p>
         </p:txBody>
       </p:sp>
+      <p:sp>
+        <p:nvSpPr>
+          <p:cNvPr id="3" name="Номер слайда 2"/>
+          <p:cNvSpPr>
+            <a:spLocks noGrp="1"/>
+          </p:cNvSpPr>
+          <p:nvPr>
+            <p:ph type="sldNum" sz="quarter" idx="12"/>
+          </p:nvPr>
+        </p:nvSpPr>
+        <p:spPr/>
+        <p:txBody>
+          <a:bodyPr vert="horz" lIns="91440" tIns="45720" rIns="91440" bIns="45720" rtlCol="0" anchor="ctr"/>
+          <a:lstStyle/>
+          <a:p>
+            <a:fld id="{F1C6814A-4C77-7646-A55A-4DDE602EF31E}" type="slidenum">
+              <a:rPr lang="en-DE" sz="2000">
+                <a:latin typeface="Times New Roman" panose="02020603050405020304" pitchFamily="18" charset="0"/>
+                <a:cs typeface="Times New Roman" panose="02020603050405020304" pitchFamily="18" charset="0"/>
+              </a:rPr>
+              <a:pPr/>
+              <a:t>13</a:t>
+            </a:fld>
+            <a:endParaRPr lang="en-DE" sz="2000">
+              <a:latin typeface="Times New Roman" panose="02020603050405020304" pitchFamily="18" charset="0"/>
+              <a:cs typeface="Times New Roman" panose="02020603050405020304" pitchFamily="18" charset="0"/>
+            </a:endParaRPr>
+          </a:p>
+        </p:txBody>
+      </p:sp>
       <p:pic>
         <p:nvPicPr>
-          <p:cNvPr id="6" name="Рисунок 5"/>
+          <p:cNvPr id="4" name="Рисунок 3"/>
           <p:cNvPicPr>
             <a:picLocks noChangeAspect="1"/>
           </p:cNvPicPr>
@@ -9489,14 +10066,60 @@
         </p:blipFill>
         <p:spPr>
           <a:xfrm>
-            <a:off x="2578792" y="1838960"/>
-            <a:ext cx="6463608" cy="4400666"/>
+            <a:off x="2383559" y="1917283"/>
+            <a:ext cx="7176077" cy="4362578"/>
           </a:xfrm>
           <a:prstGeom prst="rect">
             <a:avLst/>
           </a:prstGeom>
         </p:spPr>
       </p:pic>
+      <p:sp>
+        <p:nvSpPr>
+          <p:cNvPr id="7" name="Прямоугольник 6"/>
+          <p:cNvSpPr/>
+          <p:nvPr/>
+        </p:nvSpPr>
+        <p:spPr>
+          <a:xfrm>
+            <a:off x="2383559" y="1917283"/>
+            <a:ext cx="7176077" cy="4362578"/>
+          </a:xfrm>
+          <a:prstGeom prst="rect">
+            <a:avLst/>
+          </a:prstGeom>
+          <a:noFill/>
+          <a:ln>
+            <a:solidFill>
+              <a:schemeClr val="tx1"/>
+            </a:solidFill>
+          </a:ln>
+        </p:spPr>
+        <p:style>
+          <a:lnRef idx="2">
+            <a:schemeClr val="accent1">
+              <a:shade val="50000"/>
+            </a:schemeClr>
+          </a:lnRef>
+          <a:fillRef idx="1">
+            <a:schemeClr val="accent1"/>
+          </a:fillRef>
+          <a:effectRef idx="0">
+            <a:schemeClr val="accent1"/>
+          </a:effectRef>
+          <a:fontRef idx="minor">
+            <a:schemeClr val="lt1"/>
+          </a:fontRef>
+        </p:style>
+        <p:txBody>
+          <a:bodyPr rtlCol="0" anchor="ctr"/>
+          <a:lstStyle/>
+          <a:p>
+            <a:pPr algn="ctr"/>
+            <a:endParaRPr lang="ru-RU"/>
+          </a:p>
+        </p:txBody>
+      </p:sp>
     </p:spTree>
     <p:extLst>
       <p:ext uri="{BB962C8B-B14F-4D97-AF65-F5344CB8AC3E}">
@@ -9507,6 +10130,13 @@
   <p:clrMapOvr>
     <a:masterClrMapping/>
   </p:clrMapOvr>
+  <p:timing>
+    <p:tnLst>
+      <p:par>
+        <p:cTn id="1" dur="indefinite" restart="never" nodeType="tmRoot"/>
+      </p:par>
+    </p:tnLst>
+  </p:timing>
 </p:sld>
 </file>
 
@@ -9550,9 +10180,39 @@
           </a:p>
         </p:txBody>
       </p:sp>
+      <p:sp>
+        <p:nvSpPr>
+          <p:cNvPr id="3" name="Номер слайда 2"/>
+          <p:cNvSpPr>
+            <a:spLocks noGrp="1"/>
+          </p:cNvSpPr>
+          <p:nvPr>
+            <p:ph type="sldNum" sz="quarter" idx="12"/>
+          </p:nvPr>
+        </p:nvSpPr>
+        <p:spPr/>
+        <p:txBody>
+          <a:bodyPr vert="horz" lIns="91440" tIns="45720" rIns="91440" bIns="45720" rtlCol="0" anchor="ctr"/>
+          <a:lstStyle/>
+          <a:p>
+            <a:fld id="{F1C6814A-4C77-7646-A55A-4DDE602EF31E}" type="slidenum">
+              <a:rPr lang="en-DE" sz="2000">
+                <a:latin typeface="Times New Roman" panose="02020603050405020304" pitchFamily="18" charset="0"/>
+                <a:cs typeface="Times New Roman" panose="02020603050405020304" pitchFamily="18" charset="0"/>
+              </a:rPr>
+              <a:pPr/>
+              <a:t>14</a:t>
+            </a:fld>
+            <a:endParaRPr lang="en-DE" sz="2000">
+              <a:latin typeface="Times New Roman" panose="02020603050405020304" pitchFamily="18" charset="0"/>
+              <a:cs typeface="Times New Roman" panose="02020603050405020304" pitchFamily="18" charset="0"/>
+            </a:endParaRPr>
+          </a:p>
+        </p:txBody>
+      </p:sp>
       <p:pic>
         <p:nvPicPr>
-          <p:cNvPr id="7" name="Объект 6"/>
+          <p:cNvPr id="5" name="Объект 4"/>
           <p:cNvPicPr>
             <a:picLocks noGrp="1" noChangeAspect="1"/>
           </p:cNvPicPr>
@@ -9568,8 +10228,8 @@
         </p:blipFill>
         <p:spPr>
           <a:xfrm>
-            <a:off x="1096963" y="1846263"/>
-            <a:ext cx="4938712" cy="4022726"/>
+            <a:off x="1096963" y="1846262"/>
+            <a:ext cx="4938712" cy="4022725"/>
           </a:xfrm>
           <a:prstGeom prst="rect">
             <a:avLst/>
@@ -9578,7 +10238,7 @@
       </p:pic>
       <p:pic>
         <p:nvPicPr>
-          <p:cNvPr id="9" name="Объект 8"/>
+          <p:cNvPr id="8" name="Объект 7"/>
           <p:cNvPicPr>
             <a:picLocks noGrp="1" noChangeAspect="1"/>
           </p:cNvPicPr>
@@ -9594,7 +10254,7 @@
         </p:blipFill>
         <p:spPr>
           <a:xfrm>
-            <a:off x="6218238" y="1846263"/>
+            <a:off x="6218238" y="1846262"/>
             <a:ext cx="4937125" cy="4022725"/>
           </a:xfrm>
           <a:prstGeom prst="rect">
@@ -9612,6 +10272,13 @@
   <p:clrMapOvr>
     <a:masterClrMapping/>
   </p:clrMapOvr>
+  <p:timing>
+    <p:tnLst>
+      <p:par>
+        <p:cTn id="1" dur="indefinite" restart="never" nodeType="tmRoot"/>
+      </p:par>
+    </p:tnLst>
+  </p:timing>
 </p:sld>
 </file>
 
@@ -9656,8 +10323,8 @@
           </a:p>
         </p:txBody>
       </p:sp>
-      <mc:AlternateContent xmlns:mc="http://schemas.openxmlformats.org/markup-compatibility/2006">
-        <mc:Choice xmlns:a14="http://schemas.microsoft.com/office/drawing/2010/main" Requires="a14">
+      <mc:AlternateContent xmlns:mc="http://schemas.openxmlformats.org/markup-compatibility/2006" xmlns:a14="http://schemas.microsoft.com/office/drawing/2010/main">
+        <mc:Choice Requires="a14">
           <p:sp>
             <p:nvSpPr>
               <p:cNvPr id="3" name="Объект 2"/>
@@ -9777,7 +10444,7 @@
             </p:txBody>
           </p:sp>
         </mc:Choice>
-        <mc:Fallback>
+        <mc:Fallback xmlns="">
           <p:sp>
             <p:nvSpPr>
               <p:cNvPr id="3" name="Объект 2"/>
@@ -9885,6 +10552,36 @@
           </a:p>
         </p:txBody>
       </p:sp>
+      <p:sp>
+        <p:nvSpPr>
+          <p:cNvPr id="4" name="Номер слайда 3"/>
+          <p:cNvSpPr>
+            <a:spLocks noGrp="1"/>
+          </p:cNvSpPr>
+          <p:nvPr>
+            <p:ph type="sldNum" sz="quarter" idx="12"/>
+          </p:nvPr>
+        </p:nvSpPr>
+        <p:spPr/>
+        <p:txBody>
+          <a:bodyPr vert="horz" lIns="91440" tIns="45720" rIns="91440" bIns="45720" rtlCol="0" anchor="ctr"/>
+          <a:lstStyle/>
+          <a:p>
+            <a:fld id="{F1C6814A-4C77-7646-A55A-4DDE602EF31E}" type="slidenum">
+              <a:rPr lang="en-DE" sz="2000">
+                <a:latin typeface="Times New Roman" panose="02020603050405020304" pitchFamily="18" charset="0"/>
+                <a:cs typeface="Times New Roman" panose="02020603050405020304" pitchFamily="18" charset="0"/>
+              </a:rPr>
+              <a:pPr/>
+              <a:t>15</a:t>
+            </a:fld>
+            <a:endParaRPr lang="en-DE" sz="2000">
+              <a:latin typeface="Times New Roman" panose="02020603050405020304" pitchFamily="18" charset="0"/>
+              <a:cs typeface="Times New Roman" panose="02020603050405020304" pitchFamily="18" charset="0"/>
+            </a:endParaRPr>
+          </a:p>
+        </p:txBody>
+      </p:sp>
     </p:spTree>
     <p:extLst>
       <p:ext uri="{BB962C8B-B14F-4D97-AF65-F5344CB8AC3E}">
@@ -9895,6 +10592,13 @@
   <p:clrMapOvr>
     <a:masterClrMapping/>
   </p:clrMapOvr>
+  <p:timing>
+    <p:tnLst>
+      <p:par>
+        <p:cTn id="1" dur="indefinite" restart="never" nodeType="tmRoot"/>
+      </p:par>
+    </p:tnLst>
+  </p:timing>
 </p:sld>
 </file>
 
@@ -9950,14 +10654,14 @@
           </p:nvPr>
         </p:nvPicPr>
         <p:blipFill>
-          <a:blip r:embed="rId2"/>
+          <a:blip r:embed="rId3"/>
           <a:stretch>
             <a:fillRect/>
           </a:stretch>
         </p:blipFill>
         <p:spPr>
           <a:xfrm>
-            <a:off x="3910777" y="1811468"/>
+            <a:off x="9210" y="1895059"/>
             <a:ext cx="3999345" cy="4395368"/>
           </a:xfrm>
           <a:prstGeom prst="rect">
@@ -9976,15 +10680,15 @@
           </p:nvPr>
         </p:nvPicPr>
         <p:blipFill>
-          <a:blip r:embed="rId3"/>
+          <a:blip r:embed="rId4"/>
           <a:stretch>
             <a:fillRect/>
           </a:stretch>
         </p:blipFill>
         <p:spPr>
           <a:xfrm>
-            <a:off x="165937" y="1811468"/>
-            <a:ext cx="3744840" cy="4487159"/>
+            <a:off x="4008555" y="1870626"/>
+            <a:ext cx="3820536" cy="4459978"/>
           </a:xfrm>
           <a:prstGeom prst="rect">
             <a:avLst/>
@@ -10000,21 +10704,1261 @@
           <p:nvPr/>
         </p:nvPicPr>
         <p:blipFill>
-          <a:blip r:embed="rId4"/>
+          <a:blip r:embed="rId5"/>
           <a:stretch>
             <a:fillRect/>
           </a:stretch>
         </p:blipFill>
         <p:spPr>
           <a:xfrm>
-            <a:off x="7910122" y="1834566"/>
-            <a:ext cx="3901209" cy="4464061"/>
+            <a:off x="7920245" y="1909847"/>
+            <a:ext cx="3901209" cy="4420757"/>
           </a:xfrm>
           <a:prstGeom prst="rect">
             <a:avLst/>
           </a:prstGeom>
         </p:spPr>
       </p:pic>
+      <p:sp>
+        <p:nvSpPr>
+          <p:cNvPr id="3" name="Номер слайда 2"/>
+          <p:cNvSpPr>
+            <a:spLocks noGrp="1"/>
+          </p:cNvSpPr>
+          <p:nvPr>
+            <p:ph type="sldNum" sz="quarter" idx="12"/>
+          </p:nvPr>
+        </p:nvSpPr>
+        <p:spPr/>
+        <p:txBody>
+          <a:bodyPr vert="horz" lIns="91440" tIns="45720" rIns="91440" bIns="45720" rtlCol="0" anchor="ctr"/>
+          <a:lstStyle/>
+          <a:p>
+            <a:fld id="{F1C6814A-4C77-7646-A55A-4DDE602EF31E}" type="slidenum">
+              <a:rPr lang="en-DE" sz="2000">
+                <a:latin typeface="Times New Roman" panose="02020603050405020304" pitchFamily="18" charset="0"/>
+                <a:cs typeface="Times New Roman" panose="02020603050405020304" pitchFamily="18" charset="0"/>
+              </a:rPr>
+              <a:pPr/>
+              <a:t>16</a:t>
+            </a:fld>
+            <a:endParaRPr lang="en-DE" sz="2000">
+              <a:latin typeface="Times New Roman" panose="02020603050405020304" pitchFamily="18" charset="0"/>
+              <a:cs typeface="Times New Roman" panose="02020603050405020304" pitchFamily="18" charset="0"/>
+            </a:endParaRPr>
+          </a:p>
+        </p:txBody>
+      </p:sp>
+      <mc:AlternateContent xmlns:mc="http://schemas.openxmlformats.org/markup-compatibility/2006">
+        <mc:Choice xmlns:a14="http://schemas.microsoft.com/office/drawing/2010/main" Requires="a14">
+          <p:sp>
+            <p:nvSpPr>
+              <p:cNvPr id="5" name="TextBox 4"/>
+              <p:cNvSpPr txBox="1"/>
+              <p:nvPr/>
+            </p:nvSpPr>
+            <p:spPr>
+              <a:xfrm>
+                <a:off x="4441780" y="1772163"/>
+                <a:ext cx="1094402" cy="403572"/>
+              </a:xfrm>
+              <a:prstGeom prst="rect">
+                <a:avLst/>
+              </a:prstGeom>
+              <a:noFill/>
+            </p:spPr>
+            <p:txBody>
+              <a:bodyPr wrap="none" rtlCol="0">
+                <a:spAutoFit/>
+              </a:bodyPr>
+              <a:lstStyle/>
+              <a:p>
+                <a14:m>
+                  <m:oMathPara xmlns:m="http://schemas.openxmlformats.org/officeDocument/2006/math">
+                    <m:oMathParaPr>
+                      <m:jc m:val="centerGroup"/>
+                    </m:oMathParaPr>
+                    <m:oMath xmlns:m="http://schemas.openxmlformats.org/officeDocument/2006/math">
+                      <m:r>
+                        <a:rPr lang="en-US" sz="2000" b="0" i="1" smtClean="0">
+                          <a:latin typeface="Cambria Math" panose="02040503050406030204" pitchFamily="18" charset="0"/>
+                        </a:rPr>
+                        <m:t>𝑦</m:t>
+                      </m:r>
+                      <m:r>
+                        <a:rPr lang="en-US" sz="2000" b="0" i="1" smtClean="0">
+                          <a:latin typeface="Cambria Math" panose="02040503050406030204" pitchFamily="18" charset="0"/>
+                        </a:rPr>
+                        <m:t>= </m:t>
+                      </m:r>
+                      <m:rad>
+                        <m:radPr>
+                          <m:degHide m:val="on"/>
+                          <m:ctrlPr>
+                            <a:rPr lang="en-US" sz="2000" b="0" i="1" smtClean="0">
+                              <a:latin typeface="Cambria Math" panose="02040503050406030204" pitchFamily="18" charset="0"/>
+                            </a:rPr>
+                          </m:ctrlPr>
+                        </m:radPr>
+                        <m:deg/>
+                        <m:e>
+                          <m:r>
+                            <a:rPr lang="en-US" sz="2000" b="0" i="1" smtClean="0">
+                              <a:latin typeface="Cambria Math" panose="02040503050406030204" pitchFamily="18" charset="0"/>
+                            </a:rPr>
+                            <m:t>𝑥</m:t>
+                          </m:r>
+                        </m:e>
+                      </m:rad>
+                    </m:oMath>
+                  </m:oMathPara>
+                </a14:m>
+                <a:endParaRPr lang="ru-RU" dirty="0"/>
+              </a:p>
+            </p:txBody>
+          </p:sp>
+        </mc:Choice>
+        <mc:Fallback>
+          <p:sp>
+            <p:nvSpPr>
+              <p:cNvPr id="5" name="TextBox 4"/>
+              <p:cNvSpPr txBox="1">
+                <a:spLocks noRot="1" noChangeAspect="1" noMove="1" noResize="1" noEditPoints="1" noAdjustHandles="1" noChangeArrowheads="1" noChangeShapeType="1" noTextEdit="1"/>
+              </p:cNvSpPr>
+              <p:nvPr/>
+            </p:nvSpPr>
+            <p:spPr>
+              <a:xfrm>
+                <a:off x="4441780" y="1772163"/>
+                <a:ext cx="1094402" cy="403572"/>
+              </a:xfrm>
+              <a:prstGeom prst="rect">
+                <a:avLst/>
+              </a:prstGeom>
+              <a:blipFill>
+                <a:blip r:embed="rId6"/>
+                <a:stretch>
+                  <a:fillRect b="-7576"/>
+                </a:stretch>
+              </a:blipFill>
+            </p:spPr>
+            <p:txBody>
+              <a:bodyPr/>
+              <a:lstStyle/>
+              <a:p>
+                <a:r>
+                  <a:rPr lang="ru-RU">
+                    <a:noFill/>
+                  </a:rPr>
+                  <a:t> </a:t>
+                </a:r>
+              </a:p>
+            </p:txBody>
+          </p:sp>
+        </mc:Fallback>
+      </mc:AlternateContent>
+      <mc:AlternateContent xmlns:mc="http://schemas.openxmlformats.org/markup-compatibility/2006">
+        <mc:Choice xmlns:a14="http://schemas.microsoft.com/office/drawing/2010/main" Requires="a14">
+          <p:sp>
+            <p:nvSpPr>
+              <p:cNvPr id="8" name="TextBox 7"/>
+              <p:cNvSpPr txBox="1"/>
+              <p:nvPr/>
+            </p:nvSpPr>
+            <p:spPr>
+              <a:xfrm>
+                <a:off x="442435" y="1798450"/>
+                <a:ext cx="1448665" cy="403572"/>
+              </a:xfrm>
+              <a:prstGeom prst="rect">
+                <a:avLst/>
+              </a:prstGeom>
+              <a:noFill/>
+            </p:spPr>
+            <p:txBody>
+              <a:bodyPr wrap="none" rtlCol="0">
+                <a:spAutoFit/>
+              </a:bodyPr>
+              <a:lstStyle/>
+              <a:p>
+                <a14:m>
+                  <m:oMathPara xmlns:m="http://schemas.openxmlformats.org/officeDocument/2006/math">
+                    <m:oMathParaPr>
+                      <m:jc m:val="centerGroup"/>
+                    </m:oMathParaPr>
+                    <m:oMath xmlns:m="http://schemas.openxmlformats.org/officeDocument/2006/math">
+                      <m:r>
+                        <a:rPr lang="en-US" sz="2000" b="0" i="1" smtClean="0">
+                          <a:latin typeface="Cambria Math" panose="02040503050406030204" pitchFamily="18" charset="0"/>
+                        </a:rPr>
+                        <m:t>𝑦</m:t>
+                      </m:r>
+                      <m:r>
+                        <a:rPr lang="en-US" sz="2000" b="0" i="1" smtClean="0">
+                          <a:latin typeface="Cambria Math" panose="02040503050406030204" pitchFamily="18" charset="0"/>
+                        </a:rPr>
+                        <m:t>=1/2</m:t>
+                      </m:r>
+                      <m:rad>
+                        <m:radPr>
+                          <m:degHide m:val="on"/>
+                          <m:ctrlPr>
+                            <a:rPr lang="en-US" sz="2000" b="0" i="1" smtClean="0">
+                              <a:latin typeface="Cambria Math" panose="02040503050406030204" pitchFamily="18" charset="0"/>
+                            </a:rPr>
+                          </m:ctrlPr>
+                        </m:radPr>
+                        <m:deg/>
+                        <m:e>
+                          <m:r>
+                            <a:rPr lang="en-US" sz="2000" b="0" i="1" smtClean="0">
+                              <a:latin typeface="Cambria Math" panose="02040503050406030204" pitchFamily="18" charset="0"/>
+                            </a:rPr>
+                            <m:t>𝑥</m:t>
+                          </m:r>
+                        </m:e>
+                      </m:rad>
+                    </m:oMath>
+                  </m:oMathPara>
+                </a14:m>
+                <a:endParaRPr lang="ru-RU" dirty="0"/>
+              </a:p>
+            </p:txBody>
+          </p:sp>
+        </mc:Choice>
+        <mc:Fallback>
+          <p:sp>
+            <p:nvSpPr>
+              <p:cNvPr id="8" name="TextBox 7"/>
+              <p:cNvSpPr txBox="1">
+                <a:spLocks noRot="1" noChangeAspect="1" noMove="1" noResize="1" noEditPoints="1" noAdjustHandles="1" noChangeArrowheads="1" noChangeShapeType="1" noTextEdit="1"/>
+              </p:cNvSpPr>
+              <p:nvPr/>
+            </p:nvSpPr>
+            <p:spPr>
+              <a:xfrm>
+                <a:off x="442435" y="1798450"/>
+                <a:ext cx="1448665" cy="403572"/>
+              </a:xfrm>
+              <a:prstGeom prst="rect">
+                <a:avLst/>
+              </a:prstGeom>
+              <a:blipFill>
+                <a:blip r:embed="rId7"/>
+                <a:stretch>
+                  <a:fillRect b="-15152"/>
+                </a:stretch>
+              </a:blipFill>
+            </p:spPr>
+            <p:txBody>
+              <a:bodyPr/>
+              <a:lstStyle/>
+              <a:p>
+                <a:r>
+                  <a:rPr lang="ru-RU">
+                    <a:noFill/>
+                  </a:rPr>
+                  <a:t> </a:t>
+                </a:r>
+              </a:p>
+            </p:txBody>
+          </p:sp>
+        </mc:Fallback>
+      </mc:AlternateContent>
+      <p:sp>
+        <p:nvSpPr>
+          <p:cNvPr id="9" name="Прямоугольник 8"/>
+          <p:cNvSpPr/>
+          <p:nvPr/>
+        </p:nvSpPr>
+        <p:spPr>
+          <a:xfrm>
+            <a:off x="4242292" y="1931370"/>
+            <a:ext cx="197627" cy="179103"/>
+          </a:xfrm>
+          <a:prstGeom prst="rect">
+            <a:avLst/>
+          </a:prstGeom>
+          <a:solidFill>
+            <a:srgbClr val="00B050"/>
+          </a:solidFill>
+          <a:ln>
+            <a:solidFill>
+              <a:srgbClr val="00B050"/>
+            </a:solidFill>
+          </a:ln>
+        </p:spPr>
+        <p:style>
+          <a:lnRef idx="2">
+            <a:schemeClr val="accent1">
+              <a:shade val="50000"/>
+            </a:schemeClr>
+          </a:lnRef>
+          <a:fillRef idx="1">
+            <a:schemeClr val="accent1"/>
+          </a:fillRef>
+          <a:effectRef idx="0">
+            <a:schemeClr val="accent1"/>
+          </a:effectRef>
+          <a:fontRef idx="minor">
+            <a:schemeClr val="lt1"/>
+          </a:fontRef>
+        </p:style>
+        <p:txBody>
+          <a:bodyPr rtlCol="0" anchor="ctr"/>
+          <a:lstStyle/>
+          <a:p>
+            <a:pPr algn="ctr"/>
+            <a:endParaRPr lang="ru-RU"/>
+          </a:p>
+        </p:txBody>
+      </p:sp>
+      <p:sp>
+        <p:nvSpPr>
+          <p:cNvPr id="13" name="Прямоугольник 12"/>
+          <p:cNvSpPr/>
+          <p:nvPr/>
+        </p:nvSpPr>
+        <p:spPr>
+          <a:xfrm>
+            <a:off x="5517593" y="1931370"/>
+            <a:ext cx="197627" cy="179103"/>
+          </a:xfrm>
+          <a:prstGeom prst="rect">
+            <a:avLst/>
+          </a:prstGeom>
+          <a:solidFill>
+            <a:srgbClr val="0070C0"/>
+          </a:solidFill>
+          <a:ln>
+            <a:solidFill>
+              <a:srgbClr val="0070C0"/>
+            </a:solidFill>
+          </a:ln>
+        </p:spPr>
+        <p:style>
+          <a:lnRef idx="2">
+            <a:schemeClr val="accent1">
+              <a:shade val="50000"/>
+            </a:schemeClr>
+          </a:lnRef>
+          <a:fillRef idx="1">
+            <a:schemeClr val="accent1"/>
+          </a:fillRef>
+          <a:effectRef idx="0">
+            <a:schemeClr val="accent1"/>
+          </a:effectRef>
+          <a:fontRef idx="minor">
+            <a:schemeClr val="lt1"/>
+          </a:fontRef>
+        </p:style>
+        <p:txBody>
+          <a:bodyPr rtlCol="0" anchor="ctr"/>
+          <a:lstStyle/>
+          <a:p>
+            <a:pPr algn="ctr"/>
+            <a:endParaRPr lang="ru-RU"/>
+          </a:p>
+        </p:txBody>
+      </p:sp>
+      <mc:AlternateContent xmlns:mc="http://schemas.openxmlformats.org/markup-compatibility/2006">
+        <mc:Choice xmlns:a14="http://schemas.microsoft.com/office/drawing/2010/main" Requires="a14">
+          <p:sp>
+            <p:nvSpPr>
+              <p:cNvPr id="11" name="TextBox 10"/>
+              <p:cNvSpPr txBox="1"/>
+              <p:nvPr/>
+            </p:nvSpPr>
+            <p:spPr>
+              <a:xfrm>
+                <a:off x="5715220" y="1798450"/>
+                <a:ext cx="2244589" cy="369332"/>
+              </a:xfrm>
+              <a:prstGeom prst="rect">
+                <a:avLst/>
+              </a:prstGeom>
+              <a:noFill/>
+            </p:spPr>
+            <p:txBody>
+              <a:bodyPr wrap="none" rtlCol="0">
+                <a:spAutoFit/>
+              </a:bodyPr>
+              <a:lstStyle/>
+              <a:p>
+                <a14:m>
+                  <m:oMathPara xmlns:m="http://schemas.openxmlformats.org/officeDocument/2006/math">
+                    <m:oMathParaPr>
+                      <m:jc m:val="centerGroup"/>
+                    </m:oMathParaPr>
+                    <m:oMath xmlns:m="http://schemas.openxmlformats.org/officeDocument/2006/math">
+                      <m:r>
+                        <a:rPr lang="en-US" b="0" i="1" smtClean="0">
+                          <a:latin typeface="Cambria Math" panose="02040503050406030204" pitchFamily="18" charset="0"/>
+                        </a:rPr>
+                        <m:t>𝑦</m:t>
+                      </m:r>
+                      <m:r>
+                        <a:rPr lang="en-US" b="0" i="1" smtClean="0">
+                          <a:latin typeface="Cambria Math" panose="02040503050406030204" pitchFamily="18" charset="0"/>
+                        </a:rPr>
+                        <m:t>=</m:t>
+                      </m:r>
+                      <m:r>
+                        <a:rPr lang="en-US" b="0" i="1" smtClean="0">
+                          <a:latin typeface="Cambria Math" panose="02040503050406030204" pitchFamily="18" charset="0"/>
+                        </a:rPr>
+                        <m:t>𝐶</m:t>
+                      </m:r>
+                      <m:r>
+                        <a:rPr lang="en-US" b="0" i="1" smtClean="0">
+                          <a:latin typeface="Cambria Math" panose="02040503050406030204" pitchFamily="18" charset="0"/>
+                        </a:rPr>
+                        <m:t>+</m:t>
+                      </m:r>
+                      <m:r>
+                        <a:rPr lang="en-US" b="0" i="1" smtClean="0">
+                          <a:latin typeface="Cambria Math" panose="02040503050406030204" pitchFamily="18" charset="0"/>
+                        </a:rPr>
+                        <m:t>𝐵</m:t>
+                      </m:r>
+                      <m:r>
+                        <a:rPr lang="en-US" b="0" i="1" smtClean="0">
+                          <a:latin typeface="Cambria Math" panose="02040503050406030204" pitchFamily="18" charset="0"/>
+                          <a:ea typeface="Cambria Math" panose="02040503050406030204" pitchFamily="18" charset="0"/>
+                        </a:rPr>
+                        <m:t>∙</m:t>
+                      </m:r>
+                      <m:r>
+                        <m:rPr>
+                          <m:sty m:val="p"/>
+                        </m:rPr>
+                        <a:rPr lang="en-US" b="0" i="0" smtClean="0">
+                          <a:latin typeface="Cambria Math" panose="02040503050406030204" pitchFamily="18" charset="0"/>
+                        </a:rPr>
+                        <m:t>exp</m:t>
+                      </m:r>
+                      <m:r>
+                        <a:rPr lang="en-US" b="0" i="1" smtClean="0">
+                          <a:latin typeface="Cambria Math" panose="02040503050406030204" pitchFamily="18" charset="0"/>
+                        </a:rPr>
+                        <m:t>⁡(</m:t>
+                      </m:r>
+                      <m:r>
+                        <a:rPr lang="en-US" b="0" i="1" smtClean="0">
+                          <a:latin typeface="Cambria Math" panose="02040503050406030204" pitchFamily="18" charset="0"/>
+                        </a:rPr>
+                        <m:t>𝐴𝑥</m:t>
+                      </m:r>
+                      <m:r>
+                        <a:rPr lang="en-US" b="0" i="1" smtClean="0">
+                          <a:latin typeface="Cambria Math" panose="02040503050406030204" pitchFamily="18" charset="0"/>
+                        </a:rPr>
+                        <m:t>)</m:t>
+                      </m:r>
+                    </m:oMath>
+                  </m:oMathPara>
+                </a14:m>
+                <a:endParaRPr lang="ru-RU" dirty="0"/>
+              </a:p>
+            </p:txBody>
+          </p:sp>
+        </mc:Choice>
+        <mc:Fallback>
+          <p:sp>
+            <p:nvSpPr>
+              <p:cNvPr id="11" name="TextBox 10"/>
+              <p:cNvSpPr txBox="1">
+                <a:spLocks noRot="1" noChangeAspect="1" noMove="1" noResize="1" noEditPoints="1" noAdjustHandles="1" noChangeArrowheads="1" noChangeShapeType="1" noTextEdit="1"/>
+              </p:cNvSpPr>
+              <p:nvPr/>
+            </p:nvSpPr>
+            <p:spPr>
+              <a:xfrm>
+                <a:off x="5715220" y="1798450"/>
+                <a:ext cx="2244589" cy="369332"/>
+              </a:xfrm>
+              <a:prstGeom prst="rect">
+                <a:avLst/>
+              </a:prstGeom>
+              <a:blipFill>
+                <a:blip r:embed="rId8"/>
+                <a:stretch>
+                  <a:fillRect b="-13115"/>
+                </a:stretch>
+              </a:blipFill>
+            </p:spPr>
+            <p:txBody>
+              <a:bodyPr/>
+              <a:lstStyle/>
+              <a:p>
+                <a:r>
+                  <a:rPr lang="ru-RU">
+                    <a:noFill/>
+                  </a:rPr>
+                  <a:t> </a:t>
+                </a:r>
+              </a:p>
+            </p:txBody>
+          </p:sp>
+        </mc:Fallback>
+      </mc:AlternateContent>
+      <p:sp>
+        <p:nvSpPr>
+          <p:cNvPr id="16" name="Прямоугольник 15"/>
+          <p:cNvSpPr/>
+          <p:nvPr/>
+        </p:nvSpPr>
+        <p:spPr>
+          <a:xfrm>
+            <a:off x="259212" y="1931513"/>
+            <a:ext cx="197627" cy="178961"/>
+          </a:xfrm>
+          <a:prstGeom prst="rect">
+            <a:avLst/>
+          </a:prstGeom>
+          <a:solidFill>
+            <a:schemeClr val="tx1"/>
+          </a:solidFill>
+          <a:ln>
+            <a:solidFill>
+              <a:schemeClr val="tx1"/>
+            </a:solidFill>
+          </a:ln>
+        </p:spPr>
+        <p:style>
+          <a:lnRef idx="2">
+            <a:schemeClr val="accent1">
+              <a:shade val="50000"/>
+            </a:schemeClr>
+          </a:lnRef>
+          <a:fillRef idx="1">
+            <a:schemeClr val="accent1"/>
+          </a:fillRef>
+          <a:effectRef idx="0">
+            <a:schemeClr val="accent1"/>
+          </a:effectRef>
+          <a:fontRef idx="minor">
+            <a:schemeClr val="lt1"/>
+          </a:fontRef>
+        </p:style>
+        <p:txBody>
+          <a:bodyPr rtlCol="0" anchor="ctr"/>
+          <a:lstStyle/>
+          <a:p>
+            <a:pPr algn="ctr"/>
+            <a:endParaRPr lang="ru-RU"/>
+          </a:p>
+        </p:txBody>
+      </p:sp>
+      <p:sp>
+        <p:nvSpPr>
+          <p:cNvPr id="17" name="Прямоугольник 16"/>
+          <p:cNvSpPr/>
+          <p:nvPr/>
+        </p:nvSpPr>
+        <p:spPr>
+          <a:xfrm>
+            <a:off x="1865671" y="1931512"/>
+            <a:ext cx="197627" cy="178961"/>
+          </a:xfrm>
+          <a:prstGeom prst="rect">
+            <a:avLst/>
+          </a:prstGeom>
+          <a:solidFill>
+            <a:srgbClr val="7030A0"/>
+          </a:solidFill>
+          <a:ln>
+            <a:solidFill>
+              <a:srgbClr val="7030A0"/>
+            </a:solidFill>
+          </a:ln>
+        </p:spPr>
+        <p:style>
+          <a:lnRef idx="2">
+            <a:schemeClr val="accent1">
+              <a:shade val="50000"/>
+            </a:schemeClr>
+          </a:lnRef>
+          <a:fillRef idx="1">
+            <a:schemeClr val="accent1"/>
+          </a:fillRef>
+          <a:effectRef idx="0">
+            <a:schemeClr val="accent1"/>
+          </a:effectRef>
+          <a:fontRef idx="minor">
+            <a:schemeClr val="lt1"/>
+          </a:fontRef>
+        </p:style>
+        <p:txBody>
+          <a:bodyPr rtlCol="0" anchor="ctr"/>
+          <a:lstStyle/>
+          <a:p>
+            <a:pPr algn="ctr"/>
+            <a:endParaRPr lang="ru-RU"/>
+          </a:p>
+        </p:txBody>
+      </p:sp>
+      <mc:AlternateContent xmlns:mc="http://schemas.openxmlformats.org/markup-compatibility/2006">
+        <mc:Choice xmlns:a14="http://schemas.microsoft.com/office/drawing/2010/main" Requires="a14">
+          <p:sp>
+            <p:nvSpPr>
+              <p:cNvPr id="19" name="TextBox 18"/>
+              <p:cNvSpPr txBox="1"/>
+              <p:nvPr/>
+            </p:nvSpPr>
+            <p:spPr>
+              <a:xfrm>
+                <a:off x="1982254" y="1780798"/>
+                <a:ext cx="2242913" cy="400110"/>
+              </a:xfrm>
+              <a:prstGeom prst="rect">
+                <a:avLst/>
+              </a:prstGeom>
+              <a:noFill/>
+            </p:spPr>
+            <p:txBody>
+              <a:bodyPr wrap="square" rtlCol="0">
+                <a:spAutoFit/>
+              </a:bodyPr>
+              <a:lstStyle/>
+              <a:p>
+                <a14:m>
+                  <m:oMathPara xmlns:m="http://schemas.openxmlformats.org/officeDocument/2006/math">
+                    <m:oMathParaPr>
+                      <m:jc m:val="centerGroup"/>
+                    </m:oMathParaPr>
+                    <m:oMath xmlns:m="http://schemas.openxmlformats.org/officeDocument/2006/math">
+                      <m:r>
+                        <a:rPr lang="en-US" sz="2000" b="0" i="1" smtClean="0">
+                          <a:latin typeface="Cambria Math" panose="02040503050406030204" pitchFamily="18" charset="0"/>
+                        </a:rPr>
+                        <m:t>𝑦</m:t>
+                      </m:r>
+                      <m:r>
+                        <a:rPr lang="en-US" sz="2000" b="0" i="1" smtClean="0">
+                          <a:latin typeface="Cambria Math" panose="02040503050406030204" pitchFamily="18" charset="0"/>
+                        </a:rPr>
+                        <m:t>=</m:t>
+                      </m:r>
+                      <m:r>
+                        <a:rPr lang="en-US" sz="2000" b="0" i="1" smtClean="0">
+                          <a:latin typeface="Cambria Math" panose="02040503050406030204" pitchFamily="18" charset="0"/>
+                        </a:rPr>
+                        <m:t>𝐴𝐵</m:t>
+                      </m:r>
+                      <m:r>
+                        <a:rPr lang="en-US" sz="2000" b="0" i="1" smtClean="0">
+                          <a:latin typeface="Cambria Math" panose="02040503050406030204" pitchFamily="18" charset="0"/>
+                          <a:ea typeface="Cambria Math" panose="02040503050406030204" pitchFamily="18" charset="0"/>
+                        </a:rPr>
+                        <m:t>∙</m:t>
+                      </m:r>
+                      <m:r>
+                        <m:rPr>
+                          <m:sty m:val="p"/>
+                        </m:rPr>
+                        <a:rPr lang="en-US" sz="2000" b="0" i="0" smtClean="0">
+                          <a:latin typeface="Cambria Math" panose="02040503050406030204" pitchFamily="18" charset="0"/>
+                          <a:ea typeface="Cambria Math" panose="02040503050406030204" pitchFamily="18" charset="0"/>
+                        </a:rPr>
+                        <m:t>exp</m:t>
+                      </m:r>
+                      <m:r>
+                        <a:rPr lang="en-US" sz="2000" b="0" i="1" smtClean="0">
+                          <a:latin typeface="Cambria Math" panose="02040503050406030204" pitchFamily="18" charset="0"/>
+                          <a:ea typeface="Cambria Math" panose="02040503050406030204" pitchFamily="18" charset="0"/>
+                        </a:rPr>
+                        <m:t>⁡(</m:t>
+                      </m:r>
+                      <m:r>
+                        <a:rPr lang="en-US" sz="2000" b="0" i="1" smtClean="0">
+                          <a:latin typeface="Cambria Math" panose="02040503050406030204" pitchFamily="18" charset="0"/>
+                          <a:ea typeface="Cambria Math" panose="02040503050406030204" pitchFamily="18" charset="0"/>
+                        </a:rPr>
+                        <m:t>𝐴𝑥</m:t>
+                      </m:r>
+                      <m:r>
+                        <a:rPr lang="en-US" sz="2000" b="0" i="1" smtClean="0">
+                          <a:latin typeface="Cambria Math" panose="02040503050406030204" pitchFamily="18" charset="0"/>
+                          <a:ea typeface="Cambria Math" panose="02040503050406030204" pitchFamily="18" charset="0"/>
+                        </a:rPr>
+                        <m:t>)</m:t>
+                      </m:r>
+                    </m:oMath>
+                  </m:oMathPara>
+                </a14:m>
+                <a:endParaRPr lang="ru-RU" dirty="0"/>
+              </a:p>
+            </p:txBody>
+          </p:sp>
+        </mc:Choice>
+        <mc:Fallback>
+          <p:sp>
+            <p:nvSpPr>
+              <p:cNvPr id="19" name="TextBox 18"/>
+              <p:cNvSpPr txBox="1">
+                <a:spLocks noRot="1" noChangeAspect="1" noMove="1" noResize="1" noEditPoints="1" noAdjustHandles="1" noChangeArrowheads="1" noChangeShapeType="1" noTextEdit="1"/>
+              </p:cNvSpPr>
+              <p:nvPr/>
+            </p:nvSpPr>
+            <p:spPr>
+              <a:xfrm>
+                <a:off x="1982254" y="1780798"/>
+                <a:ext cx="2242913" cy="400110"/>
+              </a:xfrm>
+              <a:prstGeom prst="rect">
+                <a:avLst/>
+              </a:prstGeom>
+              <a:blipFill>
+                <a:blip r:embed="rId9"/>
+                <a:stretch>
+                  <a:fillRect b="-15152"/>
+                </a:stretch>
+              </a:blipFill>
+            </p:spPr>
+            <p:txBody>
+              <a:bodyPr/>
+              <a:lstStyle/>
+              <a:p>
+                <a:r>
+                  <a:rPr lang="ru-RU">
+                    <a:noFill/>
+                  </a:rPr>
+                  <a:t> </a:t>
+                </a:r>
+              </a:p>
+            </p:txBody>
+          </p:sp>
+        </mc:Fallback>
+      </mc:AlternateContent>
+      <mc:AlternateContent xmlns:mc="http://schemas.openxmlformats.org/markup-compatibility/2006">
+        <mc:Choice xmlns:a14="http://schemas.microsoft.com/office/drawing/2010/main" Requires="a14">
+          <p:sp>
+            <p:nvSpPr>
+              <p:cNvPr id="14" name="Прямоугольник 13"/>
+              <p:cNvSpPr/>
+              <p:nvPr/>
+            </p:nvSpPr>
+            <p:spPr>
+              <a:xfrm>
+                <a:off x="9548566" y="2202022"/>
+                <a:ext cx="1007904" cy="523220"/>
+              </a:xfrm>
+              <a:prstGeom prst="rect">
+                <a:avLst/>
+              </a:prstGeom>
+            </p:spPr>
+            <p:txBody>
+              <a:bodyPr wrap="none">
+                <a:spAutoFit/>
+              </a:bodyPr>
+              <a:lstStyle/>
+              <a:p>
+                <a14:m>
+                  <m:oMathPara xmlns:m="http://schemas.openxmlformats.org/officeDocument/2006/math">
+                    <m:oMathParaPr>
+                      <m:jc m:val="centerGroup"/>
+                    </m:oMathParaPr>
+                    <m:oMath xmlns:m="http://schemas.openxmlformats.org/officeDocument/2006/math">
+                      <m:r>
+                        <a:rPr lang="ru-RU" sz="2800" i="1">
+                          <a:latin typeface="Cambria Math" panose="02040503050406030204" pitchFamily="18" charset="0"/>
+                        </a:rPr>
+                        <m:t>𝐺</m:t>
+                      </m:r>
+                      <m:d>
+                        <m:dPr>
+                          <m:ctrlPr>
+                            <a:rPr lang="ru-RU" sz="2800" i="1">
+                              <a:latin typeface="Cambria Math" panose="02040503050406030204" pitchFamily="18" charset="0"/>
+                            </a:rPr>
+                          </m:ctrlPr>
+                        </m:dPr>
+                        <m:e>
+                          <m:r>
+                            <a:rPr lang="ru-RU" sz="2800" i="1">
+                              <a:latin typeface="Cambria Math" panose="02040503050406030204" pitchFamily="18" charset="0"/>
+                            </a:rPr>
+                            <m:t>𝑥</m:t>
+                          </m:r>
+                        </m:e>
+                      </m:d>
+                    </m:oMath>
+                  </m:oMathPara>
+                </a14:m>
+                <a:endParaRPr lang="ru-RU" sz="400" dirty="0"/>
+              </a:p>
+            </p:txBody>
+          </p:sp>
+        </mc:Choice>
+        <mc:Fallback>
+          <p:sp>
+            <p:nvSpPr>
+              <p:cNvPr id="14" name="Прямоугольник 13"/>
+              <p:cNvSpPr>
+                <a:spLocks noRot="1" noChangeAspect="1" noMove="1" noResize="1" noEditPoints="1" noAdjustHandles="1" noChangeArrowheads="1" noChangeShapeType="1" noTextEdit="1"/>
+              </p:cNvSpPr>
+              <p:nvPr/>
+            </p:nvSpPr>
+            <p:spPr>
+              <a:xfrm>
+                <a:off x="9548566" y="2202022"/>
+                <a:ext cx="1007904" cy="523220"/>
+              </a:xfrm>
+              <a:prstGeom prst="rect">
+                <a:avLst/>
+              </a:prstGeom>
+              <a:blipFill>
+                <a:blip r:embed="rId10"/>
+                <a:stretch>
+                  <a:fillRect/>
+                </a:stretch>
+              </a:blipFill>
+            </p:spPr>
+            <p:txBody>
+              <a:bodyPr/>
+              <a:lstStyle/>
+              <a:p>
+                <a:r>
+                  <a:rPr lang="ru-RU">
+                    <a:noFill/>
+                  </a:rPr>
+                  <a:t> </a:t>
+                </a:r>
+              </a:p>
+            </p:txBody>
+          </p:sp>
+        </mc:Fallback>
+      </mc:AlternateContent>
+      <mc:AlternateContent xmlns:mc="http://schemas.openxmlformats.org/markup-compatibility/2006">
+        <mc:Choice xmlns:a14="http://schemas.microsoft.com/office/drawing/2010/main" Requires="a14">
+          <p:sp>
+            <p:nvSpPr>
+              <p:cNvPr id="20" name="Прямоугольник 19"/>
+              <p:cNvSpPr/>
+              <p:nvPr/>
+            </p:nvSpPr>
+            <p:spPr>
+              <a:xfrm>
+                <a:off x="1822927" y="2286136"/>
+                <a:ext cx="908775" cy="523220"/>
+              </a:xfrm>
+              <a:prstGeom prst="rect">
+                <a:avLst/>
+              </a:prstGeom>
+            </p:spPr>
+            <p:txBody>
+              <a:bodyPr wrap="none">
+                <a:spAutoFit/>
+              </a:bodyPr>
+              <a:lstStyle/>
+              <a:p>
+                <a:r>
+                  <a:rPr lang="en-US" sz="2800" i="1" dirty="0"/>
+                  <a:t>H</a:t>
+                </a:r>
+                <a14:m>
+                  <m:oMath xmlns:m="http://schemas.openxmlformats.org/officeDocument/2006/math">
+                    <m:d>
+                      <m:dPr>
+                        <m:ctrlPr>
+                          <a:rPr lang="ru-RU" sz="2800" i="1">
+                            <a:latin typeface="Cambria Math" panose="02040503050406030204" pitchFamily="18" charset="0"/>
+                          </a:rPr>
+                        </m:ctrlPr>
+                      </m:dPr>
+                      <m:e>
+                        <m:r>
+                          <a:rPr lang="ru-RU" sz="2800" i="1">
+                            <a:latin typeface="Cambria Math" panose="02040503050406030204" pitchFamily="18" charset="0"/>
+                          </a:rPr>
+                          <m:t>𝑥</m:t>
+                        </m:r>
+                      </m:e>
+                    </m:d>
+                  </m:oMath>
+                </a14:m>
+                <a:endParaRPr lang="ru-RU" sz="400" dirty="0"/>
+              </a:p>
+            </p:txBody>
+          </p:sp>
+        </mc:Choice>
+        <mc:Fallback>
+          <p:sp>
+            <p:nvSpPr>
+              <p:cNvPr id="20" name="Прямоугольник 19"/>
+              <p:cNvSpPr>
+                <a:spLocks noRot="1" noChangeAspect="1" noMove="1" noResize="1" noEditPoints="1" noAdjustHandles="1" noChangeArrowheads="1" noChangeShapeType="1" noTextEdit="1"/>
+              </p:cNvSpPr>
+              <p:nvPr/>
+            </p:nvSpPr>
+            <p:spPr>
+              <a:xfrm>
+                <a:off x="1822927" y="2286136"/>
+                <a:ext cx="908775" cy="523220"/>
+              </a:xfrm>
+              <a:prstGeom prst="rect">
+                <a:avLst/>
+              </a:prstGeom>
+              <a:blipFill>
+                <a:blip r:embed="rId11"/>
+                <a:stretch>
+                  <a:fillRect l="-13423" t="-10465" b="-32558"/>
+                </a:stretch>
+              </a:blipFill>
+            </p:spPr>
+            <p:txBody>
+              <a:bodyPr/>
+              <a:lstStyle/>
+              <a:p>
+                <a:r>
+                  <a:rPr lang="ru-RU">
+                    <a:noFill/>
+                  </a:rPr>
+                  <a:t> </a:t>
+                </a:r>
+              </a:p>
+            </p:txBody>
+          </p:sp>
+        </mc:Fallback>
+      </mc:AlternateContent>
+      <mc:AlternateContent xmlns:mc="http://schemas.openxmlformats.org/markup-compatibility/2006">
+        <mc:Choice xmlns:a14="http://schemas.microsoft.com/office/drawing/2010/main" Requires="a14">
+          <p:sp>
+            <p:nvSpPr>
+              <p:cNvPr id="21" name="TextBox 20"/>
+              <p:cNvSpPr txBox="1"/>
+              <p:nvPr/>
+            </p:nvSpPr>
+            <p:spPr>
+              <a:xfrm>
+                <a:off x="8293272" y="1793756"/>
+                <a:ext cx="1448665" cy="403572"/>
+              </a:xfrm>
+              <a:prstGeom prst="rect">
+                <a:avLst/>
+              </a:prstGeom>
+              <a:noFill/>
+            </p:spPr>
+            <p:txBody>
+              <a:bodyPr wrap="none" rtlCol="0">
+                <a:spAutoFit/>
+              </a:bodyPr>
+              <a:lstStyle/>
+              <a:p>
+                <a14:m>
+                  <m:oMathPara xmlns:m="http://schemas.openxmlformats.org/officeDocument/2006/math">
+                    <m:oMathParaPr>
+                      <m:jc m:val="centerGroup"/>
+                    </m:oMathParaPr>
+                    <m:oMath xmlns:m="http://schemas.openxmlformats.org/officeDocument/2006/math">
+                      <m:r>
+                        <a:rPr lang="en-US" sz="2000" b="0" i="1" smtClean="0">
+                          <a:latin typeface="Cambria Math" panose="02040503050406030204" pitchFamily="18" charset="0"/>
+                        </a:rPr>
+                        <m:t>𝑦</m:t>
+                      </m:r>
+                      <m:r>
+                        <a:rPr lang="en-US" sz="2000" b="0" i="1" smtClean="0">
+                          <a:latin typeface="Cambria Math" panose="02040503050406030204" pitchFamily="18" charset="0"/>
+                        </a:rPr>
+                        <m:t>=1/2</m:t>
+                      </m:r>
+                      <m:rad>
+                        <m:radPr>
+                          <m:degHide m:val="on"/>
+                          <m:ctrlPr>
+                            <a:rPr lang="en-US" sz="2000" b="0" i="1" smtClean="0">
+                              <a:latin typeface="Cambria Math" panose="02040503050406030204" pitchFamily="18" charset="0"/>
+                            </a:rPr>
+                          </m:ctrlPr>
+                        </m:radPr>
+                        <m:deg/>
+                        <m:e>
+                          <m:r>
+                            <a:rPr lang="en-US" sz="2000" b="0" i="1" smtClean="0">
+                              <a:latin typeface="Cambria Math" panose="02040503050406030204" pitchFamily="18" charset="0"/>
+                            </a:rPr>
+                            <m:t>𝑥</m:t>
+                          </m:r>
+                        </m:e>
+                      </m:rad>
+                    </m:oMath>
+                  </m:oMathPara>
+                </a14:m>
+                <a:endParaRPr lang="ru-RU" dirty="0"/>
+              </a:p>
+            </p:txBody>
+          </p:sp>
+        </mc:Choice>
+        <mc:Fallback>
+          <p:sp>
+            <p:nvSpPr>
+              <p:cNvPr id="21" name="TextBox 20"/>
+              <p:cNvSpPr txBox="1">
+                <a:spLocks noRot="1" noChangeAspect="1" noMove="1" noResize="1" noEditPoints="1" noAdjustHandles="1" noChangeArrowheads="1" noChangeShapeType="1" noTextEdit="1"/>
+              </p:cNvSpPr>
+              <p:nvPr/>
+            </p:nvSpPr>
+            <p:spPr>
+              <a:xfrm>
+                <a:off x="8293272" y="1793756"/>
+                <a:ext cx="1448665" cy="403572"/>
+              </a:xfrm>
+              <a:prstGeom prst="rect">
+                <a:avLst/>
+              </a:prstGeom>
+              <a:blipFill>
+                <a:blip r:embed="rId12"/>
+                <a:stretch>
+                  <a:fillRect b="-15152"/>
+                </a:stretch>
+              </a:blipFill>
+            </p:spPr>
+            <p:txBody>
+              <a:bodyPr/>
+              <a:lstStyle/>
+              <a:p>
+                <a:r>
+                  <a:rPr lang="ru-RU">
+                    <a:noFill/>
+                  </a:rPr>
+                  <a:t> </a:t>
+                </a:r>
+              </a:p>
+            </p:txBody>
+          </p:sp>
+        </mc:Fallback>
+      </mc:AlternateContent>
+      <p:sp>
+        <p:nvSpPr>
+          <p:cNvPr id="22" name="Прямоугольник 21"/>
+          <p:cNvSpPr/>
+          <p:nvPr/>
+        </p:nvSpPr>
+        <p:spPr>
+          <a:xfrm>
+            <a:off x="8110049" y="1926819"/>
+            <a:ext cx="197627" cy="178961"/>
+          </a:xfrm>
+          <a:prstGeom prst="rect">
+            <a:avLst/>
+          </a:prstGeom>
+          <a:solidFill>
+            <a:schemeClr val="tx1"/>
+          </a:solidFill>
+          <a:ln>
+            <a:solidFill>
+              <a:schemeClr val="tx1"/>
+            </a:solidFill>
+          </a:ln>
+        </p:spPr>
+        <p:style>
+          <a:lnRef idx="2">
+            <a:schemeClr val="accent1">
+              <a:shade val="50000"/>
+            </a:schemeClr>
+          </a:lnRef>
+          <a:fillRef idx="1">
+            <a:schemeClr val="accent1"/>
+          </a:fillRef>
+          <a:effectRef idx="0">
+            <a:schemeClr val="accent1"/>
+          </a:effectRef>
+          <a:fontRef idx="minor">
+            <a:schemeClr val="lt1"/>
+          </a:fontRef>
+        </p:style>
+        <p:txBody>
+          <a:bodyPr rtlCol="0" anchor="ctr"/>
+          <a:lstStyle/>
+          <a:p>
+            <a:pPr algn="ctr"/>
+            <a:endParaRPr lang="ru-RU"/>
+          </a:p>
+        </p:txBody>
+      </p:sp>
+      <p:sp>
+        <p:nvSpPr>
+          <p:cNvPr id="23" name="Прямоугольник 22"/>
+          <p:cNvSpPr/>
+          <p:nvPr/>
+        </p:nvSpPr>
+        <p:spPr>
+          <a:xfrm>
+            <a:off x="9716508" y="1926818"/>
+            <a:ext cx="197627" cy="178961"/>
+          </a:xfrm>
+          <a:prstGeom prst="rect">
+            <a:avLst/>
+          </a:prstGeom>
+          <a:solidFill>
+            <a:srgbClr val="7030A0"/>
+          </a:solidFill>
+          <a:ln>
+            <a:solidFill>
+              <a:srgbClr val="7030A0"/>
+            </a:solidFill>
+          </a:ln>
+        </p:spPr>
+        <p:style>
+          <a:lnRef idx="2">
+            <a:schemeClr val="accent1">
+              <a:shade val="50000"/>
+            </a:schemeClr>
+          </a:lnRef>
+          <a:fillRef idx="1">
+            <a:schemeClr val="accent1"/>
+          </a:fillRef>
+          <a:effectRef idx="0">
+            <a:schemeClr val="accent1"/>
+          </a:effectRef>
+          <a:fontRef idx="minor">
+            <a:schemeClr val="lt1"/>
+          </a:fontRef>
+        </p:style>
+        <p:txBody>
+          <a:bodyPr rtlCol="0" anchor="ctr"/>
+          <a:lstStyle/>
+          <a:p>
+            <a:pPr algn="ctr"/>
+            <a:endParaRPr lang="ru-RU"/>
+          </a:p>
+        </p:txBody>
+      </p:sp>
+      <mc:AlternateContent xmlns:mc="http://schemas.openxmlformats.org/markup-compatibility/2006">
+        <mc:Choice xmlns:a14="http://schemas.microsoft.com/office/drawing/2010/main" Requires="a14">
+          <p:sp>
+            <p:nvSpPr>
+              <p:cNvPr id="24" name="TextBox 23"/>
+              <p:cNvSpPr txBox="1"/>
+              <p:nvPr/>
+            </p:nvSpPr>
+            <p:spPr>
+              <a:xfrm>
+                <a:off x="9833091" y="1776104"/>
+                <a:ext cx="2242913" cy="400110"/>
+              </a:xfrm>
+              <a:prstGeom prst="rect">
+                <a:avLst/>
+              </a:prstGeom>
+              <a:noFill/>
+            </p:spPr>
+            <p:txBody>
+              <a:bodyPr wrap="square" rtlCol="0">
+                <a:spAutoFit/>
+              </a:bodyPr>
+              <a:lstStyle/>
+              <a:p>
+                <a14:m>
+                  <m:oMathPara xmlns:m="http://schemas.openxmlformats.org/officeDocument/2006/math">
+                    <m:oMathParaPr>
+                      <m:jc m:val="centerGroup"/>
+                    </m:oMathParaPr>
+                    <m:oMath xmlns:m="http://schemas.openxmlformats.org/officeDocument/2006/math">
+                      <m:r>
+                        <a:rPr lang="en-US" sz="2000" b="0" i="1" smtClean="0">
+                          <a:latin typeface="Cambria Math" panose="02040503050406030204" pitchFamily="18" charset="0"/>
+                        </a:rPr>
+                        <m:t>𝑦</m:t>
+                      </m:r>
+                      <m:r>
+                        <a:rPr lang="en-US" sz="2000" b="0" i="1" smtClean="0">
+                          <a:latin typeface="Cambria Math" panose="02040503050406030204" pitchFamily="18" charset="0"/>
+                        </a:rPr>
+                        <m:t>=</m:t>
+                      </m:r>
+                      <m:r>
+                        <a:rPr lang="en-US" sz="2000" b="0" i="1" smtClean="0">
+                          <a:latin typeface="Cambria Math" panose="02040503050406030204" pitchFamily="18" charset="0"/>
+                        </a:rPr>
+                        <m:t>𝐴𝐵</m:t>
+                      </m:r>
+                      <m:r>
+                        <a:rPr lang="en-US" sz="2000" b="0" i="1" smtClean="0">
+                          <a:latin typeface="Cambria Math" panose="02040503050406030204" pitchFamily="18" charset="0"/>
+                          <a:ea typeface="Cambria Math" panose="02040503050406030204" pitchFamily="18" charset="0"/>
+                        </a:rPr>
+                        <m:t>∙</m:t>
+                      </m:r>
+                      <m:r>
+                        <m:rPr>
+                          <m:sty m:val="p"/>
+                        </m:rPr>
+                        <a:rPr lang="en-US" sz="2000" b="0" i="0" smtClean="0">
+                          <a:latin typeface="Cambria Math" panose="02040503050406030204" pitchFamily="18" charset="0"/>
+                          <a:ea typeface="Cambria Math" panose="02040503050406030204" pitchFamily="18" charset="0"/>
+                        </a:rPr>
+                        <m:t>exp</m:t>
+                      </m:r>
+                      <m:r>
+                        <a:rPr lang="en-US" sz="2000" b="0" i="1" smtClean="0">
+                          <a:latin typeface="Cambria Math" panose="02040503050406030204" pitchFamily="18" charset="0"/>
+                          <a:ea typeface="Cambria Math" panose="02040503050406030204" pitchFamily="18" charset="0"/>
+                        </a:rPr>
+                        <m:t>⁡(</m:t>
+                      </m:r>
+                      <m:r>
+                        <a:rPr lang="en-US" sz="2000" b="0" i="1" smtClean="0">
+                          <a:latin typeface="Cambria Math" panose="02040503050406030204" pitchFamily="18" charset="0"/>
+                          <a:ea typeface="Cambria Math" panose="02040503050406030204" pitchFamily="18" charset="0"/>
+                        </a:rPr>
+                        <m:t>𝐴𝑥</m:t>
+                      </m:r>
+                      <m:r>
+                        <a:rPr lang="en-US" sz="2000" b="0" i="1" smtClean="0">
+                          <a:latin typeface="Cambria Math" panose="02040503050406030204" pitchFamily="18" charset="0"/>
+                          <a:ea typeface="Cambria Math" panose="02040503050406030204" pitchFamily="18" charset="0"/>
+                        </a:rPr>
+                        <m:t>)</m:t>
+                      </m:r>
+                    </m:oMath>
+                  </m:oMathPara>
+                </a14:m>
+                <a:endParaRPr lang="ru-RU" dirty="0"/>
+              </a:p>
+            </p:txBody>
+          </p:sp>
+        </mc:Choice>
+        <mc:Fallback>
+          <p:sp>
+            <p:nvSpPr>
+              <p:cNvPr id="24" name="TextBox 23"/>
+              <p:cNvSpPr txBox="1">
+                <a:spLocks noRot="1" noChangeAspect="1" noMove="1" noResize="1" noEditPoints="1" noAdjustHandles="1" noChangeArrowheads="1" noChangeShapeType="1" noTextEdit="1"/>
+              </p:cNvSpPr>
+              <p:nvPr/>
+            </p:nvSpPr>
+            <p:spPr>
+              <a:xfrm>
+                <a:off x="9833091" y="1776104"/>
+                <a:ext cx="2242913" cy="400110"/>
+              </a:xfrm>
+              <a:prstGeom prst="rect">
+                <a:avLst/>
+              </a:prstGeom>
+              <a:blipFill>
+                <a:blip r:embed="rId13"/>
+                <a:stretch>
+                  <a:fillRect b="-15152"/>
+                </a:stretch>
+              </a:blipFill>
+            </p:spPr>
+            <p:txBody>
+              <a:bodyPr/>
+              <a:lstStyle/>
+              <a:p>
+                <a:r>
+                  <a:rPr lang="ru-RU">
+                    <a:noFill/>
+                  </a:rPr>
+                  <a:t> </a:t>
+                </a:r>
+              </a:p>
+            </p:txBody>
+          </p:sp>
+        </mc:Fallback>
+      </mc:AlternateContent>
     </p:spTree>
     <p:extLst>
       <p:ext uri="{BB962C8B-B14F-4D97-AF65-F5344CB8AC3E}">
@@ -10025,6 +11969,13 @@
   <p:clrMapOvr>
     <a:masterClrMapping/>
   </p:clrMapOvr>
+  <p:timing>
+    <p:tnLst>
+      <p:par>
+        <p:cTn id="1" dur="indefinite" restart="never" nodeType="tmRoot"/>
+      </p:par>
+    </p:tnLst>
+  </p:timing>
 </p:sld>
 </file>
 
@@ -10164,6 +12115,35 @@
               <a:solidFill>
                 <a:schemeClr val="tx1"/>
               </a:solidFill>
+            </a:endParaRPr>
+          </a:p>
+        </p:txBody>
+      </p:sp>
+      <p:sp>
+        <p:nvSpPr>
+          <p:cNvPr id="4" name="Номер слайда 3"/>
+          <p:cNvSpPr>
+            <a:spLocks noGrp="1"/>
+          </p:cNvSpPr>
+          <p:nvPr>
+            <p:ph type="sldNum" sz="quarter" idx="12"/>
+          </p:nvPr>
+        </p:nvSpPr>
+        <p:spPr/>
+        <p:txBody>
+          <a:bodyPr/>
+          <a:lstStyle/>
+          <a:p>
+            <a:fld id="{F1C6814A-4C77-7646-A55A-4DDE602EF31E}" type="slidenum">
+              <a:rPr lang="en-DE" sz="2000" smtClean="0">
+                <a:latin typeface="Times New Roman" panose="02020603050405020304" pitchFamily="18" charset="0"/>
+                <a:cs typeface="Times New Roman" panose="02020603050405020304" pitchFamily="18" charset="0"/>
+              </a:rPr>
+              <a:t>2</a:t>
+            </a:fld>
+            <a:endParaRPr lang="en-DE" sz="2000" dirty="0">
+              <a:latin typeface="Times New Roman" panose="02020603050405020304" pitchFamily="18" charset="0"/>
+              <a:cs typeface="Times New Roman" panose="02020603050405020304" pitchFamily="18" charset="0"/>
             </a:endParaRPr>
           </a:p>
         </p:txBody>
@@ -11201,6 +13181,36 @@
           </a:prstGeom>
         </p:spPr>
       </p:pic>
+      <p:sp>
+        <p:nvSpPr>
+          <p:cNvPr id="5" name="Номер слайда 4"/>
+          <p:cNvSpPr>
+            <a:spLocks noGrp="1"/>
+          </p:cNvSpPr>
+          <p:nvPr>
+            <p:ph type="sldNum" sz="quarter" idx="12"/>
+          </p:nvPr>
+        </p:nvSpPr>
+        <p:spPr/>
+        <p:txBody>
+          <a:bodyPr vert="horz" lIns="91440" tIns="45720" rIns="91440" bIns="45720" rtlCol="0" anchor="ctr"/>
+          <a:lstStyle/>
+          <a:p>
+            <a:fld id="{F1C6814A-4C77-7646-A55A-4DDE602EF31E}" type="slidenum">
+              <a:rPr lang="en-DE" sz="2000">
+                <a:latin typeface="Times New Roman" panose="02020603050405020304" pitchFamily="18" charset="0"/>
+                <a:cs typeface="Times New Roman" panose="02020603050405020304" pitchFamily="18" charset="0"/>
+              </a:rPr>
+              <a:pPr/>
+              <a:t>3</a:t>
+            </a:fld>
+            <a:endParaRPr lang="en-DE" sz="2000">
+              <a:latin typeface="Times New Roman" panose="02020603050405020304" pitchFamily="18" charset="0"/>
+              <a:cs typeface="Times New Roman" panose="02020603050405020304" pitchFamily="18" charset="0"/>
+            </a:endParaRPr>
+          </a:p>
+        </p:txBody>
+      </p:sp>
     </p:spTree>
     <p:extLst>
       <p:ext uri="{BB962C8B-B14F-4D97-AF65-F5344CB8AC3E}">
@@ -13374,6 +15384,36 @@
           </mc:Fallback>
         </mc:AlternateContent>
       </p:grpSp>
+      <p:sp>
+        <p:nvSpPr>
+          <p:cNvPr id="4" name="Номер слайда 3"/>
+          <p:cNvSpPr>
+            <a:spLocks noGrp="1"/>
+          </p:cNvSpPr>
+          <p:nvPr>
+            <p:ph type="sldNum" sz="quarter" idx="12"/>
+          </p:nvPr>
+        </p:nvSpPr>
+        <p:spPr/>
+        <p:txBody>
+          <a:bodyPr vert="horz" lIns="91440" tIns="45720" rIns="91440" bIns="45720" rtlCol="0" anchor="ctr"/>
+          <a:lstStyle/>
+          <a:p>
+            <a:fld id="{F1C6814A-4C77-7646-A55A-4DDE602EF31E}" type="slidenum">
+              <a:rPr lang="en-DE" sz="2000">
+                <a:latin typeface="Times New Roman" panose="02020603050405020304" pitchFamily="18" charset="0"/>
+                <a:cs typeface="Times New Roman" panose="02020603050405020304" pitchFamily="18" charset="0"/>
+              </a:rPr>
+              <a:pPr/>
+              <a:t>4</a:t>
+            </a:fld>
+            <a:endParaRPr lang="en-DE" sz="2000">
+              <a:latin typeface="Times New Roman" panose="02020603050405020304" pitchFamily="18" charset="0"/>
+              <a:cs typeface="Times New Roman" panose="02020603050405020304" pitchFamily="18" charset="0"/>
+            </a:endParaRPr>
+          </a:p>
+        </p:txBody>
+      </p:sp>
     </p:spTree>
     <p:extLst>
       <p:ext uri="{BB962C8B-B14F-4D97-AF65-F5344CB8AC3E}">
@@ -15304,6 +17344,36 @@
           </p:sp>
         </mc:Fallback>
       </mc:AlternateContent>
+      <p:sp>
+        <p:nvSpPr>
+          <p:cNvPr id="7" name="Номер слайда 6"/>
+          <p:cNvSpPr>
+            <a:spLocks noGrp="1"/>
+          </p:cNvSpPr>
+          <p:nvPr>
+            <p:ph type="sldNum" sz="quarter" idx="12"/>
+          </p:nvPr>
+        </p:nvSpPr>
+        <p:spPr/>
+        <p:txBody>
+          <a:bodyPr vert="horz" lIns="91440" tIns="45720" rIns="91440" bIns="45720" rtlCol="0" anchor="ctr"/>
+          <a:lstStyle/>
+          <a:p>
+            <a:fld id="{F1C6814A-4C77-7646-A55A-4DDE602EF31E}" type="slidenum">
+              <a:rPr lang="en-DE" sz="2000">
+                <a:latin typeface="Times New Roman" panose="02020603050405020304" pitchFamily="18" charset="0"/>
+                <a:cs typeface="Times New Roman" panose="02020603050405020304" pitchFamily="18" charset="0"/>
+              </a:rPr>
+              <a:pPr/>
+              <a:t>5</a:t>
+            </a:fld>
+            <a:endParaRPr lang="en-DE" sz="2000">
+              <a:latin typeface="Times New Roman" panose="02020603050405020304" pitchFamily="18" charset="0"/>
+              <a:cs typeface="Times New Roman" panose="02020603050405020304" pitchFamily="18" charset="0"/>
+            </a:endParaRPr>
+          </a:p>
+        </p:txBody>
+      </p:sp>
     </p:spTree>
     <p:extLst>
       <p:ext uri="{BB962C8B-B14F-4D97-AF65-F5344CB8AC3E}">
@@ -15375,8 +17445,8 @@
           </a:p>
         </p:txBody>
       </p:sp>
-      <mc:AlternateContent xmlns:mc="http://schemas.openxmlformats.org/markup-compatibility/2006">
-        <mc:Choice xmlns:a14="http://schemas.microsoft.com/office/drawing/2010/main" Requires="a14">
+      <mc:AlternateContent xmlns:mc="http://schemas.openxmlformats.org/markup-compatibility/2006" xmlns:a14="http://schemas.microsoft.com/office/drawing/2010/main">
+        <mc:Choice Requires="a14">
           <p:sp>
             <p:nvSpPr>
               <p:cNvPr id="3" name="Content Placeholder 2">
@@ -16719,7 +18789,7 @@
             </p:txBody>
           </p:sp>
         </mc:Choice>
-        <mc:Fallback>
+        <mc:Fallback xmlns="">
           <p:sp>
             <p:nvSpPr>
               <p:cNvPr id="3" name="Content Placeholder 2">
@@ -16793,6 +18863,36 @@
           </a:prstGeom>
         </p:spPr>
       </p:pic>
+      <p:sp>
+        <p:nvSpPr>
+          <p:cNvPr id="4" name="Номер слайда 3"/>
+          <p:cNvSpPr>
+            <a:spLocks noGrp="1"/>
+          </p:cNvSpPr>
+          <p:nvPr>
+            <p:ph type="sldNum" sz="quarter" idx="12"/>
+          </p:nvPr>
+        </p:nvSpPr>
+        <p:spPr/>
+        <p:txBody>
+          <a:bodyPr vert="horz" lIns="91440" tIns="45720" rIns="91440" bIns="45720" rtlCol="0" anchor="ctr"/>
+          <a:lstStyle/>
+          <a:p>
+            <a:fld id="{F1C6814A-4C77-7646-A55A-4DDE602EF31E}" type="slidenum">
+              <a:rPr lang="en-DE" sz="2000">
+                <a:latin typeface="Times New Roman" panose="02020603050405020304" pitchFamily="18" charset="0"/>
+                <a:cs typeface="Times New Roman" panose="02020603050405020304" pitchFamily="18" charset="0"/>
+              </a:rPr>
+              <a:pPr/>
+              <a:t>6</a:t>
+            </a:fld>
+            <a:endParaRPr lang="en-DE" sz="2000">
+              <a:latin typeface="Times New Roman" panose="02020603050405020304" pitchFamily="18" charset="0"/>
+              <a:cs typeface="Times New Roman" panose="02020603050405020304" pitchFamily="18" charset="0"/>
+            </a:endParaRPr>
+          </a:p>
+        </p:txBody>
+      </p:sp>
     </p:spTree>
     <p:extLst>
       <p:ext uri="{BB962C8B-B14F-4D97-AF65-F5344CB8AC3E}">
@@ -18354,6 +20454,36 @@
           </a:prstGeom>
         </p:spPr>
       </p:pic>
+      <p:sp>
+        <p:nvSpPr>
+          <p:cNvPr id="5" name="Номер слайда 4"/>
+          <p:cNvSpPr>
+            <a:spLocks noGrp="1"/>
+          </p:cNvSpPr>
+          <p:nvPr>
+            <p:ph type="sldNum" sz="quarter" idx="12"/>
+          </p:nvPr>
+        </p:nvSpPr>
+        <p:spPr/>
+        <p:txBody>
+          <a:bodyPr vert="horz" lIns="91440" tIns="45720" rIns="91440" bIns="45720" rtlCol="0" anchor="ctr"/>
+          <a:lstStyle/>
+          <a:p>
+            <a:fld id="{F1C6814A-4C77-7646-A55A-4DDE602EF31E}" type="slidenum">
+              <a:rPr lang="en-DE" sz="2000">
+                <a:latin typeface="Times New Roman" panose="02020603050405020304" pitchFamily="18" charset="0"/>
+                <a:cs typeface="Times New Roman" panose="02020603050405020304" pitchFamily="18" charset="0"/>
+              </a:rPr>
+              <a:pPr/>
+              <a:t>7</a:t>
+            </a:fld>
+            <a:endParaRPr lang="en-DE" sz="2000" dirty="0">
+              <a:latin typeface="Times New Roman" panose="02020603050405020304" pitchFamily="18" charset="0"/>
+              <a:cs typeface="Times New Roman" panose="02020603050405020304" pitchFamily="18" charset="0"/>
+            </a:endParaRPr>
+          </a:p>
+        </p:txBody>
+      </p:sp>
     </p:spTree>
     <p:extLst>
       <p:ext uri="{BB962C8B-B14F-4D97-AF65-F5344CB8AC3E}">
@@ -18377,6 +20507,11 @@
 <file path=ppt/slides/slide8.xml><?xml version="1.0" encoding="utf-8"?>
 <p:sld xmlns:a="http://schemas.openxmlformats.org/drawingml/2006/main" xmlns:r="http://schemas.openxmlformats.org/officeDocument/2006/relationships" xmlns:p="http://schemas.openxmlformats.org/presentationml/2006/main">
   <p:cSld>
+    <p:bg>
+      <p:bgRef idx="1001">
+        <a:schemeClr val="bg1"/>
+      </p:bgRef>
+    </p:bg>
     <p:spTree>
       <p:nvGrpSpPr>
         <p:cNvPr id="1" name=""/>
@@ -18469,6 +20604,36 @@
           </a:p>
         </p:txBody>
       </p:sp>
+      <p:sp>
+        <p:nvSpPr>
+          <p:cNvPr id="6" name="Номер слайда 5"/>
+          <p:cNvSpPr>
+            <a:spLocks noGrp="1"/>
+          </p:cNvSpPr>
+          <p:nvPr>
+            <p:ph type="sldNum" sz="quarter" idx="12"/>
+          </p:nvPr>
+        </p:nvSpPr>
+        <p:spPr/>
+        <p:txBody>
+          <a:bodyPr vert="horz" lIns="91440" tIns="45720" rIns="91440" bIns="45720" rtlCol="0" anchor="ctr"/>
+          <a:lstStyle/>
+          <a:p>
+            <a:fld id="{F1C6814A-4C77-7646-A55A-4DDE602EF31E}" type="slidenum">
+              <a:rPr lang="en-DE" sz="2000">
+                <a:latin typeface="Times New Roman" panose="02020603050405020304" pitchFamily="18" charset="0"/>
+                <a:cs typeface="Times New Roman" panose="02020603050405020304" pitchFamily="18" charset="0"/>
+              </a:rPr>
+              <a:pPr/>
+              <a:t>8</a:t>
+            </a:fld>
+            <a:endParaRPr lang="en-DE" sz="2000" dirty="0">
+              <a:latin typeface="Times New Roman" panose="02020603050405020304" pitchFamily="18" charset="0"/>
+              <a:cs typeface="Times New Roman" panose="02020603050405020304" pitchFamily="18" charset="0"/>
+            </a:endParaRPr>
+          </a:p>
+        </p:txBody>
+      </p:sp>
       <p:pic>
         <p:nvPicPr>
           <p:cNvPr id="4" name="Picture 3" descr="Chart, line chart&#10;&#10;Description automatically generated">
@@ -18484,7 +20649,7 @@
           <p:nvPr/>
         </p:nvPicPr>
         <p:blipFill>
-          <a:blip r:embed="rId2"/>
+          <a:blip r:embed="rId3"/>
           <a:stretch>
             <a:fillRect/>
           </a:stretch>
@@ -19462,7 +21627,7 @@
                 <a:avLst/>
               </a:prstGeom>
               <a:blipFill>
-                <a:blip r:embed="rId3"/>
+                <a:blip r:embed="rId4"/>
                 <a:stretch>
                   <a:fillRect l="-1100" t="-2381" r="-978" b="-420"/>
                 </a:stretch>
@@ -19491,7 +21656,7 @@
     </p:extLst>
   </p:cSld>
   <p:clrMapOvr>
-    <a:masterClrMapping/>
+    <a:overrideClrMapping bg1="lt1" tx1="dk1" bg2="lt2" tx2="dk2" accent1="accent1" accent2="accent2" accent3="accent3" accent4="accent4" accent5="accent5" accent6="accent6" hlink="hlink" folHlink="folHlink"/>
   </p:clrMapOvr>
   <p:timing>
     <p:tnLst>
@@ -19556,8 +21721,8 @@
           </a:p>
         </p:txBody>
       </p:sp>
-      <mc:AlternateContent xmlns:mc="http://schemas.openxmlformats.org/markup-compatibility/2006">
-        <mc:Choice xmlns:a14="http://schemas.microsoft.com/office/drawing/2010/main" Requires="a14">
+      <mc:AlternateContent xmlns:mc="http://schemas.openxmlformats.org/markup-compatibility/2006" xmlns:a14="http://schemas.microsoft.com/office/drawing/2010/main">
+        <mc:Choice Requires="a14">
           <p:sp>
             <p:nvSpPr>
               <p:cNvPr id="3" name="Content Placeholder 2">
@@ -21477,6 +23642,7 @@
                               <a:solidFill>
                                 <a:schemeClr val="tx1"/>
                               </a:solidFill>
+                              <a:latin typeface="Cambria Math" panose="02040503050406030204" pitchFamily="18" charset="0"/>
                             </a:rPr>
                           </m:ctrlPr>
                         </m:dPr>
@@ -21488,6 +23654,7 @@
                                   <a:solidFill>
                                     <a:schemeClr val="tx1"/>
                                   </a:solidFill>
+                                  <a:latin typeface="Cambria Math" panose="02040503050406030204" pitchFamily="18" charset="0"/>
                                 </a:rPr>
                               </m:ctrlPr>
                             </m:eqArrPr>
@@ -21499,6 +23666,7 @@
                                       <a:solidFill>
                                         <a:schemeClr val="tx1"/>
                                       </a:solidFill>
+                                      <a:latin typeface="Cambria Math" panose="02040503050406030204" pitchFamily="18" charset="0"/>
                                     </a:rPr>
                                   </m:ctrlPr>
                                 </m:sSubPr>
@@ -21508,6 +23676,7 @@
                                       <a:solidFill>
                                         <a:schemeClr val="tx1"/>
                                       </a:solidFill>
+                                      <a:latin typeface="Cambria Math" panose="02040503050406030204" pitchFamily="18" charset="0"/>
                                     </a:rPr>
                                     <m:t>𝑦</m:t>
                                   </m:r>
@@ -21518,6 +23687,7 @@
                                       <a:solidFill>
                                         <a:schemeClr val="tx1"/>
                                       </a:solidFill>
+                                      <a:latin typeface="Cambria Math" panose="02040503050406030204" pitchFamily="18" charset="0"/>
                                     </a:rPr>
                                     <m:t>1</m:t>
                                   </m:r>
@@ -21528,6 +23698,7 @@
                                   <a:solidFill>
                                     <a:schemeClr val="tx1"/>
                                   </a:solidFill>
+                                  <a:latin typeface="Cambria Math" panose="02040503050406030204" pitchFamily="18" charset="0"/>
                                 </a:rPr>
                                 <m:t>=</m:t>
                               </m:r>
@@ -21536,6 +23707,7 @@
                                   <a:solidFill>
                                     <a:schemeClr val="tx1"/>
                                   </a:solidFill>
+                                  <a:latin typeface="Cambria Math" panose="02040503050406030204" pitchFamily="18" charset="0"/>
                                 </a:rPr>
                                 <m:t>𝐶</m:t>
                               </m:r>
@@ -21544,6 +23716,7 @@
                                   <a:solidFill>
                                     <a:schemeClr val="tx1"/>
                                   </a:solidFill>
+                                  <a:latin typeface="Cambria Math" panose="02040503050406030204" pitchFamily="18" charset="0"/>
                                 </a:rPr>
                                 <m:t>+</m:t>
                               </m:r>
@@ -21552,6 +23725,7 @@
                                   <a:solidFill>
                                     <a:schemeClr val="tx1"/>
                                   </a:solidFill>
+                                  <a:latin typeface="Cambria Math" panose="02040503050406030204" pitchFamily="18" charset="0"/>
                                 </a:rPr>
                                 <m:t>𝐵</m:t>
                               </m:r>
@@ -21562,6 +23736,7 @@
                                       <a:solidFill>
                                         <a:schemeClr val="tx1"/>
                                       </a:solidFill>
+                                      <a:latin typeface="Cambria Math" panose="02040503050406030204" pitchFamily="18" charset="0"/>
                                     </a:rPr>
                                   </m:ctrlPr>
                                 </m:funcPr>
@@ -21571,6 +23746,7 @@
                                       <a:solidFill>
                                         <a:schemeClr val="tx1"/>
                                       </a:solidFill>
+                                      <a:latin typeface="Cambria Math" panose="02040503050406030204" pitchFamily="18" charset="0"/>
                                     </a:rPr>
                                     <m:t>𝑒𝑥𝑝</m:t>
                                   </m:r>
@@ -21583,6 +23759,7 @@
                                           <a:solidFill>
                                             <a:schemeClr val="tx1"/>
                                           </a:solidFill>
+                                          <a:latin typeface="Cambria Math" panose="02040503050406030204" pitchFamily="18" charset="0"/>
                                         </a:rPr>
                                       </m:ctrlPr>
                                     </m:dPr>
@@ -21592,6 +23769,7 @@
                                           <a:solidFill>
                                             <a:schemeClr val="tx1"/>
                                           </a:solidFill>
+                                          <a:latin typeface="Cambria Math" panose="02040503050406030204" pitchFamily="18" charset="0"/>
                                         </a:rPr>
                                         <m:t>𝐴</m:t>
                                       </m:r>
@@ -21602,6 +23780,7 @@
                                               <a:solidFill>
                                                 <a:schemeClr val="tx1"/>
                                               </a:solidFill>
+                                              <a:latin typeface="Cambria Math" panose="02040503050406030204" pitchFamily="18" charset="0"/>
                                             </a:rPr>
                                           </m:ctrlPr>
                                         </m:sSubPr>
@@ -21611,6 +23790,7 @@
                                               <a:solidFill>
                                                 <a:schemeClr val="tx1"/>
                                               </a:solidFill>
+                                              <a:latin typeface="Cambria Math" panose="02040503050406030204" pitchFamily="18" charset="0"/>
                                             </a:rPr>
                                             <m:t>𝑥</m:t>
                                           </m:r>
@@ -21621,6 +23801,7 @@
                                               <a:solidFill>
                                                 <a:schemeClr val="tx1"/>
                                               </a:solidFill>
+                                              <a:latin typeface="Cambria Math" panose="02040503050406030204" pitchFamily="18" charset="0"/>
                                             </a:rPr>
                                             <m:t>1</m:t>
                                           </m:r>
@@ -21639,6 +23820,7 @@
                                       <a:solidFill>
                                         <a:schemeClr val="tx1"/>
                                       </a:solidFill>
+                                      <a:latin typeface="Cambria Math" panose="02040503050406030204" pitchFamily="18" charset="0"/>
                                     </a:rPr>
                                   </m:ctrlPr>
                                 </m:sSubPr>
@@ -21648,6 +23830,7 @@
                                       <a:solidFill>
                                         <a:schemeClr val="tx1"/>
                                       </a:solidFill>
+                                      <a:latin typeface="Cambria Math" panose="02040503050406030204" pitchFamily="18" charset="0"/>
                                     </a:rPr>
                                     <m:t>𝑦</m:t>
                                   </m:r>
@@ -21658,6 +23841,7 @@
                                       <a:solidFill>
                                         <a:schemeClr val="tx1"/>
                                       </a:solidFill>
+                                      <a:latin typeface="Cambria Math" panose="02040503050406030204" pitchFamily="18" charset="0"/>
                                     </a:rPr>
                                     <m:t>2</m:t>
                                   </m:r>
@@ -21668,6 +23852,7 @@
                                   <a:solidFill>
                                     <a:schemeClr val="tx1"/>
                                   </a:solidFill>
+                                  <a:latin typeface="Cambria Math" panose="02040503050406030204" pitchFamily="18" charset="0"/>
                                 </a:rPr>
                                 <m:t>=</m:t>
                               </m:r>
@@ -21676,6 +23861,7 @@
                                   <a:solidFill>
                                     <a:schemeClr val="tx1"/>
                                   </a:solidFill>
+                                  <a:latin typeface="Cambria Math" panose="02040503050406030204" pitchFamily="18" charset="0"/>
                                 </a:rPr>
                                 <m:t>𝐶</m:t>
                               </m:r>
@@ -21684,6 +23870,7 @@
                                   <a:solidFill>
                                     <a:schemeClr val="tx1"/>
                                   </a:solidFill>
+                                  <a:latin typeface="Cambria Math" panose="02040503050406030204" pitchFamily="18" charset="0"/>
                                 </a:rPr>
                                 <m:t>+</m:t>
                               </m:r>
@@ -21692,6 +23879,7 @@
                                   <a:solidFill>
                                     <a:schemeClr val="tx1"/>
                                   </a:solidFill>
+                                  <a:latin typeface="Cambria Math" panose="02040503050406030204" pitchFamily="18" charset="0"/>
                                 </a:rPr>
                                 <m:t>𝐵</m:t>
                               </m:r>
@@ -21702,6 +23890,7 @@
                                       <a:solidFill>
                                         <a:schemeClr val="tx1"/>
                                       </a:solidFill>
+                                      <a:latin typeface="Cambria Math" panose="02040503050406030204" pitchFamily="18" charset="0"/>
                                     </a:rPr>
                                   </m:ctrlPr>
                                 </m:funcPr>
@@ -21711,6 +23900,7 @@
                                       <a:solidFill>
                                         <a:schemeClr val="tx1"/>
                                       </a:solidFill>
+                                      <a:latin typeface="Cambria Math" panose="02040503050406030204" pitchFamily="18" charset="0"/>
                                     </a:rPr>
                                     <m:t>𝑒𝑥𝑝</m:t>
                                   </m:r>
@@ -21723,6 +23913,7 @@
                                           <a:solidFill>
                                             <a:schemeClr val="tx1"/>
                                           </a:solidFill>
+                                          <a:latin typeface="Cambria Math" panose="02040503050406030204" pitchFamily="18" charset="0"/>
                                         </a:rPr>
                                       </m:ctrlPr>
                                     </m:dPr>
@@ -21732,6 +23923,7 @@
                                           <a:solidFill>
                                             <a:schemeClr val="tx1"/>
                                           </a:solidFill>
+                                          <a:latin typeface="Cambria Math" panose="02040503050406030204" pitchFamily="18" charset="0"/>
                                         </a:rPr>
                                         <m:t>𝐴</m:t>
                                       </m:r>
@@ -21742,6 +23934,7 @@
                                               <a:solidFill>
                                                 <a:schemeClr val="tx1"/>
                                               </a:solidFill>
+                                              <a:latin typeface="Cambria Math" panose="02040503050406030204" pitchFamily="18" charset="0"/>
                                             </a:rPr>
                                           </m:ctrlPr>
                                         </m:sSubPr>
@@ -21751,6 +23944,7 @@
                                               <a:solidFill>
                                                 <a:schemeClr val="tx1"/>
                                               </a:solidFill>
+                                              <a:latin typeface="Cambria Math" panose="02040503050406030204" pitchFamily="18" charset="0"/>
                                             </a:rPr>
                                             <m:t>𝑥</m:t>
                                           </m:r>
@@ -21761,6 +23955,7 @@
                                               <a:solidFill>
                                                 <a:schemeClr val="tx1"/>
                                               </a:solidFill>
+                                              <a:latin typeface="Cambria Math" panose="02040503050406030204" pitchFamily="18" charset="0"/>
                                             </a:rPr>
                                             <m:t>2</m:t>
                                           </m:r>
@@ -21803,7 +23998,7 @@
             </p:txBody>
           </p:sp>
         </mc:Choice>
-        <mc:Fallback>
+        <mc:Fallback xmlns="">
           <p:sp>
             <p:nvSpPr>
               <p:cNvPr id="3" name="Content Placeholder 2">
@@ -22044,6 +24239,36 @@
               <a:buNone/>
             </a:pPr>
             <a:endParaRPr lang="ru-RU" dirty="0"/>
+          </a:p>
+        </p:txBody>
+      </p:sp>
+      <p:sp>
+        <p:nvSpPr>
+          <p:cNvPr id="4" name="Номер слайда 3"/>
+          <p:cNvSpPr>
+            <a:spLocks noGrp="1"/>
+          </p:cNvSpPr>
+          <p:nvPr>
+            <p:ph type="sldNum" sz="quarter" idx="12"/>
+          </p:nvPr>
+        </p:nvSpPr>
+        <p:spPr/>
+        <p:txBody>
+          <a:bodyPr vert="horz" lIns="91440" tIns="45720" rIns="91440" bIns="45720" rtlCol="0" anchor="ctr"/>
+          <a:lstStyle/>
+          <a:p>
+            <a:fld id="{F1C6814A-4C77-7646-A55A-4DDE602EF31E}" type="slidenum">
+              <a:rPr lang="en-DE" sz="2000">
+                <a:latin typeface="Times New Roman" panose="02020603050405020304" pitchFamily="18" charset="0"/>
+                <a:cs typeface="Times New Roman" panose="02020603050405020304" pitchFamily="18" charset="0"/>
+              </a:rPr>
+              <a:pPr/>
+              <a:t>9</a:t>
+            </a:fld>
+            <a:endParaRPr lang="en-DE" sz="2000" dirty="0">
+              <a:latin typeface="Times New Roman" panose="02020603050405020304" pitchFamily="18" charset="0"/>
+              <a:cs typeface="Times New Roman" panose="02020603050405020304" pitchFamily="18" charset="0"/>
+            </a:endParaRPr>
           </a:p>
         </p:txBody>
       </p:sp>
@@ -22348,4 +24573,351 @@
     </a:ext>
   </a:extLst>
 </a:theme>
+</file>
+
+<file path=ppt/theme/theme2.xml><?xml version="1.0" encoding="utf-8"?>
+<a:theme xmlns:a="http://schemas.openxmlformats.org/drawingml/2006/main" name="Тема Office">
+  <a:themeElements>
+    <a:clrScheme name="Стандартная">
+      <a:dk1>
+        <a:sysClr val="windowText" lastClr="000000"/>
+      </a:dk1>
+      <a:lt1>
+        <a:sysClr val="window" lastClr="FFFFFF"/>
+      </a:lt1>
+      <a:dk2>
+        <a:srgbClr val="44546A"/>
+      </a:dk2>
+      <a:lt2>
+        <a:srgbClr val="E7E6E6"/>
+      </a:lt2>
+      <a:accent1>
+        <a:srgbClr val="5B9BD5"/>
+      </a:accent1>
+      <a:accent2>
+        <a:srgbClr val="ED7D31"/>
+      </a:accent2>
+      <a:accent3>
+        <a:srgbClr val="A5A5A5"/>
+      </a:accent3>
+      <a:accent4>
+        <a:srgbClr val="FFC000"/>
+      </a:accent4>
+      <a:accent5>
+        <a:srgbClr val="4472C4"/>
+      </a:accent5>
+      <a:accent6>
+        <a:srgbClr val="70AD47"/>
+      </a:accent6>
+      <a:hlink>
+        <a:srgbClr val="0563C1"/>
+      </a:hlink>
+      <a:folHlink>
+        <a:srgbClr val="954F72"/>
+      </a:folHlink>
+    </a:clrScheme>
+    <a:fontScheme name="Стандартная">
+      <a:majorFont>
+        <a:latin typeface="Calibri Light" panose="020F0302020204030204"/>
+        <a:ea typeface=""/>
+        <a:cs typeface=""/>
+        <a:font script="Jpan" typeface="游ゴシック Light"/>
+        <a:font script="Hang" typeface="맑은 고딕"/>
+        <a:font script="Hans" typeface="等线 Light"/>
+        <a:font script="Hant" typeface="新細明體"/>
+        <a:font script="Arab" typeface="Times New Roman"/>
+        <a:font script="Hebr" typeface="Times New Roman"/>
+        <a:font script="Thai" typeface="Angsana New"/>
+        <a:font script="Ethi" typeface="Nyala"/>
+        <a:font script="Beng" typeface="Vrinda"/>
+        <a:font script="Gujr" typeface="Shruti"/>
+        <a:font script="Khmr" typeface="MoolBoran"/>
+        <a:font script="Knda" typeface="Tunga"/>
+        <a:font script="Guru" typeface="Raavi"/>
+        <a:font script="Cans" typeface="Euphemia"/>
+        <a:font script="Cher" typeface="Plantagenet Cherokee"/>
+        <a:font script="Yiii" typeface="Microsoft Yi Baiti"/>
+        <a:font script="Tibt" typeface="Microsoft Himalaya"/>
+        <a:font script="Thaa" typeface="MV Boli"/>
+        <a:font script="Deva" typeface="Mangal"/>
+        <a:font script="Telu" typeface="Gautami"/>
+        <a:font script="Taml" typeface="Latha"/>
+        <a:font script="Syrc" typeface="Estrangelo Edessa"/>
+        <a:font script="Orya" typeface="Kalinga"/>
+        <a:font script="Mlym" typeface="Kartika"/>
+        <a:font script="Laoo" typeface="DokChampa"/>
+        <a:font script="Sinh" typeface="Iskoola Pota"/>
+        <a:font script="Mong" typeface="Mongolian Baiti"/>
+        <a:font script="Viet" typeface="Times New Roman"/>
+        <a:font script="Uigh" typeface="Microsoft Uighur"/>
+        <a:font script="Geor" typeface="Sylfaen"/>
+      </a:majorFont>
+      <a:minorFont>
+        <a:latin typeface="Calibri" panose="020F0502020204030204"/>
+        <a:ea typeface=""/>
+        <a:cs typeface=""/>
+        <a:font script="Jpan" typeface="游ゴシック"/>
+        <a:font script="Hang" typeface="맑은 고딕"/>
+        <a:font script="Hans" typeface="等线"/>
+        <a:font script="Hant" typeface="新細明體"/>
+        <a:font script="Arab" typeface="Arial"/>
+        <a:font script="Hebr" typeface="Arial"/>
+        <a:font script="Thai" typeface="Cordia New"/>
+        <a:font script="Ethi" typeface="Nyala"/>
+        <a:font script="Beng" typeface="Vrinda"/>
+        <a:font script="Gujr" typeface="Shruti"/>
+        <a:font script="Khmr" typeface="DaunPenh"/>
+        <a:font script="Knda" typeface="Tunga"/>
+        <a:font script="Guru" typeface="Raavi"/>
+        <a:font script="Cans" typeface="Euphemia"/>
+        <a:font script="Cher" typeface="Plantagenet Cherokee"/>
+        <a:font script="Yiii" typeface="Microsoft Yi Baiti"/>
+        <a:font script="Tibt" typeface="Microsoft Himalaya"/>
+        <a:font script="Thaa" typeface="MV Boli"/>
+        <a:font script="Deva" typeface="Mangal"/>
+        <a:font script="Telu" typeface="Gautami"/>
+        <a:font script="Taml" typeface="Latha"/>
+        <a:font script="Syrc" typeface="Estrangelo Edessa"/>
+        <a:font script="Orya" typeface="Kalinga"/>
+        <a:font script="Mlym" typeface="Kartika"/>
+        <a:font script="Laoo" typeface="DokChampa"/>
+        <a:font script="Sinh" typeface="Iskoola Pota"/>
+        <a:font script="Mong" typeface="Mongolian Baiti"/>
+        <a:font script="Viet" typeface="Arial"/>
+        <a:font script="Uigh" typeface="Microsoft Uighur"/>
+        <a:font script="Geor" typeface="Sylfaen"/>
+      </a:minorFont>
+    </a:fontScheme>
+    <a:fmtScheme name="Стандартная">
+      <a:fillStyleLst>
+        <a:solidFill>
+          <a:schemeClr val="phClr"/>
+        </a:solidFill>
+        <a:gradFill rotWithShape="1">
+          <a:gsLst>
+            <a:gs pos="0">
+              <a:schemeClr val="phClr">
+                <a:lumMod val="110000"/>
+                <a:satMod val="105000"/>
+                <a:tint val="67000"/>
+              </a:schemeClr>
+            </a:gs>
+            <a:gs pos="50000">
+              <a:schemeClr val="phClr">
+                <a:lumMod val="105000"/>
+                <a:satMod val="103000"/>
+                <a:tint val="73000"/>
+              </a:schemeClr>
+            </a:gs>
+            <a:gs pos="100000">
+              <a:schemeClr val="phClr">
+                <a:lumMod val="105000"/>
+                <a:satMod val="109000"/>
+                <a:tint val="81000"/>
+              </a:schemeClr>
+            </a:gs>
+          </a:gsLst>
+          <a:lin ang="5400000" scaled="0"/>
+        </a:gradFill>
+        <a:gradFill rotWithShape="1">
+          <a:gsLst>
+            <a:gs pos="0">
+              <a:schemeClr val="phClr">
+                <a:satMod val="103000"/>
+                <a:lumMod val="102000"/>
+                <a:tint val="94000"/>
+              </a:schemeClr>
+            </a:gs>
+            <a:gs pos="50000">
+              <a:schemeClr val="phClr">
+                <a:satMod val="110000"/>
+                <a:lumMod val="100000"/>
+                <a:shade val="100000"/>
+              </a:schemeClr>
+            </a:gs>
+            <a:gs pos="100000">
+              <a:schemeClr val="phClr">
+                <a:lumMod val="99000"/>
+                <a:satMod val="120000"/>
+                <a:shade val="78000"/>
+              </a:schemeClr>
+            </a:gs>
+          </a:gsLst>
+          <a:lin ang="5400000" scaled="0"/>
+        </a:gradFill>
+      </a:fillStyleLst>
+      <a:lnStyleLst>
+        <a:ln w="6350" cap="flat" cmpd="sng" algn="ctr">
+          <a:solidFill>
+            <a:schemeClr val="phClr"/>
+          </a:solidFill>
+          <a:prstDash val="solid"/>
+          <a:miter lim="800000"/>
+        </a:ln>
+        <a:ln w="12700" cap="flat" cmpd="sng" algn="ctr">
+          <a:solidFill>
+            <a:schemeClr val="phClr"/>
+          </a:solidFill>
+          <a:prstDash val="solid"/>
+          <a:miter lim="800000"/>
+        </a:ln>
+        <a:ln w="19050" cap="flat" cmpd="sng" algn="ctr">
+          <a:solidFill>
+            <a:schemeClr val="phClr"/>
+          </a:solidFill>
+          <a:prstDash val="solid"/>
+          <a:miter lim="800000"/>
+        </a:ln>
+      </a:lnStyleLst>
+      <a:effectStyleLst>
+        <a:effectStyle>
+          <a:effectLst/>
+        </a:effectStyle>
+        <a:effectStyle>
+          <a:effectLst/>
+        </a:effectStyle>
+        <a:effectStyle>
+          <a:effectLst>
+            <a:outerShdw blurRad="57150" dist="19050" dir="5400000" algn="ctr" rotWithShape="0">
+              <a:srgbClr val="000000">
+                <a:alpha val="63000"/>
+              </a:srgbClr>
+            </a:outerShdw>
+          </a:effectLst>
+        </a:effectStyle>
+      </a:effectStyleLst>
+      <a:bgFillStyleLst>
+        <a:solidFill>
+          <a:schemeClr val="phClr"/>
+        </a:solidFill>
+        <a:solidFill>
+          <a:schemeClr val="phClr">
+            <a:tint val="95000"/>
+            <a:satMod val="170000"/>
+          </a:schemeClr>
+        </a:solidFill>
+        <a:gradFill rotWithShape="1">
+          <a:gsLst>
+            <a:gs pos="0">
+              <a:schemeClr val="phClr">
+                <a:tint val="93000"/>
+                <a:satMod val="150000"/>
+                <a:shade val="98000"/>
+                <a:lumMod val="102000"/>
+              </a:schemeClr>
+            </a:gs>
+            <a:gs pos="50000">
+              <a:schemeClr val="phClr">
+                <a:tint val="98000"/>
+                <a:satMod val="130000"/>
+                <a:shade val="90000"/>
+                <a:lumMod val="103000"/>
+              </a:schemeClr>
+            </a:gs>
+            <a:gs pos="100000">
+              <a:schemeClr val="phClr">
+                <a:shade val="63000"/>
+                <a:satMod val="120000"/>
+              </a:schemeClr>
+            </a:gs>
+          </a:gsLst>
+          <a:lin ang="5400000" scaled="0"/>
+        </a:gradFill>
+      </a:bgFillStyleLst>
+    </a:fmtScheme>
+  </a:themeElements>
+  <a:objectDefaults/>
+  <a:extraClrSchemeLst/>
+  <a:extLst>
+    <a:ext uri="{05A4C25C-085E-4340-85A3-A5531E510DB2}">
+      <thm15:themeFamily xmlns:thm15="http://schemas.microsoft.com/office/thememl/2012/main" name="Office Theme" id="{62F939B6-93AF-4DB8-9C6B-D6C7DFDC589F}" vid="{4A3C46E8-61CC-4603-A589-7422A47A8E4A}"/>
+    </a:ext>
+  </a:extLst>
+</a:theme>
+</file>
+
+<file path=ppt/theme/themeOverride1.xml><?xml version="1.0" encoding="utf-8"?>
+<a:themeOverride xmlns:a="http://schemas.openxmlformats.org/drawingml/2006/main">
+  <a:clrScheme name="Ретро">
+    <a:dk1>
+      <a:srgbClr val="000000"/>
+    </a:dk1>
+    <a:lt1>
+      <a:sysClr val="window" lastClr="FFFFFF"/>
+    </a:lt1>
+    <a:dk2>
+      <a:srgbClr val="637052"/>
+    </a:dk2>
+    <a:lt2>
+      <a:srgbClr val="CCDDEA"/>
+    </a:lt2>
+    <a:accent1>
+      <a:srgbClr val="E48312"/>
+    </a:accent1>
+    <a:accent2>
+      <a:srgbClr val="BD582C"/>
+    </a:accent2>
+    <a:accent3>
+      <a:srgbClr val="865640"/>
+    </a:accent3>
+    <a:accent4>
+      <a:srgbClr val="9B8357"/>
+    </a:accent4>
+    <a:accent5>
+      <a:srgbClr val="C2BC80"/>
+    </a:accent5>
+    <a:accent6>
+      <a:srgbClr val="94A088"/>
+    </a:accent6>
+    <a:hlink>
+      <a:srgbClr val="2998E3"/>
+    </a:hlink>
+    <a:folHlink>
+      <a:srgbClr val="8C8C8C"/>
+    </a:folHlink>
+  </a:clrScheme>
+</a:themeOverride>
+</file>
+
+<file path=ppt/theme/themeOverride2.xml><?xml version="1.0" encoding="utf-8"?>
+<a:themeOverride xmlns:a="http://schemas.openxmlformats.org/drawingml/2006/main">
+  <a:clrScheme name="Ретро">
+    <a:dk1>
+      <a:srgbClr val="000000"/>
+    </a:dk1>
+    <a:lt1>
+      <a:sysClr val="window" lastClr="FFFFFF"/>
+    </a:lt1>
+    <a:dk2>
+      <a:srgbClr val="637052"/>
+    </a:dk2>
+    <a:lt2>
+      <a:srgbClr val="CCDDEA"/>
+    </a:lt2>
+    <a:accent1>
+      <a:srgbClr val="E48312"/>
+    </a:accent1>
+    <a:accent2>
+      <a:srgbClr val="BD582C"/>
+    </a:accent2>
+    <a:accent3>
+      <a:srgbClr val="865640"/>
+    </a:accent3>
+    <a:accent4>
+      <a:srgbClr val="9B8357"/>
+    </a:accent4>
+    <a:accent5>
+      <a:srgbClr val="C2BC80"/>
+    </a:accent5>
+    <a:accent6>
+      <a:srgbClr val="94A088"/>
+    </a:accent6>
+    <a:hlink>
+      <a:srgbClr val="2998E3"/>
+    </a:hlink>
+    <a:folHlink>
+      <a:srgbClr val="8C8C8C"/>
+    </a:folHlink>
+  </a:clrScheme>
+</a:themeOverride>
 </file>
--- a/Presentation1.pptx
+++ b/Presentation1.pptx
@@ -10749,8 +10749,8 @@
           </a:p>
         </p:txBody>
       </p:sp>
-      <mc:AlternateContent xmlns:mc="http://schemas.openxmlformats.org/markup-compatibility/2006">
-        <mc:Choice xmlns:a14="http://schemas.microsoft.com/office/drawing/2010/main" Requires="a14">
+      <mc:AlternateContent xmlns:mc="http://schemas.openxmlformats.org/markup-compatibility/2006" xmlns:a14="http://schemas.microsoft.com/office/drawing/2010/main">
+        <mc:Choice Requires="a14">
           <p:sp>
             <p:nvSpPr>
               <p:cNvPr id="5" name="TextBox 4"/>
@@ -10773,6 +10773,7 @@
               </a:bodyPr>
               <a:lstStyle/>
               <a:p>
+                <a:pPr/>
                 <a14:m>
                   <m:oMathPara xmlns:m="http://schemas.openxmlformats.org/officeDocument/2006/math">
                     <m:oMathParaPr>
@@ -10818,7 +10819,7 @@
             </p:txBody>
           </p:sp>
         </mc:Choice>
-        <mc:Fallback>
+        <mc:Fallback xmlns="">
           <p:sp>
             <p:nvSpPr>
               <p:cNvPr id="5" name="TextBox 4"/>
@@ -10857,8 +10858,8 @@
           </p:sp>
         </mc:Fallback>
       </mc:AlternateContent>
-      <mc:AlternateContent xmlns:mc="http://schemas.openxmlformats.org/markup-compatibility/2006">
-        <mc:Choice xmlns:a14="http://schemas.microsoft.com/office/drawing/2010/main" Requires="a14">
+      <mc:AlternateContent xmlns:mc="http://schemas.openxmlformats.org/markup-compatibility/2006" xmlns:a14="http://schemas.microsoft.com/office/drawing/2010/main">
+        <mc:Choice Requires="a14">
           <p:sp>
             <p:nvSpPr>
               <p:cNvPr id="8" name="TextBox 7"/>
@@ -10881,6 +10882,7 @@
               </a:bodyPr>
               <a:lstStyle/>
               <a:p>
+                <a:pPr/>
                 <a14:m>
                   <m:oMathPara xmlns:m="http://schemas.openxmlformats.org/officeDocument/2006/math">
                     <m:oMathParaPr>
@@ -10926,7 +10928,7 @@
             </p:txBody>
           </p:sp>
         </mc:Choice>
-        <mc:Fallback>
+        <mc:Fallback xmlns="">
           <p:sp>
             <p:nvSpPr>
               <p:cNvPr id="8" name="TextBox 7"/>
@@ -11061,8 +11063,8 @@
           </a:p>
         </p:txBody>
       </p:sp>
-      <mc:AlternateContent xmlns:mc="http://schemas.openxmlformats.org/markup-compatibility/2006">
-        <mc:Choice xmlns:a14="http://schemas.microsoft.com/office/drawing/2010/main" Requires="a14">
+      <mc:AlternateContent xmlns:mc="http://schemas.openxmlformats.org/markup-compatibility/2006" xmlns:a14="http://schemas.microsoft.com/office/drawing/2010/main">
+        <mc:Choice Requires="a14">
           <p:sp>
             <p:nvSpPr>
               <p:cNvPr id="11" name="TextBox 10"/>
@@ -11085,6 +11087,7 @@
               </a:bodyPr>
               <a:lstStyle/>
               <a:p>
+                <a:pPr/>
                 <a14:m>
                   <m:oMathPara xmlns:m="http://schemas.openxmlformats.org/officeDocument/2006/math">
                     <m:oMathParaPr>
@@ -11163,7 +11166,7 @@
             </p:txBody>
           </p:sp>
         </mc:Choice>
-        <mc:Fallback>
+        <mc:Fallback xmlns="">
           <p:sp>
             <p:nvSpPr>
               <p:cNvPr id="11" name="TextBox 10"/>
@@ -11298,8 +11301,8 @@
           </a:p>
         </p:txBody>
       </p:sp>
-      <mc:AlternateContent xmlns:mc="http://schemas.openxmlformats.org/markup-compatibility/2006">
-        <mc:Choice xmlns:a14="http://schemas.microsoft.com/office/drawing/2010/main" Requires="a14">
+      <mc:AlternateContent xmlns:mc="http://schemas.openxmlformats.org/markup-compatibility/2006" xmlns:a14="http://schemas.microsoft.com/office/drawing/2010/main">
+        <mc:Choice Requires="a14">
           <p:sp>
             <p:nvSpPr>
               <p:cNvPr id="19" name="TextBox 18"/>
@@ -11322,6 +11325,7 @@
               </a:bodyPr>
               <a:lstStyle/>
               <a:p>
+                <a:pPr/>
                 <a14:m>
                   <m:oMathPara xmlns:m="http://schemas.openxmlformats.org/officeDocument/2006/math">
                     <m:oMathParaPr>
@@ -11392,7 +11396,7 @@
             </p:txBody>
           </p:sp>
         </mc:Choice>
-        <mc:Fallback>
+        <mc:Fallback xmlns="">
           <p:sp>
             <p:nvSpPr>
               <p:cNvPr id="19" name="TextBox 18"/>
@@ -11431,8 +11435,8 @@
           </p:sp>
         </mc:Fallback>
       </mc:AlternateContent>
-      <mc:AlternateContent xmlns:mc="http://schemas.openxmlformats.org/markup-compatibility/2006">
-        <mc:Choice xmlns:a14="http://schemas.microsoft.com/office/drawing/2010/main" Requires="a14">
+      <mc:AlternateContent xmlns:mc="http://schemas.openxmlformats.org/markup-compatibility/2006" xmlns:a14="http://schemas.microsoft.com/office/drawing/2010/main">
+        <mc:Choice Requires="a14">
           <p:sp>
             <p:nvSpPr>
               <p:cNvPr id="14" name="Прямоугольник 13"/>
@@ -11454,6 +11458,7 @@
               </a:bodyPr>
               <a:lstStyle/>
               <a:p>
+                <a:pPr/>
                 <a14:m>
                   <m:oMathPara xmlns:m="http://schemas.openxmlformats.org/officeDocument/2006/math">
                     <m:oMathParaPr>
@@ -11491,7 +11496,7 @@
             </p:txBody>
           </p:sp>
         </mc:Choice>
-        <mc:Fallback>
+        <mc:Fallback xmlns="">
           <p:sp>
             <p:nvSpPr>
               <p:cNvPr id="14" name="Прямоугольник 13"/>
@@ -11530,8 +11535,8 @@
           </p:sp>
         </mc:Fallback>
       </mc:AlternateContent>
-      <mc:AlternateContent xmlns:mc="http://schemas.openxmlformats.org/markup-compatibility/2006">
-        <mc:Choice xmlns:a14="http://schemas.microsoft.com/office/drawing/2010/main" Requires="a14">
+      <mc:AlternateContent xmlns:mc="http://schemas.openxmlformats.org/markup-compatibility/2006" xmlns:a14="http://schemas.microsoft.com/office/drawing/2010/main">
+        <mc:Choice Requires="a14">
           <p:sp>
             <p:nvSpPr>
               <p:cNvPr id="20" name="Прямоугольник 19"/>
@@ -11583,7 +11588,7 @@
             </p:txBody>
           </p:sp>
         </mc:Choice>
-        <mc:Fallback>
+        <mc:Fallback xmlns="">
           <p:sp>
             <p:nvSpPr>
               <p:cNvPr id="20" name="Прямоугольник 19"/>
@@ -11622,8 +11627,8 @@
           </p:sp>
         </mc:Fallback>
       </mc:AlternateContent>
-      <mc:AlternateContent xmlns:mc="http://schemas.openxmlformats.org/markup-compatibility/2006">
-        <mc:Choice xmlns:a14="http://schemas.microsoft.com/office/drawing/2010/main" Requires="a14">
+      <mc:AlternateContent xmlns:mc="http://schemas.openxmlformats.org/markup-compatibility/2006" xmlns:a14="http://schemas.microsoft.com/office/drawing/2010/main">
+        <mc:Choice Requires="a14">
           <p:sp>
             <p:nvSpPr>
               <p:cNvPr id="21" name="TextBox 20"/>
@@ -11646,6 +11651,7 @@
               </a:bodyPr>
               <a:lstStyle/>
               <a:p>
+                <a:pPr/>
                 <a14:m>
                   <m:oMathPara xmlns:m="http://schemas.openxmlformats.org/officeDocument/2006/math">
                     <m:oMathParaPr>
@@ -11691,7 +11697,7 @@
             </p:txBody>
           </p:sp>
         </mc:Choice>
-        <mc:Fallback>
+        <mc:Fallback xmlns="">
           <p:sp>
             <p:nvSpPr>
               <p:cNvPr id="21" name="TextBox 20"/>
@@ -11826,8 +11832,8 @@
           </a:p>
         </p:txBody>
       </p:sp>
-      <mc:AlternateContent xmlns:mc="http://schemas.openxmlformats.org/markup-compatibility/2006">
-        <mc:Choice xmlns:a14="http://schemas.microsoft.com/office/drawing/2010/main" Requires="a14">
+      <mc:AlternateContent xmlns:mc="http://schemas.openxmlformats.org/markup-compatibility/2006" xmlns:a14="http://schemas.microsoft.com/office/drawing/2010/main">
+        <mc:Choice Requires="a14">
           <p:sp>
             <p:nvSpPr>
               <p:cNvPr id="24" name="TextBox 23"/>
@@ -11850,6 +11856,7 @@
               </a:bodyPr>
               <a:lstStyle/>
               <a:p>
+                <a:pPr/>
                 <a14:m>
                   <m:oMathPara xmlns:m="http://schemas.openxmlformats.org/officeDocument/2006/math">
                     <m:oMathParaPr>
@@ -11920,7 +11927,7 @@
             </p:txBody>
           </p:sp>
         </mc:Choice>
-        <mc:Fallback>
+        <mc:Fallback xmlns="">
           <p:sp>
             <p:nvSpPr>
               <p:cNvPr id="24" name="TextBox 23"/>
@@ -13282,8 +13289,8 @@
           </a:p>
         </p:txBody>
       </p:sp>
-      <mc:AlternateContent xmlns:mc="http://schemas.openxmlformats.org/markup-compatibility/2006" xmlns:a14="http://schemas.microsoft.com/office/drawing/2010/main">
-        <mc:Choice Requires="a14">
+      <mc:AlternateContent xmlns:mc="http://schemas.openxmlformats.org/markup-compatibility/2006">
+        <mc:Choice xmlns:a14="http://schemas.microsoft.com/office/drawing/2010/main" Requires="a14">
           <p:sp>
             <p:nvSpPr>
               <p:cNvPr id="3" name="Content Placeholder 2">
@@ -13302,8 +13309,8 @@
             </p:nvSpPr>
             <p:spPr>
               <a:xfrm>
-                <a:off x="838200" y="1791854"/>
-                <a:ext cx="4986130" cy="4378037"/>
+                <a:off x="961161" y="1791854"/>
+                <a:ext cx="4986130" cy="4667931"/>
               </a:xfrm>
             </p:spPr>
             <p:txBody>
@@ -14070,20 +14077,7 @@
                     </m:oMath>
                   </m:oMathPara>
                 </a14:m>
-                <a:endParaRPr lang="ru-RU" sz="3400" kern="100" dirty="0">
-                  <a:solidFill>
-                    <a:schemeClr val="tx1"/>
-                  </a:solidFill>
-                  <a:latin typeface="Times New Roman" panose="02020603050405020304" pitchFamily="18" charset="0"/>
-                  <a:ea typeface="Calibri" panose="020F0502020204030204" pitchFamily="34" charset="0"/>
-                  <a:cs typeface="Times New Roman" panose="02020603050405020304" pitchFamily="18" charset="0"/>
-                </a:endParaRPr>
-              </a:p>
-              <a:p>
-                <a:pPr marL="0" indent="0">
-                  <a:buNone/>
-                </a:pPr>
-                <a:endParaRPr lang="ru-RU" sz="4300" kern="100" dirty="0">
+                <a:endParaRPr lang="ru-RU" sz="4300" kern="100" dirty="0" smtClean="0">
                   <a:solidFill>
                     <a:schemeClr val="tx1"/>
                   </a:solidFill>
@@ -14098,7 +14092,7 @@
                   <a:buNone/>
                 </a:pPr>
                 <a:r>
-                  <a:rPr lang="ru-RU" sz="6200" b="1" kern="100" dirty="0">
+                  <a:rPr lang="ru-RU" sz="6200" b="1" kern="100" dirty="0" smtClean="0">
                     <a:solidFill>
                       <a:schemeClr val="tx1"/>
                     </a:solidFill>
@@ -14106,10 +14100,10 @@
                     <a:ea typeface="Calibri" panose="020F0502020204030204" pitchFamily="34" charset="0"/>
                     <a:cs typeface="Times New Roman" panose="02020603050405020304" pitchFamily="18" charset="0"/>
                   </a:rPr>
-                  <a:t>Плюсы</a:t>
+                  <a:t>Достоинства</a:t>
                 </a:r>
                 <a:r>
-                  <a:rPr lang="en-US" sz="6200" b="1" kern="100" dirty="0">
+                  <a:rPr lang="en-US" sz="6200" b="1" kern="100" dirty="0" smtClean="0">
                     <a:solidFill>
                       <a:schemeClr val="tx1"/>
                     </a:solidFill>
@@ -14119,6 +14113,14 @@
                   </a:rPr>
                   <a:t>:</a:t>
                 </a:r>
+                <a:endParaRPr lang="en-US" sz="6200" b="1" kern="100" dirty="0">
+                  <a:solidFill>
+                    <a:schemeClr val="tx1"/>
+                  </a:solidFill>
+                  <a:latin typeface="Times New Roman" panose="02020603050405020304" pitchFamily="18" charset="0"/>
+                  <a:ea typeface="Calibri" panose="020F0502020204030204" pitchFamily="34" charset="0"/>
+                  <a:cs typeface="Times New Roman" panose="02020603050405020304" pitchFamily="18" charset="0"/>
+                </a:endParaRPr>
               </a:p>
               <a:p>
                 <a:pPr marL="0" indent="0">
@@ -14150,7 +14152,7 @@
                   <a:buNone/>
                 </a:pPr>
                 <a:r>
-                  <a:rPr lang="ru-RU" sz="6200" b="1" kern="100" dirty="0">
+                  <a:rPr lang="ru-RU" sz="6200" b="1" kern="100" dirty="0" smtClean="0">
                     <a:solidFill>
                       <a:schemeClr val="tx1"/>
                     </a:solidFill>
@@ -14158,10 +14160,10 @@
                     <a:ea typeface="Calibri" panose="020F0502020204030204" pitchFamily="34" charset="0"/>
                     <a:cs typeface="Times New Roman" panose="02020603050405020304" pitchFamily="18" charset="0"/>
                   </a:rPr>
-                  <a:t>Минусы</a:t>
+                  <a:t>Недостатки</a:t>
                 </a:r>
                 <a:r>
-                  <a:rPr lang="en-US" sz="6200" b="1" kern="100" dirty="0">
+                  <a:rPr lang="en-US" sz="6200" b="1" kern="100" dirty="0" smtClean="0">
                     <a:solidFill>
                       <a:schemeClr val="tx1"/>
                     </a:solidFill>
@@ -14171,6 +14173,14 @@
                   </a:rPr>
                   <a:t>:</a:t>
                 </a:r>
+                <a:endParaRPr lang="en-US" sz="6200" b="1" kern="100" dirty="0">
+                  <a:solidFill>
+                    <a:schemeClr val="tx1"/>
+                  </a:solidFill>
+                  <a:latin typeface="Times New Roman" panose="02020603050405020304" pitchFamily="18" charset="0"/>
+                  <a:ea typeface="Calibri" panose="020F0502020204030204" pitchFamily="34" charset="0"/>
+                  <a:cs typeface="Times New Roman" panose="02020603050405020304" pitchFamily="18" charset="0"/>
+                </a:endParaRPr>
               </a:p>
               <a:p>
                 <a:pPr marL="0" indent="0">
@@ -14185,8 +14195,24 @@
                     <a:ea typeface="Calibri" panose="020F0502020204030204" pitchFamily="34" charset="0"/>
                     <a:cs typeface="Times New Roman" panose="02020603050405020304" pitchFamily="18" charset="0"/>
                   </a:rPr>
-                  <a:t>Функция не является дифференцируемой</a:t>
+                  <a:t>Функция не является </a:t>
                 </a:r>
+                <a:r>
+                  <a:rPr lang="ru-RU" sz="6200" kern="100" dirty="0" smtClean="0">
+                    <a:solidFill>
+                      <a:schemeClr val="tx1"/>
+                    </a:solidFill>
+                    <a:latin typeface="Times New Roman" panose="02020603050405020304" pitchFamily="18" charset="0"/>
+                    <a:ea typeface="Calibri" panose="020F0502020204030204" pitchFamily="34" charset="0"/>
+                    <a:cs typeface="Times New Roman" panose="02020603050405020304" pitchFamily="18" charset="0"/>
+                  </a:rPr>
+                  <a:t>непрерывно дифференцируемой</a:t>
+                </a:r>
+              </a:p>
+              <a:p>
+                <a:pPr marL="0" indent="0">
+                  <a:buNone/>
+                </a:pPr>
                 <a:endParaRPr lang="ru-RU" sz="6200" kern="100" dirty="0">
                   <a:solidFill>
                     <a:schemeClr val="tx1"/>
@@ -14206,7 +14232,7 @@
             </p:txBody>
           </p:sp>
         </mc:Choice>
-        <mc:Fallback xmlns="">
+        <mc:Fallback>
           <p:sp>
             <p:nvSpPr>
               <p:cNvPr id="3" name="Content Placeholder 2">
@@ -14225,13 +14251,13 @@
             </p:nvSpPr>
             <p:spPr>
               <a:xfrm>
-                <a:off x="838200" y="1791854"/>
-                <a:ext cx="4986130" cy="4378037"/>
+                <a:off x="961161" y="1791854"/>
+                <a:ext cx="4986130" cy="4667931"/>
               </a:xfrm>
               <a:blipFill>
                 <a:blip r:embed="rId2"/>
                 <a:stretch>
-                  <a:fillRect l="-3182" t="-2786" b="-1532"/>
+                  <a:fillRect l="-3178" t="-2611"/>
                 </a:stretch>
               </a:blipFill>
             </p:spPr>
@@ -14272,8 +14298,8 @@
         </p:blipFill>
         <p:spPr>
           <a:xfrm>
-            <a:off x="6096000" y="1604758"/>
-            <a:ext cx="5731510" cy="4655126"/>
+            <a:off x="5947291" y="1786899"/>
+            <a:ext cx="5731510" cy="4540010"/>
           </a:xfrm>
           <a:prstGeom prst="rect">
             <a:avLst/>
@@ -14288,10 +14314,10 @@
         </p:nvGrpSpPr>
         <p:grpSpPr>
           <a:xfrm>
-            <a:off x="6939447" y="1791854"/>
-            <a:ext cx="4654498" cy="3888590"/>
-            <a:chOff x="7629236" y="1705454"/>
-            <a:chExt cx="4654498" cy="3888590"/>
+            <a:off x="6939447" y="1958037"/>
+            <a:ext cx="4548156" cy="3722407"/>
+            <a:chOff x="7629236" y="1871637"/>
+            <a:chExt cx="4548156" cy="3722407"/>
           </a:xfrm>
         </p:grpSpPr>
         <mc:AlternateContent xmlns:mc="http://schemas.openxmlformats.org/markup-compatibility/2006" xmlns:a14="http://schemas.microsoft.com/office/drawing/2010/main">
@@ -14415,8 +14441,8 @@
             </p:sp>
           </mc:Fallback>
         </mc:AlternateContent>
-        <mc:AlternateContent xmlns:mc="http://schemas.openxmlformats.org/markup-compatibility/2006" xmlns:a14="http://schemas.microsoft.com/office/drawing/2010/main">
-          <mc:Choice Requires="a14">
+        <mc:AlternateContent xmlns:mc="http://schemas.openxmlformats.org/markup-compatibility/2006">
+          <mc:Choice xmlns:a14="http://schemas.microsoft.com/office/drawing/2010/main" Requires="a14">
             <p:sp>
               <p:nvSpPr>
                 <p:cNvPr id="8" name="TextBox 7"/>
@@ -14425,7 +14451,7 @@
               </p:nvSpPr>
               <p:spPr>
                 <a:xfrm>
-                  <a:off x="7867473" y="4527482"/>
+                  <a:off x="7800571" y="4656105"/>
                   <a:ext cx="554182" cy="338554"/>
                 </a:xfrm>
                 <a:prstGeom prst="rect">
@@ -14497,7 +14523,7 @@
               </p:txBody>
             </p:sp>
           </mc:Choice>
-          <mc:Fallback xmlns="">
+          <mc:Fallback>
             <p:sp>
               <p:nvSpPr>
                 <p:cNvPr id="8" name="TextBox 7"/>
@@ -14508,7 +14534,7 @@
               </p:nvSpPr>
               <p:spPr>
                 <a:xfrm>
-                  <a:off x="7867473" y="4527482"/>
+                  <a:off x="7800571" y="4656105"/>
                   <a:ext cx="554182" cy="338554"/>
                 </a:xfrm>
                 <a:prstGeom prst="rect">
@@ -14517,7 +14543,7 @@
                 <a:blipFill>
                   <a:blip r:embed="rId5"/>
                   <a:stretch>
-                    <a:fillRect r="-16484" b="-10909"/>
+                    <a:fillRect r="-16484" b="-8929"/>
                   </a:stretch>
                 </a:blipFill>
               </p:spPr>
@@ -14536,8 +14562,8 @@
             </p:sp>
           </mc:Fallback>
         </mc:AlternateContent>
-        <mc:AlternateContent xmlns:mc="http://schemas.openxmlformats.org/markup-compatibility/2006" xmlns:a14="http://schemas.microsoft.com/office/drawing/2010/main">
-          <mc:Choice Requires="a14">
+        <mc:AlternateContent xmlns:mc="http://schemas.openxmlformats.org/markup-compatibility/2006">
+          <mc:Choice xmlns:a14="http://schemas.microsoft.com/office/drawing/2010/main" Requires="a14">
             <p:sp>
               <p:nvSpPr>
                 <p:cNvPr id="9" name="TextBox 8"/>
@@ -14546,7 +14572,7 @@
               </p:nvSpPr>
               <p:spPr>
                 <a:xfrm>
-                  <a:off x="8557490" y="4806019"/>
+                  <a:off x="8421655" y="4916936"/>
                   <a:ext cx="554182" cy="338554"/>
                 </a:xfrm>
                 <a:prstGeom prst="rect">
@@ -14618,7 +14644,7 @@
               </p:txBody>
             </p:sp>
           </mc:Choice>
-          <mc:Fallback xmlns="">
+          <mc:Fallback>
             <p:sp>
               <p:nvSpPr>
                 <p:cNvPr id="9" name="TextBox 8"/>
@@ -14629,7 +14655,7 @@
               </p:nvSpPr>
               <p:spPr>
                 <a:xfrm>
-                  <a:off x="8557490" y="4806019"/>
+                  <a:off x="8421655" y="4916936"/>
                   <a:ext cx="554182" cy="338554"/>
                 </a:xfrm>
                 <a:prstGeom prst="rect">
@@ -14638,7 +14664,7 @@
                 <a:blipFill>
                   <a:blip r:embed="rId6"/>
                   <a:stretch>
-                    <a:fillRect l="-1099" r="-15385" b="-10909"/>
+                    <a:fillRect r="-16484" b="-10909"/>
                   </a:stretch>
                 </a:blipFill>
               </p:spPr>
@@ -14657,8 +14683,8 @@
             </p:sp>
           </mc:Fallback>
         </mc:AlternateContent>
-        <mc:AlternateContent xmlns:mc="http://schemas.openxmlformats.org/markup-compatibility/2006" xmlns:a14="http://schemas.microsoft.com/office/drawing/2010/main">
-          <mc:Choice Requires="a14">
+        <mc:AlternateContent xmlns:mc="http://schemas.openxmlformats.org/markup-compatibility/2006">
+          <mc:Choice xmlns:a14="http://schemas.microsoft.com/office/drawing/2010/main" Requires="a14">
             <p:sp>
               <p:nvSpPr>
                 <p:cNvPr id="10" name="TextBox 9"/>
@@ -14667,7 +14693,7 @@
               </p:nvSpPr>
               <p:spPr>
                 <a:xfrm>
-                  <a:off x="8647490" y="3918397"/>
+                  <a:off x="8671562" y="4003362"/>
                   <a:ext cx="554182" cy="338554"/>
                 </a:xfrm>
                 <a:prstGeom prst="rect">
@@ -14739,7 +14765,7 @@
               </p:txBody>
             </p:sp>
           </mc:Choice>
-          <mc:Fallback xmlns="">
+          <mc:Fallback>
             <p:sp>
               <p:nvSpPr>
                 <p:cNvPr id="10" name="TextBox 9"/>
@@ -14750,7 +14776,7 @@
               </p:nvSpPr>
               <p:spPr>
                 <a:xfrm>
-                  <a:off x="8647490" y="3918397"/>
+                  <a:off x="8671562" y="4003362"/>
                   <a:ext cx="554182" cy="338554"/>
                 </a:xfrm>
                 <a:prstGeom prst="rect">
@@ -14778,8 +14804,8 @@
             </p:sp>
           </mc:Fallback>
         </mc:AlternateContent>
-        <mc:AlternateContent xmlns:mc="http://schemas.openxmlformats.org/markup-compatibility/2006" xmlns:a14="http://schemas.microsoft.com/office/drawing/2010/main">
-          <mc:Choice Requires="a14">
+        <mc:AlternateContent xmlns:mc="http://schemas.openxmlformats.org/markup-compatibility/2006">
+          <mc:Choice xmlns:a14="http://schemas.microsoft.com/office/drawing/2010/main" Requires="a14">
             <p:sp>
               <p:nvSpPr>
                 <p:cNvPr id="11" name="TextBox 10"/>
@@ -14788,7 +14814,7 @@
               </p:nvSpPr>
               <p:spPr>
                 <a:xfrm>
-                  <a:off x="9614598" y="3702044"/>
+                  <a:off x="9502835" y="3801227"/>
                   <a:ext cx="554182" cy="338554"/>
                 </a:xfrm>
                 <a:prstGeom prst="rect">
@@ -14860,7 +14886,7 @@
               </p:txBody>
             </p:sp>
           </mc:Choice>
-          <mc:Fallback xmlns="">
+          <mc:Fallback>
             <p:sp>
               <p:nvSpPr>
                 <p:cNvPr id="11" name="TextBox 10"/>
@@ -14871,7 +14897,7 @@
               </p:nvSpPr>
               <p:spPr>
                 <a:xfrm>
-                  <a:off x="9614598" y="3702044"/>
+                  <a:off x="9502835" y="3801227"/>
                   <a:ext cx="554182" cy="338554"/>
                 </a:xfrm>
                 <a:prstGeom prst="rect">
@@ -14880,7 +14906,7 @@
                 <a:blipFill>
                   <a:blip r:embed="rId8"/>
                   <a:stretch>
-                    <a:fillRect r="-16484" b="-8929"/>
+                    <a:fillRect l="-1099" r="-15385" b="-10909"/>
                   </a:stretch>
                 </a:blipFill>
               </p:spPr>
@@ -15020,8 +15046,8 @@
             </p:sp>
           </mc:Fallback>
         </mc:AlternateContent>
-        <mc:AlternateContent xmlns:mc="http://schemas.openxmlformats.org/markup-compatibility/2006" xmlns:a14="http://schemas.microsoft.com/office/drawing/2010/main">
-          <mc:Choice Requires="a14">
+        <mc:AlternateContent xmlns:mc="http://schemas.openxmlformats.org/markup-compatibility/2006">
+          <mc:Choice xmlns:a14="http://schemas.microsoft.com/office/drawing/2010/main" Requires="a14">
             <p:sp>
               <p:nvSpPr>
                 <p:cNvPr id="13" name="TextBox 12"/>
@@ -15030,7 +15056,7 @@
               </p:nvSpPr>
               <p:spPr>
                 <a:xfrm>
-                  <a:off x="10626609" y="2378658"/>
+                  <a:off x="10560858" y="2471022"/>
                   <a:ext cx="554182" cy="338554"/>
                 </a:xfrm>
                 <a:prstGeom prst="rect">
@@ -15102,7 +15128,7 @@
               </p:txBody>
             </p:sp>
           </mc:Choice>
-          <mc:Fallback xmlns="">
+          <mc:Fallback>
             <p:sp>
               <p:nvSpPr>
                 <p:cNvPr id="13" name="TextBox 12"/>
@@ -15113,7 +15139,7 @@
               </p:nvSpPr>
               <p:spPr>
                 <a:xfrm>
-                  <a:off x="10626609" y="2378658"/>
+                  <a:off x="10560858" y="2471022"/>
                   <a:ext cx="554182" cy="338554"/>
                 </a:xfrm>
                 <a:prstGeom prst="rect">
@@ -15122,7 +15148,7 @@
                 <a:blipFill>
                   <a:blip r:embed="rId10"/>
                   <a:stretch>
-                    <a:fillRect r="-16484" b="-8929"/>
+                    <a:fillRect r="-16484" b="-10909"/>
                   </a:stretch>
                 </a:blipFill>
               </p:spPr>
@@ -15141,8 +15167,8 @@
             </p:sp>
           </mc:Fallback>
         </mc:AlternateContent>
-        <mc:AlternateContent xmlns:mc="http://schemas.openxmlformats.org/markup-compatibility/2006" xmlns:a14="http://schemas.microsoft.com/office/drawing/2010/main">
-          <mc:Choice Requires="a14">
+        <mc:AlternateContent xmlns:mc="http://schemas.openxmlformats.org/markup-compatibility/2006">
+          <mc:Choice xmlns:a14="http://schemas.microsoft.com/office/drawing/2010/main" Requires="a14">
             <p:sp>
               <p:nvSpPr>
                 <p:cNvPr id="14" name="TextBox 13"/>
@@ -15151,7 +15177,7 @@
               </p:nvSpPr>
               <p:spPr>
                 <a:xfrm>
-                  <a:off x="11032836" y="1705454"/>
+                  <a:off x="10892674" y="1871637"/>
                   <a:ext cx="554182" cy="338554"/>
                 </a:xfrm>
                 <a:prstGeom prst="rect">
@@ -15223,7 +15249,7 @@
               </p:txBody>
             </p:sp>
           </mc:Choice>
-          <mc:Fallback xmlns="">
+          <mc:Fallback>
             <p:sp>
               <p:nvSpPr>
                 <p:cNvPr id="14" name="TextBox 13"/>
@@ -15234,7 +15260,7 @@
               </p:nvSpPr>
               <p:spPr>
                 <a:xfrm>
-                  <a:off x="11032836" y="1705454"/>
+                  <a:off x="10892674" y="1871637"/>
                   <a:ext cx="554182" cy="338554"/>
                 </a:xfrm>
                 <a:prstGeom prst="rect">
@@ -15243,7 +15269,7 @@
                 <a:blipFill>
                   <a:blip r:embed="rId11"/>
                   <a:stretch>
-                    <a:fillRect l="-1099" r="-15385" b="-10909"/>
+                    <a:fillRect l="-1099" r="-15385" b="-8929"/>
                   </a:stretch>
                 </a:blipFill>
               </p:spPr>
@@ -15262,8 +15288,8 @@
             </p:sp>
           </mc:Fallback>
         </mc:AlternateContent>
-        <mc:AlternateContent xmlns:mc="http://schemas.openxmlformats.org/markup-compatibility/2006" xmlns:a14="http://schemas.microsoft.com/office/drawing/2010/main">
-          <mc:Choice Requires="a14">
+        <mc:AlternateContent xmlns:mc="http://schemas.openxmlformats.org/markup-compatibility/2006">
+          <mc:Choice xmlns:a14="http://schemas.microsoft.com/office/drawing/2010/main" Requires="a14">
             <p:sp>
               <p:nvSpPr>
                 <p:cNvPr id="15" name="TextBox 14"/>
@@ -15272,7 +15298,7 @@
               </p:nvSpPr>
               <p:spPr>
                 <a:xfrm>
-                  <a:off x="11729552" y="1933161"/>
+                  <a:off x="11623210" y="2104687"/>
                   <a:ext cx="554182" cy="338554"/>
                 </a:xfrm>
                 <a:prstGeom prst="rect">
@@ -15344,7 +15370,7 @@
               </p:txBody>
             </p:sp>
           </mc:Choice>
-          <mc:Fallback xmlns="">
+          <mc:Fallback>
             <p:sp>
               <p:nvSpPr>
                 <p:cNvPr id="15" name="TextBox 14"/>
@@ -15355,7 +15381,7 @@
               </p:nvSpPr>
               <p:spPr>
                 <a:xfrm>
-                  <a:off x="11729552" y="1933161"/>
+                  <a:off x="11623210" y="2104687"/>
                   <a:ext cx="554182" cy="338554"/>
                 </a:xfrm>
                 <a:prstGeom prst="rect">
@@ -15364,7 +15390,7 @@
                 <a:blipFill>
                   <a:blip r:embed="rId12"/>
                   <a:stretch>
-                    <a:fillRect l="-1099" r="-14286" b="-8929"/>
+                    <a:fillRect l="-1111" r="-15556" b="-8929"/>
                   </a:stretch>
                 </a:blipFill>
               </p:spPr>
@@ -15485,8 +15511,8 @@
           </a:p>
         </p:txBody>
       </p:sp>
-      <mc:AlternateContent xmlns:mc="http://schemas.openxmlformats.org/markup-compatibility/2006" xmlns:a14="http://schemas.microsoft.com/office/drawing/2010/main">
-        <mc:Choice Requires="a14">
+      <mc:AlternateContent xmlns:mc="http://schemas.openxmlformats.org/markup-compatibility/2006">
+        <mc:Choice xmlns:a14="http://schemas.microsoft.com/office/drawing/2010/main" Requires="a14">
           <p:sp>
             <p:nvSpPr>
               <p:cNvPr id="3" name="Content Placeholder 2">
@@ -16009,22 +16035,24 @@
                   <a:buNone/>
                 </a:pPr>
                 <a:r>
-                  <a:rPr lang="ru-RU" sz="2000" b="1" kern="100" dirty="0" smtClean="0">
+                  <a:rPr lang="ru-RU" b="1" kern="100" dirty="0">
                     <a:solidFill>
                       <a:schemeClr val="tx1"/>
                     </a:solidFill>
                     <a:latin typeface="Times New Roman" panose="02020603050405020304" pitchFamily="18" charset="0"/>
                     <a:ea typeface="Calibri" panose="020F0502020204030204" pitchFamily="34" charset="0"/>
+                    <a:cs typeface="Times New Roman" panose="02020603050405020304" pitchFamily="18" charset="0"/>
                   </a:rPr>
-                  <a:t>Плюсы</a:t>
+                  <a:t>Достоинства</a:t>
                 </a:r>
                 <a:r>
-                  <a:rPr lang="en-US" sz="2000" b="1" kern="100" dirty="0">
+                  <a:rPr lang="en-US" b="1" kern="100" dirty="0">
                     <a:solidFill>
                       <a:schemeClr val="tx1"/>
                     </a:solidFill>
                     <a:latin typeface="Times New Roman" panose="02020603050405020304" pitchFamily="18" charset="0"/>
                     <a:ea typeface="Calibri" panose="020F0502020204030204" pitchFamily="34" charset="0"/>
+                    <a:cs typeface="Times New Roman" panose="02020603050405020304" pitchFamily="18" charset="0"/>
                   </a:rPr>
                   <a:t>:</a:t>
                 </a:r>
@@ -16034,6 +16062,17 @@
                   <a:buNone/>
                 </a:pPr>
                 <a:r>
+                  <a:rPr lang="ru-RU" sz="2000" kern="100" dirty="0" smtClean="0">
+                    <a:solidFill>
+                      <a:schemeClr val="tx1"/>
+                    </a:solidFill>
+                    <a:effectLst/>
+                    <a:latin typeface="Times New Roman" panose="02020603050405020304" pitchFamily="18" charset="0"/>
+                    <a:ea typeface="Calibri" panose="020F0502020204030204" pitchFamily="34" charset="0"/>
+                  </a:rPr>
+                  <a:t>Функция </a:t>
+                </a:r>
+                <a:r>
                   <a:rPr lang="ru-RU" sz="2000" kern="100" dirty="0">
                     <a:solidFill>
                       <a:schemeClr val="tx1"/>
@@ -16042,7 +16081,7 @@
                     <a:latin typeface="Times New Roman" panose="02020603050405020304" pitchFamily="18" charset="0"/>
                     <a:ea typeface="Calibri" panose="020F0502020204030204" pitchFamily="34" charset="0"/>
                   </a:rPr>
-                  <a:t>Функция является бесконечно дифференцируемой</a:t>
+                  <a:t>является бесконечно дифференцируемой</a:t>
                 </a:r>
                 <a:endParaRPr lang="ru-RU" sz="2000" kern="100" dirty="0">
                   <a:solidFill>
@@ -16057,37 +16096,43 @@
                   <a:buNone/>
                 </a:pPr>
                 <a:r>
-                  <a:rPr lang="ru-RU" sz="2000" b="1" kern="100" dirty="0">
+                  <a:rPr lang="ru-RU" b="1" kern="100" dirty="0">
                     <a:solidFill>
                       <a:schemeClr val="tx1"/>
                     </a:solidFill>
                     <a:latin typeface="Times New Roman" panose="02020603050405020304" pitchFamily="18" charset="0"/>
                     <a:ea typeface="Calibri" panose="020F0502020204030204" pitchFamily="34" charset="0"/>
+                    <a:cs typeface="Times New Roman" panose="02020603050405020304" pitchFamily="18" charset="0"/>
                   </a:rPr>
-                  <a:t>Минусы</a:t>
+                  <a:t>Недостатки</a:t>
                 </a:r>
                 <a:r>
-                  <a:rPr lang="en-US" sz="2000" b="1" kern="100" dirty="0">
+                  <a:rPr lang="en-US" b="1" kern="100" dirty="0">
                     <a:solidFill>
                       <a:schemeClr val="tx1"/>
                     </a:solidFill>
                     <a:latin typeface="Times New Roman" panose="02020603050405020304" pitchFamily="18" charset="0"/>
                     <a:ea typeface="Calibri" panose="020F0502020204030204" pitchFamily="34" charset="0"/>
+                    <a:cs typeface="Times New Roman" panose="02020603050405020304" pitchFamily="18" charset="0"/>
                   </a:rPr>
                   <a:t>:</a:t>
                 </a:r>
-                <a:endParaRPr lang="ru-RU" sz="2000" b="1" kern="100" dirty="0">
-                  <a:solidFill>
-                    <a:schemeClr val="tx1"/>
-                  </a:solidFill>
-                  <a:latin typeface="Times New Roman" panose="02020603050405020304" pitchFamily="18" charset="0"/>
-                  <a:ea typeface="Calibri" panose="020F0502020204030204" pitchFamily="34" charset="0"/>
-                </a:endParaRPr>
               </a:p>
               <a:p>
                 <a:pPr marL="0" indent="0">
                   <a:buNone/>
                 </a:pPr>
+                <a:r>
+                  <a:rPr lang="ru-RU" sz="2000" kern="100" dirty="0" smtClean="0">
+                    <a:solidFill>
+                      <a:schemeClr val="tx1"/>
+                    </a:solidFill>
+                    <a:effectLst/>
+                    <a:latin typeface="Times New Roman" panose="02020603050405020304" pitchFamily="18" charset="0"/>
+                    <a:ea typeface="Calibri" panose="020F0502020204030204" pitchFamily="34" charset="0"/>
+                  </a:rPr>
+                  <a:t>Плохая </a:t>
+                </a:r>
                 <a:r>
                   <a:rPr lang="ru-RU" sz="2000" kern="100" dirty="0">
                     <a:solidFill>
@@ -16097,7 +16142,7 @@
                     <a:latin typeface="Times New Roman" panose="02020603050405020304" pitchFamily="18" charset="0"/>
                     <a:ea typeface="Calibri" panose="020F0502020204030204" pitchFamily="34" charset="0"/>
                   </a:rPr>
-                  <a:t>Плохая обусловленность решения, переобучение при большом количестве точек</a:t>
+                  <a:t>обусловленность решения, переобучение при большом количестве точек</a:t>
                 </a:r>
               </a:p>
               <a:p>
@@ -16109,7 +16154,7 @@
             </p:txBody>
           </p:sp>
         </mc:Choice>
-        <mc:Fallback xmlns="">
+        <mc:Fallback>
           <p:sp>
             <p:nvSpPr>
               <p:cNvPr id="3" name="Content Placeholder 2">
@@ -17445,8 +17490,8 @@
           </a:p>
         </p:txBody>
       </p:sp>
-      <mc:AlternateContent xmlns:mc="http://schemas.openxmlformats.org/markup-compatibility/2006" xmlns:a14="http://schemas.microsoft.com/office/drawing/2010/main">
-        <mc:Choice Requires="a14">
+      <mc:AlternateContent xmlns:mc="http://schemas.openxmlformats.org/markup-compatibility/2006">
+        <mc:Choice xmlns:a14="http://schemas.microsoft.com/office/drawing/2010/main" Requires="a14">
           <p:sp>
             <p:nvSpPr>
               <p:cNvPr id="3" name="Content Placeholder 2">
@@ -17466,7 +17511,7 @@
             <p:spPr>
               <a:xfrm>
                 <a:off x="766618" y="1834861"/>
-                <a:ext cx="5131603" cy="4020993"/>
+                <a:ext cx="5131603" cy="4327525"/>
               </a:xfrm>
             </p:spPr>
             <p:txBody>
@@ -18662,10 +18707,10 @@
                     <a:ea typeface="Calibri" panose="020F0502020204030204" pitchFamily="34" charset="0"/>
                     <a:cs typeface="Times New Roman" panose="02020603050405020304" pitchFamily="18" charset="0"/>
                   </a:rPr>
-                  <a:t>Плюсы</a:t>
+                  <a:t>Достоинства</a:t>
                 </a:r>
                 <a:r>
-                  <a:rPr lang="en-US" sz="7200" b="1" kern="100" dirty="0">
+                  <a:rPr lang="en-US" sz="7200" b="1" kern="100" dirty="0" smtClean="0">
                     <a:solidFill>
                       <a:schemeClr val="tx1"/>
                     </a:solidFill>
@@ -18675,6 +18720,14 @@
                   </a:rPr>
                   <a:t>:</a:t>
                 </a:r>
+                <a:endParaRPr lang="en-US" sz="7200" b="1" kern="100" dirty="0">
+                  <a:solidFill>
+                    <a:schemeClr val="tx1"/>
+                  </a:solidFill>
+                  <a:latin typeface="Times New Roman" panose="02020603050405020304" pitchFamily="18" charset="0"/>
+                  <a:ea typeface="Calibri" panose="020F0502020204030204" pitchFamily="34" charset="0"/>
+                  <a:cs typeface="Times New Roman" panose="02020603050405020304" pitchFamily="18" charset="0"/>
+                </a:endParaRPr>
               </a:p>
               <a:p>
                 <a:pPr marL="0" indent="0">
@@ -18712,15 +18765,6 @@
               </a:p>
               <a:p>
                 <a:pPr marL="0" indent="0">
-                  <a:lnSpc>
-                    <a:spcPct val="120000"/>
-                  </a:lnSpc>
-                  <a:spcBef>
-                    <a:spcPts val="0"/>
-                  </a:spcBef>
-                  <a:spcAft>
-                    <a:spcPts val="0"/>
-                  </a:spcAft>
                   <a:buNone/>
                 </a:pPr>
                 <a:r>
@@ -18732,7 +18776,7 @@
                     <a:ea typeface="Calibri" panose="020F0502020204030204" pitchFamily="34" charset="0"/>
                     <a:cs typeface="Times New Roman" panose="02020603050405020304" pitchFamily="18" charset="0"/>
                   </a:rPr>
-                  <a:t>Минусы</a:t>
+                  <a:t>Недостатки</a:t>
                 </a:r>
                 <a:r>
                   <a:rPr lang="en-US" sz="7200" b="1" kern="100" dirty="0">
@@ -18745,14 +18789,6 @@
                   </a:rPr>
                   <a:t>:</a:t>
                 </a:r>
-                <a:endParaRPr lang="ru-RU" sz="7200" b="1" kern="100" dirty="0">
-                  <a:solidFill>
-                    <a:schemeClr val="tx1"/>
-                  </a:solidFill>
-                  <a:latin typeface="Times New Roman" panose="02020603050405020304" pitchFamily="18" charset="0"/>
-                  <a:ea typeface="Calibri" panose="020F0502020204030204" pitchFamily="34" charset="0"/>
-                  <a:cs typeface="Times New Roman" panose="02020603050405020304" pitchFamily="18" charset="0"/>
-                </a:endParaRPr>
               </a:p>
               <a:p>
                 <a:pPr marL="0" indent="0">
@@ -18768,6 +18804,18 @@
                   <a:buNone/>
                 </a:pPr>
                 <a:r>
+                  <a:rPr lang="ru-RU" sz="7200" kern="100" dirty="0" smtClean="0">
+                    <a:solidFill>
+                      <a:schemeClr val="tx1"/>
+                    </a:solidFill>
+                    <a:effectLst/>
+                    <a:latin typeface="Times New Roman" panose="02020603050405020304" pitchFamily="18" charset="0"/>
+                    <a:ea typeface="Calibri" panose="020F0502020204030204" pitchFamily="34" charset="0"/>
+                    <a:cs typeface="Times New Roman" panose="02020603050405020304" pitchFamily="18" charset="0"/>
+                  </a:rPr>
+                  <a:t>Большой </a:t>
+                </a:r>
+                <a:r>
                   <a:rPr lang="ru-RU" sz="7200" kern="100" dirty="0">
                     <a:solidFill>
                       <a:schemeClr val="tx1"/>
@@ -18777,7 +18825,7 @@
                     <a:ea typeface="Calibri" panose="020F0502020204030204" pitchFamily="34" charset="0"/>
                     <a:cs typeface="Times New Roman" panose="02020603050405020304" pitchFamily="18" charset="0"/>
                   </a:rPr>
-                  <a:t>Большой объем вычислений</a:t>
+                  <a:t>объем вычислений</a:t>
                 </a:r>
               </a:p>
               <a:p>
@@ -18789,7 +18837,7 @@
             </p:txBody>
           </p:sp>
         </mc:Choice>
-        <mc:Fallback xmlns="">
+        <mc:Fallback>
           <p:sp>
             <p:nvSpPr>
               <p:cNvPr id="3" name="Content Placeholder 2">
@@ -18809,12 +18857,12 @@
             <p:spPr>
               <a:xfrm>
                 <a:off x="766618" y="1834861"/>
-                <a:ext cx="5131603" cy="4020993"/>
+                <a:ext cx="5131603" cy="4327525"/>
               </a:xfrm>
               <a:blipFill>
                 <a:blip r:embed="rId2"/>
                 <a:stretch>
-                  <a:fillRect l="-2850" t="-2727" r="-1781" b="-3182"/>
+                  <a:fillRect l="-2850" t="-2535" r="-1781"/>
                 </a:stretch>
               </a:blipFill>
             </p:spPr>
@@ -20664,8 +20712,8 @@
           </a:prstGeom>
         </p:spPr>
       </p:pic>
-      <mc:AlternateContent xmlns:mc="http://schemas.openxmlformats.org/markup-compatibility/2006" xmlns:a14="http://schemas.microsoft.com/office/drawing/2010/main">
-        <mc:Choice Requires="a14">
+      <mc:AlternateContent xmlns:mc="http://schemas.openxmlformats.org/markup-compatibility/2006">
+        <mc:Choice xmlns:a14="http://schemas.microsoft.com/office/drawing/2010/main" Requires="a14">
           <p:sp>
             <p:nvSpPr>
               <p:cNvPr id="5" name="Content Placeholder 2">
@@ -21531,19 +21579,24 @@
                   <a:buNone/>
                 </a:pPr>
                 <a:r>
-                  <a:rPr lang="ru-RU" sz="2300" b="1" kern="100" dirty="0">
+                  <a:rPr lang="ru-RU" sz="2400" b="1" kern="100" dirty="0" smtClean="0">
                     <a:latin typeface="Times New Roman" panose="02020603050405020304" pitchFamily="18" charset="0"/>
                     <a:ea typeface="Calibri" panose="020F0502020204030204" pitchFamily="34" charset="0"/>
+                    <a:cs typeface="Times New Roman" panose="02020603050405020304" pitchFamily="18" charset="0"/>
                   </a:rPr>
-                  <a:t>Плюсы</a:t>
+                  <a:t>Достоинства</a:t>
                 </a:r>
                 <a:r>
-                  <a:rPr lang="en-US" sz="2300" b="1" kern="100" dirty="0">
+                  <a:rPr lang="en-US" sz="2300" b="1" kern="100" dirty="0" smtClean="0">
                     <a:latin typeface="Times New Roman" panose="02020603050405020304" pitchFamily="18" charset="0"/>
                     <a:ea typeface="Calibri" panose="020F0502020204030204" pitchFamily="34" charset="0"/>
                   </a:rPr>
                   <a:t>:</a:t>
                 </a:r>
+                <a:endParaRPr lang="en-US" sz="2300" b="1" kern="100" dirty="0">
+                  <a:latin typeface="Times New Roman" panose="02020603050405020304" pitchFamily="18" charset="0"/>
+                  <a:ea typeface="Calibri" panose="020F0502020204030204" pitchFamily="34" charset="0"/>
+                </a:endParaRPr>
               </a:p>
               <a:p>
                 <a:pPr marL="0" indent="0">
@@ -21562,14 +21615,15 @@
                   <a:buNone/>
                 </a:pPr>
                 <a:r>
-                  <a:rPr lang="ru-RU" sz="2300" b="1" kern="100" dirty="0">
+                  <a:rPr lang="ru-RU" sz="2400" b="1" kern="100" dirty="0" smtClean="0">
                     <a:latin typeface="Times New Roman" panose="02020603050405020304" pitchFamily="18" charset="0"/>
                     <a:ea typeface="Calibri" panose="020F0502020204030204" pitchFamily="34" charset="0"/>
+                    <a:cs typeface="Times New Roman" panose="02020603050405020304" pitchFamily="18" charset="0"/>
                   </a:rPr>
-                  <a:t>Минусы</a:t>
+                  <a:t>Недостатки</a:t>
                 </a:r>
                 <a:r>
-                  <a:rPr lang="en-US" sz="2300" b="1" kern="100" dirty="0">
+                  <a:rPr lang="en-US" sz="2300" b="1" kern="100" dirty="0" smtClean="0">
                     <a:latin typeface="Times New Roman" panose="02020603050405020304" pitchFamily="18" charset="0"/>
                     <a:ea typeface="Calibri" panose="020F0502020204030204" pitchFamily="34" charset="0"/>
                   </a:rPr>
@@ -21603,7 +21657,7 @@
             </p:txBody>
           </p:sp>
         </mc:Choice>
-        <mc:Fallback xmlns="">
+        <mc:Fallback>
           <p:sp>
             <p:nvSpPr>
               <p:cNvPr id="5" name="Content Placeholder 2">
@@ -21629,7 +21683,7 @@
               <a:blipFill>
                 <a:blip r:embed="rId4"/>
                 <a:stretch>
-                  <a:fillRect l="-1100" t="-2381" r="-978" b="-420"/>
+                  <a:fillRect l="-1222" t="-2381" r="-978"/>
                 </a:stretch>
               </a:blipFill>
             </p:spPr>
